--- a/Group1 presentation revised 3.pptx
+++ b/Group1 presentation revised 3.pptx
@@ -11,15 +11,15 @@
     <p:sldId id="257" r:id="rId2"/>
     <p:sldId id="265" r:id="rId3"/>
     <p:sldId id="271" r:id="rId4"/>
-    <p:sldId id="273" r:id="rId5"/>
-    <p:sldId id="274" r:id="rId6"/>
+    <p:sldId id="274" r:id="rId5"/>
+    <p:sldId id="277" r:id="rId6"/>
     <p:sldId id="267" r:id="rId7"/>
     <p:sldId id="276" r:id="rId8"/>
     <p:sldId id="278" r:id="rId9"/>
     <p:sldId id="279" r:id="rId10"/>
     <p:sldId id="275" r:id="rId11"/>
     <p:sldId id="281" r:id="rId12"/>
-    <p:sldId id="277" r:id="rId13"/>
+    <p:sldId id="273" r:id="rId13"/>
     <p:sldId id="280" r:id="rId14"/>
   </p:sldIdLst>
   <p:sldSz cx="9144000" cy="5143500" type="screen16x9"/>
@@ -272,26 +272,207 @@
 </p:presentation>
 </file>
 
+<file path=ppt/revisionInfo.xml><?xml version="1.0" encoding="utf-8"?>
+<p1510:revInfo xmlns:a="http://schemas.openxmlformats.org/drawingml/2006/main" xmlns:r="http://schemas.openxmlformats.org/officeDocument/2006/relationships" xmlns:p1510="http://schemas.microsoft.com/office/powerpoint/2015/10/main">
+  <p1510:revLst>
+    <p1510:client id="{08559E9A-47D9-4FFB-9C7D-3C9A15A644FB}" v="51" dt="2022-04-09T18:37:14.164"/>
+  </p1510:revLst>
+</p1510:revInfo>
+</file>
+
 <file path=ppt/changesInfos/changesInfo1.xml><?xml version="1.0" encoding="utf-8"?>
 <pc:chgInfo xmlns:a="http://schemas.openxmlformats.org/drawingml/2006/main" xmlns:r="http://schemas.openxmlformats.org/officeDocument/2006/relationships" xmlns:ac="http://schemas.microsoft.com/office/drawing/2013/main/command" xmlns:pc="http://schemas.microsoft.com/office/powerpoint/2013/main/command">
   <pc:docChgLst>
     <pc:chgData name="Theresa Heath" userId="0a643456b5129ff4" providerId="LiveId" clId="{08559E9A-47D9-4FFB-9C7D-3C9A15A644FB}"/>
-    <pc:docChg chg="modSld">
-      <pc:chgData name="Theresa Heath" userId="0a643456b5129ff4" providerId="LiveId" clId="{08559E9A-47D9-4FFB-9C7D-3C9A15A644FB}" dt="2022-04-09T16:06:38.626" v="0" actId="20577"/>
+    <pc:docChg chg="undo custSel modSld sldOrd">
+      <pc:chgData name="Theresa Heath" userId="0a643456b5129ff4" providerId="LiveId" clId="{08559E9A-47D9-4FFB-9C7D-3C9A15A644FB}" dt="2022-04-09T20:28:54.450" v="809" actId="20577"/>
       <pc:docMkLst>
         <pc:docMk/>
       </pc:docMkLst>
+      <pc:sldChg chg="modSp mod setBg">
+        <pc:chgData name="Theresa Heath" userId="0a643456b5129ff4" providerId="LiveId" clId="{08559E9A-47D9-4FFB-9C7D-3C9A15A644FB}" dt="2022-04-09T16:32:25.485" v="376" actId="207"/>
+        <pc:sldMkLst>
+          <pc:docMk/>
+          <pc:sldMk cId="399457455" sldId="265"/>
+        </pc:sldMkLst>
+        <pc:spChg chg="mod">
+          <ac:chgData name="Theresa Heath" userId="0a643456b5129ff4" providerId="LiveId" clId="{08559E9A-47D9-4FFB-9C7D-3C9A15A644FB}" dt="2022-04-09T16:32:25.485" v="376" actId="207"/>
+          <ac:spMkLst>
+            <pc:docMk/>
+            <pc:sldMk cId="399457455" sldId="265"/>
+            <ac:spMk id="2" creationId="{48BF80AB-9619-49C8-9D40-FF1028787918}"/>
+          </ac:spMkLst>
+        </pc:spChg>
+      </pc:sldChg>
+      <pc:sldChg chg="modSp mod setBg">
+        <pc:chgData name="Theresa Heath" userId="0a643456b5129ff4" providerId="LiveId" clId="{08559E9A-47D9-4FFB-9C7D-3C9A15A644FB}" dt="2022-04-09T16:32:59.420" v="385" actId="207"/>
+        <pc:sldMkLst>
+          <pc:docMk/>
+          <pc:sldMk cId="1687308034" sldId="267"/>
+        </pc:sldMkLst>
+        <pc:spChg chg="mod">
+          <ac:chgData name="Theresa Heath" userId="0a643456b5129ff4" providerId="LiveId" clId="{08559E9A-47D9-4FFB-9C7D-3C9A15A644FB}" dt="2022-04-09T16:32:59.420" v="385" actId="207"/>
+          <ac:spMkLst>
+            <pc:docMk/>
+            <pc:sldMk cId="1687308034" sldId="267"/>
+            <ac:spMk id="2" creationId="{48BF80AB-9619-49C8-9D40-FF1028787918}"/>
+          </ac:spMkLst>
+        </pc:spChg>
+      </pc:sldChg>
       <pc:sldChg chg="modSp mod">
-        <pc:chgData name="Theresa Heath" userId="0a643456b5129ff4" providerId="LiveId" clId="{08559E9A-47D9-4FFB-9C7D-3C9A15A644FB}" dt="2022-04-09T16:06:38.626" v="0" actId="20577"/>
+        <pc:chgData name="Theresa Heath" userId="0a643456b5129ff4" providerId="LiveId" clId="{08559E9A-47D9-4FFB-9C7D-3C9A15A644FB}" dt="2022-04-09T20:22:07.593" v="648" actId="113"/>
+        <pc:sldMkLst>
+          <pc:docMk/>
+          <pc:sldMk cId="3601532697" sldId="271"/>
+        </pc:sldMkLst>
+        <pc:spChg chg="mod">
+          <ac:chgData name="Theresa Heath" userId="0a643456b5129ff4" providerId="LiveId" clId="{08559E9A-47D9-4FFB-9C7D-3C9A15A644FB}" dt="2022-04-09T20:22:07.593" v="648" actId="113"/>
+          <ac:spMkLst>
+            <pc:docMk/>
+            <pc:sldMk cId="3601532697" sldId="271"/>
+            <ac:spMk id="2" creationId="{48BF80AB-9619-49C8-9D40-FF1028787918}"/>
+          </ac:spMkLst>
+        </pc:spChg>
+        <pc:picChg chg="mod">
+          <ac:chgData name="Theresa Heath" userId="0a643456b5129ff4" providerId="LiveId" clId="{08559E9A-47D9-4FFB-9C7D-3C9A15A644FB}" dt="2022-04-09T20:21:53.603" v="647" actId="14100"/>
+          <ac:picMkLst>
+            <pc:docMk/>
+            <pc:sldMk cId="3601532697" sldId="271"/>
+            <ac:picMk id="4" creationId="{988BEC99-851C-4203-85C9-4FF1779C0510}"/>
+          </ac:picMkLst>
+        </pc:picChg>
+      </pc:sldChg>
+      <pc:sldChg chg="modSp mod ord">
+        <pc:chgData name="Theresa Heath" userId="0a643456b5129ff4" providerId="LiveId" clId="{08559E9A-47D9-4FFB-9C7D-3C9A15A644FB}" dt="2022-04-09T20:28:54.450" v="809" actId="20577"/>
         <pc:sldMkLst>
           <pc:docMk/>
           <pc:sldMk cId="2204897532" sldId="273"/>
         </pc:sldMkLst>
         <pc:spChg chg="mod">
-          <ac:chgData name="Theresa Heath" userId="0a643456b5129ff4" providerId="LiveId" clId="{08559E9A-47D9-4FFB-9C7D-3C9A15A644FB}" dt="2022-04-09T16:06:38.626" v="0" actId="20577"/>
+          <ac:chgData name="Theresa Heath" userId="0a643456b5129ff4" providerId="LiveId" clId="{08559E9A-47D9-4FFB-9C7D-3C9A15A644FB}" dt="2022-04-09T20:28:54.450" v="809" actId="20577"/>
           <ac:spMkLst>
             <pc:docMk/>
             <pc:sldMk cId="2204897532" sldId="273"/>
+            <ac:spMk id="2" creationId="{48BF80AB-9619-49C8-9D40-FF1028787918}"/>
+          </ac:spMkLst>
+        </pc:spChg>
+      </pc:sldChg>
+      <pc:sldChg chg="modSp mod">
+        <pc:chgData name="Theresa Heath" userId="0a643456b5129ff4" providerId="LiveId" clId="{08559E9A-47D9-4FFB-9C7D-3C9A15A644FB}" dt="2022-04-09T16:32:51.304" v="383" actId="207"/>
+        <pc:sldMkLst>
+          <pc:docMk/>
+          <pc:sldMk cId="2691451647" sldId="274"/>
+        </pc:sldMkLst>
+        <pc:spChg chg="mod">
+          <ac:chgData name="Theresa Heath" userId="0a643456b5129ff4" providerId="LiveId" clId="{08559E9A-47D9-4FFB-9C7D-3C9A15A644FB}" dt="2022-04-09T16:32:51.304" v="383" actId="207"/>
+          <ac:spMkLst>
+            <pc:docMk/>
+            <pc:sldMk cId="2691451647" sldId="274"/>
+            <ac:spMk id="2" creationId="{48BF80AB-9619-49C8-9D40-FF1028787918}"/>
+          </ac:spMkLst>
+        </pc:spChg>
+      </pc:sldChg>
+      <pc:sldChg chg="modSp mod">
+        <pc:chgData name="Theresa Heath" userId="0a643456b5129ff4" providerId="LiveId" clId="{08559E9A-47D9-4FFB-9C7D-3C9A15A644FB}" dt="2022-04-09T16:31:22.337" v="365" actId="207"/>
+        <pc:sldMkLst>
+          <pc:docMk/>
+          <pc:sldMk cId="313516060" sldId="275"/>
+        </pc:sldMkLst>
+        <pc:spChg chg="mod">
+          <ac:chgData name="Theresa Heath" userId="0a643456b5129ff4" providerId="LiveId" clId="{08559E9A-47D9-4FFB-9C7D-3C9A15A644FB}" dt="2022-04-09T16:31:22.337" v="365" actId="207"/>
+          <ac:spMkLst>
+            <pc:docMk/>
+            <pc:sldMk cId="313516060" sldId="275"/>
+            <ac:spMk id="2" creationId="{48BF80AB-9619-49C8-9D40-FF1028787918}"/>
+          </ac:spMkLst>
+        </pc:spChg>
+      </pc:sldChg>
+      <pc:sldChg chg="modSp mod">
+        <pc:chgData name="Theresa Heath" userId="0a643456b5129ff4" providerId="LiveId" clId="{08559E9A-47D9-4FFB-9C7D-3C9A15A644FB}" dt="2022-04-09T16:33:07.883" v="387" actId="207"/>
+        <pc:sldMkLst>
+          <pc:docMk/>
+          <pc:sldMk cId="1148195285" sldId="276"/>
+        </pc:sldMkLst>
+        <pc:spChg chg="mod">
+          <ac:chgData name="Theresa Heath" userId="0a643456b5129ff4" providerId="LiveId" clId="{08559E9A-47D9-4FFB-9C7D-3C9A15A644FB}" dt="2022-04-09T16:33:07.883" v="387" actId="207"/>
+          <ac:spMkLst>
+            <pc:docMk/>
+            <pc:sldMk cId="1148195285" sldId="276"/>
+            <ac:spMk id="2" creationId="{48BF80AB-9619-49C8-9D40-FF1028787918}"/>
+          </ac:spMkLst>
+        </pc:spChg>
+      </pc:sldChg>
+      <pc:sldChg chg="modSp mod ord">
+        <pc:chgData name="Theresa Heath" userId="0a643456b5129ff4" providerId="LiveId" clId="{08559E9A-47D9-4FFB-9C7D-3C9A15A644FB}" dt="2022-04-09T20:12:03.199" v="550"/>
+        <pc:sldMkLst>
+          <pc:docMk/>
+          <pc:sldMk cId="3884940733" sldId="277"/>
+        </pc:sldMkLst>
+        <pc:spChg chg="mod">
+          <ac:chgData name="Theresa Heath" userId="0a643456b5129ff4" providerId="LiveId" clId="{08559E9A-47D9-4FFB-9C7D-3C9A15A644FB}" dt="2022-04-09T16:32:01.983" v="374" actId="207"/>
+          <ac:spMkLst>
+            <pc:docMk/>
+            <pc:sldMk cId="3884940733" sldId="277"/>
+            <ac:spMk id="2" creationId="{48BF80AB-9619-49C8-9D40-FF1028787918}"/>
+          </ac:spMkLst>
+        </pc:spChg>
+      </pc:sldChg>
+      <pc:sldChg chg="modSp mod setBg">
+        <pc:chgData name="Theresa Heath" userId="0a643456b5129ff4" providerId="LiveId" clId="{08559E9A-47D9-4FFB-9C7D-3C9A15A644FB}" dt="2022-04-09T20:08:45.249" v="545" actId="20577"/>
+        <pc:sldMkLst>
+          <pc:docMk/>
+          <pc:sldMk cId="1614437287" sldId="278"/>
+        </pc:sldMkLst>
+        <pc:spChg chg="mod">
+          <ac:chgData name="Theresa Heath" userId="0a643456b5129ff4" providerId="LiveId" clId="{08559E9A-47D9-4FFB-9C7D-3C9A15A644FB}" dt="2022-04-09T20:08:45.249" v="545" actId="20577"/>
+          <ac:spMkLst>
+            <pc:docMk/>
+            <pc:sldMk cId="1614437287" sldId="278"/>
+            <ac:spMk id="2" creationId="{48BF80AB-9619-49C8-9D40-FF1028787918}"/>
+          </ac:spMkLst>
+        </pc:spChg>
+      </pc:sldChg>
+      <pc:sldChg chg="modSp mod">
+        <pc:chgData name="Theresa Heath" userId="0a643456b5129ff4" providerId="LiveId" clId="{08559E9A-47D9-4FFB-9C7D-3C9A15A644FB}" dt="2022-04-09T20:09:18.618" v="546" actId="20577"/>
+        <pc:sldMkLst>
+          <pc:docMk/>
+          <pc:sldMk cId="1138265758" sldId="279"/>
+        </pc:sldMkLst>
+        <pc:spChg chg="mod">
+          <ac:chgData name="Theresa Heath" userId="0a643456b5129ff4" providerId="LiveId" clId="{08559E9A-47D9-4FFB-9C7D-3C9A15A644FB}" dt="2022-04-09T20:09:18.618" v="546" actId="20577"/>
+          <ac:spMkLst>
+            <pc:docMk/>
+            <pc:sldMk cId="1138265758" sldId="279"/>
+            <ac:spMk id="2" creationId="{48BF80AB-9619-49C8-9D40-FF1028787918}"/>
+          </ac:spMkLst>
+        </pc:spChg>
+      </pc:sldChg>
+      <pc:sldChg chg="modSp mod">
+        <pc:chgData name="Theresa Heath" userId="0a643456b5129ff4" providerId="LiveId" clId="{08559E9A-47D9-4FFB-9C7D-3C9A15A644FB}" dt="2022-04-09T20:14:41.872" v="644" actId="20577"/>
+        <pc:sldMkLst>
+          <pc:docMk/>
+          <pc:sldMk cId="660173787" sldId="280"/>
+        </pc:sldMkLst>
+        <pc:spChg chg="mod">
+          <ac:chgData name="Theresa Heath" userId="0a643456b5129ff4" providerId="LiveId" clId="{08559E9A-47D9-4FFB-9C7D-3C9A15A644FB}" dt="2022-04-09T20:14:41.872" v="644" actId="20577"/>
+          <ac:spMkLst>
+            <pc:docMk/>
+            <pc:sldMk cId="660173787" sldId="280"/>
+            <ac:spMk id="2" creationId="{48BF80AB-9619-49C8-9D40-FF1028787918}"/>
+          </ac:spMkLst>
+        </pc:spChg>
+      </pc:sldChg>
+      <pc:sldChg chg="modSp mod">
+        <pc:chgData name="Theresa Heath" userId="0a643456b5129ff4" providerId="LiveId" clId="{08559E9A-47D9-4FFB-9C7D-3C9A15A644FB}" dt="2022-04-09T16:31:43.862" v="370" actId="207"/>
+        <pc:sldMkLst>
+          <pc:docMk/>
+          <pc:sldMk cId="1499578634" sldId="281"/>
+        </pc:sldMkLst>
+        <pc:spChg chg="mod">
+          <ac:chgData name="Theresa Heath" userId="0a643456b5129ff4" providerId="LiveId" clId="{08559E9A-47D9-4FFB-9C7D-3C9A15A644FB}" dt="2022-04-09T16:31:43.862" v="370" actId="207"/>
+          <ac:spMkLst>
+            <pc:docMk/>
+            <pc:sldMk cId="1499578634" sldId="281"/>
             <ac:spMk id="2" creationId="{48BF80AB-9619-49C8-9D40-FF1028787918}"/>
           </ac:spMkLst>
         </pc:spChg>
@@ -1156,14 +1337,14 @@
               </a:spcAft>
               <a:buNone/>
             </a:pPr>
-            <a:endParaRPr/>
+            <a:endParaRPr dirty="0"/>
           </a:p>
         </p:txBody>
       </p:sp>
     </p:spTree>
     <p:extLst>
       <p:ext uri="{BB962C8B-B14F-4D97-AF65-F5344CB8AC3E}">
-        <p14:creationId xmlns:p14="http://schemas.microsoft.com/office/powerpoint/2010/main" val="1714155696"/>
+        <p14:creationId xmlns:p14="http://schemas.microsoft.com/office/powerpoint/2010/main" val="3808775746"/>
       </p:ext>
     </p:extLst>
   </p:cSld>
@@ -1599,7 +1780,7 @@
     </p:spTree>
     <p:extLst>
       <p:ext uri="{BB962C8B-B14F-4D97-AF65-F5344CB8AC3E}">
-        <p14:creationId xmlns:p14="http://schemas.microsoft.com/office/powerpoint/2010/main" val="3808775746"/>
+        <p14:creationId xmlns:p14="http://schemas.microsoft.com/office/powerpoint/2010/main" val="3548621194"/>
       </p:ext>
     </p:extLst>
   </p:cSld>
@@ -1708,7 +1889,7 @@
     </p:spTree>
     <p:extLst>
       <p:ext uri="{BB962C8B-B14F-4D97-AF65-F5344CB8AC3E}">
-        <p14:creationId xmlns:p14="http://schemas.microsoft.com/office/powerpoint/2010/main" val="3548621194"/>
+        <p14:creationId xmlns:p14="http://schemas.microsoft.com/office/powerpoint/2010/main" val="1714155696"/>
       </p:ext>
     </p:extLst>
   </p:cSld>
@@ -6716,32 +6897,11 @@
           <a:prstGeom prst="rect">
             <a:avLst/>
           </a:prstGeom>
-          <a:gradFill flip="none" rotWithShape="1">
-            <a:gsLst>
-              <a:gs pos="0">
-                <a:schemeClr val="accent4">
-                  <a:lumMod val="0"/>
-                  <a:lumOff val="100000"/>
-                </a:schemeClr>
-              </a:gs>
-              <a:gs pos="84000">
-                <a:schemeClr val="accent4">
-                  <a:lumMod val="0"/>
-                  <a:lumOff val="100000"/>
-                  <a:alpha val="46000"/>
-                </a:schemeClr>
-              </a:gs>
-              <a:gs pos="100000">
-                <a:schemeClr val="accent4">
-                  <a:lumMod val="100000"/>
-                </a:schemeClr>
-              </a:gs>
-            </a:gsLst>
-            <a:path path="shape">
-              <a:fillToRect l="50000" t="50000" r="50000" b="50000"/>
-            </a:path>
-            <a:tileRect/>
-          </a:gradFill>
+          <a:solidFill>
+            <a:schemeClr val="lt1">
+              <a:alpha val="80000"/>
+            </a:schemeClr>
+          </a:solidFill>
         </p:spPr>
         <p:txBody>
           <a:bodyPr wrap="square" rtlCol="0">
@@ -7296,32 +7456,11 @@
           <a:prstGeom prst="rect">
             <a:avLst/>
           </a:prstGeom>
-          <a:gradFill flip="none" rotWithShape="1">
-            <a:gsLst>
-              <a:gs pos="0">
-                <a:schemeClr val="accent4">
-                  <a:lumMod val="0"/>
-                  <a:lumOff val="100000"/>
-                </a:schemeClr>
-              </a:gs>
-              <a:gs pos="84000">
-                <a:schemeClr val="accent4">
-                  <a:lumMod val="0"/>
-                  <a:lumOff val="100000"/>
-                  <a:alpha val="46000"/>
-                </a:schemeClr>
-              </a:gs>
-              <a:gs pos="100000">
-                <a:schemeClr val="accent4">
-                  <a:lumMod val="100000"/>
-                </a:schemeClr>
-              </a:gs>
-            </a:gsLst>
-            <a:path path="shape">
-              <a:fillToRect l="50000" t="50000" r="50000" b="50000"/>
-            </a:path>
-            <a:tileRect/>
-          </a:gradFill>
+          <a:solidFill>
+            <a:schemeClr val="lt1">
+              <a:alpha val="80000"/>
+            </a:schemeClr>
+          </a:solidFill>
         </p:spPr>
         <p:txBody>
           <a:bodyPr wrap="square" rtlCol="0">
@@ -7677,38 +7816,17 @@
         </p:nvSpPr>
         <p:spPr>
           <a:xfrm>
-            <a:off x="583870" y="897132"/>
-            <a:ext cx="8286750" cy="3693319"/>
+            <a:off x="512207" y="812972"/>
+            <a:ext cx="8286750" cy="3754874"/>
           </a:xfrm>
           <a:prstGeom prst="rect">
             <a:avLst/>
           </a:prstGeom>
-          <a:gradFill flip="none" rotWithShape="1">
-            <a:gsLst>
-              <a:gs pos="0">
-                <a:schemeClr val="accent4">
-                  <a:lumMod val="0"/>
-                  <a:lumOff val="100000"/>
-                </a:schemeClr>
-              </a:gs>
-              <a:gs pos="84000">
-                <a:schemeClr val="accent4">
-                  <a:lumMod val="0"/>
-                  <a:lumOff val="100000"/>
-                  <a:alpha val="46000"/>
-                </a:schemeClr>
-              </a:gs>
-              <a:gs pos="100000">
-                <a:schemeClr val="accent4">
-                  <a:lumMod val="100000"/>
-                </a:schemeClr>
-              </a:gs>
-            </a:gsLst>
-            <a:path path="shape">
-              <a:fillToRect l="50000" t="50000" r="50000" b="50000"/>
-            </a:path>
-            <a:tileRect/>
-          </a:gradFill>
+          <a:solidFill>
+            <a:schemeClr val="lt1">
+              <a:alpha val="80000"/>
+            </a:schemeClr>
+          </a:solidFill>
         </p:spPr>
         <p:txBody>
           <a:bodyPr wrap="square" rtlCol="0">
@@ -7725,30 +7843,25 @@
                 <a:effectLst/>
                 <a:latin typeface="Roboto" panose="02000000000000000000" pitchFamily="2" charset="0"/>
               </a:rPr>
-              <a:t> </a:t>
-            </a:r>
-          </a:p>
-          <a:p>
-            <a:pPr marL="285750" indent="-285750">
-              <a:buFont typeface="Arial" panose="020B0604020202020204" pitchFamily="34" charset="0"/>
-              <a:buChar char="•"/>
-            </a:pPr>
-            <a:r>
-              <a:rPr lang="en-US" dirty="0">
+              <a:t>	 </a:t>
+            </a:r>
+          </a:p>
+          <a:p>
+            <a:pPr algn="ctr"/>
+            <a:r>
+              <a:rPr lang="en-US" sz="2400" b="0" i="0" dirty="0">
                 <a:solidFill>
                   <a:srgbClr val="2B2B2B"/>
                 </a:solidFill>
+                <a:effectLst/>
                 <a:latin typeface="Roboto" panose="02000000000000000000" pitchFamily="2" charset="0"/>
               </a:rPr>
-              <a:t>Technologies, languages, tools, and algorithms used throughout the project</a:t>
-            </a:r>
-          </a:p>
-          <a:p>
-            <a:pPr marL="285750" indent="-285750">
-              <a:buFont typeface="Arial" panose="020B0604020202020204" pitchFamily="34" charset="0"/>
-              <a:buChar char="•"/>
-            </a:pPr>
-            <a:endParaRPr lang="en-US" dirty="0">
+              <a:t> Questions the team hopes to answer with the data</a:t>
+            </a:r>
+          </a:p>
+          <a:p>
+            <a:pPr algn="l"/>
+            <a:endParaRPr lang="en-US" sz="1800" dirty="0">
               <a:solidFill>
                 <a:srgbClr val="2B2B2B"/>
               </a:solidFill>
@@ -7756,83 +7869,93 @@
             </a:endParaRPr>
           </a:p>
           <a:p>
-            <a:pPr marL="285750" indent="-285750">
-              <a:buFont typeface="Arial" panose="020B0604020202020204" pitchFamily="34" charset="0"/>
-              <a:buChar char="•"/>
+            <a:pPr marL="342900" lvl="2" indent="-342900">
+              <a:buFont typeface="+mj-lt"/>
+              <a:buAutoNum type="arabicPeriod"/>
             </a:pPr>
             <a:r>
-              <a:rPr lang="en-US" dirty="0" err="1">
+              <a:rPr lang="en-US" sz="1800" b="0" i="0" dirty="0">
                 <a:solidFill>
                   <a:srgbClr val="2B2B2B"/>
                 </a:solidFill>
+                <a:effectLst/>
                 <a:latin typeface="Roboto" panose="02000000000000000000" pitchFamily="2" charset="0"/>
               </a:rPr>
-              <a:t>Appplications</a:t>
-            </a:r>
-            <a:r>
-              <a:rPr lang="en-US" dirty="0">
+              <a:t>Does the </a:t>
+            </a:r>
+            <a:r>
+              <a:rPr lang="en-US" sz="1800" dirty="0">
                 <a:solidFill>
                   <a:srgbClr val="2B2B2B"/>
                 </a:solidFill>
                 <a:latin typeface="Roboto" panose="02000000000000000000" pitchFamily="2" charset="0"/>
               </a:rPr>
-              <a:t>  used:</a:t>
-            </a:r>
-          </a:p>
-          <a:p>
-            <a:pPr marL="285750" indent="-285750">
-              <a:buFont typeface="Arial" panose="020B0604020202020204" pitchFamily="34" charset="0"/>
-              <a:buChar char="•"/>
+              <a:t>number </a:t>
+            </a:r>
+            <a:r>
+              <a:rPr lang="en-US" sz="1800" b="0" i="0" dirty="0">
+                <a:solidFill>
+                  <a:srgbClr val="2B2B2B"/>
+                </a:solidFill>
+                <a:effectLst/>
+                <a:latin typeface="Roboto" panose="02000000000000000000" pitchFamily="2" charset="0"/>
+              </a:rPr>
+              <a:t>of the conflict have proportional impact?</a:t>
+            </a:r>
+          </a:p>
+          <a:p>
+            <a:pPr marL="342900" lvl="2" indent="-342900">
+              <a:buFont typeface="+mj-lt"/>
+              <a:buAutoNum type="arabicPeriod"/>
             </a:pPr>
-            <a:r>
-              <a:rPr lang="en-US" dirty="0">
+            <a:endParaRPr lang="en-US" sz="1800" b="0" i="0" dirty="0">
+              <a:solidFill>
+                <a:srgbClr val="2B2B2B"/>
+              </a:solidFill>
+              <a:effectLst/>
+              <a:latin typeface="Roboto" panose="02000000000000000000" pitchFamily="2" charset="0"/>
+            </a:endParaRPr>
+          </a:p>
+          <a:p>
+            <a:pPr marL="342900" lvl="2" indent="-342900">
+              <a:buFont typeface="+mj-lt"/>
+              <a:buAutoNum type="arabicPeriod"/>
+            </a:pPr>
+            <a:r>
+              <a:rPr lang="en-US" sz="1800" dirty="0">
                 <a:solidFill>
                   <a:srgbClr val="2B2B2B"/>
                 </a:solidFill>
                 <a:latin typeface="Roboto" panose="02000000000000000000" pitchFamily="2" charset="0"/>
               </a:rPr>
-              <a:t>Excel </a:t>
-            </a:r>
-          </a:p>
-          <a:p>
-            <a:pPr marL="285750" indent="-285750">
-              <a:buFont typeface="Arial" panose="020B0604020202020204" pitchFamily="34" charset="0"/>
-              <a:buChar char="•"/>
-            </a:pPr>
-            <a:r>
-              <a:rPr lang="en-US" dirty="0">
+              <a:t>Does the geographical location matter to the number of conflict?</a:t>
+            </a:r>
+          </a:p>
+          <a:p>
+            <a:pPr lvl="2"/>
+            <a:endParaRPr lang="en-US" sz="1800" b="0" i="0" dirty="0">
+              <a:solidFill>
+                <a:srgbClr val="2B2B2B"/>
+              </a:solidFill>
+              <a:effectLst/>
+              <a:latin typeface="Roboto" panose="02000000000000000000" pitchFamily="2" charset="0"/>
+            </a:endParaRPr>
+          </a:p>
+          <a:p>
+            <a:pPr lvl="2"/>
+            <a:r>
+              <a:rPr lang="en-US" sz="1800" dirty="0">
                 <a:solidFill>
                   <a:srgbClr val="2B2B2B"/>
                 </a:solidFill>
                 <a:latin typeface="Roboto" panose="02000000000000000000" pitchFamily="2" charset="0"/>
               </a:rPr>
-              <a:t>Python</a:t>
-            </a:r>
-          </a:p>
-          <a:p>
-            <a:pPr marL="285750" indent="-285750">
-              <a:buFont typeface="Arial" panose="020B0604020202020204" pitchFamily="34" charset="0"/>
-              <a:buChar char="•"/>
-            </a:pPr>
-            <a:r>
-              <a:rPr lang="en-US" dirty="0">
-                <a:solidFill>
-                  <a:srgbClr val="2B2B2B"/>
-                </a:solidFill>
-                <a:latin typeface="Roboto" panose="02000000000000000000" pitchFamily="2" charset="0"/>
-              </a:rPr>
-              <a:t>Postgres SQL/</a:t>
-            </a:r>
-            <a:r>
-              <a:rPr lang="en-US" dirty="0" err="1">
-                <a:solidFill>
-                  <a:srgbClr val="2B2B2B"/>
-                </a:solidFill>
-                <a:latin typeface="Roboto" panose="02000000000000000000" pitchFamily="2" charset="0"/>
-              </a:rPr>
-              <a:t>Pgadmin</a:t>
-            </a:r>
-            <a:endParaRPr lang="en-US" dirty="0">
+              <a:t>3.  Does the market bounce back after 90 days from the start of the conflict?</a:t>
+            </a:r>
+          </a:p>
+          <a:p>
+            <a:pPr lvl="2"/>
+            <a:endParaRPr lang="en-US" sz="1800" dirty="0">
               <a:solidFill>
                 <a:srgbClr val="2B2B2B"/>
               </a:solidFill>
@@ -7840,149 +7963,51 @@
             </a:endParaRPr>
           </a:p>
           <a:p>
-            <a:pPr marL="285750" indent="-285750">
-              <a:buFont typeface="Arial" panose="020B0604020202020204" pitchFamily="34" charset="0"/>
-              <a:buChar char="•"/>
-            </a:pPr>
-            <a:r>
-              <a:rPr lang="en-US" dirty="0">
+            <a:pPr lvl="2"/>
+            <a:r>
+              <a:rPr lang="en-US" sz="1800" dirty="0">
                 <a:solidFill>
                   <a:srgbClr val="2B2B2B"/>
                 </a:solidFill>
                 <a:latin typeface="Roboto" panose="02000000000000000000" pitchFamily="2" charset="0"/>
               </a:rPr>
-              <a:t>AWS</a:t>
-            </a:r>
-          </a:p>
-          <a:p>
-            <a:pPr marL="285750" indent="-285750">
-              <a:buFont typeface="Arial" panose="020B0604020202020204" pitchFamily="34" charset="0"/>
-              <a:buChar char="•"/>
-            </a:pPr>
-            <a:endParaRPr lang="en-US" dirty="0">
+              <a:t>4.  Which territory / region or location was greatly affected by the conflicts?</a:t>
+            </a:r>
+          </a:p>
+          <a:p>
+            <a:pPr lvl="2"/>
+            <a:endParaRPr lang="en-US" sz="1800" dirty="0">
               <a:solidFill>
                 <a:srgbClr val="2B2B2B"/>
               </a:solidFill>
+              <a:effectLst/>
               <a:latin typeface="Roboto" panose="02000000000000000000" pitchFamily="2" charset="0"/>
+              <a:ea typeface="Times New Roman" panose="02020603050405020304" pitchFamily="18" charset="0"/>
+              <a:cs typeface="Times New Roman" panose="02020603050405020304" pitchFamily="18" charset="0"/>
             </a:endParaRPr>
           </a:p>
           <a:p>
-            <a:pPr marL="285750" indent="-285750">
-              <a:buFont typeface="Arial" panose="020B0604020202020204" pitchFamily="34" charset="0"/>
-              <a:buChar char="•"/>
-            </a:pPr>
-            <a:r>
-              <a:rPr lang="en-US" dirty="0">
+            <a:pPr lvl="2"/>
+            <a:r>
+              <a:rPr lang="en-US" sz="1800" dirty="0">
                 <a:solidFill>
                   <a:srgbClr val="2B2B2B"/>
                 </a:solidFill>
                 <a:latin typeface="Roboto" panose="02000000000000000000" pitchFamily="2" charset="0"/>
-              </a:rPr>
-              <a:t>Tools:</a:t>
-            </a:r>
-          </a:p>
-          <a:p>
-            <a:pPr marL="285750" indent="-285750">
-              <a:buFont typeface="Arial" panose="020B0604020202020204" pitchFamily="34" charset="0"/>
-              <a:buChar char="•"/>
-            </a:pPr>
-            <a:r>
-              <a:rPr lang="en-US" dirty="0" err="1">
-                <a:solidFill>
-                  <a:srgbClr val="2B2B2B"/>
-                </a:solidFill>
-                <a:latin typeface="Roboto" panose="02000000000000000000" pitchFamily="2" charset="0"/>
-              </a:rPr>
-              <a:t>QuickDBD</a:t>
-            </a:r>
-            <a:r>
-              <a:rPr lang="en-US" dirty="0">
-                <a:solidFill>
-                  <a:srgbClr val="2B2B2B"/>
-                </a:solidFill>
-                <a:latin typeface="Roboto" panose="02000000000000000000" pitchFamily="2" charset="0"/>
-              </a:rPr>
-              <a:t>  for ERD Diagram</a:t>
-            </a:r>
-          </a:p>
-          <a:p>
-            <a:pPr marL="285750" indent="-285750">
-              <a:buFont typeface="Arial" panose="020B0604020202020204" pitchFamily="34" charset="0"/>
-              <a:buChar char="•"/>
-            </a:pPr>
-            <a:r>
-              <a:rPr lang="en-US" dirty="0">
-                <a:solidFill>
-                  <a:srgbClr val="2B2B2B"/>
-                </a:solidFill>
-                <a:latin typeface="Roboto" panose="02000000000000000000" pitchFamily="2" charset="0"/>
-              </a:rPr>
-              <a:t>Google Slides /</a:t>
-            </a:r>
-            <a:r>
-              <a:rPr lang="en-US" dirty="0" err="1">
-                <a:solidFill>
-                  <a:srgbClr val="2B2B2B"/>
-                </a:solidFill>
-                <a:latin typeface="Roboto" panose="02000000000000000000" pitchFamily="2" charset="0"/>
-              </a:rPr>
-              <a:t>Powerpoint</a:t>
-            </a:r>
-            <a:endParaRPr lang="en-US" dirty="0">
-              <a:solidFill>
-                <a:srgbClr val="2B2B2B"/>
-              </a:solidFill>
-              <a:latin typeface="Roboto" panose="02000000000000000000" pitchFamily="2" charset="0"/>
+                <a:ea typeface="Times New Roman" panose="02020603050405020304" pitchFamily="18" charset="0"/>
+                <a:cs typeface="Times New Roman" panose="02020603050405020304" pitchFamily="18" charset="0"/>
+              </a:rPr>
+              <a:t>5.  Describe the 9/11 market  before, during and after the conflict. </a:t>
+            </a:r>
+            <a:endParaRPr lang="en-US" sz="1800" dirty="0">
+              <a:effectLst/>
+              <a:latin typeface="Univers Condensed" panose="020B0506020202050204" pitchFamily="34" charset="0"/>
+              <a:ea typeface="Times New Roman" panose="02020603050405020304" pitchFamily="18" charset="0"/>
+              <a:cs typeface="Times New Roman" panose="02020603050405020304" pitchFamily="18" charset="0"/>
             </a:endParaRPr>
           </a:p>
           <a:p>
-            <a:pPr marL="285750" indent="-285750">
-              <a:buFont typeface="Arial" panose="020B0604020202020204" pitchFamily="34" charset="0"/>
-              <a:buChar char="•"/>
-            </a:pPr>
-            <a:endParaRPr lang="en-US" dirty="0">
-              <a:solidFill>
-                <a:srgbClr val="2B2B2B"/>
-              </a:solidFill>
-              <a:latin typeface="Roboto" panose="02000000000000000000" pitchFamily="2" charset="0"/>
-            </a:endParaRPr>
-          </a:p>
-          <a:p>
-            <a:pPr marL="285750" indent="-285750">
-              <a:buFont typeface="Arial" panose="020B0604020202020204" pitchFamily="34" charset="0"/>
-              <a:buChar char="•"/>
-            </a:pPr>
-            <a:r>
-              <a:rPr lang="en-US" dirty="0">
-                <a:solidFill>
-                  <a:srgbClr val="2B2B2B"/>
-                </a:solidFill>
-                <a:latin typeface="Roboto" panose="02000000000000000000" pitchFamily="2" charset="0"/>
-              </a:rPr>
-              <a:t>Algorithms:</a:t>
-            </a:r>
-          </a:p>
-          <a:p>
-            <a:pPr marL="285750" indent="-285750">
-              <a:buFont typeface="Arial" panose="020B0604020202020204" pitchFamily="34" charset="0"/>
-              <a:buChar char="•"/>
-            </a:pPr>
-            <a:r>
-              <a:rPr lang="en-US" dirty="0">
-                <a:solidFill>
-                  <a:srgbClr val="2B2B2B"/>
-                </a:solidFill>
-                <a:latin typeface="Roboto" panose="02000000000000000000" pitchFamily="2" charset="0"/>
-              </a:rPr>
-              <a:t>Machine Learning/Neural Network</a:t>
-            </a:r>
-          </a:p>
-          <a:p>
-            <a:pPr marL="285750" indent="-285750">
-              <a:buFont typeface="Arial" panose="020B0604020202020204" pitchFamily="34" charset="0"/>
-              <a:buChar char="•"/>
-            </a:pPr>
-            <a:endParaRPr lang="en-US" sz="1800" dirty="0"/>
+            <a:endParaRPr lang="en-US" dirty="0"/>
           </a:p>
         </p:txBody>
       </p:sp>
@@ -8033,7 +8058,7 @@
     </p:spTree>
     <p:extLst>
       <p:ext uri="{BB962C8B-B14F-4D97-AF65-F5344CB8AC3E}">
-        <p14:creationId xmlns:p14="http://schemas.microsoft.com/office/powerpoint/2010/main" val="3884940733"/>
+        <p14:creationId xmlns:p14="http://schemas.microsoft.com/office/powerpoint/2010/main" val="2204897532"/>
       </p:ext>
     </p:extLst>
   </p:cSld>
@@ -8180,7 +8205,7 @@
         <p:spPr>
           <a:xfrm>
             <a:off x="428625" y="2038110"/>
-            <a:ext cx="8286750" cy="1292662"/>
+            <a:ext cx="8286750" cy="1600438"/>
           </a:xfrm>
           <a:prstGeom prst="rect">
             <a:avLst/>
@@ -8247,7 +8272,7 @@
                 </a:solidFill>
                 <a:latin typeface="Roboto" panose="02000000000000000000" pitchFamily="2" charset="0"/>
               </a:rPr>
-              <a:t>Next is Dashboard Presentation</a:t>
+              <a:t>Next is Dashboard Presentation to answer some questions we hope to answer with the data.</a:t>
             </a:r>
             <a:endParaRPr lang="en-US" dirty="0">
               <a:solidFill>
@@ -8478,32 +8503,11 @@
           <a:prstGeom prst="rect">
             <a:avLst/>
           </a:prstGeom>
-          <a:gradFill flip="none" rotWithShape="1">
-            <a:gsLst>
-              <a:gs pos="0">
-                <a:schemeClr val="accent4">
-                  <a:lumMod val="0"/>
-                  <a:lumOff val="100000"/>
-                </a:schemeClr>
-              </a:gs>
-              <a:gs pos="84000">
-                <a:schemeClr val="accent4">
-                  <a:lumMod val="0"/>
-                  <a:lumOff val="100000"/>
-                  <a:alpha val="46000"/>
-                </a:schemeClr>
-              </a:gs>
-              <a:gs pos="100000">
-                <a:schemeClr val="accent4">
-                  <a:lumMod val="100000"/>
-                </a:schemeClr>
-              </a:gs>
-            </a:gsLst>
-            <a:path path="shape">
-              <a:fillToRect l="50000" t="50000" r="50000" b="50000"/>
-            </a:path>
-            <a:tileRect/>
-          </a:gradFill>
+          <a:solidFill>
+            <a:schemeClr val="bg1">
+              <a:alpha val="80000"/>
+            </a:schemeClr>
+          </a:solidFill>
         </p:spPr>
         <p:txBody>
           <a:bodyPr wrap="square" rtlCol="0">
@@ -8543,10 +8547,11 @@
             </a:endParaRPr>
           </a:p>
           <a:p>
-            <a:endParaRPr lang="en-US" sz="2000" dirty="0">
-              <a:latin typeface="Univers Condensed" panose="020B0506020202050204" pitchFamily="34" charset="0"/>
-              <a:ea typeface="Times New Roman" panose="02020603050405020304" pitchFamily="18" charset="0"/>
-              <a:cs typeface="Times New Roman" panose="02020603050405020304" pitchFamily="18" charset="0"/>
+            <a:endParaRPr lang="en-US" sz="2000" b="1" dirty="0">
+              <a:solidFill>
+                <a:schemeClr val="tx1"/>
+              </a:solidFill>
+              <a:latin typeface="Roboto" panose="02000000000000000000" pitchFamily="2" charset="0"/>
             </a:endParaRPr>
           </a:p>
           <a:p>
@@ -8704,8 +8709,8 @@
         </p:blipFill>
         <p:spPr>
           <a:xfrm>
-            <a:off x="131445" y="441166"/>
-            <a:ext cx="9219724" cy="4818348"/>
+            <a:off x="23598" y="309940"/>
+            <a:ext cx="9219724" cy="4885428"/>
           </a:xfrm>
           <a:prstGeom prst="rect">
             <a:avLst/>
@@ -8801,38 +8806,17 @@
         </p:nvSpPr>
         <p:spPr>
           <a:xfrm>
-            <a:off x="512207" y="812972"/>
-            <a:ext cx="8286750" cy="4031873"/>
+            <a:off x="501879" y="634718"/>
+            <a:ext cx="8307406" cy="4462760"/>
           </a:xfrm>
           <a:prstGeom prst="rect">
             <a:avLst/>
           </a:prstGeom>
-          <a:gradFill flip="none" rotWithShape="1">
-            <a:gsLst>
-              <a:gs pos="0">
-                <a:schemeClr val="accent4">
-                  <a:lumMod val="0"/>
-                  <a:lumOff val="100000"/>
-                </a:schemeClr>
-              </a:gs>
-              <a:gs pos="84000">
-                <a:schemeClr val="accent4">
-                  <a:lumMod val="0"/>
-                  <a:lumOff val="100000"/>
-                  <a:alpha val="46000"/>
-                </a:schemeClr>
-              </a:gs>
-              <a:gs pos="100000">
-                <a:schemeClr val="accent4">
-                  <a:lumMod val="100000"/>
-                </a:schemeClr>
-              </a:gs>
-            </a:gsLst>
-            <a:path path="shape">
-              <a:fillToRect l="50000" t="50000" r="50000" b="50000"/>
-            </a:path>
-            <a:tileRect/>
-          </a:gradFill>
+          <a:solidFill>
+            <a:schemeClr val="bg1">
+              <a:alpha val="80000"/>
+            </a:schemeClr>
+          </a:solidFill>
         </p:spPr>
         <p:txBody>
           <a:bodyPr wrap="square" rtlCol="0">
@@ -8877,20 +8861,17 @@
           <a:p>
             <a:pPr algn="l"/>
             <a:r>
-              <a:rPr lang="en-US" sz="1800" b="0" i="0" dirty="0">
+              <a:rPr lang="en-US" sz="1200" b="0" i="0" dirty="0">
                 <a:solidFill>
                   <a:schemeClr val="tx1"/>
                 </a:solidFill>
                 <a:effectLst/>
                 <a:latin typeface="Roboto" panose="02000000000000000000" pitchFamily="2" charset="0"/>
               </a:rPr>
-              <a:t>Stock Market data utilized from Kaggle:</a:t>
-            </a:r>
-          </a:p>
-          <a:p>
-            <a:pPr algn="l"/>
-            <a:r>
-              <a:rPr lang="en-US" sz="1800" b="0" i="0" u="none" strike="noStrike" dirty="0">
+              <a:t>Stock Market data utilized from Kaggle: </a:t>
+            </a:r>
+            <a:r>
+              <a:rPr lang="en-US" sz="1200" b="0" i="0" u="none" strike="noStrike" dirty="0">
                 <a:solidFill>
                   <a:schemeClr val="tx1"/>
                 </a:solidFill>
@@ -8906,7 +8887,7 @@
               </a:rPr>
               <a:t>https://www.kaggle.com/rishidamarla/stock-prices-over-a-30-year-period</a:t>
             </a:r>
-            <a:endParaRPr lang="en-US" sz="1800" b="0" i="0" dirty="0">
+            <a:endParaRPr lang="en-US" sz="1200" b="0" i="0" dirty="0">
               <a:solidFill>
                 <a:schemeClr val="tx1"/>
               </a:solidFill>
@@ -8915,7 +8896,7 @@
             </a:endParaRPr>
           </a:p>
           <a:p>
-            <a:endParaRPr lang="en-US" sz="1800" b="0" i="0" dirty="0">
+            <a:endParaRPr lang="en-US" sz="1200" b="0" i="0" dirty="0">
               <a:solidFill>
                 <a:schemeClr val="tx1"/>
               </a:solidFill>
@@ -8926,91 +8907,84 @@
           <a:p>
             <a:pPr algn="l"/>
             <a:r>
-              <a:rPr lang="en-US" sz="1800" b="0" i="0" dirty="0">
+              <a:rPr lang="en-US" sz="1200" b="0" i="0" dirty="0">
                 <a:solidFill>
                   <a:schemeClr val="tx1"/>
                 </a:solidFill>
                 <a:effectLst/>
                 <a:latin typeface="Roboto" panose="02000000000000000000" pitchFamily="2" charset="0"/>
               </a:rPr>
-              <a:t>International conflict database from Uppsala Conflict Data Program </a:t>
+              <a:t>International conflict database from Uppsala Conflict Data Program - Department of Peace and Conflict Research:</a:t>
             </a:r>
           </a:p>
           <a:p>
             <a:pPr algn="l"/>
             <a:r>
-              <a:rPr lang="en-US" sz="1800" b="0" i="0" dirty="0">
+              <a:rPr lang="en-US" sz="1200" b="0" i="0" u="sng" dirty="0">
                 <a:solidFill>
                   <a:schemeClr val="tx1"/>
                 </a:solidFill>
                 <a:effectLst/>
                 <a:latin typeface="Roboto" panose="02000000000000000000" pitchFamily="2" charset="0"/>
               </a:rPr>
-              <a:t>- Department of Peace and Conflict Research:</a:t>
-            </a:r>
-          </a:p>
-          <a:p>
-            <a:pPr algn="l"/>
-            <a:r>
-              <a:rPr lang="en-US" sz="1800" b="0" i="0" u="sng" dirty="0">
+              <a:t>https://ucdp</a:t>
+            </a:r>
+            <a:r>
+              <a:rPr lang="en-US" sz="1200" u="sng" dirty="0">
+                <a:solidFill>
+                  <a:schemeClr val="tx1"/>
+                </a:solidFill>
+                <a:latin typeface="Univers Condensed" panose="020B0506020202050204" pitchFamily="34" charset="0"/>
+                <a:cs typeface="Times New Roman" panose="02020603050405020304" pitchFamily="18" charset="0"/>
+              </a:rPr>
+              <a:t>.uu.se/</a:t>
+            </a:r>
+            <a:r>
+              <a:rPr lang="en-US" sz="1200" b="0" i="0" u="sng" dirty="0">
                 <a:solidFill>
                   <a:schemeClr val="tx1"/>
                 </a:solidFill>
                 <a:effectLst/>
                 <a:latin typeface="Roboto" panose="02000000000000000000" pitchFamily="2" charset="0"/>
               </a:rPr>
-              <a:t>https://ucdp</a:t>
-            </a:r>
-            <a:r>
-              <a:rPr lang="en-US" sz="1800" dirty="0">
-                <a:latin typeface="Univers Condensed" panose="020B0506020202050204" pitchFamily="34" charset="0"/>
-                <a:cs typeface="Times New Roman" panose="02020603050405020304" pitchFamily="18" charset="0"/>
-              </a:rPr>
-              <a:t>.uu.se/</a:t>
-            </a:r>
-            <a:r>
-              <a:rPr lang="en-US" sz="1800" b="0" i="0" u="sng" dirty="0">
-                <a:solidFill>
-                  <a:schemeClr val="tx1"/>
-                </a:solidFill>
-                <a:effectLst/>
-                <a:latin typeface="Roboto" panose="02000000000000000000" pitchFamily="2" charset="0"/>
-              </a:rPr>
               <a:t>downloads/ucdpprio/ucdp-prio-acd-211.pdf</a:t>
             </a:r>
           </a:p>
           <a:p>
             <a:pPr algn="l"/>
-            <a:endParaRPr lang="en-US" sz="1800" dirty="0">
+            <a:endParaRPr lang="en-US" sz="1200" dirty="0">
               <a:solidFill>
                 <a:schemeClr val="tx1"/>
               </a:solidFill>
-              <a:latin typeface="Roboto" panose="02000000000000000000" pitchFamily="2" charset="0"/>
+              <a:latin typeface="Slack-Lato"/>
+              <a:ea typeface="Times New Roman" panose="02020603050405020304" pitchFamily="18" charset="0"/>
+              <a:cs typeface="Times New Roman" panose="02020603050405020304" pitchFamily="18" charset="0"/>
             </a:endParaRPr>
           </a:p>
           <a:p>
             <a:pPr algn="l"/>
             <a:r>
-              <a:rPr lang="en-US" sz="1800" b="0" i="0" dirty="0">
+              <a:rPr lang="en-US" sz="1200" b="1" dirty="0">
                 <a:solidFill>
                   <a:schemeClr val="tx1"/>
                 </a:solidFill>
+                <a:latin typeface="Slack-Lato"/>
+                <a:ea typeface="Times New Roman" panose="02020603050405020304" pitchFamily="18" charset="0"/>
+                <a:cs typeface="Times New Roman" panose="02020603050405020304" pitchFamily="18" charset="0"/>
+              </a:rPr>
+              <a:t>Cleaned Dataset files used for this project:</a:t>
+            </a:r>
+          </a:p>
+          <a:p>
+            <a:pPr algn="l"/>
+            <a:r>
+              <a:rPr lang="en-US" sz="1200" b="0" i="0" u="sng" dirty="0">
+                <a:solidFill>
+                  <a:schemeClr val="tx1"/>
+                </a:solidFill>
                 <a:effectLst/>
-                <a:latin typeface="Roboto" panose="02000000000000000000" pitchFamily="2" charset="0"/>
-              </a:rPr>
-              <a:t>Other website resources:</a:t>
-            </a:r>
-          </a:p>
-          <a:p>
-            <a:pPr algn="l"/>
-            <a:r>
-              <a:rPr lang="en-US" sz="1800" b="0" i="0" u="none" strike="noStrike" dirty="0">
-                <a:solidFill>
-                  <a:schemeClr val="tx1"/>
-                </a:solidFill>
-                <a:effectLst/>
-                <a:latin typeface="Slack-Lato"/>
-                <a:hlinkClick r:id="rId7">
+                <a:latin typeface="-apple-system"/>
+                <a:hlinkClick r:id="rId7" tooltip="DowJones.csv">
                   <a:extLst>
                     <a:ext uri="{A12FA001-AC4F-418D-AE19-62706E023703}">
                       <ahyp:hlinkClr xmlns:ahyp="http://schemas.microsoft.com/office/drawing/2018/hyperlinkcolor" val="tx"/>
@@ -9018,16 +8992,286 @@
                   </a:extLst>
                 </a:hlinkClick>
               </a:rPr>
-              <a:t>https://www.investopedia.com/solving-the-war-puzzle-4780889</a:t>
-            </a:r>
-            <a:endParaRPr lang="en-US" sz="1800" dirty="0">
-              <a:latin typeface="Univers Condensed" panose="020B0506020202050204" pitchFamily="34" charset="0"/>
+              <a:t>DowJones.csv</a:t>
+            </a:r>
+            <a:endParaRPr lang="en-US" sz="1200" b="0" i="0" u="sng" dirty="0">
+              <a:solidFill>
+                <a:schemeClr val="tx1"/>
+              </a:solidFill>
+              <a:effectLst/>
+              <a:latin typeface="-apple-system"/>
+            </a:endParaRPr>
+          </a:p>
+          <a:p>
+            <a:pPr algn="l"/>
+            <a:r>
+              <a:rPr lang="en-US" sz="1200" b="0" i="0" u="none" strike="noStrike" dirty="0">
+                <a:solidFill>
+                  <a:schemeClr val="tx1"/>
+                </a:solidFill>
+                <a:effectLst/>
+                <a:latin typeface="-apple-system"/>
+                <a:hlinkClick r:id="rId8" tooltip="SP500.csv">
+                  <a:extLst>
+                    <a:ext uri="{A12FA001-AC4F-418D-AE19-62706E023703}">
+                      <ahyp:hlinkClr xmlns:ahyp="http://schemas.microsoft.com/office/drawing/2018/hyperlinkcolor" val="tx"/>
+                    </a:ext>
+                  </a:extLst>
+                </a:hlinkClick>
+              </a:rPr>
+              <a:t>SP500.csv</a:t>
+            </a:r>
+            <a:endParaRPr lang="en-US" sz="1200" dirty="0">
+              <a:solidFill>
+                <a:schemeClr val="tx1"/>
+              </a:solidFill>
+              <a:latin typeface="Slack-Lato"/>
               <a:ea typeface="Times New Roman" panose="02020603050405020304" pitchFamily="18" charset="0"/>
               <a:cs typeface="Times New Roman" panose="02020603050405020304" pitchFamily="18" charset="0"/>
             </a:endParaRPr>
           </a:p>
           <a:p>
-            <a:endParaRPr lang="en-US" dirty="0">
+            <a:pPr algn="l"/>
+            <a:r>
+              <a:rPr lang="en-US" sz="1200" b="0" i="0" u="none" strike="noStrike" dirty="0">
+                <a:solidFill>
+                  <a:schemeClr val="tx1"/>
+                </a:solidFill>
+                <a:effectLst/>
+                <a:latin typeface="-apple-system"/>
+                <a:hlinkClick r:id="rId9" tooltip="Nasdaq.csv">
+                  <a:extLst>
+                    <a:ext uri="{A12FA001-AC4F-418D-AE19-62706E023703}">
+                      <ahyp:hlinkClr xmlns:ahyp="http://schemas.microsoft.com/office/drawing/2018/hyperlinkcolor" val="tx"/>
+                    </a:ext>
+                  </a:extLst>
+                </a:hlinkClick>
+              </a:rPr>
+              <a:t>Nasdaq.csv</a:t>
+            </a:r>
+            <a:endParaRPr lang="en-US" sz="1200" b="0" i="0" u="none" strike="noStrike" dirty="0">
+              <a:solidFill>
+                <a:schemeClr val="tx1"/>
+              </a:solidFill>
+              <a:effectLst/>
+              <a:latin typeface="-apple-system"/>
+            </a:endParaRPr>
+          </a:p>
+          <a:p>
+            <a:pPr algn="l"/>
+            <a:r>
+              <a:rPr lang="en-US" sz="1200" b="0" i="0" u="none" strike="noStrike" dirty="0">
+                <a:solidFill>
+                  <a:schemeClr val="tx1"/>
+                </a:solidFill>
+                <a:effectLst/>
+                <a:latin typeface="-apple-system"/>
+                <a:hlinkClick r:id="rId10" tooltip="joined_stocks.csv">
+                  <a:extLst>
+                    <a:ext uri="{A12FA001-AC4F-418D-AE19-62706E023703}">
+                      <ahyp:hlinkClr xmlns:ahyp="http://schemas.microsoft.com/office/drawing/2018/hyperlinkcolor" val="tx"/>
+                    </a:ext>
+                  </a:extLst>
+                </a:hlinkClick>
+              </a:rPr>
+              <a:t>joined_stocks.csv</a:t>
+            </a:r>
+            <a:endParaRPr lang="en-US" sz="1200" b="0" i="0" u="none" strike="noStrike" dirty="0">
+              <a:solidFill>
+                <a:schemeClr val="tx1"/>
+              </a:solidFill>
+              <a:effectLst/>
+              <a:latin typeface="-apple-system"/>
+            </a:endParaRPr>
+          </a:p>
+          <a:p>
+            <a:pPr algn="l"/>
+            <a:r>
+              <a:rPr lang="en-US" sz="1200" b="0" i="0" u="none" strike="noStrike" dirty="0">
+                <a:solidFill>
+                  <a:schemeClr val="tx1"/>
+                </a:solidFill>
+                <a:effectLst/>
+                <a:latin typeface="-apple-system"/>
+                <a:hlinkClick r:id="rId11" tooltip="combined_data_1.csv">
+                  <a:extLst>
+                    <a:ext uri="{A12FA001-AC4F-418D-AE19-62706E023703}">
+                      <ahyp:hlinkClr xmlns:ahyp="http://schemas.microsoft.com/office/drawing/2018/hyperlinkcolor" val="tx"/>
+                    </a:ext>
+                  </a:extLst>
+                </a:hlinkClick>
+              </a:rPr>
+              <a:t>combined_data_1.csv</a:t>
+            </a:r>
+            <a:endParaRPr lang="en-US" sz="1200" dirty="0">
+              <a:solidFill>
+                <a:schemeClr val="tx1"/>
+              </a:solidFill>
+              <a:latin typeface="Slack-Lato"/>
+              <a:ea typeface="Times New Roman" panose="02020603050405020304" pitchFamily="18" charset="0"/>
+              <a:cs typeface="Times New Roman" panose="02020603050405020304" pitchFamily="18" charset="0"/>
+            </a:endParaRPr>
+          </a:p>
+          <a:p>
+            <a:pPr algn="l"/>
+            <a:r>
+              <a:rPr lang="en-US" sz="1200" b="0" i="0" u="sng" dirty="0">
+                <a:solidFill>
+                  <a:schemeClr val="tx1"/>
+                </a:solidFill>
+                <a:effectLst/>
+                <a:latin typeface="-apple-system"/>
+                <a:hlinkClick r:id="rId12" tooltip="cleaned_conflict_1.csv">
+                  <a:extLst>
+                    <a:ext uri="{A12FA001-AC4F-418D-AE19-62706E023703}">
+                      <ahyp:hlinkClr xmlns:ahyp="http://schemas.microsoft.com/office/drawing/2018/hyperlinkcolor" val="tx"/>
+                    </a:ext>
+                  </a:extLst>
+                </a:hlinkClick>
+              </a:rPr>
+              <a:t>cleaned_conflict_1.csv</a:t>
+            </a:r>
+            <a:r>
+              <a:rPr lang="en-US" sz="1200" b="0" i="0" u="sng" dirty="0">
+                <a:solidFill>
+                  <a:schemeClr val="tx1"/>
+                </a:solidFill>
+                <a:effectLst/>
+                <a:latin typeface="-apple-system"/>
+              </a:rPr>
+              <a:t> </a:t>
+            </a:r>
+          </a:p>
+          <a:p>
+            <a:pPr algn="l"/>
+            <a:r>
+              <a:rPr lang="en-US" sz="1200" b="0" i="0" u="none" strike="noStrike" dirty="0">
+                <a:solidFill>
+                  <a:schemeClr val="tx1"/>
+                </a:solidFill>
+                <a:effectLst/>
+                <a:latin typeface="-apple-system"/>
+                <a:hlinkClick r:id="rId13" tooltip="geo_conflict_data.csv">
+                  <a:extLst>
+                    <a:ext uri="{A12FA001-AC4F-418D-AE19-62706E023703}">
+                      <ahyp:hlinkClr xmlns:ahyp="http://schemas.microsoft.com/office/drawing/2018/hyperlinkcolor" val="tx"/>
+                    </a:ext>
+                  </a:extLst>
+                </a:hlinkClick>
+              </a:rPr>
+              <a:t>geo_conflict_data.csv</a:t>
+            </a:r>
+            <a:endParaRPr lang="en-US" sz="1200" b="0" i="0" u="none" strike="noStrike" dirty="0">
+              <a:solidFill>
+                <a:schemeClr val="tx1"/>
+              </a:solidFill>
+              <a:effectLst/>
+              <a:latin typeface="-apple-system"/>
+            </a:endParaRPr>
+          </a:p>
+          <a:p>
+            <a:pPr algn="l"/>
+            <a:r>
+              <a:rPr lang="en-US" sz="1200" b="0" i="0" u="none" strike="noStrike" dirty="0">
+                <a:solidFill>
+                  <a:schemeClr val="tx1"/>
+                </a:solidFill>
+                <a:effectLst/>
+                <a:latin typeface="-apple-system"/>
+                <a:hlinkClick r:id="rId14" tooltip="new_geo_conflict_updated.csv">
+                  <a:extLst>
+                    <a:ext uri="{A12FA001-AC4F-418D-AE19-62706E023703}">
+                      <ahyp:hlinkClr xmlns:ahyp="http://schemas.microsoft.com/office/drawing/2018/hyperlinkcolor" val="tx"/>
+                    </a:ext>
+                  </a:extLst>
+                </a:hlinkClick>
+              </a:rPr>
+              <a:t>new_geo_conflict_updated.csv</a:t>
+            </a:r>
+            <a:endParaRPr lang="en-US" sz="1200" b="0" i="0" u="none" strike="noStrike" dirty="0">
+              <a:solidFill>
+                <a:schemeClr val="tx1"/>
+              </a:solidFill>
+              <a:effectLst/>
+              <a:latin typeface="-apple-system"/>
+            </a:endParaRPr>
+          </a:p>
+          <a:p>
+            <a:pPr algn="l"/>
+            <a:r>
+              <a:rPr lang="en-US" sz="1200" b="0" i="0" u="none" strike="noStrike" dirty="0" err="1">
+                <a:solidFill>
+                  <a:schemeClr val="tx1"/>
+                </a:solidFill>
+                <a:effectLst/>
+                <a:latin typeface="-apple-system"/>
+                <a:hlinkClick r:id="rId15" tooltip="conflict_cleaning.ipynb">
+                  <a:extLst>
+                    <a:ext uri="{A12FA001-AC4F-418D-AE19-62706E023703}">
+                      <ahyp:hlinkClr xmlns:ahyp="http://schemas.microsoft.com/office/drawing/2018/hyperlinkcolor" val="tx"/>
+                    </a:ext>
+                  </a:extLst>
+                </a:hlinkClick>
+              </a:rPr>
+              <a:t>conflict_cleaning.ipynb</a:t>
+            </a:r>
+            <a:endParaRPr lang="en-US" sz="1200" dirty="0">
+              <a:solidFill>
+                <a:schemeClr val="tx1"/>
+              </a:solidFill>
+              <a:latin typeface="-apple-system"/>
+            </a:endParaRPr>
+          </a:p>
+          <a:p>
+            <a:pPr algn="l"/>
+            <a:r>
+              <a:rPr lang="en-US" sz="1200" b="0" i="0" u="sng" dirty="0" err="1">
+                <a:solidFill>
+                  <a:schemeClr val="tx1"/>
+                </a:solidFill>
+                <a:effectLst/>
+                <a:latin typeface="-apple-system"/>
+                <a:hlinkClick r:id="rId16" tooltip="conflicts_stocks_merge.ipynb">
+                  <a:extLst>
+                    <a:ext uri="{A12FA001-AC4F-418D-AE19-62706E023703}">
+                      <ahyp:hlinkClr xmlns:ahyp="http://schemas.microsoft.com/office/drawing/2018/hyperlinkcolor" val="tx"/>
+                    </a:ext>
+                  </a:extLst>
+                </a:hlinkClick>
+              </a:rPr>
+              <a:t>conflicts_stocks_merge.ipynb</a:t>
+            </a:r>
+            <a:endParaRPr lang="en-US" sz="1200" b="0" i="0" u="sng" dirty="0">
+              <a:solidFill>
+                <a:schemeClr val="tx1"/>
+              </a:solidFill>
+              <a:effectLst/>
+              <a:latin typeface="-apple-system"/>
+            </a:endParaRPr>
+          </a:p>
+          <a:p>
+            <a:pPr algn="l"/>
+            <a:r>
+              <a:rPr lang="en-US" sz="1200" b="0" i="0" u="sng" dirty="0" err="1">
+                <a:solidFill>
+                  <a:schemeClr val="tx1"/>
+                </a:solidFill>
+                <a:effectLst/>
+                <a:latin typeface="-apple-system"/>
+                <a:hlinkClick r:id="rId17" tooltip="ml_dev.ipynb">
+                  <a:extLst>
+                    <a:ext uri="{A12FA001-AC4F-418D-AE19-62706E023703}">
+                      <ahyp:hlinkClr xmlns:ahyp="http://schemas.microsoft.com/office/drawing/2018/hyperlinkcolor" val="tx"/>
+                    </a:ext>
+                  </a:extLst>
+                </a:hlinkClick>
+              </a:rPr>
+              <a:t>ml_dev.ipynb</a:t>
+            </a:r>
+            <a:endParaRPr lang="en-US" sz="1200" dirty="0">
+              <a:solidFill>
+                <a:schemeClr val="tx1"/>
+              </a:solidFill>
               <a:effectLst/>
               <a:latin typeface="Univers Condensed" panose="020B0506020202050204" pitchFamily="34" charset="0"/>
               <a:ea typeface="Times New Roman" panose="02020603050405020304" pitchFamily="18" charset="0"/>
@@ -9097,6 +9341,331 @@
 </file>
 
 <file path=ppt/slides/slide4.xml><?xml version="1.0" encoding="utf-8"?>
+<p:sld xmlns:a="http://schemas.openxmlformats.org/drawingml/2006/main" xmlns:r="http://schemas.openxmlformats.org/officeDocument/2006/relationships" xmlns:p="http://schemas.openxmlformats.org/presentationml/2006/main">
+  <p:cSld>
+    <p:spTree>
+      <p:nvGrpSpPr>
+        <p:cNvPr id="1" name="Shape 53"/>
+        <p:cNvGrpSpPr/>
+        <p:nvPr/>
+      </p:nvGrpSpPr>
+      <p:grpSpPr>
+        <a:xfrm>
+          <a:off x="0" y="0"/>
+          <a:ext cx="0" cy="0"/>
+          <a:chOff x="0" y="0"/>
+          <a:chExt cx="0" cy="0"/>
+        </a:xfrm>
+      </p:grpSpPr>
+      <p:pic>
+        <p:nvPicPr>
+          <p:cNvPr id="4" name="Picture 3">
+            <a:extLst>
+              <a:ext uri="{FF2B5EF4-FFF2-40B4-BE49-F238E27FC236}">
+                <a16:creationId xmlns:a16="http://schemas.microsoft.com/office/drawing/2014/main" id="{988BEC99-851C-4203-85C9-4FF1779C0510}"/>
+              </a:ext>
+            </a:extLst>
+          </p:cNvPr>
+          <p:cNvPicPr>
+            <a:picLocks noChangeAspect="1"/>
+          </p:cNvPicPr>
+          <p:nvPr/>
+        </p:nvPicPr>
+        <p:blipFill>
+          <a:blip r:embed="rId3"/>
+          <a:stretch>
+            <a:fillRect/>
+          </a:stretch>
+        </p:blipFill>
+        <p:spPr>
+          <a:xfrm>
+            <a:off x="45720" y="339719"/>
+            <a:ext cx="9219724" cy="4818348"/>
+          </a:xfrm>
+          <a:prstGeom prst="rect">
+            <a:avLst/>
+          </a:prstGeom>
+          <a:solidFill>
+            <a:schemeClr val="bg1"/>
+          </a:solidFill>
+          <a:effectLst>
+            <a:glow rad="127000">
+              <a:schemeClr val="bg1">
+                <a:lumMod val="95000"/>
+                <a:alpha val="0"/>
+              </a:schemeClr>
+            </a:glow>
+          </a:effectLst>
+        </p:spPr>
+      </p:pic>
+      <p:sp>
+        <p:nvSpPr>
+          <p:cNvPr id="55" name="Google Shape;55;p13"/>
+          <p:cNvSpPr txBox="1">
+            <a:spLocks noGrp="1"/>
+          </p:cNvSpPr>
+          <p:nvPr>
+            <p:ph type="subTitle" idx="1"/>
+          </p:nvPr>
+        </p:nvSpPr>
+        <p:spPr>
+          <a:xfrm>
+            <a:off x="45720" y="71242"/>
+            <a:ext cx="9219724" cy="477397"/>
+          </a:xfrm>
+          <a:prstGeom prst="rect">
+            <a:avLst/>
+          </a:prstGeom>
+          <a:blipFill dpi="0" rotWithShape="1">
+            <a:blip r:embed="rId4">
+              <a:alphaModFix amt="74000"/>
+            </a:blip>
+            <a:srcRect/>
+            <a:tile tx="0" ty="0" sx="100000" sy="100000" flip="none" algn="tl"/>
+          </a:blipFill>
+          <a:effectLst>
+            <a:glow rad="127000">
+              <a:schemeClr val="accent1">
+                <a:lumMod val="75000"/>
+              </a:schemeClr>
+            </a:glow>
+          </a:effectLst>
+        </p:spPr>
+        <p:txBody>
+          <a:bodyPr spcFirstLastPara="1" wrap="square" lIns="91425" tIns="91425" rIns="91425" bIns="91425" anchor="t" anchorCtr="0">
+            <a:normAutofit/>
+          </a:bodyPr>
+          <a:lstStyle/>
+          <a:p>
+            <a:pPr marL="0" lvl="0" indent="0" algn="ctr" rtl="0">
+              <a:spcBef>
+                <a:spcPts val="0"/>
+              </a:spcBef>
+              <a:spcAft>
+                <a:spcPts val="0"/>
+              </a:spcAft>
+              <a:buNone/>
+            </a:pPr>
+            <a:r>
+              <a:rPr lang="en" sz="1800" dirty="0">
+                <a:solidFill>
+                  <a:srgbClr val="000000"/>
+                </a:solidFill>
+              </a:rPr>
+              <a:t>Market Volatility During International Conflicts</a:t>
+            </a:r>
+            <a:endParaRPr sz="1800" dirty="0">
+              <a:solidFill>
+                <a:srgbClr val="000000"/>
+              </a:solidFill>
+            </a:endParaRPr>
+          </a:p>
+        </p:txBody>
+      </p:sp>
+      <p:sp>
+        <p:nvSpPr>
+          <p:cNvPr id="2" name="TextBox 1">
+            <a:extLst>
+              <a:ext uri="{FF2B5EF4-FFF2-40B4-BE49-F238E27FC236}">
+                <a16:creationId xmlns:a16="http://schemas.microsoft.com/office/drawing/2014/main" id="{48BF80AB-9619-49C8-9D40-FF1028787918}"/>
+              </a:ext>
+            </a:extLst>
+          </p:cNvPr>
+          <p:cNvSpPr txBox="1"/>
+          <p:nvPr/>
+        </p:nvSpPr>
+        <p:spPr>
+          <a:xfrm>
+            <a:off x="512207" y="812972"/>
+            <a:ext cx="8286750" cy="2862322"/>
+          </a:xfrm>
+          <a:prstGeom prst="rect">
+            <a:avLst/>
+          </a:prstGeom>
+          <a:solidFill>
+            <a:schemeClr val="lt1">
+              <a:alpha val="80000"/>
+            </a:schemeClr>
+          </a:solidFill>
+        </p:spPr>
+        <p:txBody>
+          <a:bodyPr wrap="square" rtlCol="0">
+            <a:spAutoFit/>
+          </a:bodyPr>
+          <a:lstStyle/>
+          <a:p>
+            <a:pPr algn="ctr"/>
+            <a:r>
+              <a:rPr lang="en-US" sz="2000" b="1" i="0" dirty="0">
+                <a:solidFill>
+                  <a:schemeClr val="tx1"/>
+                </a:solidFill>
+                <a:effectLst/>
+                <a:latin typeface="Roboto" panose="02000000000000000000" pitchFamily="2" charset="0"/>
+              </a:rPr>
+              <a:t> </a:t>
+            </a:r>
+          </a:p>
+          <a:p>
+            <a:pPr algn="ctr"/>
+            <a:r>
+              <a:rPr lang="en-US" sz="2400" b="0" i="0" dirty="0">
+                <a:solidFill>
+                  <a:srgbClr val="2B2B2B"/>
+                </a:solidFill>
+                <a:effectLst/>
+                <a:latin typeface="Roboto" panose="02000000000000000000" pitchFamily="2" charset="0"/>
+              </a:rPr>
+              <a:t>Description of the data exploration phase of the project</a:t>
+            </a:r>
+          </a:p>
+          <a:p>
+            <a:endParaRPr lang="en-US" sz="2000" b="0" i="0" dirty="0">
+              <a:solidFill>
+                <a:srgbClr val="2B2B2B"/>
+              </a:solidFill>
+              <a:effectLst/>
+              <a:latin typeface="Roboto" panose="02000000000000000000" pitchFamily="2" charset="0"/>
+            </a:endParaRPr>
+          </a:p>
+          <a:p>
+            <a:pPr marL="285750" indent="-285750">
+              <a:buFont typeface="Arial" panose="020B0604020202020204" pitchFamily="34" charset="0"/>
+              <a:buChar char="•"/>
+            </a:pPr>
+            <a:r>
+              <a:rPr lang="en-US" b="0" i="0" dirty="0">
+                <a:solidFill>
+                  <a:srgbClr val="2B2B2B"/>
+                </a:solidFill>
+                <a:effectLst/>
+                <a:latin typeface="Roboto" panose="02000000000000000000" pitchFamily="2" charset="0"/>
+              </a:rPr>
+              <a:t>The </a:t>
+            </a:r>
+            <a:r>
+              <a:rPr lang="en-US" dirty="0">
+                <a:solidFill>
+                  <a:srgbClr val="2B2B2B"/>
+                </a:solidFill>
+                <a:latin typeface="Roboto" panose="02000000000000000000" pitchFamily="2" charset="0"/>
+              </a:rPr>
+              <a:t>Team f</a:t>
+            </a:r>
+            <a:r>
+              <a:rPr lang="en-US" b="0" i="0" dirty="0">
+                <a:solidFill>
+                  <a:srgbClr val="2B2B2B"/>
+                </a:solidFill>
+                <a:effectLst/>
+                <a:latin typeface="Roboto" panose="02000000000000000000" pitchFamily="2" charset="0"/>
+              </a:rPr>
+              <a:t>irst  searched Kaggle to find stock market data for the 3 markets Dow Jones, Nasdaq, and S&amp;P 500.  </a:t>
+            </a:r>
+          </a:p>
+          <a:p>
+            <a:pPr marL="285750" indent="-285750">
+              <a:buFont typeface="Arial" panose="020B0604020202020204" pitchFamily="34" charset="0"/>
+              <a:buChar char="•"/>
+            </a:pPr>
+            <a:endParaRPr lang="en-US" dirty="0">
+              <a:solidFill>
+                <a:srgbClr val="2B2B2B"/>
+              </a:solidFill>
+              <a:latin typeface="Roboto" panose="02000000000000000000" pitchFamily="2" charset="0"/>
+            </a:endParaRPr>
+          </a:p>
+          <a:p>
+            <a:pPr marL="285750" indent="-285750">
+              <a:buFont typeface="Arial" panose="020B0604020202020204" pitchFamily="34" charset="0"/>
+              <a:buChar char="•"/>
+            </a:pPr>
+            <a:r>
+              <a:rPr lang="en-US" b="0" i="0" dirty="0">
+                <a:solidFill>
+                  <a:srgbClr val="2B2B2B"/>
+                </a:solidFill>
+                <a:effectLst/>
+                <a:latin typeface="Roboto" panose="02000000000000000000" pitchFamily="2" charset="0"/>
+              </a:rPr>
+              <a:t>Next we searched for conflicts and found the Uppsala Conflict Data Program – Department of Peace and Conflict Research website.  This is a great website with multiple datasets of conflict data.</a:t>
+            </a:r>
+          </a:p>
+          <a:p>
+            <a:pPr marL="285750" indent="-285750">
+              <a:buFont typeface="Arial" panose="020B0604020202020204" pitchFamily="34" charset="0"/>
+              <a:buChar char="•"/>
+            </a:pPr>
+            <a:endParaRPr lang="en-US" dirty="0">
+              <a:solidFill>
+                <a:srgbClr val="2B2B2B"/>
+              </a:solidFill>
+              <a:latin typeface="Roboto" panose="02000000000000000000" pitchFamily="2" charset="0"/>
+            </a:endParaRPr>
+          </a:p>
+          <a:p>
+            <a:endParaRPr lang="en-US" sz="1800" dirty="0"/>
+          </a:p>
+        </p:txBody>
+      </p:sp>
+      <p:sp>
+        <p:nvSpPr>
+          <p:cNvPr id="10" name="TextBox 9">
+            <a:extLst>
+              <a:ext uri="{FF2B5EF4-FFF2-40B4-BE49-F238E27FC236}">
+                <a16:creationId xmlns:a16="http://schemas.microsoft.com/office/drawing/2014/main" id="{453E4B5D-E520-43B6-8C4A-E735E3A876C5}"/>
+              </a:ext>
+            </a:extLst>
+          </p:cNvPr>
+          <p:cNvSpPr txBox="1"/>
+          <p:nvPr/>
+        </p:nvSpPr>
+        <p:spPr>
+          <a:xfrm>
+            <a:off x="8457712" y="4949147"/>
+            <a:ext cx="825817" cy="246221"/>
+          </a:xfrm>
+          <a:prstGeom prst="rect">
+            <a:avLst/>
+          </a:prstGeom>
+          <a:noFill/>
+        </p:spPr>
+        <p:txBody>
+          <a:bodyPr wrap="square" rtlCol="0">
+            <a:spAutoFit/>
+          </a:bodyPr>
+          <a:lstStyle/>
+          <a:p>
+            <a:r>
+              <a:rPr lang="en-US" sz="1000" dirty="0">
+                <a:solidFill>
+                  <a:schemeClr val="bg1"/>
+                </a:solidFill>
+              </a:rPr>
+              <a:t>Group 1</a:t>
+            </a:r>
+            <a:endParaRPr lang="en-US" sz="1000" dirty="0">
+              <a:highlight>
+                <a:srgbClr val="FFFF00"/>
+              </a:highlight>
+            </a:endParaRPr>
+          </a:p>
+        </p:txBody>
+      </p:sp>
+    </p:spTree>
+    <p:extLst>
+      <p:ext uri="{BB962C8B-B14F-4D97-AF65-F5344CB8AC3E}">
+        <p14:creationId xmlns:p14="http://schemas.microsoft.com/office/powerpoint/2010/main" val="2691451647"/>
+      </p:ext>
+    </p:extLst>
+  </p:cSld>
+  <p:clrMapOvr>
+    <a:masterClrMapping/>
+  </p:clrMapOvr>
+</p:sld>
+</file>
+
+<file path=ppt/slides/slide5.xml><?xml version="1.0" encoding="utf-8"?>
 <p:sld xmlns:a="http://schemas.openxmlformats.org/drawingml/2006/main" xmlns:r="http://schemas.openxmlformats.org/officeDocument/2006/relationships" xmlns:p="http://schemas.openxmlformats.org/presentationml/2006/main">
   <p:cSld>
     <p:spTree>
@@ -9232,38 +9801,17 @@
         </p:nvSpPr>
         <p:spPr>
           <a:xfrm>
-            <a:off x="512207" y="812972"/>
-            <a:ext cx="8286750" cy="4031873"/>
+            <a:off x="583870" y="897132"/>
+            <a:ext cx="8286750" cy="3693319"/>
           </a:xfrm>
           <a:prstGeom prst="rect">
             <a:avLst/>
           </a:prstGeom>
-          <a:gradFill flip="none" rotWithShape="1">
-            <a:gsLst>
-              <a:gs pos="0">
-                <a:schemeClr val="accent4">
-                  <a:lumMod val="0"/>
-                  <a:lumOff val="100000"/>
-                </a:schemeClr>
-              </a:gs>
-              <a:gs pos="84000">
-                <a:schemeClr val="accent4">
-                  <a:lumMod val="0"/>
-                  <a:lumOff val="100000"/>
-                  <a:alpha val="46000"/>
-                </a:schemeClr>
-              </a:gs>
-              <a:gs pos="100000">
-                <a:schemeClr val="accent4">
-                  <a:lumMod val="100000"/>
-                </a:schemeClr>
-              </a:gs>
-            </a:gsLst>
-            <a:path path="shape">
-              <a:fillToRect l="50000" t="50000" r="50000" b="50000"/>
-            </a:path>
-            <a:tileRect/>
-          </a:gradFill>
+          <a:solidFill>
+            <a:schemeClr val="lt1">
+              <a:alpha val="80000"/>
+            </a:schemeClr>
+          </a:solidFill>
         </p:spPr>
         <p:txBody>
           <a:bodyPr wrap="square" rtlCol="0">
@@ -9273,39 +9821,37 @@
           <a:p>
             <a:pPr algn="ctr"/>
             <a:r>
-              <a:rPr lang="en-US" sz="2000" b="1" i="0">
+              <a:rPr lang="en-US" sz="2000" b="1" i="0" dirty="0">
                 <a:solidFill>
                   <a:schemeClr val="tx1"/>
                 </a:solidFill>
                 <a:effectLst/>
                 <a:latin typeface="Roboto" panose="02000000000000000000" pitchFamily="2" charset="0"/>
               </a:rPr>
-              <a:t>	 </a:t>
-            </a:r>
-            <a:endParaRPr lang="en-US" sz="2000" b="1" i="0" dirty="0">
-              <a:solidFill>
-                <a:schemeClr val="tx1"/>
-              </a:solidFill>
-              <a:effectLst/>
-              <a:latin typeface="Roboto" panose="02000000000000000000" pitchFamily="2" charset="0"/>
-            </a:endParaRPr>
-          </a:p>
-          <a:p>
-            <a:pPr algn="ctr"/>
-            <a:r>
-              <a:rPr lang="en-US" sz="2400" b="0" i="0" dirty="0">
+              <a:t> </a:t>
+            </a:r>
+          </a:p>
+          <a:p>
+            <a:pPr marL="285750" indent="-285750">
+              <a:buFont typeface="Arial" panose="020B0604020202020204" pitchFamily="34" charset="0"/>
+              <a:buChar char="•"/>
+            </a:pPr>
+            <a:r>
+              <a:rPr lang="en-US" dirty="0">
                 <a:solidFill>
                   <a:srgbClr val="2B2B2B"/>
                 </a:solidFill>
-                <a:effectLst/>
                 <a:latin typeface="Roboto" panose="02000000000000000000" pitchFamily="2" charset="0"/>
               </a:rPr>
-              <a:t> Questions the team hopes to answer with the data</a:t>
-            </a:r>
-          </a:p>
-          <a:p>
-            <a:pPr algn="l"/>
-            <a:endParaRPr lang="en-US" sz="1800" dirty="0">
+              <a:t>Technologies, languages, tools, and algorithms used throughout the project</a:t>
+            </a:r>
+          </a:p>
+          <a:p>
+            <a:pPr marL="285750" indent="-285750">
+              <a:buFont typeface="Arial" panose="020B0604020202020204" pitchFamily="34" charset="0"/>
+              <a:buChar char="•"/>
+            </a:pPr>
+            <a:endParaRPr lang="en-US" dirty="0">
               <a:solidFill>
                 <a:srgbClr val="2B2B2B"/>
               </a:solidFill>
@@ -9313,109 +9859,83 @@
             </a:endParaRPr>
           </a:p>
           <a:p>
-            <a:pPr marL="342900" lvl="2" indent="-342900">
-              <a:buFont typeface="+mj-lt"/>
-              <a:buAutoNum type="arabicPeriod"/>
+            <a:pPr marL="285750" indent="-285750">
+              <a:buFont typeface="Arial" panose="020B0604020202020204" pitchFamily="34" charset="0"/>
+              <a:buChar char="•"/>
             </a:pPr>
             <a:r>
-              <a:rPr lang="en-US" sz="1800" b="0" i="0" dirty="0">
+              <a:rPr lang="en-US" dirty="0" err="1">
                 <a:solidFill>
                   <a:srgbClr val="2B2B2B"/>
                 </a:solidFill>
-                <a:effectLst/>
                 <a:latin typeface="Roboto" panose="02000000000000000000" pitchFamily="2" charset="0"/>
               </a:rPr>
-              <a:t>Does the size of the conflict have proportional impact?</a:t>
-            </a:r>
-          </a:p>
-          <a:p>
-            <a:pPr marL="342900" lvl="2" indent="-342900">
-              <a:buFont typeface="+mj-lt"/>
-              <a:buAutoNum type="arabicPeriod"/>
+              <a:t>Appplications</a:t>
+            </a:r>
+            <a:r>
+              <a:rPr lang="en-US" dirty="0">
+                <a:solidFill>
+                  <a:srgbClr val="2B2B2B"/>
+                </a:solidFill>
+                <a:latin typeface="Roboto" panose="02000000000000000000" pitchFamily="2" charset="0"/>
+              </a:rPr>
+              <a:t>  used:</a:t>
+            </a:r>
+          </a:p>
+          <a:p>
+            <a:pPr marL="285750" indent="-285750">
+              <a:buFont typeface="Arial" panose="020B0604020202020204" pitchFamily="34" charset="0"/>
+              <a:buChar char="•"/>
             </a:pPr>
-            <a:endParaRPr lang="en-US" sz="1800" b="0" i="0" dirty="0">
-              <a:solidFill>
-                <a:srgbClr val="2B2B2B"/>
-              </a:solidFill>
-              <a:effectLst/>
-              <a:latin typeface="Roboto" panose="02000000000000000000" pitchFamily="2" charset="0"/>
-            </a:endParaRPr>
-          </a:p>
-          <a:p>
-            <a:pPr marL="342900" lvl="2" indent="-342900">
-              <a:buFont typeface="+mj-lt"/>
-              <a:buAutoNum type="arabicPeriod"/>
+            <a:r>
+              <a:rPr lang="en-US" dirty="0">
+                <a:solidFill>
+                  <a:srgbClr val="2B2B2B"/>
+                </a:solidFill>
+                <a:latin typeface="Roboto" panose="02000000000000000000" pitchFamily="2" charset="0"/>
+              </a:rPr>
+              <a:t>Excel </a:t>
+            </a:r>
+          </a:p>
+          <a:p>
+            <a:pPr marL="285750" indent="-285750">
+              <a:buFont typeface="Arial" panose="020B0604020202020204" pitchFamily="34" charset="0"/>
+              <a:buChar char="•"/>
             </a:pPr>
             <a:r>
-              <a:rPr lang="en-US" sz="1800" dirty="0">
+              <a:rPr lang="en-US" dirty="0">
                 <a:solidFill>
                   <a:srgbClr val="2B2B2B"/>
                 </a:solidFill>
                 <a:latin typeface="Roboto" panose="02000000000000000000" pitchFamily="2" charset="0"/>
               </a:rPr>
-              <a:t>Does the geographical location matter?</a:t>
-            </a:r>
-          </a:p>
-          <a:p>
-            <a:pPr marL="342900" lvl="2" indent="-342900">
-              <a:buFont typeface="+mj-lt"/>
-              <a:buAutoNum type="arabicPeriod"/>
+              <a:t>Python</a:t>
+            </a:r>
+          </a:p>
+          <a:p>
+            <a:pPr marL="285750" indent="-285750">
+              <a:buFont typeface="Arial" panose="020B0604020202020204" pitchFamily="34" charset="0"/>
+              <a:buChar char="•"/>
             </a:pPr>
-            <a:endParaRPr lang="en-US" sz="1800" b="0" i="0" dirty="0">
-              <a:solidFill>
-                <a:srgbClr val="2B2B2B"/>
-              </a:solidFill>
-              <a:effectLst/>
-              <a:latin typeface="Roboto" panose="02000000000000000000" pitchFamily="2" charset="0"/>
-            </a:endParaRPr>
-          </a:p>
-          <a:p>
-            <a:pPr marL="342900" lvl="2" indent="-342900">
-              <a:buFont typeface="+mj-lt"/>
-              <a:buAutoNum type="arabicPeriod"/>
-            </a:pPr>
-            <a:r>
-              <a:rPr lang="en-US" sz="1800" b="0" i="0" dirty="0">
+            <a:r>
+              <a:rPr lang="en-US" dirty="0">
                 <a:solidFill>
                   <a:srgbClr val="2B2B2B"/>
                 </a:solidFill>
-                <a:effectLst/>
                 <a:latin typeface="Roboto" panose="02000000000000000000" pitchFamily="2" charset="0"/>
               </a:rPr>
-              <a:t>Was a certain sector impacted more than another?</a:t>
-            </a:r>
-          </a:p>
-          <a:p>
-            <a:pPr marL="342900" lvl="2" indent="-342900">
-              <a:buFont typeface="+mj-lt"/>
-              <a:buAutoNum type="arabicPeriod"/>
-            </a:pPr>
-            <a:endParaRPr lang="en-US" sz="1800" b="0" i="0" dirty="0">
-              <a:solidFill>
-                <a:srgbClr val="2B2B2B"/>
-              </a:solidFill>
-              <a:effectLst/>
-              <a:latin typeface="Roboto" panose="02000000000000000000" pitchFamily="2" charset="0"/>
-            </a:endParaRPr>
-          </a:p>
-          <a:p>
-            <a:pPr marL="342900" lvl="2" indent="-342900">
-              <a:buFont typeface="+mj-lt"/>
-              <a:buAutoNum type="arabicPeriod"/>
-            </a:pPr>
-            <a:r>
-              <a:rPr lang="en-US" sz="1800" dirty="0">
+              <a:t>Postgres SQL/</a:t>
+            </a:r>
+            <a:r>
+              <a:rPr lang="en-US" dirty="0" err="1">
                 <a:solidFill>
                   <a:srgbClr val="2B2B2B"/>
                 </a:solidFill>
                 <a:latin typeface="Roboto" panose="02000000000000000000" pitchFamily="2" charset="0"/>
               </a:rPr>
-              <a:t>Does the market bounce back after 90 days from the start of the conflict?</a:t>
-            </a:r>
-          </a:p>
-          <a:p>
-            <a:pPr lvl="2"/>
-            <a:endParaRPr lang="en-US" sz="1800" dirty="0">
+              <a:t>Pgadmin</a:t>
+            </a:r>
+            <a:endParaRPr lang="en-US" dirty="0">
               <a:solidFill>
                 <a:srgbClr val="2B2B2B"/>
               </a:solidFill>
@@ -9423,25 +9943,149 @@
             </a:endParaRPr>
           </a:p>
           <a:p>
-            <a:pPr lvl="2"/>
-            <a:r>
-              <a:rPr lang="en-US" sz="1800" dirty="0">
+            <a:pPr marL="285750" indent="-285750">
+              <a:buFont typeface="Arial" panose="020B0604020202020204" pitchFamily="34" charset="0"/>
+              <a:buChar char="•"/>
+            </a:pPr>
+            <a:r>
+              <a:rPr lang="en-US" dirty="0">
                 <a:solidFill>
                   <a:srgbClr val="2B2B2B"/>
                 </a:solidFill>
                 <a:latin typeface="Roboto" panose="02000000000000000000" pitchFamily="2" charset="0"/>
               </a:rPr>
-              <a:t>5.    Which territory or location was greatly affected by and what was minimum,  maximum and average market value during the conflict</a:t>
-            </a:r>
-            <a:endParaRPr lang="en-US" sz="1800" dirty="0">
-              <a:effectLst/>
-              <a:latin typeface="Univers Condensed" panose="020B0506020202050204" pitchFamily="34" charset="0"/>
-              <a:ea typeface="Times New Roman" panose="02020603050405020304" pitchFamily="18" charset="0"/>
-              <a:cs typeface="Times New Roman" panose="02020603050405020304" pitchFamily="18" charset="0"/>
+              <a:t>AWS</a:t>
+            </a:r>
+          </a:p>
+          <a:p>
+            <a:pPr marL="285750" indent="-285750">
+              <a:buFont typeface="Arial" panose="020B0604020202020204" pitchFamily="34" charset="0"/>
+              <a:buChar char="•"/>
+            </a:pPr>
+            <a:endParaRPr lang="en-US" dirty="0">
+              <a:solidFill>
+                <a:srgbClr val="2B2B2B"/>
+              </a:solidFill>
+              <a:latin typeface="Roboto" panose="02000000000000000000" pitchFamily="2" charset="0"/>
             </a:endParaRPr>
           </a:p>
           <a:p>
-            <a:endParaRPr lang="en-US" dirty="0"/>
+            <a:pPr marL="285750" indent="-285750">
+              <a:buFont typeface="Arial" panose="020B0604020202020204" pitchFamily="34" charset="0"/>
+              <a:buChar char="•"/>
+            </a:pPr>
+            <a:r>
+              <a:rPr lang="en-US" dirty="0">
+                <a:solidFill>
+                  <a:srgbClr val="2B2B2B"/>
+                </a:solidFill>
+                <a:latin typeface="Roboto" panose="02000000000000000000" pitchFamily="2" charset="0"/>
+              </a:rPr>
+              <a:t>Tools:</a:t>
+            </a:r>
+          </a:p>
+          <a:p>
+            <a:pPr marL="285750" indent="-285750">
+              <a:buFont typeface="Arial" panose="020B0604020202020204" pitchFamily="34" charset="0"/>
+              <a:buChar char="•"/>
+            </a:pPr>
+            <a:r>
+              <a:rPr lang="en-US" dirty="0" err="1">
+                <a:solidFill>
+                  <a:srgbClr val="2B2B2B"/>
+                </a:solidFill>
+                <a:latin typeface="Roboto" panose="02000000000000000000" pitchFamily="2" charset="0"/>
+              </a:rPr>
+              <a:t>QuickDBD</a:t>
+            </a:r>
+            <a:r>
+              <a:rPr lang="en-US" dirty="0">
+                <a:solidFill>
+                  <a:srgbClr val="2B2B2B"/>
+                </a:solidFill>
+                <a:latin typeface="Roboto" panose="02000000000000000000" pitchFamily="2" charset="0"/>
+              </a:rPr>
+              <a:t>  for ERD Diagram</a:t>
+            </a:r>
+          </a:p>
+          <a:p>
+            <a:pPr marL="285750" indent="-285750">
+              <a:buFont typeface="Arial" panose="020B0604020202020204" pitchFamily="34" charset="0"/>
+              <a:buChar char="•"/>
+            </a:pPr>
+            <a:r>
+              <a:rPr lang="en-US" dirty="0">
+                <a:solidFill>
+                  <a:srgbClr val="2B2B2B"/>
+                </a:solidFill>
+                <a:latin typeface="Roboto" panose="02000000000000000000" pitchFamily="2" charset="0"/>
+              </a:rPr>
+              <a:t>Google Slides /</a:t>
+            </a:r>
+            <a:r>
+              <a:rPr lang="en-US" dirty="0" err="1">
+                <a:solidFill>
+                  <a:srgbClr val="2B2B2B"/>
+                </a:solidFill>
+                <a:latin typeface="Roboto" panose="02000000000000000000" pitchFamily="2" charset="0"/>
+              </a:rPr>
+              <a:t>Powerpoint</a:t>
+            </a:r>
+            <a:endParaRPr lang="en-US" dirty="0">
+              <a:solidFill>
+                <a:srgbClr val="2B2B2B"/>
+              </a:solidFill>
+              <a:latin typeface="Roboto" panose="02000000000000000000" pitchFamily="2" charset="0"/>
+            </a:endParaRPr>
+          </a:p>
+          <a:p>
+            <a:pPr marL="285750" indent="-285750">
+              <a:buFont typeface="Arial" panose="020B0604020202020204" pitchFamily="34" charset="0"/>
+              <a:buChar char="•"/>
+            </a:pPr>
+            <a:endParaRPr lang="en-US" dirty="0">
+              <a:solidFill>
+                <a:srgbClr val="2B2B2B"/>
+              </a:solidFill>
+              <a:latin typeface="Roboto" panose="02000000000000000000" pitchFamily="2" charset="0"/>
+            </a:endParaRPr>
+          </a:p>
+          <a:p>
+            <a:pPr marL="285750" indent="-285750">
+              <a:buFont typeface="Arial" panose="020B0604020202020204" pitchFamily="34" charset="0"/>
+              <a:buChar char="•"/>
+            </a:pPr>
+            <a:r>
+              <a:rPr lang="en-US" dirty="0">
+                <a:solidFill>
+                  <a:srgbClr val="2B2B2B"/>
+                </a:solidFill>
+                <a:latin typeface="Roboto" panose="02000000000000000000" pitchFamily="2" charset="0"/>
+              </a:rPr>
+              <a:t>Algorithms:</a:t>
+            </a:r>
+          </a:p>
+          <a:p>
+            <a:pPr marL="285750" indent="-285750">
+              <a:buFont typeface="Arial" panose="020B0604020202020204" pitchFamily="34" charset="0"/>
+              <a:buChar char="•"/>
+            </a:pPr>
+            <a:r>
+              <a:rPr lang="en-US" dirty="0">
+                <a:solidFill>
+                  <a:srgbClr val="2B2B2B"/>
+                </a:solidFill>
+                <a:latin typeface="Roboto" panose="02000000000000000000" pitchFamily="2" charset="0"/>
+              </a:rPr>
+              <a:t>Machine Learning/Neural Network</a:t>
+            </a:r>
+          </a:p>
+          <a:p>
+            <a:pPr marL="285750" indent="-285750">
+              <a:buFont typeface="Arial" panose="020B0604020202020204" pitchFamily="34" charset="0"/>
+              <a:buChar char="•"/>
+            </a:pPr>
+            <a:endParaRPr lang="en-US" sz="1800" dirty="0"/>
           </a:p>
         </p:txBody>
       </p:sp>
@@ -9492,7 +10136,7 @@
     </p:spTree>
     <p:extLst>
       <p:ext uri="{BB962C8B-B14F-4D97-AF65-F5344CB8AC3E}">
-        <p14:creationId xmlns:p14="http://schemas.microsoft.com/office/powerpoint/2010/main" val="2204897532"/>
+        <p14:creationId xmlns:p14="http://schemas.microsoft.com/office/powerpoint/2010/main" val="3884940733"/>
       </p:ext>
     </p:extLst>
   </p:cSld>
@@ -9502,9 +10146,17 @@
 </p:sld>
 </file>
 
-<file path=ppt/slides/slide5.xml><?xml version="1.0" encoding="utf-8"?>
+<file path=ppt/slides/slide6.xml><?xml version="1.0" encoding="utf-8"?>
 <p:sld xmlns:a="http://schemas.openxmlformats.org/drawingml/2006/main" xmlns:r="http://schemas.openxmlformats.org/officeDocument/2006/relationships" xmlns:p="http://schemas.openxmlformats.org/presentationml/2006/main">
   <p:cSld>
+    <p:bg>
+      <p:bgPr>
+        <a:solidFill>
+          <a:schemeClr val="lt1"/>
+        </a:solidFill>
+        <a:effectLst/>
+      </p:bgPr>
+    </p:bg>
     <p:spTree>
       <p:nvGrpSpPr>
         <p:cNvPr id="1" name="Shape 53"/>
@@ -9541,7 +10193,7 @@
         </p:blipFill>
         <p:spPr>
           <a:xfrm>
-            <a:off x="45720" y="339719"/>
+            <a:off x="45720" y="419735"/>
             <a:ext cx="9219724" cy="4818348"/>
           </a:xfrm>
           <a:prstGeom prst="rect">
@@ -9638,398 +10290,17 @@
         </p:nvSpPr>
         <p:spPr>
           <a:xfrm>
-            <a:off x="512207" y="812972"/>
-            <a:ext cx="8286750" cy="2862322"/>
-          </a:xfrm>
-          <a:prstGeom prst="rect">
-            <a:avLst/>
-          </a:prstGeom>
-          <a:gradFill flip="none" rotWithShape="1">
-            <a:gsLst>
-              <a:gs pos="0">
-                <a:schemeClr val="accent4">
-                  <a:lumMod val="0"/>
-                  <a:lumOff val="100000"/>
-                </a:schemeClr>
-              </a:gs>
-              <a:gs pos="84000">
-                <a:schemeClr val="accent4">
-                  <a:lumMod val="0"/>
-                  <a:lumOff val="100000"/>
-                  <a:alpha val="46000"/>
-                </a:schemeClr>
-              </a:gs>
-              <a:gs pos="100000">
-                <a:schemeClr val="accent4">
-                  <a:lumMod val="100000"/>
-                </a:schemeClr>
-              </a:gs>
-            </a:gsLst>
-            <a:path path="shape">
-              <a:fillToRect l="50000" t="50000" r="50000" b="50000"/>
-            </a:path>
-            <a:tileRect/>
-          </a:gradFill>
-        </p:spPr>
-        <p:txBody>
-          <a:bodyPr wrap="square" rtlCol="0">
-            <a:spAutoFit/>
-          </a:bodyPr>
-          <a:lstStyle/>
-          <a:p>
-            <a:pPr algn="ctr"/>
-            <a:r>
-              <a:rPr lang="en-US" sz="2000" b="1" i="0" dirty="0">
-                <a:solidFill>
-                  <a:schemeClr val="tx1"/>
-                </a:solidFill>
-                <a:effectLst/>
-                <a:latin typeface="Roboto" panose="02000000000000000000" pitchFamily="2" charset="0"/>
-              </a:rPr>
-              <a:t> </a:t>
-            </a:r>
-          </a:p>
-          <a:p>
-            <a:pPr algn="ctr"/>
-            <a:r>
-              <a:rPr lang="en-US" sz="2400" b="0" i="0" dirty="0">
-                <a:solidFill>
-                  <a:srgbClr val="2B2B2B"/>
-                </a:solidFill>
-                <a:effectLst/>
-                <a:latin typeface="Roboto" panose="02000000000000000000" pitchFamily="2" charset="0"/>
-              </a:rPr>
-              <a:t>Description of the data exploration phase of the project</a:t>
-            </a:r>
-          </a:p>
-          <a:p>
-            <a:endParaRPr lang="en-US" sz="2000" b="0" i="0" dirty="0">
-              <a:solidFill>
-                <a:srgbClr val="2B2B2B"/>
-              </a:solidFill>
-              <a:effectLst/>
-              <a:latin typeface="Roboto" panose="02000000000000000000" pitchFamily="2" charset="0"/>
-            </a:endParaRPr>
-          </a:p>
-          <a:p>
-            <a:pPr marL="285750" indent="-285750">
-              <a:buFont typeface="Arial" panose="020B0604020202020204" pitchFamily="34" charset="0"/>
-              <a:buChar char="•"/>
-            </a:pPr>
-            <a:r>
-              <a:rPr lang="en-US" b="0" i="0" dirty="0">
-                <a:solidFill>
-                  <a:srgbClr val="2B2B2B"/>
-                </a:solidFill>
-                <a:effectLst/>
-                <a:latin typeface="Roboto" panose="02000000000000000000" pitchFamily="2" charset="0"/>
-              </a:rPr>
-              <a:t>The </a:t>
-            </a:r>
-            <a:r>
-              <a:rPr lang="en-US" dirty="0">
-                <a:solidFill>
-                  <a:srgbClr val="2B2B2B"/>
-                </a:solidFill>
-                <a:latin typeface="Roboto" panose="02000000000000000000" pitchFamily="2" charset="0"/>
-              </a:rPr>
-              <a:t>Team f</a:t>
-            </a:r>
-            <a:r>
-              <a:rPr lang="en-US" b="0" i="0" dirty="0">
-                <a:solidFill>
-                  <a:srgbClr val="2B2B2B"/>
-                </a:solidFill>
-                <a:effectLst/>
-                <a:latin typeface="Roboto" panose="02000000000000000000" pitchFamily="2" charset="0"/>
-              </a:rPr>
-              <a:t>irst  searched Kaggle to find stock market data for the 3 markets Dow Jones, Nasdaq, and S&amp;P 500.  </a:t>
-            </a:r>
-          </a:p>
-          <a:p>
-            <a:pPr marL="285750" indent="-285750">
-              <a:buFont typeface="Arial" panose="020B0604020202020204" pitchFamily="34" charset="0"/>
-              <a:buChar char="•"/>
-            </a:pPr>
-            <a:endParaRPr lang="en-US" dirty="0">
-              <a:solidFill>
-                <a:srgbClr val="2B2B2B"/>
-              </a:solidFill>
-              <a:latin typeface="Roboto" panose="02000000000000000000" pitchFamily="2" charset="0"/>
-            </a:endParaRPr>
-          </a:p>
-          <a:p>
-            <a:pPr marL="285750" indent="-285750">
-              <a:buFont typeface="Arial" panose="020B0604020202020204" pitchFamily="34" charset="0"/>
-              <a:buChar char="•"/>
-            </a:pPr>
-            <a:r>
-              <a:rPr lang="en-US" b="0" i="0" dirty="0">
-                <a:solidFill>
-                  <a:srgbClr val="2B2B2B"/>
-                </a:solidFill>
-                <a:effectLst/>
-                <a:latin typeface="Roboto" panose="02000000000000000000" pitchFamily="2" charset="0"/>
-              </a:rPr>
-              <a:t>Next we searched for conflicts and found the Uppsala Conflict Data Program – Department of Peace and Conflict Research website.  This is a great website with multiple datasets of conflict data.</a:t>
-            </a:r>
-          </a:p>
-          <a:p>
-            <a:pPr marL="285750" indent="-285750">
-              <a:buFont typeface="Arial" panose="020B0604020202020204" pitchFamily="34" charset="0"/>
-              <a:buChar char="•"/>
-            </a:pPr>
-            <a:endParaRPr lang="en-US" dirty="0">
-              <a:solidFill>
-                <a:srgbClr val="2B2B2B"/>
-              </a:solidFill>
-              <a:latin typeface="Roboto" panose="02000000000000000000" pitchFamily="2" charset="0"/>
-            </a:endParaRPr>
-          </a:p>
-          <a:p>
-            <a:endParaRPr lang="en-US" sz="1800" dirty="0"/>
-          </a:p>
-        </p:txBody>
-      </p:sp>
-      <p:sp>
-        <p:nvSpPr>
-          <p:cNvPr id="10" name="TextBox 9">
-            <a:extLst>
-              <a:ext uri="{FF2B5EF4-FFF2-40B4-BE49-F238E27FC236}">
-                <a16:creationId xmlns:a16="http://schemas.microsoft.com/office/drawing/2014/main" id="{453E4B5D-E520-43B6-8C4A-E735E3A876C5}"/>
-              </a:ext>
-            </a:extLst>
-          </p:cNvPr>
-          <p:cNvSpPr txBox="1"/>
-          <p:nvPr/>
-        </p:nvSpPr>
-        <p:spPr>
-          <a:xfrm>
-            <a:off x="8457712" y="4949147"/>
-            <a:ext cx="825817" cy="246221"/>
-          </a:xfrm>
-          <a:prstGeom prst="rect">
-            <a:avLst/>
-          </a:prstGeom>
-          <a:noFill/>
-        </p:spPr>
-        <p:txBody>
-          <a:bodyPr wrap="square" rtlCol="0">
-            <a:spAutoFit/>
-          </a:bodyPr>
-          <a:lstStyle/>
-          <a:p>
-            <a:r>
-              <a:rPr lang="en-US" sz="1000" dirty="0">
-                <a:solidFill>
-                  <a:schemeClr val="bg1"/>
-                </a:solidFill>
-              </a:rPr>
-              <a:t>Group 1</a:t>
-            </a:r>
-            <a:endParaRPr lang="en-US" sz="1000" dirty="0">
-              <a:highlight>
-                <a:srgbClr val="FFFF00"/>
-              </a:highlight>
-            </a:endParaRPr>
-          </a:p>
-        </p:txBody>
-      </p:sp>
-    </p:spTree>
-    <p:extLst>
-      <p:ext uri="{BB962C8B-B14F-4D97-AF65-F5344CB8AC3E}">
-        <p14:creationId xmlns:p14="http://schemas.microsoft.com/office/powerpoint/2010/main" val="2691451647"/>
-      </p:ext>
-    </p:extLst>
-  </p:cSld>
-  <p:clrMapOvr>
-    <a:masterClrMapping/>
-  </p:clrMapOvr>
-</p:sld>
-</file>
-
-<file path=ppt/slides/slide6.xml><?xml version="1.0" encoding="utf-8"?>
-<p:sld xmlns:a="http://schemas.openxmlformats.org/drawingml/2006/main" xmlns:r="http://schemas.openxmlformats.org/officeDocument/2006/relationships" xmlns:p="http://schemas.openxmlformats.org/presentationml/2006/main">
-  <p:cSld>
-    <p:bg>
-      <p:bgPr>
-        <a:blipFill dpi="0" rotWithShape="1">
-          <a:blip r:embed="rId3">
-            <a:lum/>
-          </a:blip>
-          <a:srcRect/>
-          <a:stretch>
-            <a:fillRect/>
-          </a:stretch>
-        </a:blipFill>
-        <a:effectLst/>
-      </p:bgPr>
-    </p:bg>
-    <p:spTree>
-      <p:nvGrpSpPr>
-        <p:cNvPr id="1" name="Shape 53"/>
-        <p:cNvGrpSpPr/>
-        <p:nvPr/>
-      </p:nvGrpSpPr>
-      <p:grpSpPr>
-        <a:xfrm>
-          <a:off x="0" y="0"/>
-          <a:ext cx="0" cy="0"/>
-          <a:chOff x="0" y="0"/>
-          <a:chExt cx="0" cy="0"/>
-        </a:xfrm>
-      </p:grpSpPr>
-      <p:pic>
-        <p:nvPicPr>
-          <p:cNvPr id="4" name="Picture 3">
-            <a:extLst>
-              <a:ext uri="{FF2B5EF4-FFF2-40B4-BE49-F238E27FC236}">
-                <a16:creationId xmlns:a16="http://schemas.microsoft.com/office/drawing/2014/main" id="{988BEC99-851C-4203-85C9-4FF1779C0510}"/>
-              </a:ext>
-            </a:extLst>
-          </p:cNvPr>
-          <p:cNvPicPr>
-            <a:picLocks noChangeAspect="1"/>
-          </p:cNvPicPr>
-          <p:nvPr/>
-        </p:nvPicPr>
-        <p:blipFill>
-          <a:blip r:embed="rId4"/>
-          <a:stretch>
-            <a:fillRect/>
-          </a:stretch>
-        </p:blipFill>
-        <p:spPr>
-          <a:xfrm>
-            <a:off x="45720" y="419735"/>
-            <a:ext cx="9219724" cy="4818348"/>
-          </a:xfrm>
-          <a:prstGeom prst="rect">
-            <a:avLst/>
-          </a:prstGeom>
-          <a:solidFill>
-            <a:schemeClr val="bg1"/>
-          </a:solidFill>
-          <a:effectLst>
-            <a:glow rad="127000">
-              <a:schemeClr val="bg1">
-                <a:lumMod val="95000"/>
-                <a:alpha val="0"/>
-              </a:schemeClr>
-            </a:glow>
-          </a:effectLst>
-        </p:spPr>
-      </p:pic>
-      <p:sp>
-        <p:nvSpPr>
-          <p:cNvPr id="55" name="Google Shape;55;p13"/>
-          <p:cNvSpPr txBox="1">
-            <a:spLocks noGrp="1"/>
-          </p:cNvSpPr>
-          <p:nvPr>
-            <p:ph type="subTitle" idx="1"/>
-          </p:nvPr>
-        </p:nvSpPr>
-        <p:spPr>
-          <a:xfrm>
-            <a:off x="45720" y="71242"/>
-            <a:ext cx="9219724" cy="477397"/>
-          </a:xfrm>
-          <a:prstGeom prst="rect">
-            <a:avLst/>
-          </a:prstGeom>
-          <a:blipFill dpi="0" rotWithShape="1">
-            <a:blip r:embed="rId5">
-              <a:alphaModFix amt="74000"/>
-            </a:blip>
-            <a:srcRect/>
-            <a:tile tx="0" ty="0" sx="100000" sy="100000" flip="none" algn="tl"/>
-          </a:blipFill>
-          <a:effectLst>
-            <a:glow rad="127000">
-              <a:schemeClr val="accent1">
-                <a:lumMod val="75000"/>
-              </a:schemeClr>
-            </a:glow>
-          </a:effectLst>
-        </p:spPr>
-        <p:txBody>
-          <a:bodyPr spcFirstLastPara="1" wrap="square" lIns="91425" tIns="91425" rIns="91425" bIns="91425" anchor="t" anchorCtr="0">
-            <a:normAutofit/>
-          </a:bodyPr>
-          <a:lstStyle/>
-          <a:p>
-            <a:pPr marL="0" lvl="0" indent="0" algn="ctr" rtl="0">
-              <a:spcBef>
-                <a:spcPts val="0"/>
-              </a:spcBef>
-              <a:spcAft>
-                <a:spcPts val="0"/>
-              </a:spcAft>
-              <a:buNone/>
-            </a:pPr>
-            <a:r>
-              <a:rPr lang="en" sz="1800" dirty="0">
-                <a:solidFill>
-                  <a:srgbClr val="000000"/>
-                </a:solidFill>
-              </a:rPr>
-              <a:t>Market Volatility During International Conflicts</a:t>
-            </a:r>
-            <a:endParaRPr sz="1800" dirty="0">
-              <a:solidFill>
-                <a:srgbClr val="000000"/>
-              </a:solidFill>
-            </a:endParaRPr>
-          </a:p>
-        </p:txBody>
-      </p:sp>
-      <p:sp>
-        <p:nvSpPr>
-          <p:cNvPr id="2" name="TextBox 1">
-            <a:extLst>
-              <a:ext uri="{FF2B5EF4-FFF2-40B4-BE49-F238E27FC236}">
-                <a16:creationId xmlns:a16="http://schemas.microsoft.com/office/drawing/2014/main" id="{48BF80AB-9619-49C8-9D40-FF1028787918}"/>
-              </a:ext>
-            </a:extLst>
-          </p:cNvPr>
-          <p:cNvSpPr txBox="1"/>
-          <p:nvPr/>
-        </p:nvSpPr>
-        <p:spPr>
-          <a:xfrm>
             <a:off x="512207" y="701830"/>
             <a:ext cx="8286750" cy="4247317"/>
           </a:xfrm>
           <a:prstGeom prst="rect">
             <a:avLst/>
           </a:prstGeom>
-          <a:gradFill flip="none" rotWithShape="1">
-            <a:gsLst>
-              <a:gs pos="0">
-                <a:schemeClr val="accent4">
-                  <a:lumMod val="0"/>
-                  <a:lumOff val="100000"/>
-                </a:schemeClr>
-              </a:gs>
-              <a:gs pos="88000">
-                <a:schemeClr val="accent4">
-                  <a:lumMod val="0"/>
-                  <a:lumOff val="100000"/>
-                  <a:alpha val="46000"/>
-                </a:schemeClr>
-              </a:gs>
-              <a:gs pos="100000">
-                <a:schemeClr val="accent4">
-                  <a:lumMod val="100000"/>
-                </a:schemeClr>
-              </a:gs>
-            </a:gsLst>
-            <a:path path="shape">
-              <a:fillToRect l="50000" t="50000" r="50000" b="50000"/>
-            </a:path>
-            <a:tileRect/>
-          </a:gradFill>
+          <a:solidFill>
+            <a:schemeClr val="lt1">
+              <a:alpha val="80000"/>
+            </a:schemeClr>
+          </a:solidFill>
         </p:spPr>
         <p:txBody>
           <a:bodyPr wrap="square" rtlCol="0">
@@ -10300,32 +10571,11 @@
           <a:prstGeom prst="rect">
             <a:avLst/>
           </a:prstGeom>
-          <a:gradFill flip="none" rotWithShape="1">
-            <a:gsLst>
-              <a:gs pos="0">
-                <a:schemeClr val="accent4">
-                  <a:lumMod val="0"/>
-                  <a:lumOff val="100000"/>
-                </a:schemeClr>
-              </a:gs>
-              <a:gs pos="84000">
-                <a:schemeClr val="accent4">
-                  <a:lumMod val="0"/>
-                  <a:lumOff val="100000"/>
-                  <a:alpha val="46000"/>
-                </a:schemeClr>
-              </a:gs>
-              <a:gs pos="100000">
-                <a:schemeClr val="accent4">
-                  <a:lumMod val="100000"/>
-                </a:schemeClr>
-              </a:gs>
-            </a:gsLst>
-            <a:path path="shape">
-              <a:fillToRect l="50000" t="50000" r="50000" b="50000"/>
-            </a:path>
-            <a:tileRect/>
-          </a:gradFill>
+          <a:solidFill>
+            <a:schemeClr val="lt1">
+              <a:alpha val="80000"/>
+            </a:schemeClr>
+          </a:solidFill>
         </p:spPr>
         <p:txBody>
           <a:bodyPr wrap="square" rtlCol="0">
@@ -10630,6 +10880,16 @@
 <file path=ppt/slides/slide8.xml><?xml version="1.0" encoding="utf-8"?>
 <p:sld xmlns:a="http://schemas.openxmlformats.org/drawingml/2006/main" xmlns:r="http://schemas.openxmlformats.org/officeDocument/2006/relationships" xmlns:p="http://schemas.openxmlformats.org/presentationml/2006/main">
   <p:cSld>
+    <p:bg>
+      <p:bgPr>
+        <a:solidFill>
+          <a:schemeClr val="lt1">
+            <a:alpha val="80000"/>
+          </a:schemeClr>
+        </a:solidFill>
+        <a:effectLst/>
+      </p:bgPr>
+    </p:bg>
     <p:spTree>
       <p:nvGrpSpPr>
         <p:cNvPr id="1" name="Shape 53"/>
@@ -10769,32 +11029,11 @@
           <a:prstGeom prst="rect">
             <a:avLst/>
           </a:prstGeom>
-          <a:gradFill flip="none" rotWithShape="1">
-            <a:gsLst>
-              <a:gs pos="0">
-                <a:schemeClr val="accent4">
-                  <a:lumMod val="0"/>
-                  <a:lumOff val="100000"/>
-                </a:schemeClr>
-              </a:gs>
-              <a:gs pos="84000">
-                <a:schemeClr val="accent4">
-                  <a:lumMod val="0"/>
-                  <a:lumOff val="100000"/>
-                  <a:alpha val="46000"/>
-                </a:schemeClr>
-              </a:gs>
-              <a:gs pos="100000">
-                <a:schemeClr val="accent4">
-                  <a:lumMod val="100000"/>
-                </a:schemeClr>
-              </a:gs>
-            </a:gsLst>
-            <a:path path="shape">
-              <a:fillToRect l="50000" t="50000" r="50000" b="50000"/>
-            </a:path>
-            <a:tileRect/>
-          </a:gradFill>
+          <a:solidFill>
+            <a:schemeClr val="lt1">
+              <a:alpha val="70000"/>
+            </a:schemeClr>
+          </a:solidFill>
         </p:spPr>
         <p:txBody>
           <a:bodyPr wrap="square" rtlCol="0">
@@ -10910,7 +11149,7 @@
                 </a:solidFill>
                 <a:latin typeface="Roboto" panose="02000000000000000000" pitchFamily="2" charset="0"/>
               </a:rPr>
-              <a:t>	4 = internationalized intrastate (side A is always a government; side B is always one or 		more rebel groups; there is involvement of foreign governments with troops</a:t>
+              <a:t>	4 = internationalized intrastate (side A is always a government; side B is always one or 		more rebel groups; there is involvement of foreign governments with troops)</a:t>
             </a:r>
           </a:p>
           <a:p>
@@ -11125,32 +11364,11 @@
           <a:prstGeom prst="rect">
             <a:avLst/>
           </a:prstGeom>
-          <a:gradFill flip="none" rotWithShape="1">
-            <a:gsLst>
-              <a:gs pos="0">
-                <a:schemeClr val="accent4">
-                  <a:lumMod val="0"/>
-                  <a:lumOff val="100000"/>
-                </a:schemeClr>
-              </a:gs>
-              <a:gs pos="84000">
-                <a:schemeClr val="accent4">
-                  <a:lumMod val="0"/>
-                  <a:lumOff val="100000"/>
-                  <a:alpha val="46000"/>
-                </a:schemeClr>
-              </a:gs>
-              <a:gs pos="100000">
-                <a:schemeClr val="accent4">
-                  <a:lumMod val="100000"/>
-                </a:schemeClr>
-              </a:gs>
-            </a:gsLst>
-            <a:path path="shape">
-              <a:fillToRect l="50000" t="50000" r="50000" b="50000"/>
-            </a:path>
-            <a:tileRect/>
-          </a:gradFill>
+          <a:solidFill>
+            <a:schemeClr val="lt1">
+              <a:alpha val="80000"/>
+            </a:schemeClr>
+          </a:solidFill>
         </p:spPr>
         <p:txBody>
           <a:bodyPr wrap="square" rtlCol="0">
@@ -11288,7 +11506,7 @@
                 </a:solidFill>
                 <a:latin typeface="Roboto" panose="02000000000000000000" pitchFamily="2" charset="0"/>
               </a:rPr>
-              <a:t>Start Date - The date, as precise as possible, of the first battle-related death in the conflict</a:t>
+              <a:t>Start Date - The date, as precise as possible, of the first battle-related deaths in the conflict</a:t>
             </a:r>
           </a:p>
           <a:p>

--- a/Group1 presentation revised 3.pptx
+++ b/Group1 presentation revised 3.pptx
@@ -11,15 +11,15 @@
     <p:sldId id="257" r:id="rId2"/>
     <p:sldId id="265" r:id="rId3"/>
     <p:sldId id="271" r:id="rId4"/>
-    <p:sldId id="273" r:id="rId5"/>
-    <p:sldId id="274" r:id="rId6"/>
+    <p:sldId id="274" r:id="rId5"/>
+    <p:sldId id="277" r:id="rId6"/>
     <p:sldId id="267" r:id="rId7"/>
     <p:sldId id="276" r:id="rId8"/>
     <p:sldId id="278" r:id="rId9"/>
     <p:sldId id="279" r:id="rId10"/>
     <p:sldId id="275" r:id="rId11"/>
     <p:sldId id="281" r:id="rId12"/>
-    <p:sldId id="277" r:id="rId13"/>
+    <p:sldId id="273" r:id="rId13"/>
     <p:sldId id="280" r:id="rId14"/>
   </p:sldIdLst>
   <p:sldSz cx="9144000" cy="5143500" type="screen16x9"/>
@@ -275,7 +275,7 @@
 <file path=ppt/revisionInfo.xml><?xml version="1.0" encoding="utf-8"?>
 <p1510:revInfo xmlns:a="http://schemas.openxmlformats.org/drawingml/2006/main" xmlns:r="http://schemas.openxmlformats.org/officeDocument/2006/relationships" xmlns:p1510="http://schemas.microsoft.com/office/powerpoint/2015/10/main">
   <p1510:revLst>
-    <p1510:client id="{08559E9A-47D9-4FFB-9C7D-3C9A15A644FB}" v="49" dt="2022-04-09T16:33:14.135"/>
+    <p1510:client id="{08559E9A-47D9-4FFB-9C7D-3C9A15A644FB}" v="51" dt="2022-04-09T18:37:14.164"/>
   </p1510:revLst>
 </p1510:revInfo>
 </file>
@@ -284,8 +284,8 @@
 <pc:chgInfo xmlns:a="http://schemas.openxmlformats.org/drawingml/2006/main" xmlns:r="http://schemas.openxmlformats.org/officeDocument/2006/relationships" xmlns:ac="http://schemas.microsoft.com/office/drawing/2013/main/command" xmlns:pc="http://schemas.microsoft.com/office/powerpoint/2013/main/command">
   <pc:docChgLst>
     <pc:chgData name="Theresa Heath" userId="0a643456b5129ff4" providerId="LiveId" clId="{08559E9A-47D9-4FFB-9C7D-3C9A15A644FB}"/>
-    <pc:docChg chg="modSld">
-      <pc:chgData name="Theresa Heath" userId="0a643456b5129ff4" providerId="LiveId" clId="{08559E9A-47D9-4FFB-9C7D-3C9A15A644FB}" dt="2022-04-09T16:33:25.153" v="391" actId="207"/>
+    <pc:docChg chg="undo custSel modSld sldOrd">
+      <pc:chgData name="Theresa Heath" userId="0a643456b5129ff4" providerId="LiveId" clId="{08559E9A-47D9-4FFB-9C7D-3C9A15A644FB}" dt="2022-04-09T20:28:54.450" v="809" actId="20577"/>
       <pc:docMkLst>
         <pc:docMk/>
       </pc:docMkLst>
@@ -320,28 +320,36 @@
         </pc:spChg>
       </pc:sldChg>
       <pc:sldChg chg="modSp mod">
-        <pc:chgData name="Theresa Heath" userId="0a643456b5129ff4" providerId="LiveId" clId="{08559E9A-47D9-4FFB-9C7D-3C9A15A644FB}" dt="2022-04-09T16:32:34.135" v="379" actId="207"/>
+        <pc:chgData name="Theresa Heath" userId="0a643456b5129ff4" providerId="LiveId" clId="{08559E9A-47D9-4FFB-9C7D-3C9A15A644FB}" dt="2022-04-09T20:22:07.593" v="648" actId="113"/>
         <pc:sldMkLst>
           <pc:docMk/>
           <pc:sldMk cId="3601532697" sldId="271"/>
         </pc:sldMkLst>
         <pc:spChg chg="mod">
-          <ac:chgData name="Theresa Heath" userId="0a643456b5129ff4" providerId="LiveId" clId="{08559E9A-47D9-4FFB-9C7D-3C9A15A644FB}" dt="2022-04-09T16:32:34.135" v="379" actId="207"/>
+          <ac:chgData name="Theresa Heath" userId="0a643456b5129ff4" providerId="LiveId" clId="{08559E9A-47D9-4FFB-9C7D-3C9A15A644FB}" dt="2022-04-09T20:22:07.593" v="648" actId="113"/>
           <ac:spMkLst>
             <pc:docMk/>
             <pc:sldMk cId="3601532697" sldId="271"/>
             <ac:spMk id="2" creationId="{48BF80AB-9619-49C8-9D40-FF1028787918}"/>
           </ac:spMkLst>
         </pc:spChg>
+        <pc:picChg chg="mod">
+          <ac:chgData name="Theresa Heath" userId="0a643456b5129ff4" providerId="LiveId" clId="{08559E9A-47D9-4FFB-9C7D-3C9A15A644FB}" dt="2022-04-09T20:21:53.603" v="647" actId="14100"/>
+          <ac:picMkLst>
+            <pc:docMk/>
+            <pc:sldMk cId="3601532697" sldId="271"/>
+            <ac:picMk id="4" creationId="{988BEC99-851C-4203-85C9-4FF1779C0510}"/>
+          </ac:picMkLst>
+        </pc:picChg>
       </pc:sldChg>
-      <pc:sldChg chg="modSp mod">
-        <pc:chgData name="Theresa Heath" userId="0a643456b5129ff4" providerId="LiveId" clId="{08559E9A-47D9-4FFB-9C7D-3C9A15A644FB}" dt="2022-04-09T16:32:43.785" v="381" actId="207"/>
+      <pc:sldChg chg="modSp mod ord">
+        <pc:chgData name="Theresa Heath" userId="0a643456b5129ff4" providerId="LiveId" clId="{08559E9A-47D9-4FFB-9C7D-3C9A15A644FB}" dt="2022-04-09T20:28:54.450" v="809" actId="20577"/>
         <pc:sldMkLst>
           <pc:docMk/>
           <pc:sldMk cId="2204897532" sldId="273"/>
         </pc:sldMkLst>
         <pc:spChg chg="mod">
-          <ac:chgData name="Theresa Heath" userId="0a643456b5129ff4" providerId="LiveId" clId="{08559E9A-47D9-4FFB-9C7D-3C9A15A644FB}" dt="2022-04-09T16:32:43.785" v="381" actId="207"/>
+          <ac:chgData name="Theresa Heath" userId="0a643456b5129ff4" providerId="LiveId" clId="{08559E9A-47D9-4FFB-9C7D-3C9A15A644FB}" dt="2022-04-09T20:28:54.450" v="809" actId="20577"/>
           <ac:spMkLst>
             <pc:docMk/>
             <pc:sldMk cId="2204897532" sldId="273"/>
@@ -394,8 +402,8 @@
           </ac:spMkLst>
         </pc:spChg>
       </pc:sldChg>
-      <pc:sldChg chg="modSp mod">
-        <pc:chgData name="Theresa Heath" userId="0a643456b5129ff4" providerId="LiveId" clId="{08559E9A-47D9-4FFB-9C7D-3C9A15A644FB}" dt="2022-04-09T16:32:01.983" v="374" actId="207"/>
+      <pc:sldChg chg="modSp mod ord">
+        <pc:chgData name="Theresa Heath" userId="0a643456b5129ff4" providerId="LiveId" clId="{08559E9A-47D9-4FFB-9C7D-3C9A15A644FB}" dt="2022-04-09T20:12:03.199" v="550"/>
         <pc:sldMkLst>
           <pc:docMk/>
           <pc:sldMk cId="3884940733" sldId="277"/>
@@ -410,13 +418,13 @@
         </pc:spChg>
       </pc:sldChg>
       <pc:sldChg chg="modSp mod setBg">
-        <pc:chgData name="Theresa Heath" userId="0a643456b5129ff4" providerId="LiveId" clId="{08559E9A-47D9-4FFB-9C7D-3C9A15A644FB}" dt="2022-04-09T16:33:14.135" v="389"/>
+        <pc:chgData name="Theresa Heath" userId="0a643456b5129ff4" providerId="LiveId" clId="{08559E9A-47D9-4FFB-9C7D-3C9A15A644FB}" dt="2022-04-09T20:08:45.249" v="545" actId="20577"/>
         <pc:sldMkLst>
           <pc:docMk/>
           <pc:sldMk cId="1614437287" sldId="278"/>
         </pc:sldMkLst>
         <pc:spChg chg="mod">
-          <ac:chgData name="Theresa Heath" userId="0a643456b5129ff4" providerId="LiveId" clId="{08559E9A-47D9-4FFB-9C7D-3C9A15A644FB}" dt="2022-04-09T16:30:44.236" v="357" actId="207"/>
+          <ac:chgData name="Theresa Heath" userId="0a643456b5129ff4" providerId="LiveId" clId="{08559E9A-47D9-4FFB-9C7D-3C9A15A644FB}" dt="2022-04-09T20:08:45.249" v="545" actId="20577"/>
           <ac:spMkLst>
             <pc:docMk/>
             <pc:sldMk cId="1614437287" sldId="278"/>
@@ -425,16 +433,31 @@
         </pc:spChg>
       </pc:sldChg>
       <pc:sldChg chg="modSp mod">
-        <pc:chgData name="Theresa Heath" userId="0a643456b5129ff4" providerId="LiveId" clId="{08559E9A-47D9-4FFB-9C7D-3C9A15A644FB}" dt="2022-04-09T16:33:25.153" v="391" actId="207"/>
+        <pc:chgData name="Theresa Heath" userId="0a643456b5129ff4" providerId="LiveId" clId="{08559E9A-47D9-4FFB-9C7D-3C9A15A644FB}" dt="2022-04-09T20:09:18.618" v="546" actId="20577"/>
         <pc:sldMkLst>
           <pc:docMk/>
           <pc:sldMk cId="1138265758" sldId="279"/>
         </pc:sldMkLst>
         <pc:spChg chg="mod">
-          <ac:chgData name="Theresa Heath" userId="0a643456b5129ff4" providerId="LiveId" clId="{08559E9A-47D9-4FFB-9C7D-3C9A15A644FB}" dt="2022-04-09T16:33:25.153" v="391" actId="207"/>
+          <ac:chgData name="Theresa Heath" userId="0a643456b5129ff4" providerId="LiveId" clId="{08559E9A-47D9-4FFB-9C7D-3C9A15A644FB}" dt="2022-04-09T20:09:18.618" v="546" actId="20577"/>
           <ac:spMkLst>
             <pc:docMk/>
             <pc:sldMk cId="1138265758" sldId="279"/>
+            <ac:spMk id="2" creationId="{48BF80AB-9619-49C8-9D40-FF1028787918}"/>
+          </ac:spMkLst>
+        </pc:spChg>
+      </pc:sldChg>
+      <pc:sldChg chg="modSp mod">
+        <pc:chgData name="Theresa Heath" userId="0a643456b5129ff4" providerId="LiveId" clId="{08559E9A-47D9-4FFB-9C7D-3C9A15A644FB}" dt="2022-04-09T20:14:41.872" v="644" actId="20577"/>
+        <pc:sldMkLst>
+          <pc:docMk/>
+          <pc:sldMk cId="660173787" sldId="280"/>
+        </pc:sldMkLst>
+        <pc:spChg chg="mod">
+          <ac:chgData name="Theresa Heath" userId="0a643456b5129ff4" providerId="LiveId" clId="{08559E9A-47D9-4FFB-9C7D-3C9A15A644FB}" dt="2022-04-09T20:14:41.872" v="644" actId="20577"/>
+          <ac:spMkLst>
+            <pc:docMk/>
+            <pc:sldMk cId="660173787" sldId="280"/>
             <ac:spMk id="2" creationId="{48BF80AB-9619-49C8-9D40-FF1028787918}"/>
           </ac:spMkLst>
         </pc:spChg>
@@ -1314,14 +1337,14 @@
               </a:spcAft>
               <a:buNone/>
             </a:pPr>
-            <a:endParaRPr/>
+            <a:endParaRPr dirty="0"/>
           </a:p>
         </p:txBody>
       </p:sp>
     </p:spTree>
     <p:extLst>
       <p:ext uri="{BB962C8B-B14F-4D97-AF65-F5344CB8AC3E}">
-        <p14:creationId xmlns:p14="http://schemas.microsoft.com/office/powerpoint/2010/main" val="1714155696"/>
+        <p14:creationId xmlns:p14="http://schemas.microsoft.com/office/powerpoint/2010/main" val="3808775746"/>
       </p:ext>
     </p:extLst>
   </p:cSld>
@@ -1757,7 +1780,7 @@
     </p:spTree>
     <p:extLst>
       <p:ext uri="{BB962C8B-B14F-4D97-AF65-F5344CB8AC3E}">
-        <p14:creationId xmlns:p14="http://schemas.microsoft.com/office/powerpoint/2010/main" val="3808775746"/>
+        <p14:creationId xmlns:p14="http://schemas.microsoft.com/office/powerpoint/2010/main" val="3548621194"/>
       </p:ext>
     </p:extLst>
   </p:cSld>
@@ -1866,7 +1889,7 @@
     </p:spTree>
     <p:extLst>
       <p:ext uri="{BB962C8B-B14F-4D97-AF65-F5344CB8AC3E}">
-        <p14:creationId xmlns:p14="http://schemas.microsoft.com/office/powerpoint/2010/main" val="3548621194"/>
+        <p14:creationId xmlns:p14="http://schemas.microsoft.com/office/powerpoint/2010/main" val="1714155696"/>
       </p:ext>
     </p:extLst>
   </p:cSld>
@@ -7793,8 +7816,8 @@
         </p:nvSpPr>
         <p:spPr>
           <a:xfrm>
-            <a:off x="583870" y="897132"/>
-            <a:ext cx="8286750" cy="3693319"/>
+            <a:off x="512207" y="812972"/>
+            <a:ext cx="8286750" cy="3754874"/>
           </a:xfrm>
           <a:prstGeom prst="rect">
             <a:avLst/>
@@ -7820,30 +7843,25 @@
                 <a:effectLst/>
                 <a:latin typeface="Roboto" panose="02000000000000000000" pitchFamily="2" charset="0"/>
               </a:rPr>
-              <a:t> </a:t>
-            </a:r>
-          </a:p>
-          <a:p>
-            <a:pPr marL="285750" indent="-285750">
-              <a:buFont typeface="Arial" panose="020B0604020202020204" pitchFamily="34" charset="0"/>
-              <a:buChar char="•"/>
-            </a:pPr>
-            <a:r>
-              <a:rPr lang="en-US" dirty="0">
+              <a:t>	 </a:t>
+            </a:r>
+          </a:p>
+          <a:p>
+            <a:pPr algn="ctr"/>
+            <a:r>
+              <a:rPr lang="en-US" sz="2400" b="0" i="0" dirty="0">
                 <a:solidFill>
                   <a:srgbClr val="2B2B2B"/>
                 </a:solidFill>
+                <a:effectLst/>
                 <a:latin typeface="Roboto" panose="02000000000000000000" pitchFamily="2" charset="0"/>
               </a:rPr>
-              <a:t>Technologies, languages, tools, and algorithms used throughout the project</a:t>
-            </a:r>
-          </a:p>
-          <a:p>
-            <a:pPr marL="285750" indent="-285750">
-              <a:buFont typeface="Arial" panose="020B0604020202020204" pitchFamily="34" charset="0"/>
-              <a:buChar char="•"/>
-            </a:pPr>
-            <a:endParaRPr lang="en-US" dirty="0">
+              <a:t> Questions the team hopes to answer with the data</a:t>
+            </a:r>
+          </a:p>
+          <a:p>
+            <a:pPr algn="l"/>
+            <a:endParaRPr lang="en-US" sz="1800" dirty="0">
               <a:solidFill>
                 <a:srgbClr val="2B2B2B"/>
               </a:solidFill>
@@ -7851,83 +7869,93 @@
             </a:endParaRPr>
           </a:p>
           <a:p>
-            <a:pPr marL="285750" indent="-285750">
-              <a:buFont typeface="Arial" panose="020B0604020202020204" pitchFamily="34" charset="0"/>
-              <a:buChar char="•"/>
+            <a:pPr marL="342900" lvl="2" indent="-342900">
+              <a:buFont typeface="+mj-lt"/>
+              <a:buAutoNum type="arabicPeriod"/>
             </a:pPr>
             <a:r>
-              <a:rPr lang="en-US" dirty="0" err="1">
+              <a:rPr lang="en-US" sz="1800" b="0" i="0" dirty="0">
                 <a:solidFill>
                   <a:srgbClr val="2B2B2B"/>
                 </a:solidFill>
+                <a:effectLst/>
                 <a:latin typeface="Roboto" panose="02000000000000000000" pitchFamily="2" charset="0"/>
               </a:rPr>
-              <a:t>Appplications</a:t>
-            </a:r>
-            <a:r>
-              <a:rPr lang="en-US" dirty="0">
+              <a:t>Does the </a:t>
+            </a:r>
+            <a:r>
+              <a:rPr lang="en-US" sz="1800" dirty="0">
                 <a:solidFill>
                   <a:srgbClr val="2B2B2B"/>
                 </a:solidFill>
                 <a:latin typeface="Roboto" panose="02000000000000000000" pitchFamily="2" charset="0"/>
               </a:rPr>
-              <a:t>  used:</a:t>
-            </a:r>
-          </a:p>
-          <a:p>
-            <a:pPr marL="285750" indent="-285750">
-              <a:buFont typeface="Arial" panose="020B0604020202020204" pitchFamily="34" charset="0"/>
-              <a:buChar char="•"/>
+              <a:t>number </a:t>
+            </a:r>
+            <a:r>
+              <a:rPr lang="en-US" sz="1800" b="0" i="0" dirty="0">
+                <a:solidFill>
+                  <a:srgbClr val="2B2B2B"/>
+                </a:solidFill>
+                <a:effectLst/>
+                <a:latin typeface="Roboto" panose="02000000000000000000" pitchFamily="2" charset="0"/>
+              </a:rPr>
+              <a:t>of the conflict have proportional impact?</a:t>
+            </a:r>
+          </a:p>
+          <a:p>
+            <a:pPr marL="342900" lvl="2" indent="-342900">
+              <a:buFont typeface="+mj-lt"/>
+              <a:buAutoNum type="arabicPeriod"/>
             </a:pPr>
-            <a:r>
-              <a:rPr lang="en-US" dirty="0">
+            <a:endParaRPr lang="en-US" sz="1800" b="0" i="0" dirty="0">
+              <a:solidFill>
+                <a:srgbClr val="2B2B2B"/>
+              </a:solidFill>
+              <a:effectLst/>
+              <a:latin typeface="Roboto" panose="02000000000000000000" pitchFamily="2" charset="0"/>
+            </a:endParaRPr>
+          </a:p>
+          <a:p>
+            <a:pPr marL="342900" lvl="2" indent="-342900">
+              <a:buFont typeface="+mj-lt"/>
+              <a:buAutoNum type="arabicPeriod"/>
+            </a:pPr>
+            <a:r>
+              <a:rPr lang="en-US" sz="1800" dirty="0">
                 <a:solidFill>
                   <a:srgbClr val="2B2B2B"/>
                 </a:solidFill>
                 <a:latin typeface="Roboto" panose="02000000000000000000" pitchFamily="2" charset="0"/>
               </a:rPr>
-              <a:t>Excel </a:t>
-            </a:r>
-          </a:p>
-          <a:p>
-            <a:pPr marL="285750" indent="-285750">
-              <a:buFont typeface="Arial" panose="020B0604020202020204" pitchFamily="34" charset="0"/>
-              <a:buChar char="•"/>
-            </a:pPr>
-            <a:r>
-              <a:rPr lang="en-US" dirty="0">
+              <a:t>Does the geographical location matter to the number of conflict?</a:t>
+            </a:r>
+          </a:p>
+          <a:p>
+            <a:pPr lvl="2"/>
+            <a:endParaRPr lang="en-US" sz="1800" b="0" i="0" dirty="0">
+              <a:solidFill>
+                <a:srgbClr val="2B2B2B"/>
+              </a:solidFill>
+              <a:effectLst/>
+              <a:latin typeface="Roboto" panose="02000000000000000000" pitchFamily="2" charset="0"/>
+            </a:endParaRPr>
+          </a:p>
+          <a:p>
+            <a:pPr lvl="2"/>
+            <a:r>
+              <a:rPr lang="en-US" sz="1800" dirty="0">
                 <a:solidFill>
                   <a:srgbClr val="2B2B2B"/>
                 </a:solidFill>
                 <a:latin typeface="Roboto" panose="02000000000000000000" pitchFamily="2" charset="0"/>
               </a:rPr>
-              <a:t>Python</a:t>
-            </a:r>
-          </a:p>
-          <a:p>
-            <a:pPr marL="285750" indent="-285750">
-              <a:buFont typeface="Arial" panose="020B0604020202020204" pitchFamily="34" charset="0"/>
-              <a:buChar char="•"/>
-            </a:pPr>
-            <a:r>
-              <a:rPr lang="en-US" dirty="0">
-                <a:solidFill>
-                  <a:srgbClr val="2B2B2B"/>
-                </a:solidFill>
-                <a:latin typeface="Roboto" panose="02000000000000000000" pitchFamily="2" charset="0"/>
-              </a:rPr>
-              <a:t>Postgres SQL/</a:t>
-            </a:r>
-            <a:r>
-              <a:rPr lang="en-US" dirty="0" err="1">
-                <a:solidFill>
-                  <a:srgbClr val="2B2B2B"/>
-                </a:solidFill>
-                <a:latin typeface="Roboto" panose="02000000000000000000" pitchFamily="2" charset="0"/>
-              </a:rPr>
-              <a:t>Pgadmin</a:t>
-            </a:r>
-            <a:endParaRPr lang="en-US" dirty="0">
+              <a:t>3.  Does the market bounce back after 90 days from the start of the conflict?</a:t>
+            </a:r>
+          </a:p>
+          <a:p>
+            <a:pPr lvl="2"/>
+            <a:endParaRPr lang="en-US" sz="1800" dirty="0">
               <a:solidFill>
                 <a:srgbClr val="2B2B2B"/>
               </a:solidFill>
@@ -7935,149 +7963,51 @@
             </a:endParaRPr>
           </a:p>
           <a:p>
-            <a:pPr marL="285750" indent="-285750">
-              <a:buFont typeface="Arial" panose="020B0604020202020204" pitchFamily="34" charset="0"/>
-              <a:buChar char="•"/>
-            </a:pPr>
-            <a:r>
-              <a:rPr lang="en-US" dirty="0">
+            <a:pPr lvl="2"/>
+            <a:r>
+              <a:rPr lang="en-US" sz="1800" dirty="0">
                 <a:solidFill>
                   <a:srgbClr val="2B2B2B"/>
                 </a:solidFill>
                 <a:latin typeface="Roboto" panose="02000000000000000000" pitchFamily="2" charset="0"/>
               </a:rPr>
-              <a:t>AWS</a:t>
-            </a:r>
-          </a:p>
-          <a:p>
-            <a:pPr marL="285750" indent="-285750">
-              <a:buFont typeface="Arial" panose="020B0604020202020204" pitchFamily="34" charset="0"/>
-              <a:buChar char="•"/>
-            </a:pPr>
-            <a:endParaRPr lang="en-US" dirty="0">
+              <a:t>4.  Which territory / region or location was greatly affected by the conflicts?</a:t>
+            </a:r>
+          </a:p>
+          <a:p>
+            <a:pPr lvl="2"/>
+            <a:endParaRPr lang="en-US" sz="1800" dirty="0">
               <a:solidFill>
                 <a:srgbClr val="2B2B2B"/>
               </a:solidFill>
+              <a:effectLst/>
               <a:latin typeface="Roboto" panose="02000000000000000000" pitchFamily="2" charset="0"/>
+              <a:ea typeface="Times New Roman" panose="02020603050405020304" pitchFamily="18" charset="0"/>
+              <a:cs typeface="Times New Roman" panose="02020603050405020304" pitchFamily="18" charset="0"/>
             </a:endParaRPr>
           </a:p>
           <a:p>
-            <a:pPr marL="285750" indent="-285750">
-              <a:buFont typeface="Arial" panose="020B0604020202020204" pitchFamily="34" charset="0"/>
-              <a:buChar char="•"/>
-            </a:pPr>
-            <a:r>
-              <a:rPr lang="en-US" dirty="0">
+            <a:pPr lvl="2"/>
+            <a:r>
+              <a:rPr lang="en-US" sz="1800" dirty="0">
                 <a:solidFill>
                   <a:srgbClr val="2B2B2B"/>
                 </a:solidFill>
                 <a:latin typeface="Roboto" panose="02000000000000000000" pitchFamily="2" charset="0"/>
-              </a:rPr>
-              <a:t>Tools:</a:t>
-            </a:r>
-          </a:p>
-          <a:p>
-            <a:pPr marL="285750" indent="-285750">
-              <a:buFont typeface="Arial" panose="020B0604020202020204" pitchFamily="34" charset="0"/>
-              <a:buChar char="•"/>
-            </a:pPr>
-            <a:r>
-              <a:rPr lang="en-US" dirty="0" err="1">
-                <a:solidFill>
-                  <a:srgbClr val="2B2B2B"/>
-                </a:solidFill>
-                <a:latin typeface="Roboto" panose="02000000000000000000" pitchFamily="2" charset="0"/>
-              </a:rPr>
-              <a:t>QuickDBD</a:t>
-            </a:r>
-            <a:r>
-              <a:rPr lang="en-US" dirty="0">
-                <a:solidFill>
-                  <a:srgbClr val="2B2B2B"/>
-                </a:solidFill>
-                <a:latin typeface="Roboto" panose="02000000000000000000" pitchFamily="2" charset="0"/>
-              </a:rPr>
-              <a:t>  for ERD Diagram</a:t>
-            </a:r>
-          </a:p>
-          <a:p>
-            <a:pPr marL="285750" indent="-285750">
-              <a:buFont typeface="Arial" panose="020B0604020202020204" pitchFamily="34" charset="0"/>
-              <a:buChar char="•"/>
-            </a:pPr>
-            <a:r>
-              <a:rPr lang="en-US" dirty="0">
-                <a:solidFill>
-                  <a:srgbClr val="2B2B2B"/>
-                </a:solidFill>
-                <a:latin typeface="Roboto" panose="02000000000000000000" pitchFamily="2" charset="0"/>
-              </a:rPr>
-              <a:t>Google Slides /</a:t>
-            </a:r>
-            <a:r>
-              <a:rPr lang="en-US" dirty="0" err="1">
-                <a:solidFill>
-                  <a:srgbClr val="2B2B2B"/>
-                </a:solidFill>
-                <a:latin typeface="Roboto" panose="02000000000000000000" pitchFamily="2" charset="0"/>
-              </a:rPr>
-              <a:t>Powerpoint</a:t>
-            </a:r>
-            <a:endParaRPr lang="en-US" dirty="0">
-              <a:solidFill>
-                <a:srgbClr val="2B2B2B"/>
-              </a:solidFill>
-              <a:latin typeface="Roboto" panose="02000000000000000000" pitchFamily="2" charset="0"/>
+                <a:ea typeface="Times New Roman" panose="02020603050405020304" pitchFamily="18" charset="0"/>
+                <a:cs typeface="Times New Roman" panose="02020603050405020304" pitchFamily="18" charset="0"/>
+              </a:rPr>
+              <a:t>5.  Describe the 9/11 market  before, during and after the conflict. </a:t>
+            </a:r>
+            <a:endParaRPr lang="en-US" sz="1800" dirty="0">
+              <a:effectLst/>
+              <a:latin typeface="Univers Condensed" panose="020B0506020202050204" pitchFamily="34" charset="0"/>
+              <a:ea typeface="Times New Roman" panose="02020603050405020304" pitchFamily="18" charset="0"/>
+              <a:cs typeface="Times New Roman" panose="02020603050405020304" pitchFamily="18" charset="0"/>
             </a:endParaRPr>
           </a:p>
           <a:p>
-            <a:pPr marL="285750" indent="-285750">
-              <a:buFont typeface="Arial" panose="020B0604020202020204" pitchFamily="34" charset="0"/>
-              <a:buChar char="•"/>
-            </a:pPr>
-            <a:endParaRPr lang="en-US" dirty="0">
-              <a:solidFill>
-                <a:srgbClr val="2B2B2B"/>
-              </a:solidFill>
-              <a:latin typeface="Roboto" panose="02000000000000000000" pitchFamily="2" charset="0"/>
-            </a:endParaRPr>
-          </a:p>
-          <a:p>
-            <a:pPr marL="285750" indent="-285750">
-              <a:buFont typeface="Arial" panose="020B0604020202020204" pitchFamily="34" charset="0"/>
-              <a:buChar char="•"/>
-            </a:pPr>
-            <a:r>
-              <a:rPr lang="en-US" dirty="0">
-                <a:solidFill>
-                  <a:srgbClr val="2B2B2B"/>
-                </a:solidFill>
-                <a:latin typeface="Roboto" panose="02000000000000000000" pitchFamily="2" charset="0"/>
-              </a:rPr>
-              <a:t>Algorithms:</a:t>
-            </a:r>
-          </a:p>
-          <a:p>
-            <a:pPr marL="285750" indent="-285750">
-              <a:buFont typeface="Arial" panose="020B0604020202020204" pitchFamily="34" charset="0"/>
-              <a:buChar char="•"/>
-            </a:pPr>
-            <a:r>
-              <a:rPr lang="en-US" dirty="0">
-                <a:solidFill>
-                  <a:srgbClr val="2B2B2B"/>
-                </a:solidFill>
-                <a:latin typeface="Roboto" panose="02000000000000000000" pitchFamily="2" charset="0"/>
-              </a:rPr>
-              <a:t>Machine Learning/Neural Network</a:t>
-            </a:r>
-          </a:p>
-          <a:p>
-            <a:pPr marL="285750" indent="-285750">
-              <a:buFont typeface="Arial" panose="020B0604020202020204" pitchFamily="34" charset="0"/>
-              <a:buChar char="•"/>
-            </a:pPr>
-            <a:endParaRPr lang="en-US" sz="1800" dirty="0"/>
+            <a:endParaRPr lang="en-US" dirty="0"/>
           </a:p>
         </p:txBody>
       </p:sp>
@@ -8128,7 +8058,7 @@
     </p:spTree>
     <p:extLst>
       <p:ext uri="{BB962C8B-B14F-4D97-AF65-F5344CB8AC3E}">
-        <p14:creationId xmlns:p14="http://schemas.microsoft.com/office/powerpoint/2010/main" val="3884940733"/>
+        <p14:creationId xmlns:p14="http://schemas.microsoft.com/office/powerpoint/2010/main" val="2204897532"/>
       </p:ext>
     </p:extLst>
   </p:cSld>
@@ -8275,7 +8205,7 @@
         <p:spPr>
           <a:xfrm>
             <a:off x="428625" y="2038110"/>
-            <a:ext cx="8286750" cy="1292662"/>
+            <a:ext cx="8286750" cy="1600438"/>
           </a:xfrm>
           <a:prstGeom prst="rect">
             <a:avLst/>
@@ -8342,7 +8272,7 @@
                 </a:solidFill>
                 <a:latin typeface="Roboto" panose="02000000000000000000" pitchFamily="2" charset="0"/>
               </a:rPr>
-              <a:t>Next is Dashboard Presentation</a:t>
+              <a:t>Next is Dashboard Presentation to answer some questions we hope to answer with the data.</a:t>
             </a:r>
             <a:endParaRPr lang="en-US" dirty="0">
               <a:solidFill>
@@ -8779,8 +8709,8 @@
         </p:blipFill>
         <p:spPr>
           <a:xfrm>
-            <a:off x="131445" y="441166"/>
-            <a:ext cx="9219724" cy="4818348"/>
+            <a:off x="23598" y="309940"/>
+            <a:ext cx="9219724" cy="4885428"/>
           </a:xfrm>
           <a:prstGeom prst="rect">
             <a:avLst/>
@@ -8876,8 +8806,8 @@
         </p:nvSpPr>
         <p:spPr>
           <a:xfrm>
-            <a:off x="490085" y="812972"/>
-            <a:ext cx="8286750" cy="4031873"/>
+            <a:off x="501879" y="634718"/>
+            <a:ext cx="8307406" cy="4462760"/>
           </a:xfrm>
           <a:prstGeom prst="rect">
             <a:avLst/>
@@ -8931,20 +8861,17 @@
           <a:p>
             <a:pPr algn="l"/>
             <a:r>
-              <a:rPr lang="en-US" sz="1800" b="0" i="0" dirty="0">
+              <a:rPr lang="en-US" sz="1200" b="0" i="0" dirty="0">
                 <a:solidFill>
                   <a:schemeClr val="tx1"/>
                 </a:solidFill>
                 <a:effectLst/>
                 <a:latin typeface="Roboto" panose="02000000000000000000" pitchFamily="2" charset="0"/>
               </a:rPr>
-              <a:t>Stock Market data utilized from Kaggle:</a:t>
-            </a:r>
-          </a:p>
-          <a:p>
-            <a:pPr algn="l"/>
-            <a:r>
-              <a:rPr lang="en-US" sz="1800" b="0" i="0" u="none" strike="noStrike" dirty="0">
+              <a:t>Stock Market data utilized from Kaggle: </a:t>
+            </a:r>
+            <a:r>
+              <a:rPr lang="en-US" sz="1200" b="0" i="0" u="none" strike="noStrike" dirty="0">
                 <a:solidFill>
                   <a:schemeClr val="tx1"/>
                 </a:solidFill>
@@ -8960,7 +8887,7 @@
               </a:rPr>
               <a:t>https://www.kaggle.com/rishidamarla/stock-prices-over-a-30-year-period</a:t>
             </a:r>
-            <a:endParaRPr lang="en-US" sz="1800" b="0" i="0" dirty="0">
+            <a:endParaRPr lang="en-US" sz="1200" b="0" i="0" dirty="0">
               <a:solidFill>
                 <a:schemeClr val="tx1"/>
               </a:solidFill>
@@ -8969,7 +8896,7 @@
             </a:endParaRPr>
           </a:p>
           <a:p>
-            <a:endParaRPr lang="en-US" sz="1800" b="0" i="0" dirty="0">
+            <a:endParaRPr lang="en-US" sz="1200" b="0" i="0" dirty="0">
               <a:solidFill>
                 <a:schemeClr val="tx1"/>
               </a:solidFill>
@@ -8980,91 +8907,84 @@
           <a:p>
             <a:pPr algn="l"/>
             <a:r>
-              <a:rPr lang="en-US" sz="1800" b="0" i="0" dirty="0">
+              <a:rPr lang="en-US" sz="1200" b="0" i="0" dirty="0">
                 <a:solidFill>
                   <a:schemeClr val="tx1"/>
                 </a:solidFill>
                 <a:effectLst/>
                 <a:latin typeface="Roboto" panose="02000000000000000000" pitchFamily="2" charset="0"/>
               </a:rPr>
-              <a:t>International conflict database from Uppsala Conflict Data Program </a:t>
+              <a:t>International conflict database from Uppsala Conflict Data Program - Department of Peace and Conflict Research:</a:t>
             </a:r>
           </a:p>
           <a:p>
             <a:pPr algn="l"/>
             <a:r>
-              <a:rPr lang="en-US" sz="1800" b="0" i="0" dirty="0">
+              <a:rPr lang="en-US" sz="1200" b="0" i="0" u="sng" dirty="0">
                 <a:solidFill>
                   <a:schemeClr val="tx1"/>
                 </a:solidFill>
                 <a:effectLst/>
                 <a:latin typeface="Roboto" panose="02000000000000000000" pitchFamily="2" charset="0"/>
               </a:rPr>
-              <a:t>- Department of Peace and Conflict Research:</a:t>
-            </a:r>
-          </a:p>
-          <a:p>
-            <a:pPr algn="l"/>
-            <a:r>
-              <a:rPr lang="en-US" sz="1800" b="0" i="0" u="sng" dirty="0">
+              <a:t>https://ucdp</a:t>
+            </a:r>
+            <a:r>
+              <a:rPr lang="en-US" sz="1200" u="sng" dirty="0">
+                <a:solidFill>
+                  <a:schemeClr val="tx1"/>
+                </a:solidFill>
+                <a:latin typeface="Univers Condensed" panose="020B0506020202050204" pitchFamily="34" charset="0"/>
+                <a:cs typeface="Times New Roman" panose="02020603050405020304" pitchFamily="18" charset="0"/>
+              </a:rPr>
+              <a:t>.uu.se/</a:t>
+            </a:r>
+            <a:r>
+              <a:rPr lang="en-US" sz="1200" b="0" i="0" u="sng" dirty="0">
                 <a:solidFill>
                   <a:schemeClr val="tx1"/>
                 </a:solidFill>
                 <a:effectLst/>
                 <a:latin typeface="Roboto" panose="02000000000000000000" pitchFamily="2" charset="0"/>
               </a:rPr>
-              <a:t>https://ucdp</a:t>
-            </a:r>
-            <a:r>
-              <a:rPr lang="en-US" sz="1800" u="sng" dirty="0">
-                <a:latin typeface="Univers Condensed" panose="020B0506020202050204" pitchFamily="34" charset="0"/>
-                <a:cs typeface="Times New Roman" panose="02020603050405020304" pitchFamily="18" charset="0"/>
-              </a:rPr>
-              <a:t>.uu.se/</a:t>
-            </a:r>
-            <a:r>
-              <a:rPr lang="en-US" sz="1800" b="0" i="0" u="sng" dirty="0">
-                <a:solidFill>
-                  <a:schemeClr val="tx1"/>
-                </a:solidFill>
-                <a:effectLst/>
-                <a:latin typeface="Roboto" panose="02000000000000000000" pitchFamily="2" charset="0"/>
-              </a:rPr>
               <a:t>downloads/ucdpprio/ucdp-prio-acd-211.pdf</a:t>
             </a:r>
           </a:p>
           <a:p>
             <a:pPr algn="l"/>
-            <a:endParaRPr lang="en-US" sz="1800" dirty="0">
+            <a:endParaRPr lang="en-US" sz="1200" dirty="0">
               <a:solidFill>
                 <a:schemeClr val="tx1"/>
               </a:solidFill>
-              <a:latin typeface="Roboto" panose="02000000000000000000" pitchFamily="2" charset="0"/>
+              <a:latin typeface="Slack-Lato"/>
+              <a:ea typeface="Times New Roman" panose="02020603050405020304" pitchFamily="18" charset="0"/>
+              <a:cs typeface="Times New Roman" panose="02020603050405020304" pitchFamily="18" charset="0"/>
             </a:endParaRPr>
           </a:p>
           <a:p>
             <a:pPr algn="l"/>
             <a:r>
-              <a:rPr lang="en-US" sz="1800" b="0" i="0" dirty="0">
+              <a:rPr lang="en-US" sz="1200" b="1" dirty="0">
                 <a:solidFill>
                   <a:schemeClr val="tx1"/>
                 </a:solidFill>
+                <a:latin typeface="Slack-Lato"/>
+                <a:ea typeface="Times New Roman" panose="02020603050405020304" pitchFamily="18" charset="0"/>
+                <a:cs typeface="Times New Roman" panose="02020603050405020304" pitchFamily="18" charset="0"/>
+              </a:rPr>
+              <a:t>Cleaned Dataset files used for this project:</a:t>
+            </a:r>
+          </a:p>
+          <a:p>
+            <a:pPr algn="l"/>
+            <a:r>
+              <a:rPr lang="en-US" sz="1200" b="0" i="0" u="sng" dirty="0">
+                <a:solidFill>
+                  <a:schemeClr val="tx1"/>
+                </a:solidFill>
                 <a:effectLst/>
-                <a:latin typeface="Roboto" panose="02000000000000000000" pitchFamily="2" charset="0"/>
-              </a:rPr>
-              <a:t>Other website resources:</a:t>
-            </a:r>
-          </a:p>
-          <a:p>
-            <a:pPr algn="l"/>
-            <a:r>
-              <a:rPr lang="en-US" sz="1800" b="0" i="0" u="none" strike="noStrike" dirty="0">
-                <a:solidFill>
-                  <a:schemeClr val="tx1"/>
-                </a:solidFill>
-                <a:effectLst/>
-                <a:latin typeface="Slack-Lato"/>
-                <a:hlinkClick r:id="rId7">
+                <a:latin typeface="-apple-system"/>
+                <a:hlinkClick r:id="rId7" tooltip="DowJones.csv">
                   <a:extLst>
                     <a:ext uri="{A12FA001-AC4F-418D-AE19-62706E023703}">
                       <ahyp:hlinkClr xmlns:ahyp="http://schemas.microsoft.com/office/drawing/2018/hyperlinkcolor" val="tx"/>
@@ -9072,16 +8992,286 @@
                   </a:extLst>
                 </a:hlinkClick>
               </a:rPr>
-              <a:t>https://www.investopedia.com/solving-the-war-puzzle-4780889</a:t>
-            </a:r>
-            <a:endParaRPr lang="en-US" sz="1800" dirty="0">
-              <a:latin typeface="Univers Condensed" panose="020B0506020202050204" pitchFamily="34" charset="0"/>
+              <a:t>DowJones.csv</a:t>
+            </a:r>
+            <a:endParaRPr lang="en-US" sz="1200" b="0" i="0" u="sng" dirty="0">
+              <a:solidFill>
+                <a:schemeClr val="tx1"/>
+              </a:solidFill>
+              <a:effectLst/>
+              <a:latin typeface="-apple-system"/>
+            </a:endParaRPr>
+          </a:p>
+          <a:p>
+            <a:pPr algn="l"/>
+            <a:r>
+              <a:rPr lang="en-US" sz="1200" b="0" i="0" u="none" strike="noStrike" dirty="0">
+                <a:solidFill>
+                  <a:schemeClr val="tx1"/>
+                </a:solidFill>
+                <a:effectLst/>
+                <a:latin typeface="-apple-system"/>
+                <a:hlinkClick r:id="rId8" tooltip="SP500.csv">
+                  <a:extLst>
+                    <a:ext uri="{A12FA001-AC4F-418D-AE19-62706E023703}">
+                      <ahyp:hlinkClr xmlns:ahyp="http://schemas.microsoft.com/office/drawing/2018/hyperlinkcolor" val="tx"/>
+                    </a:ext>
+                  </a:extLst>
+                </a:hlinkClick>
+              </a:rPr>
+              <a:t>SP500.csv</a:t>
+            </a:r>
+            <a:endParaRPr lang="en-US" sz="1200" dirty="0">
+              <a:solidFill>
+                <a:schemeClr val="tx1"/>
+              </a:solidFill>
+              <a:latin typeface="Slack-Lato"/>
               <a:ea typeface="Times New Roman" panose="02020603050405020304" pitchFamily="18" charset="0"/>
               <a:cs typeface="Times New Roman" panose="02020603050405020304" pitchFamily="18" charset="0"/>
             </a:endParaRPr>
           </a:p>
           <a:p>
-            <a:endParaRPr lang="en-US" dirty="0">
+            <a:pPr algn="l"/>
+            <a:r>
+              <a:rPr lang="en-US" sz="1200" b="0" i="0" u="none" strike="noStrike" dirty="0">
+                <a:solidFill>
+                  <a:schemeClr val="tx1"/>
+                </a:solidFill>
+                <a:effectLst/>
+                <a:latin typeface="-apple-system"/>
+                <a:hlinkClick r:id="rId9" tooltip="Nasdaq.csv">
+                  <a:extLst>
+                    <a:ext uri="{A12FA001-AC4F-418D-AE19-62706E023703}">
+                      <ahyp:hlinkClr xmlns:ahyp="http://schemas.microsoft.com/office/drawing/2018/hyperlinkcolor" val="tx"/>
+                    </a:ext>
+                  </a:extLst>
+                </a:hlinkClick>
+              </a:rPr>
+              <a:t>Nasdaq.csv</a:t>
+            </a:r>
+            <a:endParaRPr lang="en-US" sz="1200" b="0" i="0" u="none" strike="noStrike" dirty="0">
+              <a:solidFill>
+                <a:schemeClr val="tx1"/>
+              </a:solidFill>
+              <a:effectLst/>
+              <a:latin typeface="-apple-system"/>
+            </a:endParaRPr>
+          </a:p>
+          <a:p>
+            <a:pPr algn="l"/>
+            <a:r>
+              <a:rPr lang="en-US" sz="1200" b="0" i="0" u="none" strike="noStrike" dirty="0">
+                <a:solidFill>
+                  <a:schemeClr val="tx1"/>
+                </a:solidFill>
+                <a:effectLst/>
+                <a:latin typeface="-apple-system"/>
+                <a:hlinkClick r:id="rId10" tooltip="joined_stocks.csv">
+                  <a:extLst>
+                    <a:ext uri="{A12FA001-AC4F-418D-AE19-62706E023703}">
+                      <ahyp:hlinkClr xmlns:ahyp="http://schemas.microsoft.com/office/drawing/2018/hyperlinkcolor" val="tx"/>
+                    </a:ext>
+                  </a:extLst>
+                </a:hlinkClick>
+              </a:rPr>
+              <a:t>joined_stocks.csv</a:t>
+            </a:r>
+            <a:endParaRPr lang="en-US" sz="1200" b="0" i="0" u="none" strike="noStrike" dirty="0">
+              <a:solidFill>
+                <a:schemeClr val="tx1"/>
+              </a:solidFill>
+              <a:effectLst/>
+              <a:latin typeface="-apple-system"/>
+            </a:endParaRPr>
+          </a:p>
+          <a:p>
+            <a:pPr algn="l"/>
+            <a:r>
+              <a:rPr lang="en-US" sz="1200" b="0" i="0" u="none" strike="noStrike" dirty="0">
+                <a:solidFill>
+                  <a:schemeClr val="tx1"/>
+                </a:solidFill>
+                <a:effectLst/>
+                <a:latin typeface="-apple-system"/>
+                <a:hlinkClick r:id="rId11" tooltip="combined_data_1.csv">
+                  <a:extLst>
+                    <a:ext uri="{A12FA001-AC4F-418D-AE19-62706E023703}">
+                      <ahyp:hlinkClr xmlns:ahyp="http://schemas.microsoft.com/office/drawing/2018/hyperlinkcolor" val="tx"/>
+                    </a:ext>
+                  </a:extLst>
+                </a:hlinkClick>
+              </a:rPr>
+              <a:t>combined_data_1.csv</a:t>
+            </a:r>
+            <a:endParaRPr lang="en-US" sz="1200" dirty="0">
+              <a:solidFill>
+                <a:schemeClr val="tx1"/>
+              </a:solidFill>
+              <a:latin typeface="Slack-Lato"/>
+              <a:ea typeface="Times New Roman" panose="02020603050405020304" pitchFamily="18" charset="0"/>
+              <a:cs typeface="Times New Roman" panose="02020603050405020304" pitchFamily="18" charset="0"/>
+            </a:endParaRPr>
+          </a:p>
+          <a:p>
+            <a:pPr algn="l"/>
+            <a:r>
+              <a:rPr lang="en-US" sz="1200" b="0" i="0" u="sng" dirty="0">
+                <a:solidFill>
+                  <a:schemeClr val="tx1"/>
+                </a:solidFill>
+                <a:effectLst/>
+                <a:latin typeface="-apple-system"/>
+                <a:hlinkClick r:id="rId12" tooltip="cleaned_conflict_1.csv">
+                  <a:extLst>
+                    <a:ext uri="{A12FA001-AC4F-418D-AE19-62706E023703}">
+                      <ahyp:hlinkClr xmlns:ahyp="http://schemas.microsoft.com/office/drawing/2018/hyperlinkcolor" val="tx"/>
+                    </a:ext>
+                  </a:extLst>
+                </a:hlinkClick>
+              </a:rPr>
+              <a:t>cleaned_conflict_1.csv</a:t>
+            </a:r>
+            <a:r>
+              <a:rPr lang="en-US" sz="1200" b="0" i="0" u="sng" dirty="0">
+                <a:solidFill>
+                  <a:schemeClr val="tx1"/>
+                </a:solidFill>
+                <a:effectLst/>
+                <a:latin typeface="-apple-system"/>
+              </a:rPr>
+              <a:t> </a:t>
+            </a:r>
+          </a:p>
+          <a:p>
+            <a:pPr algn="l"/>
+            <a:r>
+              <a:rPr lang="en-US" sz="1200" b="0" i="0" u="none" strike="noStrike" dirty="0">
+                <a:solidFill>
+                  <a:schemeClr val="tx1"/>
+                </a:solidFill>
+                <a:effectLst/>
+                <a:latin typeface="-apple-system"/>
+                <a:hlinkClick r:id="rId13" tooltip="geo_conflict_data.csv">
+                  <a:extLst>
+                    <a:ext uri="{A12FA001-AC4F-418D-AE19-62706E023703}">
+                      <ahyp:hlinkClr xmlns:ahyp="http://schemas.microsoft.com/office/drawing/2018/hyperlinkcolor" val="tx"/>
+                    </a:ext>
+                  </a:extLst>
+                </a:hlinkClick>
+              </a:rPr>
+              <a:t>geo_conflict_data.csv</a:t>
+            </a:r>
+            <a:endParaRPr lang="en-US" sz="1200" b="0" i="0" u="none" strike="noStrike" dirty="0">
+              <a:solidFill>
+                <a:schemeClr val="tx1"/>
+              </a:solidFill>
+              <a:effectLst/>
+              <a:latin typeface="-apple-system"/>
+            </a:endParaRPr>
+          </a:p>
+          <a:p>
+            <a:pPr algn="l"/>
+            <a:r>
+              <a:rPr lang="en-US" sz="1200" b="0" i="0" u="none" strike="noStrike" dirty="0">
+                <a:solidFill>
+                  <a:schemeClr val="tx1"/>
+                </a:solidFill>
+                <a:effectLst/>
+                <a:latin typeface="-apple-system"/>
+                <a:hlinkClick r:id="rId14" tooltip="new_geo_conflict_updated.csv">
+                  <a:extLst>
+                    <a:ext uri="{A12FA001-AC4F-418D-AE19-62706E023703}">
+                      <ahyp:hlinkClr xmlns:ahyp="http://schemas.microsoft.com/office/drawing/2018/hyperlinkcolor" val="tx"/>
+                    </a:ext>
+                  </a:extLst>
+                </a:hlinkClick>
+              </a:rPr>
+              <a:t>new_geo_conflict_updated.csv</a:t>
+            </a:r>
+            <a:endParaRPr lang="en-US" sz="1200" b="0" i="0" u="none" strike="noStrike" dirty="0">
+              <a:solidFill>
+                <a:schemeClr val="tx1"/>
+              </a:solidFill>
+              <a:effectLst/>
+              <a:latin typeface="-apple-system"/>
+            </a:endParaRPr>
+          </a:p>
+          <a:p>
+            <a:pPr algn="l"/>
+            <a:r>
+              <a:rPr lang="en-US" sz="1200" b="0" i="0" u="none" strike="noStrike" dirty="0" err="1">
+                <a:solidFill>
+                  <a:schemeClr val="tx1"/>
+                </a:solidFill>
+                <a:effectLst/>
+                <a:latin typeface="-apple-system"/>
+                <a:hlinkClick r:id="rId15" tooltip="conflict_cleaning.ipynb">
+                  <a:extLst>
+                    <a:ext uri="{A12FA001-AC4F-418D-AE19-62706E023703}">
+                      <ahyp:hlinkClr xmlns:ahyp="http://schemas.microsoft.com/office/drawing/2018/hyperlinkcolor" val="tx"/>
+                    </a:ext>
+                  </a:extLst>
+                </a:hlinkClick>
+              </a:rPr>
+              <a:t>conflict_cleaning.ipynb</a:t>
+            </a:r>
+            <a:endParaRPr lang="en-US" sz="1200" dirty="0">
+              <a:solidFill>
+                <a:schemeClr val="tx1"/>
+              </a:solidFill>
+              <a:latin typeface="-apple-system"/>
+            </a:endParaRPr>
+          </a:p>
+          <a:p>
+            <a:pPr algn="l"/>
+            <a:r>
+              <a:rPr lang="en-US" sz="1200" b="0" i="0" u="sng" dirty="0" err="1">
+                <a:solidFill>
+                  <a:schemeClr val="tx1"/>
+                </a:solidFill>
+                <a:effectLst/>
+                <a:latin typeface="-apple-system"/>
+                <a:hlinkClick r:id="rId16" tooltip="conflicts_stocks_merge.ipynb">
+                  <a:extLst>
+                    <a:ext uri="{A12FA001-AC4F-418D-AE19-62706E023703}">
+                      <ahyp:hlinkClr xmlns:ahyp="http://schemas.microsoft.com/office/drawing/2018/hyperlinkcolor" val="tx"/>
+                    </a:ext>
+                  </a:extLst>
+                </a:hlinkClick>
+              </a:rPr>
+              <a:t>conflicts_stocks_merge.ipynb</a:t>
+            </a:r>
+            <a:endParaRPr lang="en-US" sz="1200" b="0" i="0" u="sng" dirty="0">
+              <a:solidFill>
+                <a:schemeClr val="tx1"/>
+              </a:solidFill>
+              <a:effectLst/>
+              <a:latin typeface="-apple-system"/>
+            </a:endParaRPr>
+          </a:p>
+          <a:p>
+            <a:pPr algn="l"/>
+            <a:r>
+              <a:rPr lang="en-US" sz="1200" b="0" i="0" u="sng" dirty="0" err="1">
+                <a:solidFill>
+                  <a:schemeClr val="tx1"/>
+                </a:solidFill>
+                <a:effectLst/>
+                <a:latin typeface="-apple-system"/>
+                <a:hlinkClick r:id="rId17" tooltip="ml_dev.ipynb">
+                  <a:extLst>
+                    <a:ext uri="{A12FA001-AC4F-418D-AE19-62706E023703}">
+                      <ahyp:hlinkClr xmlns:ahyp="http://schemas.microsoft.com/office/drawing/2018/hyperlinkcolor" val="tx"/>
+                    </a:ext>
+                  </a:extLst>
+                </a:hlinkClick>
+              </a:rPr>
+              <a:t>ml_dev.ipynb</a:t>
+            </a:r>
+            <a:endParaRPr lang="en-US" sz="1200" dirty="0">
+              <a:solidFill>
+                <a:schemeClr val="tx1"/>
+              </a:solidFill>
               <a:effectLst/>
               <a:latin typeface="Univers Condensed" panose="020B0506020202050204" pitchFamily="34" charset="0"/>
               <a:ea typeface="Times New Roman" panose="02020603050405020304" pitchFamily="18" charset="0"/>
@@ -9151,6 +9341,331 @@
 </file>
 
 <file path=ppt/slides/slide4.xml><?xml version="1.0" encoding="utf-8"?>
+<p:sld xmlns:a="http://schemas.openxmlformats.org/drawingml/2006/main" xmlns:r="http://schemas.openxmlformats.org/officeDocument/2006/relationships" xmlns:p="http://schemas.openxmlformats.org/presentationml/2006/main">
+  <p:cSld>
+    <p:spTree>
+      <p:nvGrpSpPr>
+        <p:cNvPr id="1" name="Shape 53"/>
+        <p:cNvGrpSpPr/>
+        <p:nvPr/>
+      </p:nvGrpSpPr>
+      <p:grpSpPr>
+        <a:xfrm>
+          <a:off x="0" y="0"/>
+          <a:ext cx="0" cy="0"/>
+          <a:chOff x="0" y="0"/>
+          <a:chExt cx="0" cy="0"/>
+        </a:xfrm>
+      </p:grpSpPr>
+      <p:pic>
+        <p:nvPicPr>
+          <p:cNvPr id="4" name="Picture 3">
+            <a:extLst>
+              <a:ext uri="{FF2B5EF4-FFF2-40B4-BE49-F238E27FC236}">
+                <a16:creationId xmlns:a16="http://schemas.microsoft.com/office/drawing/2014/main" id="{988BEC99-851C-4203-85C9-4FF1779C0510}"/>
+              </a:ext>
+            </a:extLst>
+          </p:cNvPr>
+          <p:cNvPicPr>
+            <a:picLocks noChangeAspect="1"/>
+          </p:cNvPicPr>
+          <p:nvPr/>
+        </p:nvPicPr>
+        <p:blipFill>
+          <a:blip r:embed="rId3"/>
+          <a:stretch>
+            <a:fillRect/>
+          </a:stretch>
+        </p:blipFill>
+        <p:spPr>
+          <a:xfrm>
+            <a:off x="45720" y="339719"/>
+            <a:ext cx="9219724" cy="4818348"/>
+          </a:xfrm>
+          <a:prstGeom prst="rect">
+            <a:avLst/>
+          </a:prstGeom>
+          <a:solidFill>
+            <a:schemeClr val="bg1"/>
+          </a:solidFill>
+          <a:effectLst>
+            <a:glow rad="127000">
+              <a:schemeClr val="bg1">
+                <a:lumMod val="95000"/>
+                <a:alpha val="0"/>
+              </a:schemeClr>
+            </a:glow>
+          </a:effectLst>
+        </p:spPr>
+      </p:pic>
+      <p:sp>
+        <p:nvSpPr>
+          <p:cNvPr id="55" name="Google Shape;55;p13"/>
+          <p:cNvSpPr txBox="1">
+            <a:spLocks noGrp="1"/>
+          </p:cNvSpPr>
+          <p:nvPr>
+            <p:ph type="subTitle" idx="1"/>
+          </p:nvPr>
+        </p:nvSpPr>
+        <p:spPr>
+          <a:xfrm>
+            <a:off x="45720" y="71242"/>
+            <a:ext cx="9219724" cy="477397"/>
+          </a:xfrm>
+          <a:prstGeom prst="rect">
+            <a:avLst/>
+          </a:prstGeom>
+          <a:blipFill dpi="0" rotWithShape="1">
+            <a:blip r:embed="rId4">
+              <a:alphaModFix amt="74000"/>
+            </a:blip>
+            <a:srcRect/>
+            <a:tile tx="0" ty="0" sx="100000" sy="100000" flip="none" algn="tl"/>
+          </a:blipFill>
+          <a:effectLst>
+            <a:glow rad="127000">
+              <a:schemeClr val="accent1">
+                <a:lumMod val="75000"/>
+              </a:schemeClr>
+            </a:glow>
+          </a:effectLst>
+        </p:spPr>
+        <p:txBody>
+          <a:bodyPr spcFirstLastPara="1" wrap="square" lIns="91425" tIns="91425" rIns="91425" bIns="91425" anchor="t" anchorCtr="0">
+            <a:normAutofit/>
+          </a:bodyPr>
+          <a:lstStyle/>
+          <a:p>
+            <a:pPr marL="0" lvl="0" indent="0" algn="ctr" rtl="0">
+              <a:spcBef>
+                <a:spcPts val="0"/>
+              </a:spcBef>
+              <a:spcAft>
+                <a:spcPts val="0"/>
+              </a:spcAft>
+              <a:buNone/>
+            </a:pPr>
+            <a:r>
+              <a:rPr lang="en" sz="1800" dirty="0">
+                <a:solidFill>
+                  <a:srgbClr val="000000"/>
+                </a:solidFill>
+              </a:rPr>
+              <a:t>Market Volatility During International Conflicts</a:t>
+            </a:r>
+            <a:endParaRPr sz="1800" dirty="0">
+              <a:solidFill>
+                <a:srgbClr val="000000"/>
+              </a:solidFill>
+            </a:endParaRPr>
+          </a:p>
+        </p:txBody>
+      </p:sp>
+      <p:sp>
+        <p:nvSpPr>
+          <p:cNvPr id="2" name="TextBox 1">
+            <a:extLst>
+              <a:ext uri="{FF2B5EF4-FFF2-40B4-BE49-F238E27FC236}">
+                <a16:creationId xmlns:a16="http://schemas.microsoft.com/office/drawing/2014/main" id="{48BF80AB-9619-49C8-9D40-FF1028787918}"/>
+              </a:ext>
+            </a:extLst>
+          </p:cNvPr>
+          <p:cNvSpPr txBox="1"/>
+          <p:nvPr/>
+        </p:nvSpPr>
+        <p:spPr>
+          <a:xfrm>
+            <a:off x="512207" y="812972"/>
+            <a:ext cx="8286750" cy="2862322"/>
+          </a:xfrm>
+          <a:prstGeom prst="rect">
+            <a:avLst/>
+          </a:prstGeom>
+          <a:solidFill>
+            <a:schemeClr val="lt1">
+              <a:alpha val="80000"/>
+            </a:schemeClr>
+          </a:solidFill>
+        </p:spPr>
+        <p:txBody>
+          <a:bodyPr wrap="square" rtlCol="0">
+            <a:spAutoFit/>
+          </a:bodyPr>
+          <a:lstStyle/>
+          <a:p>
+            <a:pPr algn="ctr"/>
+            <a:r>
+              <a:rPr lang="en-US" sz="2000" b="1" i="0" dirty="0">
+                <a:solidFill>
+                  <a:schemeClr val="tx1"/>
+                </a:solidFill>
+                <a:effectLst/>
+                <a:latin typeface="Roboto" panose="02000000000000000000" pitchFamily="2" charset="0"/>
+              </a:rPr>
+              <a:t> </a:t>
+            </a:r>
+          </a:p>
+          <a:p>
+            <a:pPr algn="ctr"/>
+            <a:r>
+              <a:rPr lang="en-US" sz="2400" b="0" i="0" dirty="0">
+                <a:solidFill>
+                  <a:srgbClr val="2B2B2B"/>
+                </a:solidFill>
+                <a:effectLst/>
+                <a:latin typeface="Roboto" panose="02000000000000000000" pitchFamily="2" charset="0"/>
+              </a:rPr>
+              <a:t>Description of the data exploration phase of the project</a:t>
+            </a:r>
+          </a:p>
+          <a:p>
+            <a:endParaRPr lang="en-US" sz="2000" b="0" i="0" dirty="0">
+              <a:solidFill>
+                <a:srgbClr val="2B2B2B"/>
+              </a:solidFill>
+              <a:effectLst/>
+              <a:latin typeface="Roboto" panose="02000000000000000000" pitchFamily="2" charset="0"/>
+            </a:endParaRPr>
+          </a:p>
+          <a:p>
+            <a:pPr marL="285750" indent="-285750">
+              <a:buFont typeface="Arial" panose="020B0604020202020204" pitchFamily="34" charset="0"/>
+              <a:buChar char="•"/>
+            </a:pPr>
+            <a:r>
+              <a:rPr lang="en-US" b="0" i="0" dirty="0">
+                <a:solidFill>
+                  <a:srgbClr val="2B2B2B"/>
+                </a:solidFill>
+                <a:effectLst/>
+                <a:latin typeface="Roboto" panose="02000000000000000000" pitchFamily="2" charset="0"/>
+              </a:rPr>
+              <a:t>The </a:t>
+            </a:r>
+            <a:r>
+              <a:rPr lang="en-US" dirty="0">
+                <a:solidFill>
+                  <a:srgbClr val="2B2B2B"/>
+                </a:solidFill>
+                <a:latin typeface="Roboto" panose="02000000000000000000" pitchFamily="2" charset="0"/>
+              </a:rPr>
+              <a:t>Team f</a:t>
+            </a:r>
+            <a:r>
+              <a:rPr lang="en-US" b="0" i="0" dirty="0">
+                <a:solidFill>
+                  <a:srgbClr val="2B2B2B"/>
+                </a:solidFill>
+                <a:effectLst/>
+                <a:latin typeface="Roboto" panose="02000000000000000000" pitchFamily="2" charset="0"/>
+              </a:rPr>
+              <a:t>irst  searched Kaggle to find stock market data for the 3 markets Dow Jones, Nasdaq, and S&amp;P 500.  </a:t>
+            </a:r>
+          </a:p>
+          <a:p>
+            <a:pPr marL="285750" indent="-285750">
+              <a:buFont typeface="Arial" panose="020B0604020202020204" pitchFamily="34" charset="0"/>
+              <a:buChar char="•"/>
+            </a:pPr>
+            <a:endParaRPr lang="en-US" dirty="0">
+              <a:solidFill>
+                <a:srgbClr val="2B2B2B"/>
+              </a:solidFill>
+              <a:latin typeface="Roboto" panose="02000000000000000000" pitchFamily="2" charset="0"/>
+            </a:endParaRPr>
+          </a:p>
+          <a:p>
+            <a:pPr marL="285750" indent="-285750">
+              <a:buFont typeface="Arial" panose="020B0604020202020204" pitchFamily="34" charset="0"/>
+              <a:buChar char="•"/>
+            </a:pPr>
+            <a:r>
+              <a:rPr lang="en-US" b="0" i="0" dirty="0">
+                <a:solidFill>
+                  <a:srgbClr val="2B2B2B"/>
+                </a:solidFill>
+                <a:effectLst/>
+                <a:latin typeface="Roboto" panose="02000000000000000000" pitchFamily="2" charset="0"/>
+              </a:rPr>
+              <a:t>Next we searched for conflicts and found the Uppsala Conflict Data Program – Department of Peace and Conflict Research website.  This is a great website with multiple datasets of conflict data.</a:t>
+            </a:r>
+          </a:p>
+          <a:p>
+            <a:pPr marL="285750" indent="-285750">
+              <a:buFont typeface="Arial" panose="020B0604020202020204" pitchFamily="34" charset="0"/>
+              <a:buChar char="•"/>
+            </a:pPr>
+            <a:endParaRPr lang="en-US" dirty="0">
+              <a:solidFill>
+                <a:srgbClr val="2B2B2B"/>
+              </a:solidFill>
+              <a:latin typeface="Roboto" panose="02000000000000000000" pitchFamily="2" charset="0"/>
+            </a:endParaRPr>
+          </a:p>
+          <a:p>
+            <a:endParaRPr lang="en-US" sz="1800" dirty="0"/>
+          </a:p>
+        </p:txBody>
+      </p:sp>
+      <p:sp>
+        <p:nvSpPr>
+          <p:cNvPr id="10" name="TextBox 9">
+            <a:extLst>
+              <a:ext uri="{FF2B5EF4-FFF2-40B4-BE49-F238E27FC236}">
+                <a16:creationId xmlns:a16="http://schemas.microsoft.com/office/drawing/2014/main" id="{453E4B5D-E520-43B6-8C4A-E735E3A876C5}"/>
+              </a:ext>
+            </a:extLst>
+          </p:cNvPr>
+          <p:cNvSpPr txBox="1"/>
+          <p:nvPr/>
+        </p:nvSpPr>
+        <p:spPr>
+          <a:xfrm>
+            <a:off x="8457712" y="4949147"/>
+            <a:ext cx="825817" cy="246221"/>
+          </a:xfrm>
+          <a:prstGeom prst="rect">
+            <a:avLst/>
+          </a:prstGeom>
+          <a:noFill/>
+        </p:spPr>
+        <p:txBody>
+          <a:bodyPr wrap="square" rtlCol="0">
+            <a:spAutoFit/>
+          </a:bodyPr>
+          <a:lstStyle/>
+          <a:p>
+            <a:r>
+              <a:rPr lang="en-US" sz="1000" dirty="0">
+                <a:solidFill>
+                  <a:schemeClr val="bg1"/>
+                </a:solidFill>
+              </a:rPr>
+              <a:t>Group 1</a:t>
+            </a:r>
+            <a:endParaRPr lang="en-US" sz="1000" dirty="0">
+              <a:highlight>
+                <a:srgbClr val="FFFF00"/>
+              </a:highlight>
+            </a:endParaRPr>
+          </a:p>
+        </p:txBody>
+      </p:sp>
+    </p:spTree>
+    <p:extLst>
+      <p:ext uri="{BB962C8B-B14F-4D97-AF65-F5344CB8AC3E}">
+        <p14:creationId xmlns:p14="http://schemas.microsoft.com/office/powerpoint/2010/main" val="2691451647"/>
+      </p:ext>
+    </p:extLst>
+  </p:cSld>
+  <p:clrMapOvr>
+    <a:masterClrMapping/>
+  </p:clrMapOvr>
+</p:sld>
+</file>
+
+<file path=ppt/slides/slide5.xml><?xml version="1.0" encoding="utf-8"?>
 <p:sld xmlns:a="http://schemas.openxmlformats.org/drawingml/2006/main" xmlns:r="http://schemas.openxmlformats.org/officeDocument/2006/relationships" xmlns:p="http://schemas.openxmlformats.org/presentationml/2006/main">
   <p:cSld>
     <p:spTree>
@@ -9286,8 +9801,8 @@
         </p:nvSpPr>
         <p:spPr>
           <a:xfrm>
-            <a:off x="512207" y="812972"/>
-            <a:ext cx="8286750" cy="4031873"/>
+            <a:off x="583870" y="897132"/>
+            <a:ext cx="8286750" cy="3693319"/>
           </a:xfrm>
           <a:prstGeom prst="rect">
             <a:avLst/>
@@ -9313,25 +9828,30 @@
                 <a:effectLst/>
                 <a:latin typeface="Roboto" panose="02000000000000000000" pitchFamily="2" charset="0"/>
               </a:rPr>
-              <a:t>	 </a:t>
-            </a:r>
-          </a:p>
-          <a:p>
-            <a:pPr algn="ctr"/>
-            <a:r>
-              <a:rPr lang="en-US" sz="2400" b="0" i="0" dirty="0">
+              <a:t> </a:t>
+            </a:r>
+          </a:p>
+          <a:p>
+            <a:pPr marL="285750" indent="-285750">
+              <a:buFont typeface="Arial" panose="020B0604020202020204" pitchFamily="34" charset="0"/>
+              <a:buChar char="•"/>
+            </a:pPr>
+            <a:r>
+              <a:rPr lang="en-US" dirty="0">
                 <a:solidFill>
                   <a:srgbClr val="2B2B2B"/>
                 </a:solidFill>
-                <a:effectLst/>
                 <a:latin typeface="Roboto" panose="02000000000000000000" pitchFamily="2" charset="0"/>
               </a:rPr>
-              <a:t> Questions the team hopes to answer with the data</a:t>
-            </a:r>
-          </a:p>
-          <a:p>
-            <a:pPr algn="l"/>
-            <a:endParaRPr lang="en-US" sz="1800" dirty="0">
+              <a:t>Technologies, languages, tools, and algorithms used throughout the project</a:t>
+            </a:r>
+          </a:p>
+          <a:p>
+            <a:pPr marL="285750" indent="-285750">
+              <a:buFont typeface="Arial" panose="020B0604020202020204" pitchFamily="34" charset="0"/>
+              <a:buChar char="•"/>
+            </a:pPr>
+            <a:endParaRPr lang="en-US" dirty="0">
               <a:solidFill>
                 <a:srgbClr val="2B2B2B"/>
               </a:solidFill>
@@ -9339,109 +9859,83 @@
             </a:endParaRPr>
           </a:p>
           <a:p>
-            <a:pPr marL="342900" lvl="2" indent="-342900">
-              <a:buFont typeface="+mj-lt"/>
-              <a:buAutoNum type="arabicPeriod"/>
+            <a:pPr marL="285750" indent="-285750">
+              <a:buFont typeface="Arial" panose="020B0604020202020204" pitchFamily="34" charset="0"/>
+              <a:buChar char="•"/>
             </a:pPr>
             <a:r>
-              <a:rPr lang="en-US" sz="1800" b="0" i="0" dirty="0">
+              <a:rPr lang="en-US" dirty="0" err="1">
                 <a:solidFill>
                   <a:srgbClr val="2B2B2B"/>
                 </a:solidFill>
-                <a:effectLst/>
                 <a:latin typeface="Roboto" panose="02000000000000000000" pitchFamily="2" charset="0"/>
               </a:rPr>
-              <a:t>Does the size of the conflict have proportional impact?</a:t>
-            </a:r>
-          </a:p>
-          <a:p>
-            <a:pPr marL="342900" lvl="2" indent="-342900">
-              <a:buFont typeface="+mj-lt"/>
-              <a:buAutoNum type="arabicPeriod"/>
+              <a:t>Appplications</a:t>
+            </a:r>
+            <a:r>
+              <a:rPr lang="en-US" dirty="0">
+                <a:solidFill>
+                  <a:srgbClr val="2B2B2B"/>
+                </a:solidFill>
+                <a:latin typeface="Roboto" panose="02000000000000000000" pitchFamily="2" charset="0"/>
+              </a:rPr>
+              <a:t>  used:</a:t>
+            </a:r>
+          </a:p>
+          <a:p>
+            <a:pPr marL="285750" indent="-285750">
+              <a:buFont typeface="Arial" panose="020B0604020202020204" pitchFamily="34" charset="0"/>
+              <a:buChar char="•"/>
             </a:pPr>
-            <a:endParaRPr lang="en-US" sz="1800" b="0" i="0" dirty="0">
-              <a:solidFill>
-                <a:srgbClr val="2B2B2B"/>
-              </a:solidFill>
-              <a:effectLst/>
-              <a:latin typeface="Roboto" panose="02000000000000000000" pitchFamily="2" charset="0"/>
-            </a:endParaRPr>
-          </a:p>
-          <a:p>
-            <a:pPr marL="342900" lvl="2" indent="-342900">
-              <a:buFont typeface="+mj-lt"/>
-              <a:buAutoNum type="arabicPeriod"/>
+            <a:r>
+              <a:rPr lang="en-US" dirty="0">
+                <a:solidFill>
+                  <a:srgbClr val="2B2B2B"/>
+                </a:solidFill>
+                <a:latin typeface="Roboto" panose="02000000000000000000" pitchFamily="2" charset="0"/>
+              </a:rPr>
+              <a:t>Excel </a:t>
+            </a:r>
+          </a:p>
+          <a:p>
+            <a:pPr marL="285750" indent="-285750">
+              <a:buFont typeface="Arial" panose="020B0604020202020204" pitchFamily="34" charset="0"/>
+              <a:buChar char="•"/>
             </a:pPr>
             <a:r>
-              <a:rPr lang="en-US" sz="1800" dirty="0">
+              <a:rPr lang="en-US" dirty="0">
                 <a:solidFill>
                   <a:srgbClr val="2B2B2B"/>
                 </a:solidFill>
                 <a:latin typeface="Roboto" panose="02000000000000000000" pitchFamily="2" charset="0"/>
               </a:rPr>
-              <a:t>Does the geographical location matter?</a:t>
-            </a:r>
-          </a:p>
-          <a:p>
-            <a:pPr marL="342900" lvl="2" indent="-342900">
-              <a:buFont typeface="+mj-lt"/>
-              <a:buAutoNum type="arabicPeriod"/>
+              <a:t>Python</a:t>
+            </a:r>
+          </a:p>
+          <a:p>
+            <a:pPr marL="285750" indent="-285750">
+              <a:buFont typeface="Arial" panose="020B0604020202020204" pitchFamily="34" charset="0"/>
+              <a:buChar char="•"/>
             </a:pPr>
-            <a:endParaRPr lang="en-US" sz="1800" b="0" i="0" dirty="0">
-              <a:solidFill>
-                <a:srgbClr val="2B2B2B"/>
-              </a:solidFill>
-              <a:effectLst/>
-              <a:latin typeface="Roboto" panose="02000000000000000000" pitchFamily="2" charset="0"/>
-            </a:endParaRPr>
-          </a:p>
-          <a:p>
-            <a:pPr marL="342900" lvl="2" indent="-342900">
-              <a:buFont typeface="+mj-lt"/>
-              <a:buAutoNum type="arabicPeriod"/>
-            </a:pPr>
-            <a:r>
-              <a:rPr lang="en-US" sz="1800" b="0" i="0" dirty="0">
+            <a:r>
+              <a:rPr lang="en-US" dirty="0">
                 <a:solidFill>
                   <a:srgbClr val="2B2B2B"/>
                 </a:solidFill>
-                <a:effectLst/>
                 <a:latin typeface="Roboto" panose="02000000000000000000" pitchFamily="2" charset="0"/>
               </a:rPr>
-              <a:t>Was a certain sector impacted more than another?</a:t>
-            </a:r>
-          </a:p>
-          <a:p>
-            <a:pPr marL="342900" lvl="2" indent="-342900">
-              <a:buFont typeface="+mj-lt"/>
-              <a:buAutoNum type="arabicPeriod"/>
-            </a:pPr>
-            <a:endParaRPr lang="en-US" sz="1800" b="0" i="0" dirty="0">
-              <a:solidFill>
-                <a:srgbClr val="2B2B2B"/>
-              </a:solidFill>
-              <a:effectLst/>
-              <a:latin typeface="Roboto" panose="02000000000000000000" pitchFamily="2" charset="0"/>
-            </a:endParaRPr>
-          </a:p>
-          <a:p>
-            <a:pPr marL="342900" lvl="2" indent="-342900">
-              <a:buFont typeface="+mj-lt"/>
-              <a:buAutoNum type="arabicPeriod"/>
-            </a:pPr>
-            <a:r>
-              <a:rPr lang="en-US" sz="1800" dirty="0">
+              <a:t>Postgres SQL/</a:t>
+            </a:r>
+            <a:r>
+              <a:rPr lang="en-US" dirty="0" err="1">
                 <a:solidFill>
                   <a:srgbClr val="2B2B2B"/>
                 </a:solidFill>
                 <a:latin typeface="Roboto" panose="02000000000000000000" pitchFamily="2" charset="0"/>
               </a:rPr>
-              <a:t>Does the market bounce back after 90 days from the start of the conflict?</a:t>
-            </a:r>
-          </a:p>
-          <a:p>
-            <a:pPr lvl="2"/>
-            <a:endParaRPr lang="en-US" sz="1800" dirty="0">
+              <a:t>Pgadmin</a:t>
+            </a:r>
+            <a:endParaRPr lang="en-US" dirty="0">
               <a:solidFill>
                 <a:srgbClr val="2B2B2B"/>
               </a:solidFill>
@@ -9449,25 +9943,149 @@
             </a:endParaRPr>
           </a:p>
           <a:p>
-            <a:pPr lvl="2"/>
-            <a:r>
-              <a:rPr lang="en-US" sz="1800" dirty="0">
+            <a:pPr marL="285750" indent="-285750">
+              <a:buFont typeface="Arial" panose="020B0604020202020204" pitchFamily="34" charset="0"/>
+              <a:buChar char="•"/>
+            </a:pPr>
+            <a:r>
+              <a:rPr lang="en-US" dirty="0">
                 <a:solidFill>
                   <a:srgbClr val="2B2B2B"/>
                 </a:solidFill>
                 <a:latin typeface="Roboto" panose="02000000000000000000" pitchFamily="2" charset="0"/>
               </a:rPr>
-              <a:t>5.    Which territory or location was greatly affected by and what was minimum,  maximum and average market value during the conflict</a:t>
-            </a:r>
-            <a:endParaRPr lang="en-US" sz="1800" dirty="0">
-              <a:effectLst/>
-              <a:latin typeface="Univers Condensed" panose="020B0506020202050204" pitchFamily="34" charset="0"/>
-              <a:ea typeface="Times New Roman" panose="02020603050405020304" pitchFamily="18" charset="0"/>
-              <a:cs typeface="Times New Roman" panose="02020603050405020304" pitchFamily="18" charset="0"/>
+              <a:t>AWS</a:t>
+            </a:r>
+          </a:p>
+          <a:p>
+            <a:pPr marL="285750" indent="-285750">
+              <a:buFont typeface="Arial" panose="020B0604020202020204" pitchFamily="34" charset="0"/>
+              <a:buChar char="•"/>
+            </a:pPr>
+            <a:endParaRPr lang="en-US" dirty="0">
+              <a:solidFill>
+                <a:srgbClr val="2B2B2B"/>
+              </a:solidFill>
+              <a:latin typeface="Roboto" panose="02000000000000000000" pitchFamily="2" charset="0"/>
             </a:endParaRPr>
           </a:p>
           <a:p>
-            <a:endParaRPr lang="en-US" dirty="0"/>
+            <a:pPr marL="285750" indent="-285750">
+              <a:buFont typeface="Arial" panose="020B0604020202020204" pitchFamily="34" charset="0"/>
+              <a:buChar char="•"/>
+            </a:pPr>
+            <a:r>
+              <a:rPr lang="en-US" dirty="0">
+                <a:solidFill>
+                  <a:srgbClr val="2B2B2B"/>
+                </a:solidFill>
+                <a:latin typeface="Roboto" panose="02000000000000000000" pitchFamily="2" charset="0"/>
+              </a:rPr>
+              <a:t>Tools:</a:t>
+            </a:r>
+          </a:p>
+          <a:p>
+            <a:pPr marL="285750" indent="-285750">
+              <a:buFont typeface="Arial" panose="020B0604020202020204" pitchFamily="34" charset="0"/>
+              <a:buChar char="•"/>
+            </a:pPr>
+            <a:r>
+              <a:rPr lang="en-US" dirty="0" err="1">
+                <a:solidFill>
+                  <a:srgbClr val="2B2B2B"/>
+                </a:solidFill>
+                <a:latin typeface="Roboto" panose="02000000000000000000" pitchFamily="2" charset="0"/>
+              </a:rPr>
+              <a:t>QuickDBD</a:t>
+            </a:r>
+            <a:r>
+              <a:rPr lang="en-US" dirty="0">
+                <a:solidFill>
+                  <a:srgbClr val="2B2B2B"/>
+                </a:solidFill>
+                <a:latin typeface="Roboto" panose="02000000000000000000" pitchFamily="2" charset="0"/>
+              </a:rPr>
+              <a:t>  for ERD Diagram</a:t>
+            </a:r>
+          </a:p>
+          <a:p>
+            <a:pPr marL="285750" indent="-285750">
+              <a:buFont typeface="Arial" panose="020B0604020202020204" pitchFamily="34" charset="0"/>
+              <a:buChar char="•"/>
+            </a:pPr>
+            <a:r>
+              <a:rPr lang="en-US" dirty="0">
+                <a:solidFill>
+                  <a:srgbClr val="2B2B2B"/>
+                </a:solidFill>
+                <a:latin typeface="Roboto" panose="02000000000000000000" pitchFamily="2" charset="0"/>
+              </a:rPr>
+              <a:t>Google Slides /</a:t>
+            </a:r>
+            <a:r>
+              <a:rPr lang="en-US" dirty="0" err="1">
+                <a:solidFill>
+                  <a:srgbClr val="2B2B2B"/>
+                </a:solidFill>
+                <a:latin typeface="Roboto" panose="02000000000000000000" pitchFamily="2" charset="0"/>
+              </a:rPr>
+              <a:t>Powerpoint</a:t>
+            </a:r>
+            <a:endParaRPr lang="en-US" dirty="0">
+              <a:solidFill>
+                <a:srgbClr val="2B2B2B"/>
+              </a:solidFill>
+              <a:latin typeface="Roboto" panose="02000000000000000000" pitchFamily="2" charset="0"/>
+            </a:endParaRPr>
+          </a:p>
+          <a:p>
+            <a:pPr marL="285750" indent="-285750">
+              <a:buFont typeface="Arial" panose="020B0604020202020204" pitchFamily="34" charset="0"/>
+              <a:buChar char="•"/>
+            </a:pPr>
+            <a:endParaRPr lang="en-US" dirty="0">
+              <a:solidFill>
+                <a:srgbClr val="2B2B2B"/>
+              </a:solidFill>
+              <a:latin typeface="Roboto" panose="02000000000000000000" pitchFamily="2" charset="0"/>
+            </a:endParaRPr>
+          </a:p>
+          <a:p>
+            <a:pPr marL="285750" indent="-285750">
+              <a:buFont typeface="Arial" panose="020B0604020202020204" pitchFamily="34" charset="0"/>
+              <a:buChar char="•"/>
+            </a:pPr>
+            <a:r>
+              <a:rPr lang="en-US" dirty="0">
+                <a:solidFill>
+                  <a:srgbClr val="2B2B2B"/>
+                </a:solidFill>
+                <a:latin typeface="Roboto" panose="02000000000000000000" pitchFamily="2" charset="0"/>
+              </a:rPr>
+              <a:t>Algorithms:</a:t>
+            </a:r>
+          </a:p>
+          <a:p>
+            <a:pPr marL="285750" indent="-285750">
+              <a:buFont typeface="Arial" panose="020B0604020202020204" pitchFamily="34" charset="0"/>
+              <a:buChar char="•"/>
+            </a:pPr>
+            <a:r>
+              <a:rPr lang="en-US" dirty="0">
+                <a:solidFill>
+                  <a:srgbClr val="2B2B2B"/>
+                </a:solidFill>
+                <a:latin typeface="Roboto" panose="02000000000000000000" pitchFamily="2" charset="0"/>
+              </a:rPr>
+              <a:t>Machine Learning/Neural Network</a:t>
+            </a:r>
+          </a:p>
+          <a:p>
+            <a:pPr marL="285750" indent="-285750">
+              <a:buFont typeface="Arial" panose="020B0604020202020204" pitchFamily="34" charset="0"/>
+              <a:buChar char="•"/>
+            </a:pPr>
+            <a:endParaRPr lang="en-US" sz="1800" dirty="0"/>
           </a:p>
         </p:txBody>
       </p:sp>
@@ -9518,332 +10136,7 @@
     </p:spTree>
     <p:extLst>
       <p:ext uri="{BB962C8B-B14F-4D97-AF65-F5344CB8AC3E}">
-        <p14:creationId xmlns:p14="http://schemas.microsoft.com/office/powerpoint/2010/main" val="2204897532"/>
-      </p:ext>
-    </p:extLst>
-  </p:cSld>
-  <p:clrMapOvr>
-    <a:masterClrMapping/>
-  </p:clrMapOvr>
-</p:sld>
-</file>
-
-<file path=ppt/slides/slide5.xml><?xml version="1.0" encoding="utf-8"?>
-<p:sld xmlns:a="http://schemas.openxmlformats.org/drawingml/2006/main" xmlns:r="http://schemas.openxmlformats.org/officeDocument/2006/relationships" xmlns:p="http://schemas.openxmlformats.org/presentationml/2006/main">
-  <p:cSld>
-    <p:spTree>
-      <p:nvGrpSpPr>
-        <p:cNvPr id="1" name="Shape 53"/>
-        <p:cNvGrpSpPr/>
-        <p:nvPr/>
-      </p:nvGrpSpPr>
-      <p:grpSpPr>
-        <a:xfrm>
-          <a:off x="0" y="0"/>
-          <a:ext cx="0" cy="0"/>
-          <a:chOff x="0" y="0"/>
-          <a:chExt cx="0" cy="0"/>
-        </a:xfrm>
-      </p:grpSpPr>
-      <p:pic>
-        <p:nvPicPr>
-          <p:cNvPr id="4" name="Picture 3">
-            <a:extLst>
-              <a:ext uri="{FF2B5EF4-FFF2-40B4-BE49-F238E27FC236}">
-                <a16:creationId xmlns:a16="http://schemas.microsoft.com/office/drawing/2014/main" id="{988BEC99-851C-4203-85C9-4FF1779C0510}"/>
-              </a:ext>
-            </a:extLst>
-          </p:cNvPr>
-          <p:cNvPicPr>
-            <a:picLocks noChangeAspect="1"/>
-          </p:cNvPicPr>
-          <p:nvPr/>
-        </p:nvPicPr>
-        <p:blipFill>
-          <a:blip r:embed="rId3"/>
-          <a:stretch>
-            <a:fillRect/>
-          </a:stretch>
-        </p:blipFill>
-        <p:spPr>
-          <a:xfrm>
-            <a:off x="45720" y="339719"/>
-            <a:ext cx="9219724" cy="4818348"/>
-          </a:xfrm>
-          <a:prstGeom prst="rect">
-            <a:avLst/>
-          </a:prstGeom>
-          <a:solidFill>
-            <a:schemeClr val="bg1"/>
-          </a:solidFill>
-          <a:effectLst>
-            <a:glow rad="127000">
-              <a:schemeClr val="bg1">
-                <a:lumMod val="95000"/>
-                <a:alpha val="0"/>
-              </a:schemeClr>
-            </a:glow>
-          </a:effectLst>
-        </p:spPr>
-      </p:pic>
-      <p:sp>
-        <p:nvSpPr>
-          <p:cNvPr id="55" name="Google Shape;55;p13"/>
-          <p:cNvSpPr txBox="1">
-            <a:spLocks noGrp="1"/>
-          </p:cNvSpPr>
-          <p:nvPr>
-            <p:ph type="subTitle" idx="1"/>
-          </p:nvPr>
-        </p:nvSpPr>
-        <p:spPr>
-          <a:xfrm>
-            <a:off x="45720" y="71242"/>
-            <a:ext cx="9219724" cy="477397"/>
-          </a:xfrm>
-          <a:prstGeom prst="rect">
-            <a:avLst/>
-          </a:prstGeom>
-          <a:blipFill dpi="0" rotWithShape="1">
-            <a:blip r:embed="rId4">
-              <a:alphaModFix amt="74000"/>
-            </a:blip>
-            <a:srcRect/>
-            <a:tile tx="0" ty="0" sx="100000" sy="100000" flip="none" algn="tl"/>
-          </a:blipFill>
-          <a:effectLst>
-            <a:glow rad="127000">
-              <a:schemeClr val="accent1">
-                <a:lumMod val="75000"/>
-              </a:schemeClr>
-            </a:glow>
-          </a:effectLst>
-        </p:spPr>
-        <p:txBody>
-          <a:bodyPr spcFirstLastPara="1" wrap="square" lIns="91425" tIns="91425" rIns="91425" bIns="91425" anchor="t" anchorCtr="0">
-            <a:normAutofit/>
-          </a:bodyPr>
-          <a:lstStyle/>
-          <a:p>
-            <a:pPr marL="0" lvl="0" indent="0" algn="ctr" rtl="0">
-              <a:spcBef>
-                <a:spcPts val="0"/>
-              </a:spcBef>
-              <a:spcAft>
-                <a:spcPts val="0"/>
-              </a:spcAft>
-              <a:buNone/>
-            </a:pPr>
-            <a:r>
-              <a:rPr lang="en" sz="1800" dirty="0">
-                <a:solidFill>
-                  <a:srgbClr val="000000"/>
-                </a:solidFill>
-              </a:rPr>
-              <a:t>Market Volatility During International Conflicts</a:t>
-            </a:r>
-            <a:endParaRPr sz="1800" dirty="0">
-              <a:solidFill>
-                <a:srgbClr val="000000"/>
-              </a:solidFill>
-            </a:endParaRPr>
-          </a:p>
-        </p:txBody>
-      </p:sp>
-      <p:sp>
-        <p:nvSpPr>
-          <p:cNvPr id="2" name="TextBox 1">
-            <a:extLst>
-              <a:ext uri="{FF2B5EF4-FFF2-40B4-BE49-F238E27FC236}">
-                <a16:creationId xmlns:a16="http://schemas.microsoft.com/office/drawing/2014/main" id="{48BF80AB-9619-49C8-9D40-FF1028787918}"/>
-              </a:ext>
-            </a:extLst>
-          </p:cNvPr>
-          <p:cNvSpPr txBox="1"/>
-          <p:nvPr/>
-        </p:nvSpPr>
-        <p:spPr>
-          <a:xfrm>
-            <a:off x="512207" y="812972"/>
-            <a:ext cx="8286750" cy="2862322"/>
-          </a:xfrm>
-          <a:prstGeom prst="rect">
-            <a:avLst/>
-          </a:prstGeom>
-          <a:solidFill>
-            <a:schemeClr val="lt1">
-              <a:alpha val="80000"/>
-            </a:schemeClr>
-          </a:solidFill>
-        </p:spPr>
-        <p:txBody>
-          <a:bodyPr wrap="square" rtlCol="0">
-            <a:spAutoFit/>
-          </a:bodyPr>
-          <a:lstStyle/>
-          <a:p>
-            <a:pPr algn="ctr"/>
-            <a:r>
-              <a:rPr lang="en-US" sz="2000" b="1" i="0" dirty="0">
-                <a:solidFill>
-                  <a:schemeClr val="tx1"/>
-                </a:solidFill>
-                <a:effectLst/>
-                <a:latin typeface="Roboto" panose="02000000000000000000" pitchFamily="2" charset="0"/>
-              </a:rPr>
-              <a:t> </a:t>
-            </a:r>
-          </a:p>
-          <a:p>
-            <a:pPr algn="ctr"/>
-            <a:r>
-              <a:rPr lang="en-US" sz="2400" b="0" i="0" dirty="0">
-                <a:solidFill>
-                  <a:srgbClr val="2B2B2B"/>
-                </a:solidFill>
-                <a:effectLst/>
-                <a:latin typeface="Roboto" panose="02000000000000000000" pitchFamily="2" charset="0"/>
-              </a:rPr>
-              <a:t>Description of the data exploration phase of the project</a:t>
-            </a:r>
-          </a:p>
-          <a:p>
-            <a:endParaRPr lang="en-US" sz="2000" b="0" i="0" dirty="0">
-              <a:solidFill>
-                <a:srgbClr val="2B2B2B"/>
-              </a:solidFill>
-              <a:effectLst/>
-              <a:latin typeface="Roboto" panose="02000000000000000000" pitchFamily="2" charset="0"/>
-            </a:endParaRPr>
-          </a:p>
-          <a:p>
-            <a:pPr marL="285750" indent="-285750">
-              <a:buFont typeface="Arial" panose="020B0604020202020204" pitchFamily="34" charset="0"/>
-              <a:buChar char="•"/>
-            </a:pPr>
-            <a:r>
-              <a:rPr lang="en-US" b="0" i="0" dirty="0">
-                <a:solidFill>
-                  <a:srgbClr val="2B2B2B"/>
-                </a:solidFill>
-                <a:effectLst/>
-                <a:latin typeface="Roboto" panose="02000000000000000000" pitchFamily="2" charset="0"/>
-              </a:rPr>
-              <a:t>The </a:t>
-            </a:r>
-            <a:r>
-              <a:rPr lang="en-US" dirty="0">
-                <a:solidFill>
-                  <a:srgbClr val="2B2B2B"/>
-                </a:solidFill>
-                <a:latin typeface="Roboto" panose="02000000000000000000" pitchFamily="2" charset="0"/>
-              </a:rPr>
-              <a:t>Team f</a:t>
-            </a:r>
-            <a:r>
-              <a:rPr lang="en-US" b="0" i="0" dirty="0">
-                <a:solidFill>
-                  <a:srgbClr val="2B2B2B"/>
-                </a:solidFill>
-                <a:effectLst/>
-                <a:latin typeface="Roboto" panose="02000000000000000000" pitchFamily="2" charset="0"/>
-              </a:rPr>
-              <a:t>irst  searched Kaggle to find stock market data for the 3 markets Dow Jones, Nasdaq, and S&amp;P 500.  </a:t>
-            </a:r>
-          </a:p>
-          <a:p>
-            <a:pPr marL="285750" indent="-285750">
-              <a:buFont typeface="Arial" panose="020B0604020202020204" pitchFamily="34" charset="0"/>
-              <a:buChar char="•"/>
-            </a:pPr>
-            <a:endParaRPr lang="en-US" dirty="0">
-              <a:solidFill>
-                <a:srgbClr val="2B2B2B"/>
-              </a:solidFill>
-              <a:latin typeface="Roboto" panose="02000000000000000000" pitchFamily="2" charset="0"/>
-            </a:endParaRPr>
-          </a:p>
-          <a:p>
-            <a:pPr marL="285750" indent="-285750">
-              <a:buFont typeface="Arial" panose="020B0604020202020204" pitchFamily="34" charset="0"/>
-              <a:buChar char="•"/>
-            </a:pPr>
-            <a:r>
-              <a:rPr lang="en-US" b="0" i="0" dirty="0">
-                <a:solidFill>
-                  <a:srgbClr val="2B2B2B"/>
-                </a:solidFill>
-                <a:effectLst/>
-                <a:latin typeface="Roboto" panose="02000000000000000000" pitchFamily="2" charset="0"/>
-              </a:rPr>
-              <a:t>Next we searched for conflicts and found the Uppsala Conflict Data Program – Department of Peace and Conflict Research website.  This is a great website with multiple datasets of conflict data.</a:t>
-            </a:r>
-          </a:p>
-          <a:p>
-            <a:pPr marL="285750" indent="-285750">
-              <a:buFont typeface="Arial" panose="020B0604020202020204" pitchFamily="34" charset="0"/>
-              <a:buChar char="•"/>
-            </a:pPr>
-            <a:endParaRPr lang="en-US" dirty="0">
-              <a:solidFill>
-                <a:srgbClr val="2B2B2B"/>
-              </a:solidFill>
-              <a:latin typeface="Roboto" panose="02000000000000000000" pitchFamily="2" charset="0"/>
-            </a:endParaRPr>
-          </a:p>
-          <a:p>
-            <a:endParaRPr lang="en-US" sz="1800" dirty="0"/>
-          </a:p>
-        </p:txBody>
-      </p:sp>
-      <p:sp>
-        <p:nvSpPr>
-          <p:cNvPr id="10" name="TextBox 9">
-            <a:extLst>
-              <a:ext uri="{FF2B5EF4-FFF2-40B4-BE49-F238E27FC236}">
-                <a16:creationId xmlns:a16="http://schemas.microsoft.com/office/drawing/2014/main" id="{453E4B5D-E520-43B6-8C4A-E735E3A876C5}"/>
-              </a:ext>
-            </a:extLst>
-          </p:cNvPr>
-          <p:cNvSpPr txBox="1"/>
-          <p:nvPr/>
-        </p:nvSpPr>
-        <p:spPr>
-          <a:xfrm>
-            <a:off x="8457712" y="4949147"/>
-            <a:ext cx="825817" cy="246221"/>
-          </a:xfrm>
-          <a:prstGeom prst="rect">
-            <a:avLst/>
-          </a:prstGeom>
-          <a:noFill/>
-        </p:spPr>
-        <p:txBody>
-          <a:bodyPr wrap="square" rtlCol="0">
-            <a:spAutoFit/>
-          </a:bodyPr>
-          <a:lstStyle/>
-          <a:p>
-            <a:r>
-              <a:rPr lang="en-US" sz="1000" dirty="0">
-                <a:solidFill>
-                  <a:schemeClr val="bg1"/>
-                </a:solidFill>
-              </a:rPr>
-              <a:t>Group 1</a:t>
-            </a:r>
-            <a:endParaRPr lang="en-US" sz="1000" dirty="0">
-              <a:highlight>
-                <a:srgbClr val="FFFF00"/>
-              </a:highlight>
-            </a:endParaRPr>
-          </a:p>
-        </p:txBody>
-      </p:sp>
-    </p:spTree>
-    <p:extLst>
-      <p:ext uri="{BB962C8B-B14F-4D97-AF65-F5344CB8AC3E}">
-        <p14:creationId xmlns:p14="http://schemas.microsoft.com/office/powerpoint/2010/main" val="2691451647"/>
+        <p14:creationId xmlns:p14="http://schemas.microsoft.com/office/powerpoint/2010/main" val="3884940733"/>
       </p:ext>
     </p:extLst>
   </p:cSld>
@@ -10856,7 +11149,7 @@
                 </a:solidFill>
                 <a:latin typeface="Roboto" panose="02000000000000000000" pitchFamily="2" charset="0"/>
               </a:rPr>
-              <a:t>	4 = internationalized intrastate (side A is always a government; side B is always one or 		more rebel groups; there is involvement of foreign governments with troops</a:t>
+              <a:t>	4 = internationalized intrastate (side A is always a government; side B is always one or 		more rebel groups; there is involvement of foreign governments with troops)</a:t>
             </a:r>
           </a:p>
           <a:p>
@@ -11213,7 +11506,7 @@
                 </a:solidFill>
                 <a:latin typeface="Roboto" panose="02000000000000000000" pitchFamily="2" charset="0"/>
               </a:rPr>
-              <a:t>Start Date - The date, as precise as possible, of the first battle-related death in the conflict</a:t>
+              <a:t>Start Date - The date, as precise as possible, of the first battle-related deaths in the conflict</a:t>
             </a:r>
           </a:p>
           <a:p>

--- a/Group1 presentation revised 3.pptx
+++ b/Group1 presentation revised 3.pptx
@@ -10,17 +10,17 @@
   <p:sldIdLst>
     <p:sldId id="257" r:id="rId2"/>
     <p:sldId id="265" r:id="rId3"/>
-    <p:sldId id="271" r:id="rId4"/>
+    <p:sldId id="267" r:id="rId4"/>
     <p:sldId id="274" r:id="rId5"/>
-    <p:sldId id="277" r:id="rId6"/>
-    <p:sldId id="267" r:id="rId7"/>
-    <p:sldId id="276" r:id="rId8"/>
-    <p:sldId id="278" r:id="rId9"/>
-    <p:sldId id="279" r:id="rId10"/>
-    <p:sldId id="275" r:id="rId11"/>
-    <p:sldId id="281" r:id="rId12"/>
-    <p:sldId id="273" r:id="rId13"/>
-    <p:sldId id="282" r:id="rId14"/>
+    <p:sldId id="271" r:id="rId6"/>
+    <p:sldId id="278" r:id="rId7"/>
+    <p:sldId id="279" r:id="rId8"/>
+    <p:sldId id="277" r:id="rId9"/>
+    <p:sldId id="275" r:id="rId10"/>
+    <p:sldId id="281" r:id="rId11"/>
+    <p:sldId id="276" r:id="rId12"/>
+    <p:sldId id="282" r:id="rId13"/>
+    <p:sldId id="273" r:id="rId14"/>
     <p:sldId id="280" r:id="rId15"/>
   </p:sldIdLst>
   <p:sldSz cx="9144000" cy="5143500" type="screen16x9"/>
@@ -1016,7 +1016,11 @@
               </a:spcAft>
               <a:buNone/>
             </a:pPr>
-            <a:endParaRPr/>
+            <a:r>
+              <a:rPr lang="en-US" dirty="0"/>
+              <a:t>John</a:t>
+            </a:r>
+            <a:endParaRPr dirty="0"/>
           </a:p>
         </p:txBody>
       </p:sp>
@@ -1120,14 +1124,18 @@
               </a:spcAft>
               <a:buNone/>
             </a:pPr>
-            <a:endParaRPr/>
+            <a:r>
+              <a:rPr lang="en-US" dirty="0"/>
+              <a:t>Stephen</a:t>
+            </a:r>
+            <a:endParaRPr dirty="0"/>
           </a:p>
         </p:txBody>
       </p:sp>
     </p:spTree>
     <p:extLst>
       <p:ext uri="{BB962C8B-B14F-4D97-AF65-F5344CB8AC3E}">
-        <p14:creationId xmlns:p14="http://schemas.microsoft.com/office/powerpoint/2010/main" val="1031285636"/>
+        <p14:creationId xmlns:p14="http://schemas.microsoft.com/office/powerpoint/2010/main" val="1095500391"/>
       </p:ext>
     </p:extLst>
   </p:cSld>
@@ -1229,14 +1237,18 @@
               </a:spcAft>
               <a:buNone/>
             </a:pPr>
-            <a:endParaRPr/>
+            <a:r>
+              <a:rPr lang="en-US" dirty="0"/>
+              <a:t>Michele</a:t>
+            </a:r>
+            <a:endParaRPr dirty="0"/>
           </a:p>
         </p:txBody>
       </p:sp>
     </p:spTree>
     <p:extLst>
       <p:ext uri="{BB962C8B-B14F-4D97-AF65-F5344CB8AC3E}">
-        <p14:creationId xmlns:p14="http://schemas.microsoft.com/office/powerpoint/2010/main" val="1095500391"/>
+        <p14:creationId xmlns:p14="http://schemas.microsoft.com/office/powerpoint/2010/main" val="4220088539"/>
       </p:ext>
     </p:extLst>
   </p:cSld>
@@ -1345,7 +1357,7 @@
     </p:spTree>
     <p:extLst>
       <p:ext uri="{BB962C8B-B14F-4D97-AF65-F5344CB8AC3E}">
-        <p14:creationId xmlns:p14="http://schemas.microsoft.com/office/powerpoint/2010/main" val="3808775746"/>
+        <p14:creationId xmlns:p14="http://schemas.microsoft.com/office/powerpoint/2010/main" val="1704055558"/>
       </p:ext>
     </p:extLst>
   </p:cSld>
@@ -1447,6 +1459,10 @@
               </a:spcAft>
               <a:buNone/>
             </a:pPr>
+            <a:r>
+              <a:rPr lang="en-US" dirty="0"/>
+              <a:t>Michele</a:t>
+            </a:r>
             <a:endParaRPr dirty="0"/>
           </a:p>
         </p:txBody>
@@ -1454,7 +1470,7 @@
     </p:spTree>
     <p:extLst>
       <p:ext uri="{BB962C8B-B14F-4D97-AF65-F5344CB8AC3E}">
-        <p14:creationId xmlns:p14="http://schemas.microsoft.com/office/powerpoint/2010/main" val="1704055558"/>
+        <p14:creationId xmlns:p14="http://schemas.microsoft.com/office/powerpoint/2010/main" val="3808775746"/>
       </p:ext>
     </p:extLst>
   </p:cSld>
@@ -1556,7 +1572,11 @@
               </a:spcAft>
               <a:buNone/>
             </a:pPr>
-            <a:endParaRPr/>
+            <a:r>
+              <a:rPr lang="en-US" dirty="0"/>
+              <a:t>All</a:t>
+            </a:r>
+            <a:endParaRPr dirty="0"/>
           </a:p>
         </p:txBody>
       </p:sp>
@@ -1665,7 +1685,11 @@
               </a:spcAft>
               <a:buNone/>
             </a:pPr>
-            <a:endParaRPr/>
+            <a:r>
+              <a:rPr lang="en-US" dirty="0"/>
+              <a:t>John</a:t>
+            </a:r>
+            <a:endParaRPr dirty="0"/>
           </a:p>
         </p:txBody>
       </p:sp>
@@ -1774,14 +1798,18 @@
               </a:spcAft>
               <a:buNone/>
             </a:pPr>
-            <a:endParaRPr/>
+            <a:r>
+              <a:rPr lang="en-US" dirty="0"/>
+              <a:t>Theresa</a:t>
+            </a:r>
+            <a:endParaRPr dirty="0"/>
           </a:p>
         </p:txBody>
       </p:sp>
     </p:spTree>
     <p:extLst>
       <p:ext uri="{BB962C8B-B14F-4D97-AF65-F5344CB8AC3E}">
-        <p14:creationId xmlns:p14="http://schemas.microsoft.com/office/powerpoint/2010/main" val="708672248"/>
+        <p14:creationId xmlns:p14="http://schemas.microsoft.com/office/powerpoint/2010/main" val="3230822734"/>
       </p:ext>
     </p:extLst>
   </p:cSld>
@@ -1883,7 +1911,11 @@
               </a:spcAft>
               <a:buNone/>
             </a:pPr>
-            <a:endParaRPr/>
+            <a:r>
+              <a:rPr lang="en-US" dirty="0"/>
+              <a:t>Theresa</a:t>
+            </a:r>
+            <a:endParaRPr dirty="0"/>
           </a:p>
         </p:txBody>
       </p:sp>
@@ -1992,14 +2024,18 @@
               </a:spcAft>
               <a:buNone/>
             </a:pPr>
-            <a:endParaRPr/>
+            <a:r>
+              <a:rPr lang="en-US" dirty="0"/>
+              <a:t>Theresa</a:t>
+            </a:r>
+            <a:endParaRPr dirty="0"/>
           </a:p>
         </p:txBody>
       </p:sp>
     </p:spTree>
     <p:extLst>
       <p:ext uri="{BB962C8B-B14F-4D97-AF65-F5344CB8AC3E}">
-        <p14:creationId xmlns:p14="http://schemas.microsoft.com/office/powerpoint/2010/main" val="1714155696"/>
+        <p14:creationId xmlns:p14="http://schemas.microsoft.com/office/powerpoint/2010/main" val="708672248"/>
       </p:ext>
     </p:extLst>
   </p:cSld>
@@ -2108,7 +2144,7 @@
     </p:spTree>
     <p:extLst>
       <p:ext uri="{BB962C8B-B14F-4D97-AF65-F5344CB8AC3E}">
-        <p14:creationId xmlns:p14="http://schemas.microsoft.com/office/powerpoint/2010/main" val="3230822734"/>
+        <p14:creationId xmlns:p14="http://schemas.microsoft.com/office/powerpoint/2010/main" val="183514528"/>
       </p:ext>
     </p:extLst>
   </p:cSld>
@@ -2217,7 +2253,7 @@
     </p:spTree>
     <p:extLst>
       <p:ext uri="{BB962C8B-B14F-4D97-AF65-F5344CB8AC3E}">
-        <p14:creationId xmlns:p14="http://schemas.microsoft.com/office/powerpoint/2010/main" val="4220088539"/>
+        <p14:creationId xmlns:p14="http://schemas.microsoft.com/office/powerpoint/2010/main" val="1243389347"/>
       </p:ext>
     </p:extLst>
   </p:cSld>
@@ -2319,14 +2355,18 @@
               </a:spcAft>
               <a:buNone/>
             </a:pPr>
-            <a:endParaRPr/>
+            <a:r>
+              <a:rPr lang="en-US" dirty="0"/>
+              <a:t>Stephen</a:t>
+            </a:r>
+            <a:endParaRPr dirty="0"/>
           </a:p>
         </p:txBody>
       </p:sp>
     </p:spTree>
     <p:extLst>
       <p:ext uri="{BB962C8B-B14F-4D97-AF65-F5344CB8AC3E}">
-        <p14:creationId xmlns:p14="http://schemas.microsoft.com/office/powerpoint/2010/main" val="183514528"/>
+        <p14:creationId xmlns:p14="http://schemas.microsoft.com/office/powerpoint/2010/main" val="1714155696"/>
       </p:ext>
     </p:extLst>
   </p:cSld>
@@ -2428,14 +2468,18 @@
               </a:spcAft>
               <a:buNone/>
             </a:pPr>
-            <a:endParaRPr/>
+            <a:r>
+              <a:rPr lang="en-US" dirty="0"/>
+              <a:t>Stephen</a:t>
+            </a:r>
+            <a:endParaRPr dirty="0"/>
           </a:p>
         </p:txBody>
       </p:sp>
     </p:spTree>
     <p:extLst>
       <p:ext uri="{BB962C8B-B14F-4D97-AF65-F5344CB8AC3E}">
-        <p14:creationId xmlns:p14="http://schemas.microsoft.com/office/powerpoint/2010/main" val="1243389347"/>
+        <p14:creationId xmlns:p14="http://schemas.microsoft.com/office/powerpoint/2010/main" val="1031285636"/>
       </p:ext>
     </p:extLst>
   </p:cSld>
@@ -6904,565 +6948,6 @@
         </p:blipFill>
         <p:spPr>
           <a:xfrm>
-            <a:off x="63805" y="251361"/>
-            <a:ext cx="9219724" cy="4818348"/>
-          </a:xfrm>
-          <a:prstGeom prst="rect">
-            <a:avLst/>
-          </a:prstGeom>
-          <a:solidFill>
-            <a:schemeClr val="bg1"/>
-          </a:solidFill>
-          <a:effectLst>
-            <a:glow rad="127000">
-              <a:schemeClr val="bg1">
-                <a:lumMod val="95000"/>
-                <a:alpha val="0"/>
-              </a:schemeClr>
-            </a:glow>
-          </a:effectLst>
-        </p:spPr>
-      </p:pic>
-      <p:sp>
-        <p:nvSpPr>
-          <p:cNvPr id="55" name="Google Shape;55;p13"/>
-          <p:cNvSpPr txBox="1">
-            <a:spLocks noGrp="1"/>
-          </p:cNvSpPr>
-          <p:nvPr>
-            <p:ph type="subTitle" idx="1"/>
-          </p:nvPr>
-        </p:nvSpPr>
-        <p:spPr>
-          <a:xfrm>
-            <a:off x="45720" y="71242"/>
-            <a:ext cx="9219724" cy="477397"/>
-          </a:xfrm>
-          <a:prstGeom prst="rect">
-            <a:avLst/>
-          </a:prstGeom>
-          <a:blipFill dpi="0" rotWithShape="1">
-            <a:blip r:embed="rId4">
-              <a:alphaModFix amt="74000"/>
-            </a:blip>
-            <a:srcRect/>
-            <a:tile tx="0" ty="0" sx="100000" sy="100000" flip="none" algn="tl"/>
-          </a:blipFill>
-          <a:effectLst>
-            <a:glow rad="127000">
-              <a:schemeClr val="accent1">
-                <a:lumMod val="75000"/>
-              </a:schemeClr>
-            </a:glow>
-          </a:effectLst>
-        </p:spPr>
-        <p:txBody>
-          <a:bodyPr spcFirstLastPara="1" wrap="square" lIns="91425" tIns="91425" rIns="91425" bIns="91425" anchor="t" anchorCtr="0">
-            <a:normAutofit/>
-          </a:bodyPr>
-          <a:lstStyle/>
-          <a:p>
-            <a:pPr marL="0" lvl="0" indent="0" algn="ctr" rtl="0">
-              <a:spcBef>
-                <a:spcPts val="0"/>
-              </a:spcBef>
-              <a:spcAft>
-                <a:spcPts val="0"/>
-              </a:spcAft>
-              <a:buNone/>
-            </a:pPr>
-            <a:r>
-              <a:rPr lang="en" sz="1800" dirty="0">
-                <a:solidFill>
-                  <a:srgbClr val="000000"/>
-                </a:solidFill>
-              </a:rPr>
-              <a:t>Market Volatility During International Conflicts</a:t>
-            </a:r>
-            <a:endParaRPr sz="1800" dirty="0">
-              <a:solidFill>
-                <a:srgbClr val="000000"/>
-              </a:solidFill>
-            </a:endParaRPr>
-          </a:p>
-        </p:txBody>
-      </p:sp>
-      <p:sp>
-        <p:nvSpPr>
-          <p:cNvPr id="2" name="TextBox 1">
-            <a:extLst>
-              <a:ext uri="{FF2B5EF4-FFF2-40B4-BE49-F238E27FC236}">
-                <a16:creationId xmlns:a16="http://schemas.microsoft.com/office/drawing/2014/main" id="{48BF80AB-9619-49C8-9D40-FF1028787918}"/>
-              </a:ext>
-            </a:extLst>
-          </p:cNvPr>
-          <p:cNvSpPr txBox="1"/>
-          <p:nvPr/>
-        </p:nvSpPr>
-        <p:spPr>
-          <a:xfrm>
-            <a:off x="512207" y="808626"/>
-            <a:ext cx="8286750" cy="3785652"/>
-          </a:xfrm>
-          <a:prstGeom prst="rect">
-            <a:avLst/>
-          </a:prstGeom>
-          <a:solidFill>
-            <a:schemeClr val="lt1">
-              <a:alpha val="80000"/>
-            </a:schemeClr>
-          </a:solidFill>
-        </p:spPr>
-        <p:txBody>
-          <a:bodyPr wrap="square" rtlCol="0">
-            <a:spAutoFit/>
-          </a:bodyPr>
-          <a:lstStyle/>
-          <a:p>
-            <a:r>
-              <a:rPr lang="en-US" b="0" i="0" dirty="0">
-                <a:solidFill>
-                  <a:srgbClr val="2B2B2B"/>
-                </a:solidFill>
-                <a:effectLst/>
-                <a:latin typeface="Roboto" panose="02000000000000000000" pitchFamily="2" charset="0"/>
-              </a:rPr>
-              <a:t>Description of the analysis phase of the project:</a:t>
-            </a:r>
-          </a:p>
-          <a:p>
-            <a:r>
-              <a:rPr lang="en-US" sz="1200" b="0" i="0" dirty="0">
-                <a:solidFill>
-                  <a:srgbClr val="24292F"/>
-                </a:solidFill>
-                <a:effectLst/>
-                <a:latin typeface="-apple-system"/>
-              </a:rPr>
-              <a:t>	Using </a:t>
-            </a:r>
-            <a:r>
-              <a:rPr lang="en-US" sz="1200" b="0" i="0" dirty="0" err="1">
-                <a:solidFill>
-                  <a:srgbClr val="24292F"/>
-                </a:solidFill>
-                <a:effectLst/>
-                <a:latin typeface="-apple-system"/>
-              </a:rPr>
-              <a:t>Jupyter</a:t>
-            </a:r>
-            <a:r>
-              <a:rPr lang="en-US" sz="1200" b="0" i="0" dirty="0">
-                <a:solidFill>
-                  <a:srgbClr val="24292F"/>
-                </a:solidFill>
-                <a:effectLst/>
-                <a:latin typeface="-apple-system"/>
-              </a:rPr>
-              <a:t> Notebooks the dataset were uploaded to Amazon Web Services. We use Python for cleaning up war 	dataset file was initiated and joining and cleaning up database for the 3 stock market file for </a:t>
-            </a:r>
-            <a:r>
-              <a:rPr lang="en-US" sz="1200" b="0" i="0" dirty="0" err="1">
-                <a:solidFill>
-                  <a:srgbClr val="24292F"/>
-                </a:solidFill>
-                <a:effectLst/>
-                <a:latin typeface="-apple-system"/>
-              </a:rPr>
-              <a:t>Dowjones</a:t>
-            </a:r>
-            <a:r>
-              <a:rPr lang="en-US" sz="1200" b="0" i="0" dirty="0">
-                <a:solidFill>
-                  <a:srgbClr val="24292F"/>
-                </a:solidFill>
-                <a:effectLst/>
-                <a:latin typeface="-apple-system"/>
-              </a:rPr>
-              <a:t>, Nasdaq and 	SP500.</a:t>
-            </a:r>
-          </a:p>
-          <a:p>
-            <a:endParaRPr lang="en-US" sz="1200" b="0" i="0" dirty="0">
-              <a:solidFill>
-                <a:srgbClr val="24292F"/>
-              </a:solidFill>
-              <a:effectLst/>
-              <a:latin typeface="-apple-system"/>
-            </a:endParaRPr>
-          </a:p>
-          <a:p>
-            <a:r>
-              <a:rPr lang="en-US" b="0" i="0" dirty="0">
-                <a:solidFill>
-                  <a:srgbClr val="24292F"/>
-                </a:solidFill>
-                <a:effectLst/>
-                <a:latin typeface="-apple-system"/>
-              </a:rPr>
-              <a:t>Description of preliminary feature engineering and preliminary feature selection, including the decision-making process:</a:t>
-            </a:r>
-          </a:p>
-          <a:p>
-            <a:endParaRPr lang="en-US" sz="1200" b="0" i="0" dirty="0">
-              <a:solidFill>
-                <a:srgbClr val="24292F"/>
-              </a:solidFill>
-              <a:effectLst/>
-              <a:latin typeface="-apple-system"/>
-            </a:endParaRPr>
-          </a:p>
-          <a:p>
-            <a:pPr marL="228600" lvl="5" indent="-228600">
-              <a:buFont typeface="+mj-lt"/>
-              <a:buAutoNum type="arabicPeriod"/>
-            </a:pPr>
-            <a:r>
-              <a:rPr lang="en-US" sz="1200" b="0" i="0" dirty="0">
-                <a:solidFill>
-                  <a:srgbClr val="24292F"/>
-                </a:solidFill>
-                <a:effectLst/>
-                <a:latin typeface="-apple-system"/>
-              </a:rPr>
-              <a:t>The feature engineering and preliminary feature selection was performed in the </a:t>
-            </a:r>
-            <a:r>
-              <a:rPr lang="en-US" sz="1200" b="0" i="0" dirty="0" err="1">
-                <a:solidFill>
-                  <a:srgbClr val="24292F"/>
-                </a:solidFill>
-                <a:effectLst/>
-                <a:latin typeface="-apple-system"/>
-              </a:rPr>
-              <a:t>ml_dev.ipynb</a:t>
-            </a:r>
-            <a:r>
-              <a:rPr lang="en-US" sz="1200" b="0" i="0" dirty="0">
-                <a:solidFill>
-                  <a:srgbClr val="24292F"/>
-                </a:solidFill>
-                <a:effectLst/>
-                <a:latin typeface="-apple-system"/>
-              </a:rPr>
-              <a:t> </a:t>
-            </a:r>
-            <a:r>
-              <a:rPr lang="en-US" sz="1200" b="0" i="0" dirty="0" err="1">
-                <a:solidFill>
-                  <a:srgbClr val="24292F"/>
-                </a:solidFill>
-                <a:effectLst/>
-                <a:latin typeface="-apple-system"/>
-              </a:rPr>
-              <a:t>Jupyter</a:t>
-            </a:r>
-            <a:r>
-              <a:rPr lang="en-US" sz="1200" b="0" i="0" dirty="0">
-                <a:solidFill>
-                  <a:srgbClr val="24292F"/>
-                </a:solidFill>
-                <a:effectLst/>
-                <a:latin typeface="-apple-system"/>
-              </a:rPr>
-              <a:t> notebook. The first restriction in the data was selecting only the conflict data where we had stock data available.</a:t>
-            </a:r>
-          </a:p>
-          <a:p>
-            <a:pPr marL="228600" lvl="5" indent="-228600">
-              <a:buFont typeface="+mj-lt"/>
-              <a:buAutoNum type="arabicPeriod"/>
-            </a:pPr>
-            <a:r>
-              <a:rPr lang="en-US" sz="1200" b="0" i="0" dirty="0">
-                <a:solidFill>
-                  <a:srgbClr val="24292F"/>
-                </a:solidFill>
-                <a:effectLst/>
-                <a:latin typeface="-apple-system"/>
-              </a:rPr>
-              <a:t>Next, a function called </a:t>
-            </a:r>
-            <a:r>
-              <a:rPr lang="en-US" sz="1200" b="0" i="0" dirty="0" err="1">
-                <a:solidFill>
-                  <a:srgbClr val="24292F"/>
-                </a:solidFill>
-                <a:effectLst/>
-                <a:latin typeface="-apple-system"/>
-              </a:rPr>
-              <a:t>find_nearest_date</a:t>
-            </a:r>
-            <a:r>
-              <a:rPr lang="en-US" sz="1200" b="0" i="0" dirty="0">
-                <a:solidFill>
-                  <a:srgbClr val="24292F"/>
-                </a:solidFill>
-                <a:effectLst/>
-                <a:latin typeface="-apple-system"/>
-              </a:rPr>
-              <a:t>() was created to find the nearest stock date given the conflict date, this would be used to merge the stock data to the conflict data in a new </a:t>
-            </a:r>
-            <a:r>
-              <a:rPr lang="en-US" sz="1200" b="0" i="0" dirty="0" err="1">
-                <a:solidFill>
-                  <a:srgbClr val="24292F"/>
-                </a:solidFill>
-                <a:effectLst/>
-                <a:latin typeface="-apple-system"/>
-              </a:rPr>
-              <a:t>dataframe</a:t>
-            </a:r>
-            <a:r>
-              <a:rPr lang="en-US" sz="1200" b="0" i="0" dirty="0">
-                <a:solidFill>
-                  <a:srgbClr val="24292F"/>
-                </a:solidFill>
-                <a:effectLst/>
-                <a:latin typeface="-apple-system"/>
-              </a:rPr>
-              <a:t>. A binning function, </a:t>
-            </a:r>
-            <a:r>
-              <a:rPr lang="en-US" sz="1200" b="0" i="0" dirty="0" err="1">
-                <a:solidFill>
-                  <a:srgbClr val="24292F"/>
-                </a:solidFill>
-                <a:effectLst/>
-                <a:latin typeface="-apple-system"/>
-              </a:rPr>
-              <a:t>create_bins</a:t>
-            </a:r>
-            <a:r>
-              <a:rPr lang="en-US" sz="1200" b="0" i="0" dirty="0">
-                <a:solidFill>
-                  <a:srgbClr val="24292F"/>
-                </a:solidFill>
-                <a:effectLst/>
-                <a:latin typeface="-apple-system"/>
-              </a:rPr>
-              <a:t>() was created to allow the easy generalization of binning as there are potentially hundreds of different countries/governments, so this would help to prevent the blowing up of the number of features, given the relatively small number of conflicts.</a:t>
-            </a:r>
-          </a:p>
-          <a:p>
-            <a:pPr marL="228600" lvl="5" indent="-228600">
-              <a:buFont typeface="+mj-lt"/>
-              <a:buAutoNum type="arabicPeriod"/>
-            </a:pPr>
-            <a:r>
-              <a:rPr lang="en-US" sz="1200" b="0" i="0" dirty="0">
-                <a:solidFill>
-                  <a:srgbClr val="24292F"/>
-                </a:solidFill>
-                <a:effectLst/>
-                <a:latin typeface="-apple-system"/>
-              </a:rPr>
-              <a:t>Binning was performed on all the object </a:t>
-            </a:r>
-            <a:r>
-              <a:rPr lang="en-US" sz="1200" b="0" i="0" dirty="0" err="1">
-                <a:solidFill>
-                  <a:srgbClr val="24292F"/>
-                </a:solidFill>
-                <a:effectLst/>
-                <a:latin typeface="-apple-system"/>
-              </a:rPr>
-              <a:t>dtype</a:t>
-            </a:r>
-            <a:r>
-              <a:rPr lang="en-US" sz="1200" b="0" i="0" dirty="0">
-                <a:solidFill>
-                  <a:srgbClr val="24292F"/>
-                </a:solidFill>
-                <a:effectLst/>
-                <a:latin typeface="-apple-system"/>
-              </a:rPr>
-              <a:t> columns using the aforementioned </a:t>
-            </a:r>
-            <a:r>
-              <a:rPr lang="en-US" sz="1200" b="0" i="0" dirty="0" err="1">
-                <a:solidFill>
-                  <a:srgbClr val="24292F"/>
-                </a:solidFill>
-                <a:effectLst/>
-                <a:latin typeface="-apple-system"/>
-              </a:rPr>
-              <a:t>create_bins</a:t>
-            </a:r>
-            <a:r>
-              <a:rPr lang="en-US" sz="1200" b="0" i="0" dirty="0">
-                <a:solidFill>
-                  <a:srgbClr val="24292F"/>
-                </a:solidFill>
-                <a:effectLst/>
-                <a:latin typeface="-apple-system"/>
-              </a:rPr>
-              <a:t>() function. The actual encoding was performed using </a:t>
-            </a:r>
-            <a:r>
-              <a:rPr lang="en-US" sz="1200" b="0" i="0" dirty="0" err="1">
-                <a:solidFill>
-                  <a:srgbClr val="24292F"/>
-                </a:solidFill>
-                <a:effectLst/>
-                <a:latin typeface="-apple-system"/>
-              </a:rPr>
-              <a:t>Pandas.get_dummies</a:t>
-            </a:r>
-            <a:r>
-              <a:rPr lang="en-US" sz="1200" b="0" i="0" dirty="0">
-                <a:solidFill>
-                  <a:srgbClr val="24292F"/>
-                </a:solidFill>
-                <a:effectLst/>
-                <a:latin typeface="-apple-system"/>
-              </a:rPr>
-              <a:t>() method.</a:t>
-            </a:r>
-          </a:p>
-          <a:p>
-            <a:pPr marL="228600" lvl="5" indent="-228600">
-              <a:buFont typeface="+mj-lt"/>
-              <a:buAutoNum type="arabicPeriod"/>
-            </a:pPr>
-            <a:r>
-              <a:rPr lang="en-US" sz="1200" b="0" i="0" dirty="0">
-                <a:solidFill>
-                  <a:srgbClr val="24292F"/>
-                </a:solidFill>
-                <a:effectLst/>
-                <a:latin typeface="-apple-system"/>
-              </a:rPr>
-              <a:t>A simple Pandas merge is then used to combine the conflict and stock data, where stock data that is missing any values are dropped, and then </a:t>
-            </a:r>
-            <a:r>
-              <a:rPr lang="en-US" sz="1200" b="0" i="0" dirty="0" err="1">
-                <a:solidFill>
-                  <a:srgbClr val="24292F"/>
-                </a:solidFill>
-                <a:effectLst/>
-                <a:latin typeface="-apple-system"/>
-              </a:rPr>
-              <a:t>NaNs</a:t>
-            </a:r>
-            <a:r>
-              <a:rPr lang="en-US" sz="1200" b="0" i="0" dirty="0">
-                <a:solidFill>
-                  <a:srgbClr val="24292F"/>
-                </a:solidFill>
-                <a:effectLst/>
-                <a:latin typeface="-apple-system"/>
-              </a:rPr>
-              <a:t> are filled with 0s</a:t>
-            </a:r>
-            <a:endParaRPr lang="en-US" sz="1200" dirty="0">
-              <a:solidFill>
-                <a:srgbClr val="2B2B2B"/>
-              </a:solidFill>
-              <a:latin typeface="Roboto" panose="02000000000000000000" pitchFamily="2" charset="0"/>
-            </a:endParaRPr>
-          </a:p>
-          <a:p>
-            <a:endParaRPr lang="en-US" sz="1800" dirty="0"/>
-          </a:p>
-        </p:txBody>
-      </p:sp>
-      <p:sp>
-        <p:nvSpPr>
-          <p:cNvPr id="10" name="TextBox 9">
-            <a:extLst>
-              <a:ext uri="{FF2B5EF4-FFF2-40B4-BE49-F238E27FC236}">
-                <a16:creationId xmlns:a16="http://schemas.microsoft.com/office/drawing/2014/main" id="{453E4B5D-E520-43B6-8C4A-E735E3A876C5}"/>
-              </a:ext>
-            </a:extLst>
-          </p:cNvPr>
-          <p:cNvSpPr txBox="1"/>
-          <p:nvPr/>
-        </p:nvSpPr>
-        <p:spPr>
-          <a:xfrm>
-            <a:off x="8457712" y="4949147"/>
-            <a:ext cx="825817" cy="246221"/>
-          </a:xfrm>
-          <a:prstGeom prst="rect">
-            <a:avLst/>
-          </a:prstGeom>
-          <a:noFill/>
-        </p:spPr>
-        <p:txBody>
-          <a:bodyPr wrap="square" rtlCol="0">
-            <a:spAutoFit/>
-          </a:bodyPr>
-          <a:lstStyle/>
-          <a:p>
-            <a:r>
-              <a:rPr lang="en-US" sz="1000" dirty="0">
-                <a:solidFill>
-                  <a:schemeClr val="bg1"/>
-                </a:solidFill>
-              </a:rPr>
-              <a:t>Group 1</a:t>
-            </a:r>
-            <a:endParaRPr lang="en-US" sz="1000" dirty="0">
-              <a:highlight>
-                <a:srgbClr val="FFFF00"/>
-              </a:highlight>
-            </a:endParaRPr>
-          </a:p>
-        </p:txBody>
-      </p:sp>
-    </p:spTree>
-    <p:extLst>
-      <p:ext uri="{BB962C8B-B14F-4D97-AF65-F5344CB8AC3E}">
-        <p14:creationId xmlns:p14="http://schemas.microsoft.com/office/powerpoint/2010/main" val="313516060"/>
-      </p:ext>
-    </p:extLst>
-  </p:cSld>
-  <p:clrMapOvr>
-    <a:masterClrMapping/>
-  </p:clrMapOvr>
-</p:sld>
-</file>
-
-<file path=ppt/slides/slide11.xml><?xml version="1.0" encoding="utf-8"?>
-<p:sld xmlns:a="http://schemas.openxmlformats.org/drawingml/2006/main" xmlns:r="http://schemas.openxmlformats.org/officeDocument/2006/relationships" xmlns:p="http://schemas.openxmlformats.org/presentationml/2006/main">
-  <p:cSld>
-    <p:spTree>
-      <p:nvGrpSpPr>
-        <p:cNvPr id="1" name="Shape 53"/>
-        <p:cNvGrpSpPr/>
-        <p:nvPr/>
-      </p:nvGrpSpPr>
-      <p:grpSpPr>
-        <a:xfrm>
-          <a:off x="0" y="0"/>
-          <a:ext cx="0" cy="0"/>
-          <a:chOff x="0" y="0"/>
-          <a:chExt cx="0" cy="0"/>
-        </a:xfrm>
-      </p:grpSpPr>
-      <p:pic>
-        <p:nvPicPr>
-          <p:cNvPr id="4" name="Picture 3">
-            <a:extLst>
-              <a:ext uri="{FF2B5EF4-FFF2-40B4-BE49-F238E27FC236}">
-                <a16:creationId xmlns:a16="http://schemas.microsoft.com/office/drawing/2014/main" id="{988BEC99-851C-4203-85C9-4FF1779C0510}"/>
-              </a:ext>
-            </a:extLst>
-          </p:cNvPr>
-          <p:cNvPicPr>
-            <a:picLocks noChangeAspect="1"/>
-          </p:cNvPicPr>
-          <p:nvPr/>
-        </p:nvPicPr>
-        <p:blipFill>
-          <a:blip r:embed="rId3"/>
-          <a:stretch>
-            <a:fillRect/>
-          </a:stretch>
-        </p:blipFill>
-        <p:spPr>
-          <a:xfrm>
             <a:off x="45720" y="419735"/>
             <a:ext cx="9219724" cy="4818348"/>
           </a:xfrm>
@@ -7781,6 +7266,436 @@
     <p:extLst>
       <p:ext uri="{BB962C8B-B14F-4D97-AF65-F5344CB8AC3E}">
         <p14:creationId xmlns:p14="http://schemas.microsoft.com/office/powerpoint/2010/main" val="1499578634"/>
+      </p:ext>
+    </p:extLst>
+  </p:cSld>
+  <p:clrMapOvr>
+    <a:masterClrMapping/>
+  </p:clrMapOvr>
+</p:sld>
+</file>
+
+<file path=ppt/slides/slide11.xml><?xml version="1.0" encoding="utf-8"?>
+<p:sld xmlns:a="http://schemas.openxmlformats.org/drawingml/2006/main" xmlns:r="http://schemas.openxmlformats.org/officeDocument/2006/relationships" xmlns:p="http://schemas.openxmlformats.org/presentationml/2006/main">
+  <p:cSld>
+    <p:spTree>
+      <p:nvGrpSpPr>
+        <p:cNvPr id="1" name="Shape 53"/>
+        <p:cNvGrpSpPr/>
+        <p:nvPr/>
+      </p:nvGrpSpPr>
+      <p:grpSpPr>
+        <a:xfrm>
+          <a:off x="0" y="0"/>
+          <a:ext cx="0" cy="0"/>
+          <a:chOff x="0" y="0"/>
+          <a:chExt cx="0" cy="0"/>
+        </a:xfrm>
+      </p:grpSpPr>
+      <p:pic>
+        <p:nvPicPr>
+          <p:cNvPr id="4" name="Picture 3">
+            <a:extLst>
+              <a:ext uri="{FF2B5EF4-FFF2-40B4-BE49-F238E27FC236}">
+                <a16:creationId xmlns:a16="http://schemas.microsoft.com/office/drawing/2014/main" id="{988BEC99-851C-4203-85C9-4FF1779C0510}"/>
+              </a:ext>
+            </a:extLst>
+          </p:cNvPr>
+          <p:cNvPicPr>
+            <a:picLocks noChangeAspect="1"/>
+          </p:cNvPicPr>
+          <p:nvPr/>
+        </p:nvPicPr>
+        <p:blipFill>
+          <a:blip r:embed="rId3"/>
+          <a:stretch>
+            <a:fillRect/>
+          </a:stretch>
+        </p:blipFill>
+        <p:spPr>
+          <a:xfrm>
+            <a:off x="45720" y="191135"/>
+            <a:ext cx="9219724" cy="4818348"/>
+          </a:xfrm>
+          <a:prstGeom prst="rect">
+            <a:avLst/>
+          </a:prstGeom>
+          <a:solidFill>
+            <a:schemeClr val="bg1"/>
+          </a:solidFill>
+          <a:effectLst>
+            <a:glow rad="127000">
+              <a:schemeClr val="bg1">
+                <a:lumMod val="95000"/>
+                <a:alpha val="0"/>
+              </a:schemeClr>
+            </a:glow>
+          </a:effectLst>
+        </p:spPr>
+      </p:pic>
+      <p:sp>
+        <p:nvSpPr>
+          <p:cNvPr id="55" name="Google Shape;55;p13"/>
+          <p:cNvSpPr txBox="1">
+            <a:spLocks noGrp="1"/>
+          </p:cNvSpPr>
+          <p:nvPr>
+            <p:ph type="subTitle" idx="1"/>
+          </p:nvPr>
+        </p:nvSpPr>
+        <p:spPr>
+          <a:xfrm>
+            <a:off x="45720" y="71242"/>
+            <a:ext cx="9219724" cy="477397"/>
+          </a:xfrm>
+          <a:prstGeom prst="rect">
+            <a:avLst/>
+          </a:prstGeom>
+          <a:blipFill dpi="0" rotWithShape="1">
+            <a:blip r:embed="rId4">
+              <a:alphaModFix amt="74000"/>
+            </a:blip>
+            <a:srcRect/>
+            <a:tile tx="0" ty="0" sx="100000" sy="100000" flip="none" algn="tl"/>
+          </a:blipFill>
+          <a:effectLst>
+            <a:glow rad="127000">
+              <a:schemeClr val="accent1">
+                <a:lumMod val="75000"/>
+              </a:schemeClr>
+            </a:glow>
+          </a:effectLst>
+        </p:spPr>
+        <p:txBody>
+          <a:bodyPr spcFirstLastPara="1" wrap="square" lIns="91425" tIns="91425" rIns="91425" bIns="91425" anchor="t" anchorCtr="0">
+            <a:normAutofit/>
+          </a:bodyPr>
+          <a:lstStyle/>
+          <a:p>
+            <a:pPr marL="0" lvl="0" indent="0" algn="ctr" rtl="0">
+              <a:spcBef>
+                <a:spcPts val="0"/>
+              </a:spcBef>
+              <a:spcAft>
+                <a:spcPts val="0"/>
+              </a:spcAft>
+              <a:buNone/>
+            </a:pPr>
+            <a:r>
+              <a:rPr lang="en" sz="1800" dirty="0">
+                <a:solidFill>
+                  <a:srgbClr val="000000"/>
+                </a:solidFill>
+              </a:rPr>
+              <a:t>Market Volatility During International Conflicts</a:t>
+            </a:r>
+            <a:endParaRPr sz="1800" dirty="0">
+              <a:solidFill>
+                <a:srgbClr val="000000"/>
+              </a:solidFill>
+            </a:endParaRPr>
+          </a:p>
+        </p:txBody>
+      </p:sp>
+      <p:sp>
+        <p:nvSpPr>
+          <p:cNvPr id="2" name="TextBox 1">
+            <a:extLst>
+              <a:ext uri="{FF2B5EF4-FFF2-40B4-BE49-F238E27FC236}">
+                <a16:creationId xmlns:a16="http://schemas.microsoft.com/office/drawing/2014/main" id="{48BF80AB-9619-49C8-9D40-FF1028787918}"/>
+              </a:ext>
+            </a:extLst>
+          </p:cNvPr>
+          <p:cNvSpPr txBox="1"/>
+          <p:nvPr/>
+        </p:nvSpPr>
+        <p:spPr>
+          <a:xfrm>
+            <a:off x="512207" y="812972"/>
+            <a:ext cx="8286750" cy="3754874"/>
+          </a:xfrm>
+          <a:prstGeom prst="rect">
+            <a:avLst/>
+          </a:prstGeom>
+          <a:solidFill>
+            <a:schemeClr val="lt1">
+              <a:alpha val="80000"/>
+            </a:schemeClr>
+          </a:solidFill>
+        </p:spPr>
+        <p:txBody>
+          <a:bodyPr wrap="square" rtlCol="0">
+            <a:spAutoFit/>
+          </a:bodyPr>
+          <a:lstStyle/>
+          <a:p>
+            <a:pPr algn="ctr"/>
+            <a:r>
+              <a:rPr lang="en-US" sz="2000" b="1" i="0" dirty="0">
+                <a:solidFill>
+                  <a:schemeClr val="tx1"/>
+                </a:solidFill>
+                <a:effectLst/>
+                <a:latin typeface="Roboto" panose="02000000000000000000" pitchFamily="2" charset="0"/>
+              </a:rPr>
+              <a:t> </a:t>
+            </a:r>
+          </a:p>
+          <a:p>
+            <a:pPr algn="ctr"/>
+            <a:r>
+              <a:rPr lang="en-US" sz="2400" b="0" i="0" dirty="0">
+                <a:solidFill>
+                  <a:srgbClr val="2B2B2B"/>
+                </a:solidFill>
+                <a:effectLst/>
+                <a:latin typeface="Roboto" panose="02000000000000000000" pitchFamily="2" charset="0"/>
+              </a:rPr>
+              <a:t>Variables used in the Armed Conflict Dataset</a:t>
+            </a:r>
+          </a:p>
+          <a:p>
+            <a:endParaRPr lang="en-US" sz="1200" b="0" i="0" dirty="0">
+              <a:solidFill>
+                <a:srgbClr val="2B2B2B"/>
+              </a:solidFill>
+              <a:effectLst/>
+              <a:latin typeface="Roboto" panose="02000000000000000000" pitchFamily="2" charset="0"/>
+            </a:endParaRPr>
+          </a:p>
+          <a:p>
+            <a:pPr marL="285750" indent="-285750">
+              <a:buFont typeface="Arial" panose="020B0604020202020204" pitchFamily="34" charset="0"/>
+              <a:buChar char="•"/>
+            </a:pPr>
+            <a:r>
+              <a:rPr lang="en-US" sz="1200" dirty="0">
+                <a:solidFill>
+                  <a:srgbClr val="2B2B2B"/>
+                </a:solidFill>
+                <a:latin typeface="Roboto" panose="02000000000000000000" pitchFamily="2" charset="0"/>
+              </a:rPr>
+              <a:t>Location – the name of the country/countries whose government has a claim to the conflict.</a:t>
+            </a:r>
+          </a:p>
+          <a:p>
+            <a:pPr lvl="1"/>
+            <a:r>
+              <a:rPr lang="en-US" sz="1200" dirty="0">
+                <a:solidFill>
+                  <a:srgbClr val="2B2B2B"/>
+                </a:solidFill>
+                <a:latin typeface="Roboto" panose="02000000000000000000" pitchFamily="2" charset="0"/>
+              </a:rPr>
+              <a:t>	</a:t>
+            </a:r>
+          </a:p>
+          <a:p>
+            <a:pPr marL="285750" indent="-285750">
+              <a:buFont typeface="Arial" panose="020B0604020202020204" pitchFamily="34" charset="0"/>
+              <a:buChar char="•"/>
+            </a:pPr>
+            <a:r>
+              <a:rPr lang="en-US" sz="1200" dirty="0">
+                <a:solidFill>
+                  <a:srgbClr val="2B2B2B"/>
+                </a:solidFill>
+                <a:latin typeface="Roboto" panose="02000000000000000000" pitchFamily="2" charset="0"/>
+              </a:rPr>
+              <a:t>Side a -  the name of the country of side A in the conflict. The government side in intrastate conflicts</a:t>
+            </a:r>
+          </a:p>
+          <a:p>
+            <a:pPr marL="285750" indent="-285750">
+              <a:buFont typeface="Arial" panose="020B0604020202020204" pitchFamily="34" charset="0"/>
+              <a:buChar char="•"/>
+            </a:pPr>
+            <a:endParaRPr lang="en-US" sz="1200" dirty="0">
+              <a:solidFill>
+                <a:srgbClr val="2B2B2B"/>
+              </a:solidFill>
+              <a:latin typeface="Roboto" panose="02000000000000000000" pitchFamily="2" charset="0"/>
+            </a:endParaRPr>
+          </a:p>
+          <a:p>
+            <a:pPr marL="285750" indent="-285750">
+              <a:buFont typeface="Arial" panose="020B0604020202020204" pitchFamily="34" charset="0"/>
+              <a:buChar char="•"/>
+            </a:pPr>
+            <a:r>
+              <a:rPr lang="en-US" sz="1200" dirty="0">
+                <a:solidFill>
+                  <a:srgbClr val="2B2B2B"/>
+                </a:solidFill>
+                <a:latin typeface="Roboto" panose="02000000000000000000" pitchFamily="2" charset="0"/>
+              </a:rPr>
+              <a:t>Side b – identifying the opposition actor in the conflict, includes military opposition. The primary party in the conflict</a:t>
+            </a:r>
+          </a:p>
+          <a:p>
+            <a:pPr marL="285750" indent="-285750">
+              <a:buFont typeface="Arial" panose="020B0604020202020204" pitchFamily="34" charset="0"/>
+              <a:buChar char="•"/>
+            </a:pPr>
+            <a:endParaRPr lang="en-US" sz="1200" dirty="0">
+              <a:solidFill>
+                <a:srgbClr val="2B2B2B"/>
+              </a:solidFill>
+              <a:latin typeface="Roboto" panose="02000000000000000000" pitchFamily="2" charset="0"/>
+            </a:endParaRPr>
+          </a:p>
+          <a:p>
+            <a:pPr marL="285750" indent="-285750">
+              <a:buFont typeface="Arial" panose="020B0604020202020204" pitchFamily="34" charset="0"/>
+              <a:buChar char="•"/>
+            </a:pPr>
+            <a:r>
+              <a:rPr lang="en-US" sz="1200" dirty="0">
+                <a:solidFill>
+                  <a:srgbClr val="2B2B2B"/>
+                </a:solidFill>
+                <a:latin typeface="Roboto" panose="02000000000000000000" pitchFamily="2" charset="0"/>
+              </a:rPr>
+              <a:t>Incompatibility – 1 about territory , 2 about government,  3 about govt and territory </a:t>
+            </a:r>
+          </a:p>
+          <a:p>
+            <a:pPr marL="285750" indent="-285750">
+              <a:buFont typeface="Arial" panose="020B0604020202020204" pitchFamily="34" charset="0"/>
+              <a:buChar char="•"/>
+            </a:pPr>
+            <a:endParaRPr lang="en-US" sz="1200" dirty="0">
+              <a:solidFill>
+                <a:srgbClr val="2B2B2B"/>
+              </a:solidFill>
+              <a:latin typeface="Roboto" panose="02000000000000000000" pitchFamily="2" charset="0"/>
+            </a:endParaRPr>
+          </a:p>
+          <a:p>
+            <a:pPr marL="285750" indent="-285750">
+              <a:buFont typeface="Arial" panose="020B0604020202020204" pitchFamily="34" charset="0"/>
+              <a:buChar char="•"/>
+            </a:pPr>
+            <a:r>
+              <a:rPr lang="en-US" sz="1200" dirty="0">
+                <a:solidFill>
+                  <a:srgbClr val="2B2B2B"/>
+                </a:solidFill>
+                <a:latin typeface="Roboto" panose="02000000000000000000" pitchFamily="2" charset="0"/>
+              </a:rPr>
+              <a:t>Territory  Name - the name  of territory over which conflict is fought</a:t>
+            </a:r>
+          </a:p>
+          <a:p>
+            <a:pPr marL="285750" indent="-285750">
+              <a:buFont typeface="Arial" panose="020B0604020202020204" pitchFamily="34" charset="0"/>
+              <a:buChar char="•"/>
+            </a:pPr>
+            <a:endParaRPr lang="en-US" sz="1200" dirty="0">
+              <a:solidFill>
+                <a:srgbClr val="2B2B2B"/>
+              </a:solidFill>
+              <a:latin typeface="Roboto" panose="02000000000000000000" pitchFamily="2" charset="0"/>
+            </a:endParaRPr>
+          </a:p>
+          <a:p>
+            <a:pPr marL="285750" indent="-285750">
+              <a:buFont typeface="Arial" panose="020B0604020202020204" pitchFamily="34" charset="0"/>
+              <a:buChar char="•"/>
+            </a:pPr>
+            <a:r>
+              <a:rPr lang="en-US" sz="1200" dirty="0">
+                <a:solidFill>
+                  <a:srgbClr val="2B2B2B"/>
+                </a:solidFill>
+                <a:latin typeface="Roboto" panose="02000000000000000000" pitchFamily="2" charset="0"/>
+              </a:rPr>
+              <a:t>Intensity Level - The intensity level in the conflict per calendar year. The intensity variable is coded in two categories:</a:t>
+            </a:r>
+          </a:p>
+          <a:p>
+            <a:pPr lvl="2"/>
+            <a:r>
+              <a:rPr lang="en-US" sz="1200" dirty="0">
+                <a:solidFill>
+                  <a:srgbClr val="2B2B2B"/>
+                </a:solidFill>
+                <a:latin typeface="Roboto" panose="02000000000000000000" pitchFamily="2" charset="0"/>
+              </a:rPr>
+              <a:t>	 1. Minor: between 25 and 999 battle-related deaths in a given year. </a:t>
+            </a:r>
+          </a:p>
+          <a:p>
+            <a:pPr lvl="2"/>
+            <a:r>
+              <a:rPr lang="en-US" sz="1200" dirty="0">
+                <a:solidFill>
+                  <a:srgbClr val="2B2B2B"/>
+                </a:solidFill>
+                <a:latin typeface="Roboto" panose="02000000000000000000" pitchFamily="2" charset="0"/>
+              </a:rPr>
+              <a:t>	 2. War: at least 1,000 battle-related deaths in a given year</a:t>
+            </a:r>
+          </a:p>
+          <a:p>
+            <a:pPr lvl="2"/>
+            <a:endParaRPr lang="en-US" dirty="0">
+              <a:solidFill>
+                <a:srgbClr val="2B2B2B"/>
+              </a:solidFill>
+              <a:latin typeface="Roboto" panose="02000000000000000000" pitchFamily="2" charset="0"/>
+            </a:endParaRPr>
+          </a:p>
+        </p:txBody>
+      </p:sp>
+      <p:sp>
+        <p:nvSpPr>
+          <p:cNvPr id="10" name="TextBox 9">
+            <a:extLst>
+              <a:ext uri="{FF2B5EF4-FFF2-40B4-BE49-F238E27FC236}">
+                <a16:creationId xmlns:a16="http://schemas.microsoft.com/office/drawing/2014/main" id="{453E4B5D-E520-43B6-8C4A-E735E3A876C5}"/>
+              </a:ext>
+            </a:extLst>
+          </p:cNvPr>
+          <p:cNvSpPr txBox="1"/>
+          <p:nvPr/>
+        </p:nvSpPr>
+        <p:spPr>
+          <a:xfrm>
+            <a:off x="8457712" y="4949147"/>
+            <a:ext cx="825817" cy="246221"/>
+          </a:xfrm>
+          <a:prstGeom prst="rect">
+            <a:avLst/>
+          </a:prstGeom>
+          <a:noFill/>
+        </p:spPr>
+        <p:txBody>
+          <a:bodyPr wrap="square" rtlCol="0">
+            <a:spAutoFit/>
+          </a:bodyPr>
+          <a:lstStyle/>
+          <a:p>
+            <a:r>
+              <a:rPr lang="en-US" sz="1000" dirty="0">
+                <a:solidFill>
+                  <a:schemeClr val="bg1"/>
+                </a:solidFill>
+              </a:rPr>
+              <a:t>Group 1</a:t>
+            </a:r>
+            <a:endParaRPr lang="en-US" sz="1000" dirty="0">
+              <a:highlight>
+                <a:srgbClr val="FFFF00"/>
+              </a:highlight>
+            </a:endParaRPr>
+          </a:p>
+        </p:txBody>
+      </p:sp>
+    </p:spTree>
+    <p:extLst>
+      <p:ext uri="{BB962C8B-B14F-4D97-AF65-F5344CB8AC3E}">
+        <p14:creationId xmlns:p14="http://schemas.microsoft.com/office/powerpoint/2010/main" val="1148195285"/>
       </p:ext>
     </p:extLst>
   </p:cSld>
@@ -7926,8 +7841,8 @@
         </p:nvSpPr>
         <p:spPr>
           <a:xfrm>
-            <a:off x="512207" y="812972"/>
-            <a:ext cx="8286750" cy="3754874"/>
+            <a:off x="583870" y="800183"/>
+            <a:ext cx="8286750" cy="769441"/>
           </a:xfrm>
           <a:prstGeom prst="rect">
             <a:avLst/>
@@ -7959,165 +7874,22 @@
           <a:p>
             <a:pPr algn="ctr"/>
             <a:r>
-              <a:rPr lang="en-US" sz="2400" b="0" i="0" dirty="0">
+              <a:rPr lang="en-US" sz="2400" dirty="0">
                 <a:solidFill>
                   <a:srgbClr val="2B2B2B"/>
                 </a:solidFill>
-                <a:effectLst/>
                 <a:latin typeface="Roboto" panose="02000000000000000000" pitchFamily="2" charset="0"/>
-              </a:rPr>
-              <a:t> Questions the team hopes to answer with the data</a:t>
-            </a:r>
-          </a:p>
-          <a:p>
-            <a:pPr algn="l"/>
-            <a:endParaRPr lang="en-US" sz="1800" dirty="0">
-              <a:solidFill>
-                <a:srgbClr val="2B2B2B"/>
-              </a:solidFill>
-              <a:latin typeface="Roboto" panose="02000000000000000000" pitchFamily="2" charset="0"/>
-            </a:endParaRPr>
-          </a:p>
-          <a:p>
-            <a:pPr marL="342900" lvl="2" indent="-342900">
-              <a:buFont typeface="+mj-lt"/>
-              <a:buAutoNum type="arabicPeriod"/>
-            </a:pPr>
-            <a:r>
-              <a:rPr lang="en-US" sz="1800" b="0" i="0" dirty="0">
-                <a:solidFill>
-                  <a:srgbClr val="2B2B2B"/>
-                </a:solidFill>
-                <a:effectLst/>
-                <a:latin typeface="Roboto" panose="02000000000000000000" pitchFamily="2" charset="0"/>
-              </a:rPr>
-              <a:t>Does the </a:t>
-            </a:r>
-            <a:r>
-              <a:rPr lang="en-US" sz="1800" dirty="0">
-                <a:solidFill>
-                  <a:srgbClr val="2B2B2B"/>
-                </a:solidFill>
-                <a:latin typeface="Roboto" panose="02000000000000000000" pitchFamily="2" charset="0"/>
-              </a:rPr>
-              <a:t>number </a:t>
-            </a:r>
-            <a:r>
-              <a:rPr lang="en-US" sz="1800" b="0" i="0" dirty="0">
-                <a:solidFill>
-                  <a:srgbClr val="2B2B2B"/>
-                </a:solidFill>
-                <a:effectLst/>
-                <a:latin typeface="Roboto" panose="02000000000000000000" pitchFamily="2" charset="0"/>
-              </a:rPr>
-              <a:t>of the conflict have proportional impact?</a:t>
-            </a:r>
-          </a:p>
-          <a:p>
-            <a:pPr marL="342900" lvl="2" indent="-342900">
-              <a:buFont typeface="+mj-lt"/>
-              <a:buAutoNum type="arabicPeriod"/>
-            </a:pPr>
-            <a:endParaRPr lang="en-US" sz="1800" b="0" i="0" dirty="0">
+                <a:hlinkClick r:id="rId5"/>
+              </a:rPr>
+              <a:t>Conflicts Dashboard</a:t>
+            </a:r>
+            <a:endParaRPr lang="en-US" sz="2400" b="0" i="0" dirty="0">
               <a:solidFill>
                 <a:srgbClr val="2B2B2B"/>
               </a:solidFill>
               <a:effectLst/>
               <a:latin typeface="Roboto" panose="02000000000000000000" pitchFamily="2" charset="0"/>
             </a:endParaRPr>
-          </a:p>
-          <a:p>
-            <a:pPr marL="342900" lvl="2" indent="-342900">
-              <a:buFont typeface="+mj-lt"/>
-              <a:buAutoNum type="arabicPeriod"/>
-            </a:pPr>
-            <a:r>
-              <a:rPr lang="en-US" sz="1800" dirty="0">
-                <a:solidFill>
-                  <a:srgbClr val="2B2B2B"/>
-                </a:solidFill>
-                <a:latin typeface="Roboto" panose="02000000000000000000" pitchFamily="2" charset="0"/>
-              </a:rPr>
-              <a:t>Does the geographical location matter to the number of conflict?</a:t>
-            </a:r>
-          </a:p>
-          <a:p>
-            <a:pPr lvl="2"/>
-            <a:endParaRPr lang="en-US" sz="1800" b="0" i="0" dirty="0">
-              <a:solidFill>
-                <a:srgbClr val="2B2B2B"/>
-              </a:solidFill>
-              <a:effectLst/>
-              <a:latin typeface="Roboto" panose="02000000000000000000" pitchFamily="2" charset="0"/>
-            </a:endParaRPr>
-          </a:p>
-          <a:p>
-            <a:pPr lvl="2"/>
-            <a:r>
-              <a:rPr lang="en-US" sz="1800" dirty="0">
-                <a:solidFill>
-                  <a:srgbClr val="2B2B2B"/>
-                </a:solidFill>
-                <a:latin typeface="Roboto" panose="02000000000000000000" pitchFamily="2" charset="0"/>
-              </a:rPr>
-              <a:t>3.  Does the market bounce back after 90 days from the start of the conflict?</a:t>
-            </a:r>
-          </a:p>
-          <a:p>
-            <a:pPr lvl="2"/>
-            <a:endParaRPr lang="en-US" sz="1800" dirty="0">
-              <a:solidFill>
-                <a:srgbClr val="2B2B2B"/>
-              </a:solidFill>
-              <a:latin typeface="Roboto" panose="02000000000000000000" pitchFamily="2" charset="0"/>
-            </a:endParaRPr>
-          </a:p>
-          <a:p>
-            <a:pPr lvl="2"/>
-            <a:r>
-              <a:rPr lang="en-US" sz="1800" dirty="0">
-                <a:solidFill>
-                  <a:srgbClr val="2B2B2B"/>
-                </a:solidFill>
-                <a:latin typeface="Roboto" panose="02000000000000000000" pitchFamily="2" charset="0"/>
-              </a:rPr>
-              <a:t>4.  Which territory / region or location was greatly affected by the conflicts?</a:t>
-            </a:r>
-          </a:p>
-          <a:p>
-            <a:pPr lvl="2"/>
-            <a:endParaRPr lang="en-US" sz="1800" dirty="0">
-              <a:solidFill>
-                <a:srgbClr val="2B2B2B"/>
-              </a:solidFill>
-              <a:effectLst/>
-              <a:latin typeface="Roboto" panose="02000000000000000000" pitchFamily="2" charset="0"/>
-              <a:ea typeface="Times New Roman" panose="02020603050405020304" pitchFamily="18" charset="0"/>
-              <a:cs typeface="Times New Roman" panose="02020603050405020304" pitchFamily="18" charset="0"/>
-            </a:endParaRPr>
-          </a:p>
-          <a:p>
-            <a:pPr lvl="2"/>
-            <a:r>
-              <a:rPr lang="en-US" sz="1800" dirty="0">
-                <a:solidFill>
-                  <a:srgbClr val="2B2B2B"/>
-                </a:solidFill>
-                <a:latin typeface="Roboto" panose="02000000000000000000" pitchFamily="2" charset="0"/>
-                <a:ea typeface="Times New Roman" panose="02020603050405020304" pitchFamily="18" charset="0"/>
-                <a:cs typeface="Times New Roman" panose="02020603050405020304" pitchFamily="18" charset="0"/>
-              </a:rPr>
-              <a:t>5.  Describe the 9/11 market  before, during and after the conflict. </a:t>
-            </a:r>
-            <a:endParaRPr lang="en-US" sz="1800" dirty="0">
-              <a:effectLst/>
-              <a:latin typeface="Univers Condensed" panose="020B0506020202050204" pitchFamily="34" charset="0"/>
-              <a:ea typeface="Times New Roman" panose="02020603050405020304" pitchFamily="18" charset="0"/>
-              <a:cs typeface="Times New Roman" panose="02020603050405020304" pitchFamily="18" charset="0"/>
-            </a:endParaRPr>
-          </a:p>
-          <a:p>
-            <a:endParaRPr lang="en-US" dirty="0"/>
           </a:p>
         </p:txBody>
       </p:sp>
@@ -8168,7 +7940,7 @@
     </p:spTree>
     <p:extLst>
       <p:ext uri="{BB962C8B-B14F-4D97-AF65-F5344CB8AC3E}">
-        <p14:creationId xmlns:p14="http://schemas.microsoft.com/office/powerpoint/2010/main" val="2204897532"/>
+        <p14:creationId xmlns:p14="http://schemas.microsoft.com/office/powerpoint/2010/main" val="3757599943"/>
       </p:ext>
     </p:extLst>
   </p:cSld>
@@ -8314,8 +8086,8 @@
         </p:nvSpPr>
         <p:spPr>
           <a:xfrm>
-            <a:off x="583870" y="800183"/>
-            <a:ext cx="8286750" cy="769441"/>
+            <a:off x="512207" y="812972"/>
+            <a:ext cx="8286750" cy="3754874"/>
           </a:xfrm>
           <a:prstGeom prst="rect">
             <a:avLst/>
@@ -8347,22 +8119,165 @@
           <a:p>
             <a:pPr algn="ctr"/>
             <a:r>
-              <a:rPr lang="en-US" sz="2400" dirty="0">
+              <a:rPr lang="en-US" sz="2400" b="0" i="0" dirty="0">
                 <a:solidFill>
                   <a:srgbClr val="2B2B2B"/>
                 </a:solidFill>
+                <a:effectLst/>
                 <a:latin typeface="Roboto" panose="02000000000000000000" pitchFamily="2" charset="0"/>
-                <a:hlinkClick r:id="rId5"/>
-              </a:rPr>
-              <a:t>Conflicts Dashboard</a:t>
-            </a:r>
-            <a:endParaRPr lang="en-US" sz="2400" b="0" i="0" dirty="0">
+              </a:rPr>
+              <a:t> Questions the team hopes to answer with the data</a:t>
+            </a:r>
+          </a:p>
+          <a:p>
+            <a:pPr algn="l"/>
+            <a:endParaRPr lang="en-US" sz="1800" dirty="0">
+              <a:solidFill>
+                <a:srgbClr val="2B2B2B"/>
+              </a:solidFill>
+              <a:latin typeface="Roboto" panose="02000000000000000000" pitchFamily="2" charset="0"/>
+            </a:endParaRPr>
+          </a:p>
+          <a:p>
+            <a:pPr marL="342900" lvl="2" indent="-342900">
+              <a:buFont typeface="+mj-lt"/>
+              <a:buAutoNum type="arabicPeriod"/>
+            </a:pPr>
+            <a:r>
+              <a:rPr lang="en-US" sz="1800" b="0" i="0" dirty="0">
+                <a:solidFill>
+                  <a:srgbClr val="2B2B2B"/>
+                </a:solidFill>
+                <a:effectLst/>
+                <a:latin typeface="Roboto" panose="02000000000000000000" pitchFamily="2" charset="0"/>
+              </a:rPr>
+              <a:t>Does the </a:t>
+            </a:r>
+            <a:r>
+              <a:rPr lang="en-US" sz="1800" dirty="0">
+                <a:solidFill>
+                  <a:srgbClr val="2B2B2B"/>
+                </a:solidFill>
+                <a:latin typeface="Roboto" panose="02000000000000000000" pitchFamily="2" charset="0"/>
+              </a:rPr>
+              <a:t>number </a:t>
+            </a:r>
+            <a:r>
+              <a:rPr lang="en-US" sz="1800" b="0" i="0" dirty="0">
+                <a:solidFill>
+                  <a:srgbClr val="2B2B2B"/>
+                </a:solidFill>
+                <a:effectLst/>
+                <a:latin typeface="Roboto" panose="02000000000000000000" pitchFamily="2" charset="0"/>
+              </a:rPr>
+              <a:t>of the conflict have proportional impact?</a:t>
+            </a:r>
+          </a:p>
+          <a:p>
+            <a:pPr marL="342900" lvl="2" indent="-342900">
+              <a:buFont typeface="+mj-lt"/>
+              <a:buAutoNum type="arabicPeriod"/>
+            </a:pPr>
+            <a:endParaRPr lang="en-US" sz="1800" b="0" i="0" dirty="0">
               <a:solidFill>
                 <a:srgbClr val="2B2B2B"/>
               </a:solidFill>
               <a:effectLst/>
               <a:latin typeface="Roboto" panose="02000000000000000000" pitchFamily="2" charset="0"/>
             </a:endParaRPr>
+          </a:p>
+          <a:p>
+            <a:pPr marL="342900" lvl="2" indent="-342900">
+              <a:buFont typeface="+mj-lt"/>
+              <a:buAutoNum type="arabicPeriod"/>
+            </a:pPr>
+            <a:r>
+              <a:rPr lang="en-US" sz="1800" dirty="0">
+                <a:solidFill>
+                  <a:srgbClr val="2B2B2B"/>
+                </a:solidFill>
+                <a:latin typeface="Roboto" panose="02000000000000000000" pitchFamily="2" charset="0"/>
+              </a:rPr>
+              <a:t>Does the geographical location matter to the number of conflict?</a:t>
+            </a:r>
+          </a:p>
+          <a:p>
+            <a:pPr lvl="2"/>
+            <a:endParaRPr lang="en-US" sz="1800" b="0" i="0" dirty="0">
+              <a:solidFill>
+                <a:srgbClr val="2B2B2B"/>
+              </a:solidFill>
+              <a:effectLst/>
+              <a:latin typeface="Roboto" panose="02000000000000000000" pitchFamily="2" charset="0"/>
+            </a:endParaRPr>
+          </a:p>
+          <a:p>
+            <a:pPr lvl="2"/>
+            <a:r>
+              <a:rPr lang="en-US" sz="1800" dirty="0">
+                <a:solidFill>
+                  <a:srgbClr val="2B2B2B"/>
+                </a:solidFill>
+                <a:latin typeface="Roboto" panose="02000000000000000000" pitchFamily="2" charset="0"/>
+              </a:rPr>
+              <a:t>3.  Does the market bounce back after 90 days from the start of the conflict?</a:t>
+            </a:r>
+          </a:p>
+          <a:p>
+            <a:pPr lvl="2"/>
+            <a:endParaRPr lang="en-US" sz="1800" dirty="0">
+              <a:solidFill>
+                <a:srgbClr val="2B2B2B"/>
+              </a:solidFill>
+              <a:latin typeface="Roboto" panose="02000000000000000000" pitchFamily="2" charset="0"/>
+            </a:endParaRPr>
+          </a:p>
+          <a:p>
+            <a:pPr lvl="2"/>
+            <a:r>
+              <a:rPr lang="en-US" sz="1800" dirty="0">
+                <a:solidFill>
+                  <a:srgbClr val="2B2B2B"/>
+                </a:solidFill>
+                <a:latin typeface="Roboto" panose="02000000000000000000" pitchFamily="2" charset="0"/>
+              </a:rPr>
+              <a:t>4.  Which territory / region or location was greatly affected by the conflicts?</a:t>
+            </a:r>
+          </a:p>
+          <a:p>
+            <a:pPr lvl="2"/>
+            <a:endParaRPr lang="en-US" sz="1800" dirty="0">
+              <a:solidFill>
+                <a:srgbClr val="2B2B2B"/>
+              </a:solidFill>
+              <a:effectLst/>
+              <a:latin typeface="Roboto" panose="02000000000000000000" pitchFamily="2" charset="0"/>
+              <a:ea typeface="Times New Roman" panose="02020603050405020304" pitchFamily="18" charset="0"/>
+              <a:cs typeface="Times New Roman" panose="02020603050405020304" pitchFamily="18" charset="0"/>
+            </a:endParaRPr>
+          </a:p>
+          <a:p>
+            <a:pPr lvl="2"/>
+            <a:r>
+              <a:rPr lang="en-US" sz="1800" dirty="0">
+                <a:solidFill>
+                  <a:srgbClr val="2B2B2B"/>
+                </a:solidFill>
+                <a:latin typeface="Roboto" panose="02000000000000000000" pitchFamily="2" charset="0"/>
+                <a:ea typeface="Times New Roman" panose="02020603050405020304" pitchFamily="18" charset="0"/>
+                <a:cs typeface="Times New Roman" panose="02020603050405020304" pitchFamily="18" charset="0"/>
+              </a:rPr>
+              <a:t>5.  Describe the 9/11 market  before, during and after the conflict. </a:t>
+            </a:r>
+            <a:endParaRPr lang="en-US" sz="1800" dirty="0">
+              <a:effectLst/>
+              <a:latin typeface="Univers Condensed" panose="020B0506020202050204" pitchFamily="34" charset="0"/>
+              <a:ea typeface="Times New Roman" panose="02020603050405020304" pitchFamily="18" charset="0"/>
+              <a:cs typeface="Times New Roman" panose="02020603050405020304" pitchFamily="18" charset="0"/>
+            </a:endParaRPr>
+          </a:p>
+          <a:p>
+            <a:endParaRPr lang="en-US" dirty="0"/>
           </a:p>
         </p:txBody>
       </p:sp>
@@ -8413,7 +8328,7 @@
     </p:spTree>
     <p:extLst>
       <p:ext uri="{BB962C8B-B14F-4D97-AF65-F5344CB8AC3E}">
-        <p14:creationId xmlns:p14="http://schemas.microsoft.com/office/powerpoint/2010/main" val="3757599943"/>
+        <p14:creationId xmlns:p14="http://schemas.microsoft.com/office/powerpoint/2010/main" val="2204897532"/>
       </p:ext>
     </p:extLst>
   </p:cSld>
@@ -8560,7 +8475,7 @@
         <p:spPr>
           <a:xfrm>
             <a:off x="428625" y="2038110"/>
-            <a:ext cx="8286750" cy="1600438"/>
+            <a:ext cx="8286750" cy="677108"/>
           </a:xfrm>
           <a:prstGeom prst="rect">
             <a:avLst/>
@@ -8606,28 +8521,7 @@
                 </a:solidFill>
                 <a:latin typeface="Roboto" panose="02000000000000000000" pitchFamily="2" charset="0"/>
               </a:rPr>
-              <a:t>End – Group1 Presentation</a:t>
-            </a:r>
-          </a:p>
-          <a:p>
-            <a:pPr algn="ctr"/>
-            <a:endParaRPr lang="en-US" sz="2000" b="1" dirty="0">
-              <a:solidFill>
-                <a:schemeClr val="tx1"/>
-              </a:solidFill>
-              <a:latin typeface="Roboto" panose="02000000000000000000" pitchFamily="2" charset="0"/>
-            </a:endParaRPr>
-          </a:p>
-          <a:p>
-            <a:pPr algn="ctr"/>
-            <a:r>
-              <a:rPr lang="en-US" sz="2000" b="1" dirty="0">
-                <a:solidFill>
-                  <a:schemeClr val="tx1"/>
-                </a:solidFill>
-                <a:latin typeface="Roboto" panose="02000000000000000000" pitchFamily="2" charset="0"/>
-              </a:rPr>
-              <a:t>Next is Dashboard Presentation to answer some questions we hope to answer with the data.</a:t>
+              <a:t>Questions??</a:t>
             </a:r>
             <a:endParaRPr lang="en-US" dirty="0">
               <a:solidFill>
@@ -9016,6 +8910,628 @@
   <p:cSld>
     <p:bg>
       <p:bgPr>
+        <a:solidFill>
+          <a:schemeClr val="lt1"/>
+        </a:solidFill>
+        <a:effectLst/>
+      </p:bgPr>
+    </p:bg>
+    <p:spTree>
+      <p:nvGrpSpPr>
+        <p:cNvPr id="1" name="Shape 53"/>
+        <p:cNvGrpSpPr/>
+        <p:nvPr/>
+      </p:nvGrpSpPr>
+      <p:grpSpPr>
+        <a:xfrm>
+          <a:off x="0" y="0"/>
+          <a:ext cx="0" cy="0"/>
+          <a:chOff x="0" y="0"/>
+          <a:chExt cx="0" cy="0"/>
+        </a:xfrm>
+      </p:grpSpPr>
+      <p:pic>
+        <p:nvPicPr>
+          <p:cNvPr id="4" name="Picture 3">
+            <a:extLst>
+              <a:ext uri="{FF2B5EF4-FFF2-40B4-BE49-F238E27FC236}">
+                <a16:creationId xmlns:a16="http://schemas.microsoft.com/office/drawing/2014/main" id="{988BEC99-851C-4203-85C9-4FF1779C0510}"/>
+              </a:ext>
+            </a:extLst>
+          </p:cNvPr>
+          <p:cNvPicPr>
+            <a:picLocks noChangeAspect="1"/>
+          </p:cNvPicPr>
+          <p:nvPr/>
+        </p:nvPicPr>
+        <p:blipFill>
+          <a:blip r:embed="rId3"/>
+          <a:stretch>
+            <a:fillRect/>
+          </a:stretch>
+        </p:blipFill>
+        <p:spPr>
+          <a:xfrm>
+            <a:off x="45720" y="419735"/>
+            <a:ext cx="9219724" cy="4818348"/>
+          </a:xfrm>
+          <a:prstGeom prst="rect">
+            <a:avLst/>
+          </a:prstGeom>
+          <a:solidFill>
+            <a:schemeClr val="bg1"/>
+          </a:solidFill>
+          <a:effectLst>
+            <a:glow rad="127000">
+              <a:schemeClr val="bg1">
+                <a:lumMod val="95000"/>
+                <a:alpha val="0"/>
+              </a:schemeClr>
+            </a:glow>
+          </a:effectLst>
+        </p:spPr>
+      </p:pic>
+      <p:sp>
+        <p:nvSpPr>
+          <p:cNvPr id="55" name="Google Shape;55;p13"/>
+          <p:cNvSpPr txBox="1">
+            <a:spLocks noGrp="1"/>
+          </p:cNvSpPr>
+          <p:nvPr>
+            <p:ph type="subTitle" idx="1"/>
+          </p:nvPr>
+        </p:nvSpPr>
+        <p:spPr>
+          <a:xfrm>
+            <a:off x="45720" y="71242"/>
+            <a:ext cx="9219724" cy="477397"/>
+          </a:xfrm>
+          <a:prstGeom prst="rect">
+            <a:avLst/>
+          </a:prstGeom>
+          <a:blipFill dpi="0" rotWithShape="1">
+            <a:blip r:embed="rId4">
+              <a:alphaModFix amt="74000"/>
+            </a:blip>
+            <a:srcRect/>
+            <a:tile tx="0" ty="0" sx="100000" sy="100000" flip="none" algn="tl"/>
+          </a:blipFill>
+          <a:effectLst>
+            <a:glow rad="127000">
+              <a:schemeClr val="accent1">
+                <a:lumMod val="75000"/>
+              </a:schemeClr>
+            </a:glow>
+          </a:effectLst>
+        </p:spPr>
+        <p:txBody>
+          <a:bodyPr spcFirstLastPara="1" wrap="square" lIns="91425" tIns="91425" rIns="91425" bIns="91425" anchor="t" anchorCtr="0">
+            <a:normAutofit/>
+          </a:bodyPr>
+          <a:lstStyle/>
+          <a:p>
+            <a:pPr marL="0" lvl="0" indent="0" algn="ctr" rtl="0">
+              <a:spcBef>
+                <a:spcPts val="0"/>
+              </a:spcBef>
+              <a:spcAft>
+                <a:spcPts val="0"/>
+              </a:spcAft>
+              <a:buNone/>
+            </a:pPr>
+            <a:r>
+              <a:rPr lang="en" sz="1800" dirty="0">
+                <a:solidFill>
+                  <a:srgbClr val="000000"/>
+                </a:solidFill>
+              </a:rPr>
+              <a:t>Market Volatility During International Conflicts</a:t>
+            </a:r>
+            <a:endParaRPr sz="1800" dirty="0">
+              <a:solidFill>
+                <a:srgbClr val="000000"/>
+              </a:solidFill>
+            </a:endParaRPr>
+          </a:p>
+        </p:txBody>
+      </p:sp>
+      <p:sp>
+        <p:nvSpPr>
+          <p:cNvPr id="2" name="TextBox 1">
+            <a:extLst>
+              <a:ext uri="{FF2B5EF4-FFF2-40B4-BE49-F238E27FC236}">
+                <a16:creationId xmlns:a16="http://schemas.microsoft.com/office/drawing/2014/main" id="{48BF80AB-9619-49C8-9D40-FF1028787918}"/>
+              </a:ext>
+            </a:extLst>
+          </p:cNvPr>
+          <p:cNvSpPr txBox="1"/>
+          <p:nvPr/>
+        </p:nvSpPr>
+        <p:spPr>
+          <a:xfrm>
+            <a:off x="512207" y="701830"/>
+            <a:ext cx="8286750" cy="4524315"/>
+          </a:xfrm>
+          <a:prstGeom prst="rect">
+            <a:avLst/>
+          </a:prstGeom>
+          <a:solidFill>
+            <a:schemeClr val="lt1">
+              <a:alpha val="80000"/>
+            </a:schemeClr>
+          </a:solidFill>
+        </p:spPr>
+        <p:txBody>
+          <a:bodyPr wrap="square" rtlCol="0">
+            <a:spAutoFit/>
+          </a:bodyPr>
+          <a:lstStyle/>
+          <a:p>
+            <a:pPr algn="ctr"/>
+            <a:endParaRPr lang="en-US" sz="2400" b="0" i="0" dirty="0">
+              <a:solidFill>
+                <a:srgbClr val="2B2B2B"/>
+              </a:solidFill>
+              <a:effectLst/>
+              <a:latin typeface="Roboto" panose="02000000000000000000" pitchFamily="2" charset="0"/>
+            </a:endParaRPr>
+          </a:p>
+          <a:p>
+            <a:pPr algn="ctr"/>
+            <a:r>
+              <a:rPr lang="en-US" sz="2400" b="0" i="0" dirty="0">
+                <a:solidFill>
+                  <a:srgbClr val="2B2B2B"/>
+                </a:solidFill>
+                <a:effectLst/>
+                <a:latin typeface="Roboto" panose="02000000000000000000" pitchFamily="2" charset="0"/>
+              </a:rPr>
+              <a:t>Definition of Armed Conflict</a:t>
+            </a:r>
+          </a:p>
+          <a:p>
+            <a:pPr algn="ctr"/>
+            <a:endParaRPr lang="en-US" sz="2400" b="0" i="0" dirty="0">
+              <a:solidFill>
+                <a:srgbClr val="2B2B2B"/>
+              </a:solidFill>
+              <a:effectLst/>
+              <a:latin typeface="Roboto" panose="02000000000000000000" pitchFamily="2" charset="0"/>
+            </a:endParaRPr>
+          </a:p>
+          <a:p>
+            <a:r>
+              <a:rPr lang="en-US" sz="1800" dirty="0"/>
+              <a:t>The main unit used in this project is  a “State based Armed Conflict” – as defined by </a:t>
+            </a:r>
+            <a:r>
+              <a:rPr lang="en-US" sz="1800" b="0" i="0" dirty="0">
+                <a:solidFill>
+                  <a:srgbClr val="2B2B2B"/>
+                </a:solidFill>
+                <a:effectLst/>
+                <a:latin typeface="Roboto" panose="02000000000000000000" pitchFamily="2" charset="0"/>
+              </a:rPr>
+              <a:t>Uppsala Conflict Data Program (</a:t>
+            </a:r>
+            <a:r>
+              <a:rPr lang="en-US" sz="1800" dirty="0"/>
+              <a:t>UCDP) is a “contested incompatibility that concerns government and/or territory where the use of armed force between two parties, of which one at least is a government of state, results in at least 25 battle related deaths in a</a:t>
+            </a:r>
+          </a:p>
+          <a:p>
+            <a:r>
+              <a:rPr lang="en-US" sz="1800" dirty="0"/>
+              <a:t> calendar year”.</a:t>
+            </a:r>
+          </a:p>
+          <a:p>
+            <a:endParaRPr lang="en-US" sz="1800" dirty="0"/>
+          </a:p>
+          <a:p>
+            <a:endParaRPr lang="en-US" sz="1800" dirty="0"/>
+          </a:p>
+          <a:p>
+            <a:endParaRPr lang="en-US" sz="1800" dirty="0"/>
+          </a:p>
+          <a:p>
+            <a:endParaRPr lang="en-US" sz="1800" dirty="0"/>
+          </a:p>
+          <a:p>
+            <a:endParaRPr lang="en-US" sz="1800" dirty="0"/>
+          </a:p>
+          <a:p>
+            <a:endParaRPr lang="en-US" sz="1800" dirty="0"/>
+          </a:p>
+        </p:txBody>
+      </p:sp>
+      <p:sp>
+        <p:nvSpPr>
+          <p:cNvPr id="10" name="TextBox 9">
+            <a:extLst>
+              <a:ext uri="{FF2B5EF4-FFF2-40B4-BE49-F238E27FC236}">
+                <a16:creationId xmlns:a16="http://schemas.microsoft.com/office/drawing/2014/main" id="{453E4B5D-E520-43B6-8C4A-E735E3A876C5}"/>
+              </a:ext>
+            </a:extLst>
+          </p:cNvPr>
+          <p:cNvSpPr txBox="1"/>
+          <p:nvPr/>
+        </p:nvSpPr>
+        <p:spPr>
+          <a:xfrm>
+            <a:off x="8457712" y="4949147"/>
+            <a:ext cx="825817" cy="246221"/>
+          </a:xfrm>
+          <a:prstGeom prst="rect">
+            <a:avLst/>
+          </a:prstGeom>
+          <a:noFill/>
+        </p:spPr>
+        <p:txBody>
+          <a:bodyPr wrap="square" rtlCol="0">
+            <a:spAutoFit/>
+          </a:bodyPr>
+          <a:lstStyle/>
+          <a:p>
+            <a:r>
+              <a:rPr lang="en-US" sz="1000" dirty="0">
+                <a:solidFill>
+                  <a:schemeClr val="bg1"/>
+                </a:solidFill>
+              </a:rPr>
+              <a:t>Group 1</a:t>
+            </a:r>
+            <a:endParaRPr lang="en-US" sz="1000" dirty="0">
+              <a:highlight>
+                <a:srgbClr val="FFFF00"/>
+              </a:highlight>
+            </a:endParaRPr>
+          </a:p>
+        </p:txBody>
+      </p:sp>
+    </p:spTree>
+    <p:extLst>
+      <p:ext uri="{BB962C8B-B14F-4D97-AF65-F5344CB8AC3E}">
+        <p14:creationId xmlns:p14="http://schemas.microsoft.com/office/powerpoint/2010/main" val="1687308034"/>
+      </p:ext>
+    </p:extLst>
+  </p:cSld>
+  <p:clrMapOvr>
+    <a:masterClrMapping/>
+  </p:clrMapOvr>
+</p:sld>
+</file>
+
+<file path=ppt/slides/slide4.xml><?xml version="1.0" encoding="utf-8"?>
+<p:sld xmlns:a="http://schemas.openxmlformats.org/drawingml/2006/main" xmlns:r="http://schemas.openxmlformats.org/officeDocument/2006/relationships" xmlns:p="http://schemas.openxmlformats.org/presentationml/2006/main">
+  <p:cSld>
+    <p:spTree>
+      <p:nvGrpSpPr>
+        <p:cNvPr id="1" name="Shape 53"/>
+        <p:cNvGrpSpPr/>
+        <p:nvPr/>
+      </p:nvGrpSpPr>
+      <p:grpSpPr>
+        <a:xfrm>
+          <a:off x="0" y="0"/>
+          <a:ext cx="0" cy="0"/>
+          <a:chOff x="0" y="0"/>
+          <a:chExt cx="0" cy="0"/>
+        </a:xfrm>
+      </p:grpSpPr>
+      <p:pic>
+        <p:nvPicPr>
+          <p:cNvPr id="4" name="Picture 3">
+            <a:extLst>
+              <a:ext uri="{FF2B5EF4-FFF2-40B4-BE49-F238E27FC236}">
+                <a16:creationId xmlns:a16="http://schemas.microsoft.com/office/drawing/2014/main" id="{988BEC99-851C-4203-85C9-4FF1779C0510}"/>
+              </a:ext>
+            </a:extLst>
+          </p:cNvPr>
+          <p:cNvPicPr>
+            <a:picLocks noChangeAspect="1"/>
+          </p:cNvPicPr>
+          <p:nvPr/>
+        </p:nvPicPr>
+        <p:blipFill>
+          <a:blip r:embed="rId3"/>
+          <a:stretch>
+            <a:fillRect/>
+          </a:stretch>
+        </p:blipFill>
+        <p:spPr>
+          <a:xfrm>
+            <a:off x="45720" y="339719"/>
+            <a:ext cx="9219724" cy="4818348"/>
+          </a:xfrm>
+          <a:prstGeom prst="rect">
+            <a:avLst/>
+          </a:prstGeom>
+          <a:solidFill>
+            <a:schemeClr val="bg1"/>
+          </a:solidFill>
+          <a:effectLst>
+            <a:glow rad="127000">
+              <a:schemeClr val="bg1">
+                <a:lumMod val="95000"/>
+                <a:alpha val="0"/>
+              </a:schemeClr>
+            </a:glow>
+          </a:effectLst>
+        </p:spPr>
+      </p:pic>
+      <p:sp>
+        <p:nvSpPr>
+          <p:cNvPr id="55" name="Google Shape;55;p13"/>
+          <p:cNvSpPr txBox="1">
+            <a:spLocks noGrp="1"/>
+          </p:cNvSpPr>
+          <p:nvPr>
+            <p:ph type="subTitle" idx="1"/>
+          </p:nvPr>
+        </p:nvSpPr>
+        <p:spPr>
+          <a:xfrm>
+            <a:off x="45720" y="71242"/>
+            <a:ext cx="9219724" cy="477397"/>
+          </a:xfrm>
+          <a:prstGeom prst="rect">
+            <a:avLst/>
+          </a:prstGeom>
+          <a:blipFill dpi="0" rotWithShape="1">
+            <a:blip r:embed="rId4">
+              <a:alphaModFix amt="74000"/>
+            </a:blip>
+            <a:srcRect/>
+            <a:tile tx="0" ty="0" sx="100000" sy="100000" flip="none" algn="tl"/>
+          </a:blipFill>
+          <a:effectLst>
+            <a:glow rad="127000">
+              <a:schemeClr val="accent1">
+                <a:lumMod val="75000"/>
+              </a:schemeClr>
+            </a:glow>
+          </a:effectLst>
+        </p:spPr>
+        <p:txBody>
+          <a:bodyPr spcFirstLastPara="1" wrap="square" lIns="91425" tIns="91425" rIns="91425" bIns="91425" anchor="t" anchorCtr="0">
+            <a:normAutofit/>
+          </a:bodyPr>
+          <a:lstStyle/>
+          <a:p>
+            <a:pPr marL="0" lvl="0" indent="0" algn="ctr" rtl="0">
+              <a:spcBef>
+                <a:spcPts val="0"/>
+              </a:spcBef>
+              <a:spcAft>
+                <a:spcPts val="0"/>
+              </a:spcAft>
+              <a:buNone/>
+            </a:pPr>
+            <a:r>
+              <a:rPr lang="en" sz="1800" dirty="0">
+                <a:solidFill>
+                  <a:srgbClr val="000000"/>
+                </a:solidFill>
+              </a:rPr>
+              <a:t>Market Volatility During International Conflicts</a:t>
+            </a:r>
+            <a:endParaRPr sz="1800" dirty="0">
+              <a:solidFill>
+                <a:srgbClr val="000000"/>
+              </a:solidFill>
+            </a:endParaRPr>
+          </a:p>
+        </p:txBody>
+      </p:sp>
+      <p:sp>
+        <p:nvSpPr>
+          <p:cNvPr id="2" name="TextBox 1">
+            <a:extLst>
+              <a:ext uri="{FF2B5EF4-FFF2-40B4-BE49-F238E27FC236}">
+                <a16:creationId xmlns:a16="http://schemas.microsoft.com/office/drawing/2014/main" id="{48BF80AB-9619-49C8-9D40-FF1028787918}"/>
+              </a:ext>
+            </a:extLst>
+          </p:cNvPr>
+          <p:cNvSpPr txBox="1"/>
+          <p:nvPr/>
+        </p:nvSpPr>
+        <p:spPr>
+          <a:xfrm>
+            <a:off x="512207" y="812972"/>
+            <a:ext cx="8286750" cy="2646878"/>
+          </a:xfrm>
+          <a:prstGeom prst="rect">
+            <a:avLst/>
+          </a:prstGeom>
+          <a:solidFill>
+            <a:schemeClr val="lt1">
+              <a:alpha val="80000"/>
+            </a:schemeClr>
+          </a:solidFill>
+        </p:spPr>
+        <p:txBody>
+          <a:bodyPr wrap="square" rtlCol="0">
+            <a:spAutoFit/>
+          </a:bodyPr>
+          <a:lstStyle/>
+          <a:p>
+            <a:pPr algn="ctr"/>
+            <a:r>
+              <a:rPr lang="en-US" sz="2000" b="1" i="0" dirty="0">
+                <a:solidFill>
+                  <a:schemeClr val="tx1"/>
+                </a:solidFill>
+                <a:effectLst/>
+                <a:latin typeface="Roboto" panose="02000000000000000000" pitchFamily="2" charset="0"/>
+              </a:rPr>
+              <a:t> </a:t>
+            </a:r>
+          </a:p>
+          <a:p>
+            <a:pPr algn="ctr"/>
+            <a:r>
+              <a:rPr lang="en-US" sz="2400" b="0" i="0" dirty="0">
+                <a:solidFill>
+                  <a:srgbClr val="2B2B2B"/>
+                </a:solidFill>
+                <a:effectLst/>
+                <a:latin typeface="Roboto" panose="02000000000000000000" pitchFamily="2" charset="0"/>
+              </a:rPr>
+              <a:t>Description of the data exploration phase of the project</a:t>
+            </a:r>
+          </a:p>
+          <a:p>
+            <a:endParaRPr lang="en-US" sz="2000" b="0" i="0" dirty="0">
+              <a:solidFill>
+                <a:srgbClr val="2B2B2B"/>
+              </a:solidFill>
+              <a:effectLst/>
+              <a:latin typeface="Roboto" panose="02000000000000000000" pitchFamily="2" charset="0"/>
+            </a:endParaRPr>
+          </a:p>
+          <a:p>
+            <a:pPr marL="285750" indent="-285750">
+              <a:buFont typeface="Arial" panose="020B0604020202020204" pitchFamily="34" charset="0"/>
+              <a:buChar char="•"/>
+            </a:pPr>
+            <a:r>
+              <a:rPr lang="en-US" b="0" i="0" dirty="0">
+                <a:solidFill>
+                  <a:srgbClr val="2B2B2B"/>
+                </a:solidFill>
+                <a:effectLst/>
+                <a:latin typeface="Roboto" panose="02000000000000000000" pitchFamily="2" charset="0"/>
+              </a:rPr>
+              <a:t>The </a:t>
+            </a:r>
+            <a:r>
+              <a:rPr lang="en-US" dirty="0">
+                <a:solidFill>
+                  <a:srgbClr val="2B2B2B"/>
+                </a:solidFill>
+                <a:latin typeface="Roboto" panose="02000000000000000000" pitchFamily="2" charset="0"/>
+              </a:rPr>
+              <a:t>Team f</a:t>
+            </a:r>
+            <a:r>
+              <a:rPr lang="en-US" b="0" i="0" dirty="0">
+                <a:solidFill>
+                  <a:srgbClr val="2B2B2B"/>
+                </a:solidFill>
+                <a:effectLst/>
+                <a:latin typeface="Roboto" panose="02000000000000000000" pitchFamily="2" charset="0"/>
+              </a:rPr>
+              <a:t>irst  searched Kaggle to find stock market data for the 3 markets Dow Jones, Nasdaq, and S&amp;P 500.  </a:t>
+            </a:r>
+          </a:p>
+          <a:p>
+            <a:pPr marL="285750" indent="-285750">
+              <a:buFont typeface="Arial" panose="020B0604020202020204" pitchFamily="34" charset="0"/>
+              <a:buChar char="•"/>
+            </a:pPr>
+            <a:endParaRPr lang="en-US" dirty="0">
+              <a:solidFill>
+                <a:srgbClr val="2B2B2B"/>
+              </a:solidFill>
+              <a:latin typeface="Roboto" panose="02000000000000000000" pitchFamily="2" charset="0"/>
+            </a:endParaRPr>
+          </a:p>
+          <a:p>
+            <a:pPr marL="285750" indent="-285750">
+              <a:buFont typeface="Arial" panose="020B0604020202020204" pitchFamily="34" charset="0"/>
+              <a:buChar char="•"/>
+            </a:pPr>
+            <a:r>
+              <a:rPr lang="en-US" b="0" i="0" dirty="0">
+                <a:solidFill>
+                  <a:srgbClr val="2B2B2B"/>
+                </a:solidFill>
+                <a:effectLst/>
+                <a:latin typeface="Roboto" panose="02000000000000000000" pitchFamily="2" charset="0"/>
+              </a:rPr>
+              <a:t>Next we searched for conflicts and found the UCDP– Department of Peace and Conflict Research website.  This is a great website with multiple datasets of conflict data.</a:t>
+            </a:r>
+          </a:p>
+          <a:p>
+            <a:pPr marL="285750" indent="-285750">
+              <a:buFont typeface="Arial" panose="020B0604020202020204" pitchFamily="34" charset="0"/>
+              <a:buChar char="•"/>
+            </a:pPr>
+            <a:endParaRPr lang="en-US" dirty="0">
+              <a:solidFill>
+                <a:srgbClr val="2B2B2B"/>
+              </a:solidFill>
+              <a:latin typeface="Roboto" panose="02000000000000000000" pitchFamily="2" charset="0"/>
+            </a:endParaRPr>
+          </a:p>
+          <a:p>
+            <a:endParaRPr lang="en-US" sz="1800" dirty="0"/>
+          </a:p>
+        </p:txBody>
+      </p:sp>
+      <p:sp>
+        <p:nvSpPr>
+          <p:cNvPr id="10" name="TextBox 9">
+            <a:extLst>
+              <a:ext uri="{FF2B5EF4-FFF2-40B4-BE49-F238E27FC236}">
+                <a16:creationId xmlns:a16="http://schemas.microsoft.com/office/drawing/2014/main" id="{453E4B5D-E520-43B6-8C4A-E735E3A876C5}"/>
+              </a:ext>
+            </a:extLst>
+          </p:cNvPr>
+          <p:cNvSpPr txBox="1"/>
+          <p:nvPr/>
+        </p:nvSpPr>
+        <p:spPr>
+          <a:xfrm>
+            <a:off x="8457712" y="4949147"/>
+            <a:ext cx="825817" cy="246221"/>
+          </a:xfrm>
+          <a:prstGeom prst="rect">
+            <a:avLst/>
+          </a:prstGeom>
+          <a:noFill/>
+        </p:spPr>
+        <p:txBody>
+          <a:bodyPr wrap="square" rtlCol="0">
+            <a:spAutoFit/>
+          </a:bodyPr>
+          <a:lstStyle/>
+          <a:p>
+            <a:r>
+              <a:rPr lang="en-US" sz="1000" dirty="0">
+                <a:solidFill>
+                  <a:schemeClr val="bg1"/>
+                </a:solidFill>
+              </a:rPr>
+              <a:t>Group 1</a:t>
+            </a:r>
+            <a:endParaRPr lang="en-US" sz="1000" dirty="0">
+              <a:highlight>
+                <a:srgbClr val="FFFF00"/>
+              </a:highlight>
+            </a:endParaRPr>
+          </a:p>
+        </p:txBody>
+      </p:sp>
+    </p:spTree>
+    <p:extLst>
+      <p:ext uri="{BB962C8B-B14F-4D97-AF65-F5344CB8AC3E}">
+        <p14:creationId xmlns:p14="http://schemas.microsoft.com/office/powerpoint/2010/main" val="2691451647"/>
+      </p:ext>
+    </p:extLst>
+  </p:cSld>
+  <p:clrMapOvr>
+    <a:masterClrMapping/>
+  </p:clrMapOvr>
+</p:sld>
+</file>
+
+<file path=ppt/slides/slide5.xml><?xml version="1.0" encoding="utf-8"?>
+<p:sld xmlns:a="http://schemas.openxmlformats.org/drawingml/2006/main" xmlns:r="http://schemas.openxmlformats.org/officeDocument/2006/relationships" xmlns:p="http://schemas.openxmlformats.org/presentationml/2006/main">
+  <p:cSld>
+    <p:bg>
+      <p:bgPr>
         <a:blipFill dpi="0" rotWithShape="1">
           <a:blip r:embed="rId3">
             <a:lum/>
@@ -9162,7 +9678,7 @@
         <p:spPr>
           <a:xfrm>
             <a:off x="501879" y="634718"/>
-            <a:ext cx="8307406" cy="4462760"/>
+            <a:ext cx="8307406" cy="4278094"/>
           </a:xfrm>
           <a:prstGeom prst="rect">
             <a:avLst/>
@@ -9442,13 +9958,13 @@
           <a:p>
             <a:pPr algn="l"/>
             <a:r>
-              <a:rPr lang="en-US" sz="1200" b="0" i="0" u="none" strike="noStrike" dirty="0">
+              <a:rPr lang="en-US" sz="1200" b="0" i="0" u="sng" dirty="0">
                 <a:solidFill>
                   <a:schemeClr val="tx1"/>
                 </a:solidFill>
                 <a:effectLst/>
                 <a:latin typeface="-apple-system"/>
-                <a:hlinkClick r:id="rId11" tooltip="combined_data_1.csv">
+                <a:hlinkClick r:id="rId11" tooltip="cleaned_conflict_1.csv">
                   <a:extLst>
                     <a:ext uri="{A12FA001-AC4F-418D-AE19-62706E023703}">
                       <ahyp:hlinkClr xmlns:ahyp="http://schemas.microsoft.com/office/drawing/2018/hyperlinkcolor" val="tx"/>
@@ -9456,19 +9972,8 @@
                   </a:extLst>
                 </a:hlinkClick>
               </a:rPr>
-              <a:t>combined_data_1.csv</a:t>
-            </a:r>
-            <a:endParaRPr lang="en-US" sz="1200" dirty="0">
-              <a:solidFill>
-                <a:schemeClr val="tx1"/>
-              </a:solidFill>
-              <a:latin typeface="Slack-Lato"/>
-              <a:ea typeface="Times New Roman" panose="02020603050405020304" pitchFamily="18" charset="0"/>
-              <a:cs typeface="Times New Roman" panose="02020603050405020304" pitchFamily="18" charset="0"/>
-            </a:endParaRPr>
-          </a:p>
-          <a:p>
-            <a:pPr algn="l"/>
+              <a:t>cleaned_conflict_1.csv</a:t>
+            </a:r>
             <a:r>
               <a:rPr lang="en-US" sz="1200" b="0" i="0" u="sng" dirty="0">
                 <a:solidFill>
@@ -9476,37 +9981,20 @@
                 </a:solidFill>
                 <a:effectLst/>
                 <a:latin typeface="-apple-system"/>
-                <a:hlinkClick r:id="rId12" tooltip="cleaned_conflict_1.csv">
-                  <a:extLst>
-                    <a:ext uri="{A12FA001-AC4F-418D-AE19-62706E023703}">
-                      <ahyp:hlinkClr xmlns:ahyp="http://schemas.microsoft.com/office/drawing/2018/hyperlinkcolor" val="tx"/>
-                    </a:ext>
-                  </a:extLst>
-                </a:hlinkClick>
-              </a:rPr>
-              <a:t>cleaned_conflict_1.csv</a:t>
-            </a:r>
-            <a:r>
-              <a:rPr lang="en-US" sz="1200" b="0" i="0" u="sng" dirty="0">
+              </a:rPr>
+              <a:t> </a:t>
+            </a:r>
+          </a:p>
+          <a:p>
+            <a:pPr algn="l"/>
+            <a:r>
+              <a:rPr lang="en-US" sz="1200" b="0" i="0" u="none" strike="noStrike" dirty="0">
                 <a:solidFill>
                   <a:schemeClr val="tx1"/>
                 </a:solidFill>
                 <a:effectLst/>
                 <a:latin typeface="-apple-system"/>
-              </a:rPr>
-              <a:t> </a:t>
-            </a:r>
-          </a:p>
-          <a:p>
-            <a:pPr algn="l"/>
-            <a:r>
-              <a:rPr lang="en-US" sz="1200" b="0" i="0" u="none" strike="noStrike" dirty="0">
-                <a:solidFill>
-                  <a:schemeClr val="tx1"/>
-                </a:solidFill>
-                <a:effectLst/>
-                <a:latin typeface="-apple-system"/>
-                <a:hlinkClick r:id="rId13" tooltip="geo_conflict_data.csv">
+                <a:hlinkClick r:id="rId12" tooltip="geo_conflict_data.csv">
                   <a:extLst>
                     <a:ext uri="{A12FA001-AC4F-418D-AE19-62706E023703}">
                       <ahyp:hlinkClr xmlns:ahyp="http://schemas.microsoft.com/office/drawing/2018/hyperlinkcolor" val="tx"/>
@@ -9533,7 +10021,7 @@
                 </a:solidFill>
                 <a:effectLst/>
                 <a:latin typeface="-apple-system"/>
-                <a:hlinkClick r:id="rId14" tooltip="new_geo_conflict_updated.csv">
+                <a:hlinkClick r:id="rId13" tooltip="new_geo_conflict_updated.csv">
                   <a:extLst>
                     <a:ext uri="{A12FA001-AC4F-418D-AE19-62706E023703}">
                       <ahyp:hlinkClr xmlns:ahyp="http://schemas.microsoft.com/office/drawing/2018/hyperlinkcolor" val="tx"/>
@@ -9560,7 +10048,7 @@
                 </a:solidFill>
                 <a:effectLst/>
                 <a:latin typeface="-apple-system"/>
-                <a:hlinkClick r:id="rId15" tooltip="conflict_cleaning.ipynb">
+                <a:hlinkClick r:id="rId14" tooltip="conflict_cleaning.ipynb">
                   <a:extLst>
                     <a:ext uri="{A12FA001-AC4F-418D-AE19-62706E023703}">
                       <ahyp:hlinkClr xmlns:ahyp="http://schemas.microsoft.com/office/drawing/2018/hyperlinkcolor" val="tx"/>
@@ -9586,7 +10074,7 @@
                 </a:solidFill>
                 <a:effectLst/>
                 <a:latin typeface="-apple-system"/>
-                <a:hlinkClick r:id="rId16" tooltip="conflicts_stocks_merge.ipynb">
+                <a:hlinkClick r:id="rId15" tooltip="conflicts_stocks_merge.ipynb">
                   <a:extLst>
                     <a:ext uri="{A12FA001-AC4F-418D-AE19-62706E023703}">
                       <ahyp:hlinkClr xmlns:ahyp="http://schemas.microsoft.com/office/drawing/2018/hyperlinkcolor" val="tx"/>
@@ -9613,7 +10101,7 @@
                 </a:solidFill>
                 <a:effectLst/>
                 <a:latin typeface="-apple-system"/>
-                <a:hlinkClick r:id="rId17" tooltip="ml_dev.ipynb">
+                <a:hlinkClick r:id="rId16" tooltip="ml_dev.ipynb">
                   <a:extLst>
                     <a:ext uri="{A12FA001-AC4F-418D-AE19-62706E023703}">
                       <ahyp:hlinkClr xmlns:ahyp="http://schemas.microsoft.com/office/drawing/2018/hyperlinkcolor" val="tx"/>
@@ -9695,1545 +10183,8 @@
 </p:sld>
 </file>
 
-<file path=ppt/slides/slide4.xml><?xml version="1.0" encoding="utf-8"?>
-<p:sld xmlns:a="http://schemas.openxmlformats.org/drawingml/2006/main" xmlns:r="http://schemas.openxmlformats.org/officeDocument/2006/relationships" xmlns:p="http://schemas.openxmlformats.org/presentationml/2006/main">
-  <p:cSld>
-    <p:spTree>
-      <p:nvGrpSpPr>
-        <p:cNvPr id="1" name="Shape 53"/>
-        <p:cNvGrpSpPr/>
-        <p:nvPr/>
-      </p:nvGrpSpPr>
-      <p:grpSpPr>
-        <a:xfrm>
-          <a:off x="0" y="0"/>
-          <a:ext cx="0" cy="0"/>
-          <a:chOff x="0" y="0"/>
-          <a:chExt cx="0" cy="0"/>
-        </a:xfrm>
-      </p:grpSpPr>
-      <p:pic>
-        <p:nvPicPr>
-          <p:cNvPr id="4" name="Picture 3">
-            <a:extLst>
-              <a:ext uri="{FF2B5EF4-FFF2-40B4-BE49-F238E27FC236}">
-                <a16:creationId xmlns:a16="http://schemas.microsoft.com/office/drawing/2014/main" id="{988BEC99-851C-4203-85C9-4FF1779C0510}"/>
-              </a:ext>
-            </a:extLst>
-          </p:cNvPr>
-          <p:cNvPicPr>
-            <a:picLocks noChangeAspect="1"/>
-          </p:cNvPicPr>
-          <p:nvPr/>
-        </p:nvPicPr>
-        <p:blipFill>
-          <a:blip r:embed="rId3"/>
-          <a:stretch>
-            <a:fillRect/>
-          </a:stretch>
-        </p:blipFill>
-        <p:spPr>
-          <a:xfrm>
-            <a:off x="45720" y="339719"/>
-            <a:ext cx="9219724" cy="4818348"/>
-          </a:xfrm>
-          <a:prstGeom prst="rect">
-            <a:avLst/>
-          </a:prstGeom>
-          <a:solidFill>
-            <a:schemeClr val="bg1"/>
-          </a:solidFill>
-          <a:effectLst>
-            <a:glow rad="127000">
-              <a:schemeClr val="bg1">
-                <a:lumMod val="95000"/>
-                <a:alpha val="0"/>
-              </a:schemeClr>
-            </a:glow>
-          </a:effectLst>
-        </p:spPr>
-      </p:pic>
-      <p:sp>
-        <p:nvSpPr>
-          <p:cNvPr id="55" name="Google Shape;55;p13"/>
-          <p:cNvSpPr txBox="1">
-            <a:spLocks noGrp="1"/>
-          </p:cNvSpPr>
-          <p:nvPr>
-            <p:ph type="subTitle" idx="1"/>
-          </p:nvPr>
-        </p:nvSpPr>
-        <p:spPr>
-          <a:xfrm>
-            <a:off x="45720" y="71242"/>
-            <a:ext cx="9219724" cy="477397"/>
-          </a:xfrm>
-          <a:prstGeom prst="rect">
-            <a:avLst/>
-          </a:prstGeom>
-          <a:blipFill dpi="0" rotWithShape="1">
-            <a:blip r:embed="rId4">
-              <a:alphaModFix amt="74000"/>
-            </a:blip>
-            <a:srcRect/>
-            <a:tile tx="0" ty="0" sx="100000" sy="100000" flip="none" algn="tl"/>
-          </a:blipFill>
-          <a:effectLst>
-            <a:glow rad="127000">
-              <a:schemeClr val="accent1">
-                <a:lumMod val="75000"/>
-              </a:schemeClr>
-            </a:glow>
-          </a:effectLst>
-        </p:spPr>
-        <p:txBody>
-          <a:bodyPr spcFirstLastPara="1" wrap="square" lIns="91425" tIns="91425" rIns="91425" bIns="91425" anchor="t" anchorCtr="0">
-            <a:normAutofit/>
-          </a:bodyPr>
-          <a:lstStyle/>
-          <a:p>
-            <a:pPr marL="0" lvl="0" indent="0" algn="ctr" rtl="0">
-              <a:spcBef>
-                <a:spcPts val="0"/>
-              </a:spcBef>
-              <a:spcAft>
-                <a:spcPts val="0"/>
-              </a:spcAft>
-              <a:buNone/>
-            </a:pPr>
-            <a:r>
-              <a:rPr lang="en" sz="1800" dirty="0">
-                <a:solidFill>
-                  <a:srgbClr val="000000"/>
-                </a:solidFill>
-              </a:rPr>
-              <a:t>Market Volatility During International Conflicts</a:t>
-            </a:r>
-            <a:endParaRPr sz="1800" dirty="0">
-              <a:solidFill>
-                <a:srgbClr val="000000"/>
-              </a:solidFill>
-            </a:endParaRPr>
-          </a:p>
-        </p:txBody>
-      </p:sp>
-      <p:sp>
-        <p:nvSpPr>
-          <p:cNvPr id="2" name="TextBox 1">
-            <a:extLst>
-              <a:ext uri="{FF2B5EF4-FFF2-40B4-BE49-F238E27FC236}">
-                <a16:creationId xmlns:a16="http://schemas.microsoft.com/office/drawing/2014/main" id="{48BF80AB-9619-49C8-9D40-FF1028787918}"/>
-              </a:ext>
-            </a:extLst>
-          </p:cNvPr>
-          <p:cNvSpPr txBox="1"/>
-          <p:nvPr/>
-        </p:nvSpPr>
-        <p:spPr>
-          <a:xfrm>
-            <a:off x="512207" y="812972"/>
-            <a:ext cx="8286750" cy="2862322"/>
-          </a:xfrm>
-          <a:prstGeom prst="rect">
-            <a:avLst/>
-          </a:prstGeom>
-          <a:solidFill>
-            <a:schemeClr val="lt1">
-              <a:alpha val="80000"/>
-            </a:schemeClr>
-          </a:solidFill>
-        </p:spPr>
-        <p:txBody>
-          <a:bodyPr wrap="square" rtlCol="0">
-            <a:spAutoFit/>
-          </a:bodyPr>
-          <a:lstStyle/>
-          <a:p>
-            <a:pPr algn="ctr"/>
-            <a:r>
-              <a:rPr lang="en-US" sz="2000" b="1" i="0" dirty="0">
-                <a:solidFill>
-                  <a:schemeClr val="tx1"/>
-                </a:solidFill>
-                <a:effectLst/>
-                <a:latin typeface="Roboto" panose="02000000000000000000" pitchFamily="2" charset="0"/>
-              </a:rPr>
-              <a:t> </a:t>
-            </a:r>
-          </a:p>
-          <a:p>
-            <a:pPr algn="ctr"/>
-            <a:r>
-              <a:rPr lang="en-US" sz="2400" b="0" i="0" dirty="0">
-                <a:solidFill>
-                  <a:srgbClr val="2B2B2B"/>
-                </a:solidFill>
-                <a:effectLst/>
-                <a:latin typeface="Roboto" panose="02000000000000000000" pitchFamily="2" charset="0"/>
-              </a:rPr>
-              <a:t>Description of the data exploration phase of the project</a:t>
-            </a:r>
-          </a:p>
-          <a:p>
-            <a:endParaRPr lang="en-US" sz="2000" b="0" i="0" dirty="0">
-              <a:solidFill>
-                <a:srgbClr val="2B2B2B"/>
-              </a:solidFill>
-              <a:effectLst/>
-              <a:latin typeface="Roboto" panose="02000000000000000000" pitchFamily="2" charset="0"/>
-            </a:endParaRPr>
-          </a:p>
-          <a:p>
-            <a:pPr marL="285750" indent="-285750">
-              <a:buFont typeface="Arial" panose="020B0604020202020204" pitchFamily="34" charset="0"/>
-              <a:buChar char="•"/>
-            </a:pPr>
-            <a:r>
-              <a:rPr lang="en-US" b="0" i="0" dirty="0">
-                <a:solidFill>
-                  <a:srgbClr val="2B2B2B"/>
-                </a:solidFill>
-                <a:effectLst/>
-                <a:latin typeface="Roboto" panose="02000000000000000000" pitchFamily="2" charset="0"/>
-              </a:rPr>
-              <a:t>The </a:t>
-            </a:r>
-            <a:r>
-              <a:rPr lang="en-US" dirty="0">
-                <a:solidFill>
-                  <a:srgbClr val="2B2B2B"/>
-                </a:solidFill>
-                <a:latin typeface="Roboto" panose="02000000000000000000" pitchFamily="2" charset="0"/>
-              </a:rPr>
-              <a:t>Team f</a:t>
-            </a:r>
-            <a:r>
-              <a:rPr lang="en-US" b="0" i="0" dirty="0">
-                <a:solidFill>
-                  <a:srgbClr val="2B2B2B"/>
-                </a:solidFill>
-                <a:effectLst/>
-                <a:latin typeface="Roboto" panose="02000000000000000000" pitchFamily="2" charset="0"/>
-              </a:rPr>
-              <a:t>irst  searched Kaggle to find stock market data for the 3 markets Dow Jones, Nasdaq, and S&amp;P 500.  </a:t>
-            </a:r>
-          </a:p>
-          <a:p>
-            <a:pPr marL="285750" indent="-285750">
-              <a:buFont typeface="Arial" panose="020B0604020202020204" pitchFamily="34" charset="0"/>
-              <a:buChar char="•"/>
-            </a:pPr>
-            <a:endParaRPr lang="en-US" dirty="0">
-              <a:solidFill>
-                <a:srgbClr val="2B2B2B"/>
-              </a:solidFill>
-              <a:latin typeface="Roboto" panose="02000000000000000000" pitchFamily="2" charset="0"/>
-            </a:endParaRPr>
-          </a:p>
-          <a:p>
-            <a:pPr marL="285750" indent="-285750">
-              <a:buFont typeface="Arial" panose="020B0604020202020204" pitchFamily="34" charset="0"/>
-              <a:buChar char="•"/>
-            </a:pPr>
-            <a:r>
-              <a:rPr lang="en-US" b="0" i="0" dirty="0">
-                <a:solidFill>
-                  <a:srgbClr val="2B2B2B"/>
-                </a:solidFill>
-                <a:effectLst/>
-                <a:latin typeface="Roboto" panose="02000000000000000000" pitchFamily="2" charset="0"/>
-              </a:rPr>
-              <a:t>Next we searched for conflicts and found the Uppsala Conflict Data Program – Department of Peace and Conflict Research website.  This is a great website with multiple datasets of conflict data.</a:t>
-            </a:r>
-          </a:p>
-          <a:p>
-            <a:pPr marL="285750" indent="-285750">
-              <a:buFont typeface="Arial" panose="020B0604020202020204" pitchFamily="34" charset="0"/>
-              <a:buChar char="•"/>
-            </a:pPr>
-            <a:endParaRPr lang="en-US" dirty="0">
-              <a:solidFill>
-                <a:srgbClr val="2B2B2B"/>
-              </a:solidFill>
-              <a:latin typeface="Roboto" panose="02000000000000000000" pitchFamily="2" charset="0"/>
-            </a:endParaRPr>
-          </a:p>
-          <a:p>
-            <a:endParaRPr lang="en-US" sz="1800" dirty="0"/>
-          </a:p>
-        </p:txBody>
-      </p:sp>
-      <p:sp>
-        <p:nvSpPr>
-          <p:cNvPr id="10" name="TextBox 9">
-            <a:extLst>
-              <a:ext uri="{FF2B5EF4-FFF2-40B4-BE49-F238E27FC236}">
-                <a16:creationId xmlns:a16="http://schemas.microsoft.com/office/drawing/2014/main" id="{453E4B5D-E520-43B6-8C4A-E735E3A876C5}"/>
-              </a:ext>
-            </a:extLst>
-          </p:cNvPr>
-          <p:cNvSpPr txBox="1"/>
-          <p:nvPr/>
-        </p:nvSpPr>
-        <p:spPr>
-          <a:xfrm>
-            <a:off x="8457712" y="4949147"/>
-            <a:ext cx="825817" cy="246221"/>
-          </a:xfrm>
-          <a:prstGeom prst="rect">
-            <a:avLst/>
-          </a:prstGeom>
-          <a:noFill/>
-        </p:spPr>
-        <p:txBody>
-          <a:bodyPr wrap="square" rtlCol="0">
-            <a:spAutoFit/>
-          </a:bodyPr>
-          <a:lstStyle/>
-          <a:p>
-            <a:r>
-              <a:rPr lang="en-US" sz="1000" dirty="0">
-                <a:solidFill>
-                  <a:schemeClr val="bg1"/>
-                </a:solidFill>
-              </a:rPr>
-              <a:t>Group 1</a:t>
-            </a:r>
-            <a:endParaRPr lang="en-US" sz="1000" dirty="0">
-              <a:highlight>
-                <a:srgbClr val="FFFF00"/>
-              </a:highlight>
-            </a:endParaRPr>
-          </a:p>
-        </p:txBody>
-      </p:sp>
-    </p:spTree>
-    <p:extLst>
-      <p:ext uri="{BB962C8B-B14F-4D97-AF65-F5344CB8AC3E}">
-        <p14:creationId xmlns:p14="http://schemas.microsoft.com/office/powerpoint/2010/main" val="2691451647"/>
-      </p:ext>
-    </p:extLst>
-  </p:cSld>
-  <p:clrMapOvr>
-    <a:masterClrMapping/>
-  </p:clrMapOvr>
-</p:sld>
-</file>
-
-<file path=ppt/slides/slide5.xml><?xml version="1.0" encoding="utf-8"?>
-<p:sld xmlns:a="http://schemas.openxmlformats.org/drawingml/2006/main" xmlns:r="http://schemas.openxmlformats.org/officeDocument/2006/relationships" xmlns:p="http://schemas.openxmlformats.org/presentationml/2006/main">
-  <p:cSld>
-    <p:spTree>
-      <p:nvGrpSpPr>
-        <p:cNvPr id="1" name="Shape 53"/>
-        <p:cNvGrpSpPr/>
-        <p:nvPr/>
-      </p:nvGrpSpPr>
-      <p:grpSpPr>
-        <a:xfrm>
-          <a:off x="0" y="0"/>
-          <a:ext cx="0" cy="0"/>
-          <a:chOff x="0" y="0"/>
-          <a:chExt cx="0" cy="0"/>
-        </a:xfrm>
-      </p:grpSpPr>
-      <p:pic>
-        <p:nvPicPr>
-          <p:cNvPr id="4" name="Picture 3">
-            <a:extLst>
-              <a:ext uri="{FF2B5EF4-FFF2-40B4-BE49-F238E27FC236}">
-                <a16:creationId xmlns:a16="http://schemas.microsoft.com/office/drawing/2014/main" id="{988BEC99-851C-4203-85C9-4FF1779C0510}"/>
-              </a:ext>
-            </a:extLst>
-          </p:cNvPr>
-          <p:cNvPicPr>
-            <a:picLocks noChangeAspect="1"/>
-          </p:cNvPicPr>
-          <p:nvPr/>
-        </p:nvPicPr>
-        <p:blipFill>
-          <a:blip r:embed="rId3"/>
-          <a:stretch>
-            <a:fillRect/>
-          </a:stretch>
-        </p:blipFill>
-        <p:spPr>
-          <a:xfrm>
-            <a:off x="45720" y="419735"/>
-            <a:ext cx="9219724" cy="4818348"/>
-          </a:xfrm>
-          <a:prstGeom prst="rect">
-            <a:avLst/>
-          </a:prstGeom>
-          <a:solidFill>
-            <a:schemeClr val="bg1"/>
-          </a:solidFill>
-          <a:effectLst>
-            <a:glow rad="127000">
-              <a:schemeClr val="bg1">
-                <a:lumMod val="95000"/>
-                <a:alpha val="0"/>
-              </a:schemeClr>
-            </a:glow>
-          </a:effectLst>
-        </p:spPr>
-      </p:pic>
-      <p:sp>
-        <p:nvSpPr>
-          <p:cNvPr id="55" name="Google Shape;55;p13"/>
-          <p:cNvSpPr txBox="1">
-            <a:spLocks noGrp="1"/>
-          </p:cNvSpPr>
-          <p:nvPr>
-            <p:ph type="subTitle" idx="1"/>
-          </p:nvPr>
-        </p:nvSpPr>
-        <p:spPr>
-          <a:xfrm>
-            <a:off x="45720" y="71242"/>
-            <a:ext cx="9219724" cy="477397"/>
-          </a:xfrm>
-          <a:prstGeom prst="rect">
-            <a:avLst/>
-          </a:prstGeom>
-          <a:blipFill dpi="0" rotWithShape="1">
-            <a:blip r:embed="rId4">
-              <a:alphaModFix amt="74000"/>
-            </a:blip>
-            <a:srcRect/>
-            <a:tile tx="0" ty="0" sx="100000" sy="100000" flip="none" algn="tl"/>
-          </a:blipFill>
-          <a:effectLst>
-            <a:glow rad="127000">
-              <a:schemeClr val="accent1">
-                <a:lumMod val="75000"/>
-              </a:schemeClr>
-            </a:glow>
-          </a:effectLst>
-        </p:spPr>
-        <p:txBody>
-          <a:bodyPr spcFirstLastPara="1" wrap="square" lIns="91425" tIns="91425" rIns="91425" bIns="91425" anchor="t" anchorCtr="0">
-            <a:normAutofit/>
-          </a:bodyPr>
-          <a:lstStyle/>
-          <a:p>
-            <a:pPr marL="0" lvl="0" indent="0" algn="ctr" rtl="0">
-              <a:spcBef>
-                <a:spcPts val="0"/>
-              </a:spcBef>
-              <a:spcAft>
-                <a:spcPts val="0"/>
-              </a:spcAft>
-              <a:buNone/>
-            </a:pPr>
-            <a:r>
-              <a:rPr lang="en" sz="1800" dirty="0">
-                <a:solidFill>
-                  <a:srgbClr val="000000"/>
-                </a:solidFill>
-              </a:rPr>
-              <a:t>Market Volatility During International Conflicts</a:t>
-            </a:r>
-            <a:endParaRPr sz="1800" dirty="0">
-              <a:solidFill>
-                <a:srgbClr val="000000"/>
-              </a:solidFill>
-            </a:endParaRPr>
-          </a:p>
-        </p:txBody>
-      </p:sp>
-      <p:sp>
-        <p:nvSpPr>
-          <p:cNvPr id="2" name="TextBox 1">
-            <a:extLst>
-              <a:ext uri="{FF2B5EF4-FFF2-40B4-BE49-F238E27FC236}">
-                <a16:creationId xmlns:a16="http://schemas.microsoft.com/office/drawing/2014/main" id="{48BF80AB-9619-49C8-9D40-FF1028787918}"/>
-              </a:ext>
-            </a:extLst>
-          </p:cNvPr>
-          <p:cNvSpPr txBox="1"/>
-          <p:nvPr/>
-        </p:nvSpPr>
-        <p:spPr>
-          <a:xfrm>
-            <a:off x="583870" y="897132"/>
-            <a:ext cx="8286750" cy="3693319"/>
-          </a:xfrm>
-          <a:prstGeom prst="rect">
-            <a:avLst/>
-          </a:prstGeom>
-          <a:solidFill>
-            <a:schemeClr val="lt1">
-              <a:alpha val="80000"/>
-            </a:schemeClr>
-          </a:solidFill>
-        </p:spPr>
-        <p:txBody>
-          <a:bodyPr wrap="square" rtlCol="0">
-            <a:spAutoFit/>
-          </a:bodyPr>
-          <a:lstStyle/>
-          <a:p>
-            <a:pPr algn="ctr"/>
-            <a:r>
-              <a:rPr lang="en-US" sz="2000" b="1" i="0" dirty="0">
-                <a:solidFill>
-                  <a:schemeClr val="tx1"/>
-                </a:solidFill>
-                <a:effectLst/>
-                <a:latin typeface="Roboto" panose="02000000000000000000" pitchFamily="2" charset="0"/>
-              </a:rPr>
-              <a:t> </a:t>
-            </a:r>
-          </a:p>
-          <a:p>
-            <a:pPr marL="285750" indent="-285750">
-              <a:buFont typeface="Arial" panose="020B0604020202020204" pitchFamily="34" charset="0"/>
-              <a:buChar char="•"/>
-            </a:pPr>
-            <a:r>
-              <a:rPr lang="en-US" dirty="0">
-                <a:solidFill>
-                  <a:srgbClr val="2B2B2B"/>
-                </a:solidFill>
-                <a:latin typeface="Roboto" panose="02000000000000000000" pitchFamily="2" charset="0"/>
-              </a:rPr>
-              <a:t>Technologies, languages, tools, and algorithms used throughout the project</a:t>
-            </a:r>
-          </a:p>
-          <a:p>
-            <a:pPr marL="285750" indent="-285750">
-              <a:buFont typeface="Arial" panose="020B0604020202020204" pitchFamily="34" charset="0"/>
-              <a:buChar char="•"/>
-            </a:pPr>
-            <a:endParaRPr lang="en-US" dirty="0">
-              <a:solidFill>
-                <a:srgbClr val="2B2B2B"/>
-              </a:solidFill>
-              <a:latin typeface="Roboto" panose="02000000000000000000" pitchFamily="2" charset="0"/>
-            </a:endParaRPr>
-          </a:p>
-          <a:p>
-            <a:pPr marL="285750" indent="-285750">
-              <a:buFont typeface="Arial" panose="020B0604020202020204" pitchFamily="34" charset="0"/>
-              <a:buChar char="•"/>
-            </a:pPr>
-            <a:r>
-              <a:rPr lang="en-US" dirty="0" err="1">
-                <a:solidFill>
-                  <a:srgbClr val="2B2B2B"/>
-                </a:solidFill>
-                <a:latin typeface="Roboto" panose="02000000000000000000" pitchFamily="2" charset="0"/>
-              </a:rPr>
-              <a:t>Appplications</a:t>
-            </a:r>
-            <a:r>
-              <a:rPr lang="en-US" dirty="0">
-                <a:solidFill>
-                  <a:srgbClr val="2B2B2B"/>
-                </a:solidFill>
-                <a:latin typeface="Roboto" panose="02000000000000000000" pitchFamily="2" charset="0"/>
-              </a:rPr>
-              <a:t>  used:</a:t>
-            </a:r>
-          </a:p>
-          <a:p>
-            <a:pPr marL="285750" indent="-285750">
-              <a:buFont typeface="Arial" panose="020B0604020202020204" pitchFamily="34" charset="0"/>
-              <a:buChar char="•"/>
-            </a:pPr>
-            <a:r>
-              <a:rPr lang="en-US" dirty="0">
-                <a:solidFill>
-                  <a:srgbClr val="2B2B2B"/>
-                </a:solidFill>
-                <a:latin typeface="Roboto" panose="02000000000000000000" pitchFamily="2" charset="0"/>
-              </a:rPr>
-              <a:t>Excel </a:t>
-            </a:r>
-          </a:p>
-          <a:p>
-            <a:pPr marL="285750" indent="-285750">
-              <a:buFont typeface="Arial" panose="020B0604020202020204" pitchFamily="34" charset="0"/>
-              <a:buChar char="•"/>
-            </a:pPr>
-            <a:r>
-              <a:rPr lang="en-US" dirty="0">
-                <a:solidFill>
-                  <a:srgbClr val="2B2B2B"/>
-                </a:solidFill>
-                <a:latin typeface="Roboto" panose="02000000000000000000" pitchFamily="2" charset="0"/>
-              </a:rPr>
-              <a:t>Python</a:t>
-            </a:r>
-          </a:p>
-          <a:p>
-            <a:pPr marL="285750" indent="-285750">
-              <a:buFont typeface="Arial" panose="020B0604020202020204" pitchFamily="34" charset="0"/>
-              <a:buChar char="•"/>
-            </a:pPr>
-            <a:r>
-              <a:rPr lang="en-US" dirty="0">
-                <a:solidFill>
-                  <a:srgbClr val="2B2B2B"/>
-                </a:solidFill>
-                <a:latin typeface="Roboto" panose="02000000000000000000" pitchFamily="2" charset="0"/>
-              </a:rPr>
-              <a:t>Postgres SQL/</a:t>
-            </a:r>
-            <a:r>
-              <a:rPr lang="en-US" dirty="0" err="1">
-                <a:solidFill>
-                  <a:srgbClr val="2B2B2B"/>
-                </a:solidFill>
-                <a:latin typeface="Roboto" panose="02000000000000000000" pitchFamily="2" charset="0"/>
-              </a:rPr>
-              <a:t>Pgadmin</a:t>
-            </a:r>
-            <a:endParaRPr lang="en-US" dirty="0">
-              <a:solidFill>
-                <a:srgbClr val="2B2B2B"/>
-              </a:solidFill>
-              <a:latin typeface="Roboto" panose="02000000000000000000" pitchFamily="2" charset="0"/>
-            </a:endParaRPr>
-          </a:p>
-          <a:p>
-            <a:pPr marL="285750" indent="-285750">
-              <a:buFont typeface="Arial" panose="020B0604020202020204" pitchFamily="34" charset="0"/>
-              <a:buChar char="•"/>
-            </a:pPr>
-            <a:r>
-              <a:rPr lang="en-US" dirty="0">
-                <a:solidFill>
-                  <a:srgbClr val="2B2B2B"/>
-                </a:solidFill>
-                <a:latin typeface="Roboto" panose="02000000000000000000" pitchFamily="2" charset="0"/>
-              </a:rPr>
-              <a:t>AWS</a:t>
-            </a:r>
-          </a:p>
-          <a:p>
-            <a:pPr marL="285750" indent="-285750">
-              <a:buFont typeface="Arial" panose="020B0604020202020204" pitchFamily="34" charset="0"/>
-              <a:buChar char="•"/>
-            </a:pPr>
-            <a:endParaRPr lang="en-US" dirty="0">
-              <a:solidFill>
-                <a:srgbClr val="2B2B2B"/>
-              </a:solidFill>
-              <a:latin typeface="Roboto" panose="02000000000000000000" pitchFamily="2" charset="0"/>
-            </a:endParaRPr>
-          </a:p>
-          <a:p>
-            <a:pPr marL="285750" indent="-285750">
-              <a:buFont typeface="Arial" panose="020B0604020202020204" pitchFamily="34" charset="0"/>
-              <a:buChar char="•"/>
-            </a:pPr>
-            <a:r>
-              <a:rPr lang="en-US" dirty="0">
-                <a:solidFill>
-                  <a:srgbClr val="2B2B2B"/>
-                </a:solidFill>
-                <a:latin typeface="Roboto" panose="02000000000000000000" pitchFamily="2" charset="0"/>
-              </a:rPr>
-              <a:t>Tools:</a:t>
-            </a:r>
-          </a:p>
-          <a:p>
-            <a:pPr marL="285750" indent="-285750">
-              <a:buFont typeface="Arial" panose="020B0604020202020204" pitchFamily="34" charset="0"/>
-              <a:buChar char="•"/>
-            </a:pPr>
-            <a:r>
-              <a:rPr lang="en-US" dirty="0" err="1">
-                <a:solidFill>
-                  <a:srgbClr val="2B2B2B"/>
-                </a:solidFill>
-                <a:latin typeface="Roboto" panose="02000000000000000000" pitchFamily="2" charset="0"/>
-              </a:rPr>
-              <a:t>QuickDBD</a:t>
-            </a:r>
-            <a:r>
-              <a:rPr lang="en-US" dirty="0">
-                <a:solidFill>
-                  <a:srgbClr val="2B2B2B"/>
-                </a:solidFill>
-                <a:latin typeface="Roboto" panose="02000000000000000000" pitchFamily="2" charset="0"/>
-              </a:rPr>
-              <a:t>  for ERD Diagram</a:t>
-            </a:r>
-          </a:p>
-          <a:p>
-            <a:pPr marL="285750" indent="-285750">
-              <a:buFont typeface="Arial" panose="020B0604020202020204" pitchFamily="34" charset="0"/>
-              <a:buChar char="•"/>
-            </a:pPr>
-            <a:r>
-              <a:rPr lang="en-US" dirty="0">
-                <a:solidFill>
-                  <a:srgbClr val="2B2B2B"/>
-                </a:solidFill>
-                <a:latin typeface="Roboto" panose="02000000000000000000" pitchFamily="2" charset="0"/>
-              </a:rPr>
-              <a:t>Google Slides /</a:t>
-            </a:r>
-            <a:r>
-              <a:rPr lang="en-US" dirty="0" err="1">
-                <a:solidFill>
-                  <a:srgbClr val="2B2B2B"/>
-                </a:solidFill>
-                <a:latin typeface="Roboto" panose="02000000000000000000" pitchFamily="2" charset="0"/>
-              </a:rPr>
-              <a:t>Powerpoint</a:t>
-            </a:r>
-            <a:endParaRPr lang="en-US" dirty="0">
-              <a:solidFill>
-                <a:srgbClr val="2B2B2B"/>
-              </a:solidFill>
-              <a:latin typeface="Roboto" panose="02000000000000000000" pitchFamily="2" charset="0"/>
-            </a:endParaRPr>
-          </a:p>
-          <a:p>
-            <a:pPr marL="285750" indent="-285750">
-              <a:buFont typeface="Arial" panose="020B0604020202020204" pitchFamily="34" charset="0"/>
-              <a:buChar char="•"/>
-            </a:pPr>
-            <a:endParaRPr lang="en-US" dirty="0">
-              <a:solidFill>
-                <a:srgbClr val="2B2B2B"/>
-              </a:solidFill>
-              <a:latin typeface="Roboto" panose="02000000000000000000" pitchFamily="2" charset="0"/>
-            </a:endParaRPr>
-          </a:p>
-          <a:p>
-            <a:pPr marL="285750" indent="-285750">
-              <a:buFont typeface="Arial" panose="020B0604020202020204" pitchFamily="34" charset="0"/>
-              <a:buChar char="•"/>
-            </a:pPr>
-            <a:r>
-              <a:rPr lang="en-US" dirty="0">
-                <a:solidFill>
-                  <a:srgbClr val="2B2B2B"/>
-                </a:solidFill>
-                <a:latin typeface="Roboto" panose="02000000000000000000" pitchFamily="2" charset="0"/>
-              </a:rPr>
-              <a:t>Algorithms:</a:t>
-            </a:r>
-          </a:p>
-          <a:p>
-            <a:pPr marL="285750" indent="-285750">
-              <a:buFont typeface="Arial" panose="020B0604020202020204" pitchFamily="34" charset="0"/>
-              <a:buChar char="•"/>
-            </a:pPr>
-            <a:r>
-              <a:rPr lang="en-US" dirty="0">
-                <a:solidFill>
-                  <a:srgbClr val="2B2B2B"/>
-                </a:solidFill>
-                <a:latin typeface="Roboto" panose="02000000000000000000" pitchFamily="2" charset="0"/>
-              </a:rPr>
-              <a:t>Machine Learning/Neural Network</a:t>
-            </a:r>
-          </a:p>
-          <a:p>
-            <a:pPr marL="285750" indent="-285750">
-              <a:buFont typeface="Arial" panose="020B0604020202020204" pitchFamily="34" charset="0"/>
-              <a:buChar char="•"/>
-            </a:pPr>
-            <a:endParaRPr lang="en-US" sz="1800" dirty="0"/>
-          </a:p>
-        </p:txBody>
-      </p:sp>
-      <p:sp>
-        <p:nvSpPr>
-          <p:cNvPr id="10" name="TextBox 9">
-            <a:extLst>
-              <a:ext uri="{FF2B5EF4-FFF2-40B4-BE49-F238E27FC236}">
-                <a16:creationId xmlns:a16="http://schemas.microsoft.com/office/drawing/2014/main" id="{453E4B5D-E520-43B6-8C4A-E735E3A876C5}"/>
-              </a:ext>
-            </a:extLst>
-          </p:cNvPr>
-          <p:cNvSpPr txBox="1"/>
-          <p:nvPr/>
-        </p:nvSpPr>
-        <p:spPr>
-          <a:xfrm>
-            <a:off x="8457712" y="4949147"/>
-            <a:ext cx="825817" cy="246221"/>
-          </a:xfrm>
-          <a:prstGeom prst="rect">
-            <a:avLst/>
-          </a:prstGeom>
-          <a:noFill/>
-        </p:spPr>
-        <p:txBody>
-          <a:bodyPr wrap="square" rtlCol="0">
-            <a:spAutoFit/>
-          </a:bodyPr>
-          <a:lstStyle/>
-          <a:p>
-            <a:r>
-              <a:rPr lang="en-US" sz="1000" dirty="0">
-                <a:solidFill>
-                  <a:schemeClr val="bg1"/>
-                </a:solidFill>
-              </a:rPr>
-              <a:t>Group 1</a:t>
-            </a:r>
-            <a:endParaRPr lang="en-US" sz="1000" dirty="0">
-              <a:highlight>
-                <a:srgbClr val="FFFF00"/>
-              </a:highlight>
-            </a:endParaRPr>
-          </a:p>
-        </p:txBody>
-      </p:sp>
-    </p:spTree>
-    <p:extLst>
-      <p:ext uri="{BB962C8B-B14F-4D97-AF65-F5344CB8AC3E}">
-        <p14:creationId xmlns:p14="http://schemas.microsoft.com/office/powerpoint/2010/main" val="3884940733"/>
-      </p:ext>
-    </p:extLst>
-  </p:cSld>
-  <p:clrMapOvr>
-    <a:masterClrMapping/>
-  </p:clrMapOvr>
-</p:sld>
-</file>
-
 <file path=ppt/slides/slide6.xml><?xml version="1.0" encoding="utf-8"?>
-<p:sld xmlns:a="http://schemas.openxmlformats.org/drawingml/2006/main" xmlns:r="http://schemas.openxmlformats.org/officeDocument/2006/relationships" xmlns:p="http://schemas.openxmlformats.org/presentationml/2006/main">
-  <p:cSld>
-    <p:bg>
-      <p:bgPr>
-        <a:solidFill>
-          <a:schemeClr val="lt1"/>
-        </a:solidFill>
-        <a:effectLst/>
-      </p:bgPr>
-    </p:bg>
-    <p:spTree>
-      <p:nvGrpSpPr>
-        <p:cNvPr id="1" name="Shape 53"/>
-        <p:cNvGrpSpPr/>
-        <p:nvPr/>
-      </p:nvGrpSpPr>
-      <p:grpSpPr>
-        <a:xfrm>
-          <a:off x="0" y="0"/>
-          <a:ext cx="0" cy="0"/>
-          <a:chOff x="0" y="0"/>
-          <a:chExt cx="0" cy="0"/>
-        </a:xfrm>
-      </p:grpSpPr>
-      <p:pic>
-        <p:nvPicPr>
-          <p:cNvPr id="4" name="Picture 3">
-            <a:extLst>
-              <a:ext uri="{FF2B5EF4-FFF2-40B4-BE49-F238E27FC236}">
-                <a16:creationId xmlns:a16="http://schemas.microsoft.com/office/drawing/2014/main" id="{988BEC99-851C-4203-85C9-4FF1779C0510}"/>
-              </a:ext>
-            </a:extLst>
-          </p:cNvPr>
-          <p:cNvPicPr>
-            <a:picLocks noChangeAspect="1"/>
-          </p:cNvPicPr>
-          <p:nvPr/>
-        </p:nvPicPr>
-        <p:blipFill>
-          <a:blip r:embed="rId3"/>
-          <a:stretch>
-            <a:fillRect/>
-          </a:stretch>
-        </p:blipFill>
-        <p:spPr>
-          <a:xfrm>
-            <a:off x="45720" y="419735"/>
-            <a:ext cx="9219724" cy="4818348"/>
-          </a:xfrm>
-          <a:prstGeom prst="rect">
-            <a:avLst/>
-          </a:prstGeom>
-          <a:solidFill>
-            <a:schemeClr val="bg1"/>
-          </a:solidFill>
-          <a:effectLst>
-            <a:glow rad="127000">
-              <a:schemeClr val="bg1">
-                <a:lumMod val="95000"/>
-                <a:alpha val="0"/>
-              </a:schemeClr>
-            </a:glow>
-          </a:effectLst>
-        </p:spPr>
-      </p:pic>
-      <p:sp>
-        <p:nvSpPr>
-          <p:cNvPr id="55" name="Google Shape;55;p13"/>
-          <p:cNvSpPr txBox="1">
-            <a:spLocks noGrp="1"/>
-          </p:cNvSpPr>
-          <p:nvPr>
-            <p:ph type="subTitle" idx="1"/>
-          </p:nvPr>
-        </p:nvSpPr>
-        <p:spPr>
-          <a:xfrm>
-            <a:off x="45720" y="71242"/>
-            <a:ext cx="9219724" cy="477397"/>
-          </a:xfrm>
-          <a:prstGeom prst="rect">
-            <a:avLst/>
-          </a:prstGeom>
-          <a:blipFill dpi="0" rotWithShape="1">
-            <a:blip r:embed="rId4">
-              <a:alphaModFix amt="74000"/>
-            </a:blip>
-            <a:srcRect/>
-            <a:tile tx="0" ty="0" sx="100000" sy="100000" flip="none" algn="tl"/>
-          </a:blipFill>
-          <a:effectLst>
-            <a:glow rad="127000">
-              <a:schemeClr val="accent1">
-                <a:lumMod val="75000"/>
-              </a:schemeClr>
-            </a:glow>
-          </a:effectLst>
-        </p:spPr>
-        <p:txBody>
-          <a:bodyPr spcFirstLastPara="1" wrap="square" lIns="91425" tIns="91425" rIns="91425" bIns="91425" anchor="t" anchorCtr="0">
-            <a:normAutofit/>
-          </a:bodyPr>
-          <a:lstStyle/>
-          <a:p>
-            <a:pPr marL="0" lvl="0" indent="0" algn="ctr" rtl="0">
-              <a:spcBef>
-                <a:spcPts val="0"/>
-              </a:spcBef>
-              <a:spcAft>
-                <a:spcPts val="0"/>
-              </a:spcAft>
-              <a:buNone/>
-            </a:pPr>
-            <a:r>
-              <a:rPr lang="en" sz="1800" dirty="0">
-                <a:solidFill>
-                  <a:srgbClr val="000000"/>
-                </a:solidFill>
-              </a:rPr>
-              <a:t>Market Volatility During International Conflicts</a:t>
-            </a:r>
-            <a:endParaRPr sz="1800" dirty="0">
-              <a:solidFill>
-                <a:srgbClr val="000000"/>
-              </a:solidFill>
-            </a:endParaRPr>
-          </a:p>
-        </p:txBody>
-      </p:sp>
-      <p:sp>
-        <p:nvSpPr>
-          <p:cNvPr id="2" name="TextBox 1">
-            <a:extLst>
-              <a:ext uri="{FF2B5EF4-FFF2-40B4-BE49-F238E27FC236}">
-                <a16:creationId xmlns:a16="http://schemas.microsoft.com/office/drawing/2014/main" id="{48BF80AB-9619-49C8-9D40-FF1028787918}"/>
-              </a:ext>
-            </a:extLst>
-          </p:cNvPr>
-          <p:cNvSpPr txBox="1"/>
-          <p:nvPr/>
-        </p:nvSpPr>
-        <p:spPr>
-          <a:xfrm>
-            <a:off x="512207" y="701830"/>
-            <a:ext cx="8286750" cy="4247317"/>
-          </a:xfrm>
-          <a:prstGeom prst="rect">
-            <a:avLst/>
-          </a:prstGeom>
-          <a:solidFill>
-            <a:schemeClr val="lt1">
-              <a:alpha val="80000"/>
-            </a:schemeClr>
-          </a:solidFill>
-        </p:spPr>
-        <p:txBody>
-          <a:bodyPr wrap="square" rtlCol="0">
-            <a:spAutoFit/>
-          </a:bodyPr>
-          <a:lstStyle/>
-          <a:p>
-            <a:pPr algn="ctr"/>
-            <a:endParaRPr lang="en-US" sz="2400" b="0" i="0" dirty="0">
-              <a:solidFill>
-                <a:srgbClr val="2B2B2B"/>
-              </a:solidFill>
-              <a:effectLst/>
-              <a:latin typeface="Roboto" panose="02000000000000000000" pitchFamily="2" charset="0"/>
-            </a:endParaRPr>
-          </a:p>
-          <a:p>
-            <a:pPr algn="ctr"/>
-            <a:r>
-              <a:rPr lang="en-US" sz="2400" b="0" i="0" dirty="0">
-                <a:solidFill>
-                  <a:srgbClr val="2B2B2B"/>
-                </a:solidFill>
-                <a:effectLst/>
-                <a:latin typeface="Roboto" panose="02000000000000000000" pitchFamily="2" charset="0"/>
-              </a:rPr>
-              <a:t>Definition of Armed Conflict</a:t>
-            </a:r>
-          </a:p>
-          <a:p>
-            <a:pPr algn="ctr"/>
-            <a:endParaRPr lang="en-US" sz="2400" b="0" i="0" dirty="0">
-              <a:solidFill>
-                <a:srgbClr val="2B2B2B"/>
-              </a:solidFill>
-              <a:effectLst/>
-              <a:latin typeface="Roboto" panose="02000000000000000000" pitchFamily="2" charset="0"/>
-            </a:endParaRPr>
-          </a:p>
-          <a:p>
-            <a:r>
-              <a:rPr lang="en-US" sz="1800" dirty="0"/>
-              <a:t>The main unit used in this project is  a “State based Armed Conflict” – as defined by UCDP is  a “contested incompatibility that concerns government and/or territory where the use of armed force between two parties, of which one at least is a government of state, results in at least 25 battle related deaths in a</a:t>
-            </a:r>
-          </a:p>
-          <a:p>
-            <a:r>
-              <a:rPr lang="en-US" sz="1800" dirty="0"/>
-              <a:t> calendar year”.</a:t>
-            </a:r>
-          </a:p>
-          <a:p>
-            <a:endParaRPr lang="en-US" sz="1800" dirty="0"/>
-          </a:p>
-          <a:p>
-            <a:endParaRPr lang="en-US" sz="1800" dirty="0"/>
-          </a:p>
-          <a:p>
-            <a:endParaRPr lang="en-US" sz="1800" dirty="0"/>
-          </a:p>
-          <a:p>
-            <a:endParaRPr lang="en-US" sz="1800" dirty="0"/>
-          </a:p>
-          <a:p>
-            <a:endParaRPr lang="en-US" sz="1800" dirty="0"/>
-          </a:p>
-          <a:p>
-            <a:endParaRPr lang="en-US" sz="1800" dirty="0"/>
-          </a:p>
-        </p:txBody>
-      </p:sp>
-      <p:sp>
-        <p:nvSpPr>
-          <p:cNvPr id="10" name="TextBox 9">
-            <a:extLst>
-              <a:ext uri="{FF2B5EF4-FFF2-40B4-BE49-F238E27FC236}">
-                <a16:creationId xmlns:a16="http://schemas.microsoft.com/office/drawing/2014/main" id="{453E4B5D-E520-43B6-8C4A-E735E3A876C5}"/>
-              </a:ext>
-            </a:extLst>
-          </p:cNvPr>
-          <p:cNvSpPr txBox="1"/>
-          <p:nvPr/>
-        </p:nvSpPr>
-        <p:spPr>
-          <a:xfrm>
-            <a:off x="8457712" y="4949147"/>
-            <a:ext cx="825817" cy="246221"/>
-          </a:xfrm>
-          <a:prstGeom prst="rect">
-            <a:avLst/>
-          </a:prstGeom>
-          <a:noFill/>
-        </p:spPr>
-        <p:txBody>
-          <a:bodyPr wrap="square" rtlCol="0">
-            <a:spAutoFit/>
-          </a:bodyPr>
-          <a:lstStyle/>
-          <a:p>
-            <a:r>
-              <a:rPr lang="en-US" sz="1000" dirty="0">
-                <a:solidFill>
-                  <a:schemeClr val="bg1"/>
-                </a:solidFill>
-              </a:rPr>
-              <a:t>Group 1</a:t>
-            </a:r>
-            <a:endParaRPr lang="en-US" sz="1000" dirty="0">
-              <a:highlight>
-                <a:srgbClr val="FFFF00"/>
-              </a:highlight>
-            </a:endParaRPr>
-          </a:p>
-        </p:txBody>
-      </p:sp>
-    </p:spTree>
-    <p:extLst>
-      <p:ext uri="{BB962C8B-B14F-4D97-AF65-F5344CB8AC3E}">
-        <p14:creationId xmlns:p14="http://schemas.microsoft.com/office/powerpoint/2010/main" val="1687308034"/>
-      </p:ext>
-    </p:extLst>
-  </p:cSld>
-  <p:clrMapOvr>
-    <a:masterClrMapping/>
-  </p:clrMapOvr>
-</p:sld>
-</file>
-
-<file path=ppt/slides/slide7.xml><?xml version="1.0" encoding="utf-8"?>
-<p:sld xmlns:a="http://schemas.openxmlformats.org/drawingml/2006/main" xmlns:r="http://schemas.openxmlformats.org/officeDocument/2006/relationships" xmlns:p="http://schemas.openxmlformats.org/presentationml/2006/main">
-  <p:cSld>
-    <p:spTree>
-      <p:nvGrpSpPr>
-        <p:cNvPr id="1" name="Shape 53"/>
-        <p:cNvGrpSpPr/>
-        <p:nvPr/>
-      </p:nvGrpSpPr>
-      <p:grpSpPr>
-        <a:xfrm>
-          <a:off x="0" y="0"/>
-          <a:ext cx="0" cy="0"/>
-          <a:chOff x="0" y="0"/>
-          <a:chExt cx="0" cy="0"/>
-        </a:xfrm>
-      </p:grpSpPr>
-      <p:pic>
-        <p:nvPicPr>
-          <p:cNvPr id="4" name="Picture 3">
-            <a:extLst>
-              <a:ext uri="{FF2B5EF4-FFF2-40B4-BE49-F238E27FC236}">
-                <a16:creationId xmlns:a16="http://schemas.microsoft.com/office/drawing/2014/main" id="{988BEC99-851C-4203-85C9-4FF1779C0510}"/>
-              </a:ext>
-            </a:extLst>
-          </p:cNvPr>
-          <p:cNvPicPr>
-            <a:picLocks noChangeAspect="1"/>
-          </p:cNvPicPr>
-          <p:nvPr/>
-        </p:nvPicPr>
-        <p:blipFill>
-          <a:blip r:embed="rId3"/>
-          <a:stretch>
-            <a:fillRect/>
-          </a:stretch>
-        </p:blipFill>
-        <p:spPr>
-          <a:xfrm>
-            <a:off x="45720" y="191135"/>
-            <a:ext cx="9219724" cy="4818348"/>
-          </a:xfrm>
-          <a:prstGeom prst="rect">
-            <a:avLst/>
-          </a:prstGeom>
-          <a:solidFill>
-            <a:schemeClr val="bg1"/>
-          </a:solidFill>
-          <a:effectLst>
-            <a:glow rad="127000">
-              <a:schemeClr val="bg1">
-                <a:lumMod val="95000"/>
-                <a:alpha val="0"/>
-              </a:schemeClr>
-            </a:glow>
-          </a:effectLst>
-        </p:spPr>
-      </p:pic>
-      <p:sp>
-        <p:nvSpPr>
-          <p:cNvPr id="55" name="Google Shape;55;p13"/>
-          <p:cNvSpPr txBox="1">
-            <a:spLocks noGrp="1"/>
-          </p:cNvSpPr>
-          <p:nvPr>
-            <p:ph type="subTitle" idx="1"/>
-          </p:nvPr>
-        </p:nvSpPr>
-        <p:spPr>
-          <a:xfrm>
-            <a:off x="45720" y="71242"/>
-            <a:ext cx="9219724" cy="477397"/>
-          </a:xfrm>
-          <a:prstGeom prst="rect">
-            <a:avLst/>
-          </a:prstGeom>
-          <a:blipFill dpi="0" rotWithShape="1">
-            <a:blip r:embed="rId4">
-              <a:alphaModFix amt="74000"/>
-            </a:blip>
-            <a:srcRect/>
-            <a:tile tx="0" ty="0" sx="100000" sy="100000" flip="none" algn="tl"/>
-          </a:blipFill>
-          <a:effectLst>
-            <a:glow rad="127000">
-              <a:schemeClr val="accent1">
-                <a:lumMod val="75000"/>
-              </a:schemeClr>
-            </a:glow>
-          </a:effectLst>
-        </p:spPr>
-        <p:txBody>
-          <a:bodyPr spcFirstLastPara="1" wrap="square" lIns="91425" tIns="91425" rIns="91425" bIns="91425" anchor="t" anchorCtr="0">
-            <a:normAutofit/>
-          </a:bodyPr>
-          <a:lstStyle/>
-          <a:p>
-            <a:pPr marL="0" lvl="0" indent="0" algn="ctr" rtl="0">
-              <a:spcBef>
-                <a:spcPts val="0"/>
-              </a:spcBef>
-              <a:spcAft>
-                <a:spcPts val="0"/>
-              </a:spcAft>
-              <a:buNone/>
-            </a:pPr>
-            <a:r>
-              <a:rPr lang="en" sz="1800" dirty="0">
-                <a:solidFill>
-                  <a:srgbClr val="000000"/>
-                </a:solidFill>
-              </a:rPr>
-              <a:t>Market Volatility During International Conflicts</a:t>
-            </a:r>
-            <a:endParaRPr sz="1800" dirty="0">
-              <a:solidFill>
-                <a:srgbClr val="000000"/>
-              </a:solidFill>
-            </a:endParaRPr>
-          </a:p>
-        </p:txBody>
-      </p:sp>
-      <p:sp>
-        <p:nvSpPr>
-          <p:cNvPr id="2" name="TextBox 1">
-            <a:extLst>
-              <a:ext uri="{FF2B5EF4-FFF2-40B4-BE49-F238E27FC236}">
-                <a16:creationId xmlns:a16="http://schemas.microsoft.com/office/drawing/2014/main" id="{48BF80AB-9619-49C8-9D40-FF1028787918}"/>
-              </a:ext>
-            </a:extLst>
-          </p:cNvPr>
-          <p:cNvSpPr txBox="1"/>
-          <p:nvPr/>
-        </p:nvSpPr>
-        <p:spPr>
-          <a:xfrm>
-            <a:off x="512207" y="812972"/>
-            <a:ext cx="8286750" cy="3939540"/>
-          </a:xfrm>
-          <a:prstGeom prst="rect">
-            <a:avLst/>
-          </a:prstGeom>
-          <a:solidFill>
-            <a:schemeClr val="lt1">
-              <a:alpha val="80000"/>
-            </a:schemeClr>
-          </a:solidFill>
-        </p:spPr>
-        <p:txBody>
-          <a:bodyPr wrap="square" rtlCol="0">
-            <a:spAutoFit/>
-          </a:bodyPr>
-          <a:lstStyle/>
-          <a:p>
-            <a:pPr algn="ctr"/>
-            <a:r>
-              <a:rPr lang="en-US" sz="2000" b="1" i="0" dirty="0">
-                <a:solidFill>
-                  <a:schemeClr val="tx1"/>
-                </a:solidFill>
-                <a:effectLst/>
-                <a:latin typeface="Roboto" panose="02000000000000000000" pitchFamily="2" charset="0"/>
-              </a:rPr>
-              <a:t> </a:t>
-            </a:r>
-          </a:p>
-          <a:p>
-            <a:pPr algn="ctr"/>
-            <a:r>
-              <a:rPr lang="en-US" sz="2400" b="0" i="0" dirty="0">
-                <a:solidFill>
-                  <a:srgbClr val="2B2B2B"/>
-                </a:solidFill>
-                <a:effectLst/>
-                <a:latin typeface="Roboto" panose="02000000000000000000" pitchFamily="2" charset="0"/>
-              </a:rPr>
-              <a:t>Variables used in the Armed Conflict Dataset</a:t>
-            </a:r>
-          </a:p>
-          <a:p>
-            <a:endParaRPr lang="en-US" sz="1200" b="0" i="0" dirty="0">
-              <a:solidFill>
-                <a:srgbClr val="2B2B2B"/>
-              </a:solidFill>
-              <a:effectLst/>
-              <a:latin typeface="Roboto" panose="02000000000000000000" pitchFamily="2" charset="0"/>
-            </a:endParaRPr>
-          </a:p>
-          <a:p>
-            <a:pPr marL="285750" indent="-285750">
-              <a:buFont typeface="Arial" panose="020B0604020202020204" pitchFamily="34" charset="0"/>
-              <a:buChar char="•"/>
-            </a:pPr>
-            <a:r>
-              <a:rPr lang="en-US" sz="1200" dirty="0">
-                <a:solidFill>
-                  <a:srgbClr val="2B2B2B"/>
-                </a:solidFill>
-                <a:latin typeface="Roboto" panose="02000000000000000000" pitchFamily="2" charset="0"/>
-              </a:rPr>
-              <a:t>Location – the name of the country/countries whose government has a claim to the conflict.</a:t>
-            </a:r>
-          </a:p>
-          <a:p>
-            <a:pPr lvl="1"/>
-            <a:r>
-              <a:rPr lang="en-US" sz="1200" dirty="0">
-                <a:solidFill>
-                  <a:srgbClr val="2B2B2B"/>
-                </a:solidFill>
-                <a:latin typeface="Roboto" panose="02000000000000000000" pitchFamily="2" charset="0"/>
-              </a:rPr>
-              <a:t>	</a:t>
-            </a:r>
-          </a:p>
-          <a:p>
-            <a:pPr marL="285750" indent="-285750">
-              <a:buFont typeface="Arial" panose="020B0604020202020204" pitchFamily="34" charset="0"/>
-              <a:buChar char="•"/>
-            </a:pPr>
-            <a:r>
-              <a:rPr lang="en-US" sz="1200" dirty="0">
-                <a:solidFill>
-                  <a:srgbClr val="2B2B2B"/>
-                </a:solidFill>
-                <a:latin typeface="Roboto" panose="02000000000000000000" pitchFamily="2" charset="0"/>
-              </a:rPr>
-              <a:t>Side a -  the name of the country of side A in the conflict. The government side in </a:t>
-            </a:r>
-            <a:r>
-              <a:rPr lang="en-US" sz="1200" dirty="0" err="1">
-                <a:solidFill>
-                  <a:srgbClr val="2B2B2B"/>
-                </a:solidFill>
-                <a:latin typeface="Roboto" panose="02000000000000000000" pitchFamily="2" charset="0"/>
-              </a:rPr>
-              <a:t>instrastate</a:t>
-            </a:r>
-            <a:r>
-              <a:rPr lang="en-US" sz="1200" dirty="0">
-                <a:solidFill>
-                  <a:srgbClr val="2B2B2B"/>
-                </a:solidFill>
-                <a:latin typeface="Roboto" panose="02000000000000000000" pitchFamily="2" charset="0"/>
-              </a:rPr>
-              <a:t> conflicts</a:t>
-            </a:r>
-          </a:p>
-          <a:p>
-            <a:pPr marL="285750" indent="-285750">
-              <a:buFont typeface="Arial" panose="020B0604020202020204" pitchFamily="34" charset="0"/>
-              <a:buChar char="•"/>
-            </a:pPr>
-            <a:endParaRPr lang="en-US" sz="1200" dirty="0">
-              <a:solidFill>
-                <a:srgbClr val="2B2B2B"/>
-              </a:solidFill>
-              <a:latin typeface="Roboto" panose="02000000000000000000" pitchFamily="2" charset="0"/>
-            </a:endParaRPr>
-          </a:p>
-          <a:p>
-            <a:pPr marL="285750" indent="-285750">
-              <a:buFont typeface="Arial" panose="020B0604020202020204" pitchFamily="34" charset="0"/>
-              <a:buChar char="•"/>
-            </a:pPr>
-            <a:r>
-              <a:rPr lang="en-US" sz="1200" dirty="0">
-                <a:solidFill>
-                  <a:srgbClr val="2B2B2B"/>
-                </a:solidFill>
-                <a:latin typeface="Roboto" panose="02000000000000000000" pitchFamily="2" charset="0"/>
-              </a:rPr>
-              <a:t>Side b – identifying the opposition the opposition actor in the conflict, includes military opposition. The primary party in the conflict</a:t>
-            </a:r>
-          </a:p>
-          <a:p>
-            <a:pPr marL="285750" indent="-285750">
-              <a:buFont typeface="Arial" panose="020B0604020202020204" pitchFamily="34" charset="0"/>
-              <a:buChar char="•"/>
-            </a:pPr>
-            <a:endParaRPr lang="en-US" sz="1200" dirty="0">
-              <a:solidFill>
-                <a:srgbClr val="2B2B2B"/>
-              </a:solidFill>
-              <a:latin typeface="Roboto" panose="02000000000000000000" pitchFamily="2" charset="0"/>
-            </a:endParaRPr>
-          </a:p>
-          <a:p>
-            <a:pPr marL="285750" indent="-285750">
-              <a:buFont typeface="Arial" panose="020B0604020202020204" pitchFamily="34" charset="0"/>
-              <a:buChar char="•"/>
-            </a:pPr>
-            <a:r>
-              <a:rPr lang="en-US" sz="1200" dirty="0">
-                <a:solidFill>
-                  <a:srgbClr val="2B2B2B"/>
-                </a:solidFill>
-                <a:latin typeface="Roboto" panose="02000000000000000000" pitchFamily="2" charset="0"/>
-              </a:rPr>
-              <a:t>Incompatibility – 1 about territory , 2 about government,  3 about govt and territory </a:t>
-            </a:r>
-          </a:p>
-          <a:p>
-            <a:pPr marL="285750" indent="-285750">
-              <a:buFont typeface="Arial" panose="020B0604020202020204" pitchFamily="34" charset="0"/>
-              <a:buChar char="•"/>
-            </a:pPr>
-            <a:endParaRPr lang="en-US" sz="1200" dirty="0">
-              <a:solidFill>
-                <a:srgbClr val="2B2B2B"/>
-              </a:solidFill>
-              <a:latin typeface="Roboto" panose="02000000000000000000" pitchFamily="2" charset="0"/>
-            </a:endParaRPr>
-          </a:p>
-          <a:p>
-            <a:pPr marL="285750" indent="-285750">
-              <a:buFont typeface="Arial" panose="020B0604020202020204" pitchFamily="34" charset="0"/>
-              <a:buChar char="•"/>
-            </a:pPr>
-            <a:r>
-              <a:rPr lang="en-US" sz="1200" dirty="0">
-                <a:solidFill>
-                  <a:srgbClr val="2B2B2B"/>
-                </a:solidFill>
-                <a:latin typeface="Roboto" panose="02000000000000000000" pitchFamily="2" charset="0"/>
-              </a:rPr>
-              <a:t>Territory  Name - the name  of territory over which conflict is fought</a:t>
-            </a:r>
-          </a:p>
-          <a:p>
-            <a:pPr marL="285750" indent="-285750">
-              <a:buFont typeface="Arial" panose="020B0604020202020204" pitchFamily="34" charset="0"/>
-              <a:buChar char="•"/>
-            </a:pPr>
-            <a:endParaRPr lang="en-US" sz="1200" dirty="0">
-              <a:solidFill>
-                <a:srgbClr val="2B2B2B"/>
-              </a:solidFill>
-              <a:latin typeface="Roboto" panose="02000000000000000000" pitchFamily="2" charset="0"/>
-            </a:endParaRPr>
-          </a:p>
-          <a:p>
-            <a:pPr marL="285750" indent="-285750">
-              <a:buFont typeface="Arial" panose="020B0604020202020204" pitchFamily="34" charset="0"/>
-              <a:buChar char="•"/>
-            </a:pPr>
-            <a:r>
-              <a:rPr lang="en-US" sz="1200" dirty="0">
-                <a:solidFill>
-                  <a:srgbClr val="2B2B2B"/>
-                </a:solidFill>
-                <a:latin typeface="Roboto" panose="02000000000000000000" pitchFamily="2" charset="0"/>
-              </a:rPr>
-              <a:t>Intensity Level - The intensity level in the conflict per calendar year. The intensity variable is coded in two categories:</a:t>
-            </a:r>
-          </a:p>
-          <a:p>
-            <a:pPr lvl="2"/>
-            <a:r>
-              <a:rPr lang="en-US" sz="1200" dirty="0">
-                <a:solidFill>
-                  <a:srgbClr val="2B2B2B"/>
-                </a:solidFill>
-                <a:latin typeface="Roboto" panose="02000000000000000000" pitchFamily="2" charset="0"/>
-              </a:rPr>
-              <a:t>	 1. Minor: between 25 and 999 battle-related deaths in a given year. </a:t>
-            </a:r>
-          </a:p>
-          <a:p>
-            <a:pPr lvl="2"/>
-            <a:r>
-              <a:rPr lang="en-US" sz="1200" dirty="0">
-                <a:solidFill>
-                  <a:srgbClr val="2B2B2B"/>
-                </a:solidFill>
-                <a:latin typeface="Roboto" panose="02000000000000000000" pitchFamily="2" charset="0"/>
-              </a:rPr>
-              <a:t>	 2. War: at least 1,000 battle-related deaths in a given year</a:t>
-            </a:r>
-          </a:p>
-          <a:p>
-            <a:pPr lvl="2"/>
-            <a:endParaRPr lang="en-US" dirty="0">
-              <a:solidFill>
-                <a:srgbClr val="2B2B2B"/>
-              </a:solidFill>
-              <a:latin typeface="Roboto" panose="02000000000000000000" pitchFamily="2" charset="0"/>
-            </a:endParaRPr>
-          </a:p>
-        </p:txBody>
-      </p:sp>
-      <p:sp>
-        <p:nvSpPr>
-          <p:cNvPr id="10" name="TextBox 9">
-            <a:extLst>
-              <a:ext uri="{FF2B5EF4-FFF2-40B4-BE49-F238E27FC236}">
-                <a16:creationId xmlns:a16="http://schemas.microsoft.com/office/drawing/2014/main" id="{453E4B5D-E520-43B6-8C4A-E735E3A876C5}"/>
-              </a:ext>
-            </a:extLst>
-          </p:cNvPr>
-          <p:cNvSpPr txBox="1"/>
-          <p:nvPr/>
-        </p:nvSpPr>
-        <p:spPr>
-          <a:xfrm>
-            <a:off x="8457712" y="4949147"/>
-            <a:ext cx="825817" cy="246221"/>
-          </a:xfrm>
-          <a:prstGeom prst="rect">
-            <a:avLst/>
-          </a:prstGeom>
-          <a:noFill/>
-        </p:spPr>
-        <p:txBody>
-          <a:bodyPr wrap="square" rtlCol="0">
-            <a:spAutoFit/>
-          </a:bodyPr>
-          <a:lstStyle/>
-          <a:p>
-            <a:r>
-              <a:rPr lang="en-US" sz="1000" dirty="0">
-                <a:solidFill>
-                  <a:schemeClr val="bg1"/>
-                </a:solidFill>
-              </a:rPr>
-              <a:t>Group 1</a:t>
-            </a:r>
-            <a:endParaRPr lang="en-US" sz="1000" dirty="0">
-              <a:highlight>
-                <a:srgbClr val="FFFF00"/>
-              </a:highlight>
-            </a:endParaRPr>
-          </a:p>
-        </p:txBody>
-      </p:sp>
-    </p:spTree>
-    <p:extLst>
-      <p:ext uri="{BB962C8B-B14F-4D97-AF65-F5344CB8AC3E}">
-        <p14:creationId xmlns:p14="http://schemas.microsoft.com/office/powerpoint/2010/main" val="1148195285"/>
-      </p:ext>
-    </p:extLst>
-  </p:cSld>
-  <p:clrMapOvr>
-    <a:masterClrMapping/>
-  </p:clrMapOvr>
-</p:sld>
-</file>
-
-<file path=ppt/slides/slide8.xml><?xml version="1.0" encoding="utf-8"?>
-<p:sld xmlns:a="http://schemas.openxmlformats.org/drawingml/2006/main" xmlns:r="http://schemas.openxmlformats.org/officeDocument/2006/relationships" xmlns:p="http://schemas.openxmlformats.org/presentationml/2006/main">
+<p:sld xmlns:a="http://schemas.openxmlformats.org/drawingml/2006/main" xmlns:r="http://schemas.openxmlformats.org/officeDocument/2006/relationships" xmlns:p="http://schemas.openxmlformats.org/presentationml/2006/main" show="0">
   <p:cSld>
     <p:bg>
       <p:bgPr>
@@ -11577,8 +10528,8 @@
 </p:sld>
 </file>
 
-<file path=ppt/slides/slide9.xml><?xml version="1.0" encoding="utf-8"?>
-<p:sld xmlns:a="http://schemas.openxmlformats.org/drawingml/2006/main" xmlns:r="http://schemas.openxmlformats.org/officeDocument/2006/relationships" xmlns:p="http://schemas.openxmlformats.org/presentationml/2006/main">
+<file path=ppt/slides/slide7.xml><?xml version="1.0" encoding="utf-8"?>
+<p:sld xmlns:a="http://schemas.openxmlformats.org/drawingml/2006/main" xmlns:r="http://schemas.openxmlformats.org/officeDocument/2006/relationships" xmlns:p="http://schemas.openxmlformats.org/presentationml/2006/main" show="0">
   <p:cSld>
     <p:spTree>
       <p:nvGrpSpPr>
@@ -11929,6 +10880,1040 @@
     <p:extLst>
       <p:ext uri="{BB962C8B-B14F-4D97-AF65-F5344CB8AC3E}">
         <p14:creationId xmlns:p14="http://schemas.microsoft.com/office/powerpoint/2010/main" val="1138265758"/>
+      </p:ext>
+    </p:extLst>
+  </p:cSld>
+  <p:clrMapOvr>
+    <a:masterClrMapping/>
+  </p:clrMapOvr>
+</p:sld>
+</file>
+
+<file path=ppt/slides/slide8.xml><?xml version="1.0" encoding="utf-8"?>
+<p:sld xmlns:a="http://schemas.openxmlformats.org/drawingml/2006/main" xmlns:r="http://schemas.openxmlformats.org/officeDocument/2006/relationships" xmlns:p="http://schemas.openxmlformats.org/presentationml/2006/main">
+  <p:cSld>
+    <p:spTree>
+      <p:nvGrpSpPr>
+        <p:cNvPr id="1" name="Shape 53"/>
+        <p:cNvGrpSpPr/>
+        <p:nvPr/>
+      </p:nvGrpSpPr>
+      <p:grpSpPr>
+        <a:xfrm>
+          <a:off x="0" y="0"/>
+          <a:ext cx="0" cy="0"/>
+          <a:chOff x="0" y="0"/>
+          <a:chExt cx="0" cy="0"/>
+        </a:xfrm>
+      </p:grpSpPr>
+      <p:pic>
+        <p:nvPicPr>
+          <p:cNvPr id="4" name="Picture 3">
+            <a:extLst>
+              <a:ext uri="{FF2B5EF4-FFF2-40B4-BE49-F238E27FC236}">
+                <a16:creationId xmlns:a16="http://schemas.microsoft.com/office/drawing/2014/main" id="{988BEC99-851C-4203-85C9-4FF1779C0510}"/>
+              </a:ext>
+            </a:extLst>
+          </p:cNvPr>
+          <p:cNvPicPr>
+            <a:picLocks noChangeAspect="1"/>
+          </p:cNvPicPr>
+          <p:nvPr/>
+        </p:nvPicPr>
+        <p:blipFill>
+          <a:blip r:embed="rId3"/>
+          <a:stretch>
+            <a:fillRect/>
+          </a:stretch>
+        </p:blipFill>
+        <p:spPr>
+          <a:xfrm>
+            <a:off x="45720" y="419735"/>
+            <a:ext cx="9219724" cy="4818348"/>
+          </a:xfrm>
+          <a:prstGeom prst="rect">
+            <a:avLst/>
+          </a:prstGeom>
+          <a:solidFill>
+            <a:schemeClr val="bg1"/>
+          </a:solidFill>
+          <a:effectLst>
+            <a:glow rad="127000">
+              <a:schemeClr val="bg1">
+                <a:lumMod val="95000"/>
+                <a:alpha val="0"/>
+              </a:schemeClr>
+            </a:glow>
+          </a:effectLst>
+        </p:spPr>
+      </p:pic>
+      <p:sp>
+        <p:nvSpPr>
+          <p:cNvPr id="55" name="Google Shape;55;p13"/>
+          <p:cNvSpPr txBox="1">
+            <a:spLocks noGrp="1"/>
+          </p:cNvSpPr>
+          <p:nvPr>
+            <p:ph type="subTitle" idx="1"/>
+          </p:nvPr>
+        </p:nvSpPr>
+        <p:spPr>
+          <a:xfrm>
+            <a:off x="45720" y="71242"/>
+            <a:ext cx="9219724" cy="477397"/>
+          </a:xfrm>
+          <a:prstGeom prst="rect">
+            <a:avLst/>
+          </a:prstGeom>
+          <a:blipFill dpi="0" rotWithShape="1">
+            <a:blip r:embed="rId4">
+              <a:alphaModFix amt="74000"/>
+            </a:blip>
+            <a:srcRect/>
+            <a:tile tx="0" ty="0" sx="100000" sy="100000" flip="none" algn="tl"/>
+          </a:blipFill>
+          <a:effectLst>
+            <a:glow rad="127000">
+              <a:schemeClr val="accent1">
+                <a:lumMod val="75000"/>
+              </a:schemeClr>
+            </a:glow>
+          </a:effectLst>
+        </p:spPr>
+        <p:txBody>
+          <a:bodyPr spcFirstLastPara="1" wrap="square" lIns="91425" tIns="91425" rIns="91425" bIns="91425" anchor="t" anchorCtr="0">
+            <a:normAutofit/>
+          </a:bodyPr>
+          <a:lstStyle/>
+          <a:p>
+            <a:pPr marL="0" lvl="0" indent="0" algn="ctr" rtl="0">
+              <a:spcBef>
+                <a:spcPts val="0"/>
+              </a:spcBef>
+              <a:spcAft>
+                <a:spcPts val="0"/>
+              </a:spcAft>
+              <a:buNone/>
+            </a:pPr>
+            <a:r>
+              <a:rPr lang="en" sz="1800" dirty="0">
+                <a:solidFill>
+                  <a:srgbClr val="000000"/>
+                </a:solidFill>
+              </a:rPr>
+              <a:t>Market Volatility During International Conflicts</a:t>
+            </a:r>
+            <a:endParaRPr sz="1800" dirty="0">
+              <a:solidFill>
+                <a:srgbClr val="000000"/>
+              </a:solidFill>
+            </a:endParaRPr>
+          </a:p>
+        </p:txBody>
+      </p:sp>
+      <p:sp>
+        <p:nvSpPr>
+          <p:cNvPr id="2" name="TextBox 1">
+            <a:extLst>
+              <a:ext uri="{FF2B5EF4-FFF2-40B4-BE49-F238E27FC236}">
+                <a16:creationId xmlns:a16="http://schemas.microsoft.com/office/drawing/2014/main" id="{48BF80AB-9619-49C8-9D40-FF1028787918}"/>
+              </a:ext>
+            </a:extLst>
+          </p:cNvPr>
+          <p:cNvSpPr txBox="1"/>
+          <p:nvPr/>
+        </p:nvSpPr>
+        <p:spPr>
+          <a:xfrm>
+            <a:off x="583870" y="897132"/>
+            <a:ext cx="8286750" cy="3416320"/>
+          </a:xfrm>
+          <a:prstGeom prst="rect">
+            <a:avLst/>
+          </a:prstGeom>
+          <a:solidFill>
+            <a:schemeClr val="lt1">
+              <a:alpha val="80000"/>
+            </a:schemeClr>
+          </a:solidFill>
+        </p:spPr>
+        <p:txBody>
+          <a:bodyPr wrap="square" rtlCol="0">
+            <a:spAutoFit/>
+          </a:bodyPr>
+          <a:lstStyle/>
+          <a:p>
+            <a:pPr algn="ctr"/>
+            <a:r>
+              <a:rPr lang="en-US" sz="2000" b="1" i="0" dirty="0">
+                <a:solidFill>
+                  <a:schemeClr val="tx1"/>
+                </a:solidFill>
+                <a:effectLst/>
+                <a:latin typeface="Roboto" panose="02000000000000000000" pitchFamily="2" charset="0"/>
+              </a:rPr>
+              <a:t> </a:t>
+            </a:r>
+          </a:p>
+          <a:p>
+            <a:pPr marL="285750" indent="-285750">
+              <a:buFont typeface="Arial" panose="020B0604020202020204" pitchFamily="34" charset="0"/>
+              <a:buChar char="•"/>
+            </a:pPr>
+            <a:r>
+              <a:rPr lang="en-US" dirty="0">
+                <a:solidFill>
+                  <a:srgbClr val="2B2B2B"/>
+                </a:solidFill>
+                <a:latin typeface="Roboto" panose="02000000000000000000" pitchFamily="2" charset="0"/>
+              </a:rPr>
+              <a:t>Technologies, languages, tools, and algorithms used throughout the project</a:t>
+            </a:r>
+          </a:p>
+          <a:p>
+            <a:pPr marL="285750" indent="-285750">
+              <a:buFont typeface="Arial" panose="020B0604020202020204" pitchFamily="34" charset="0"/>
+              <a:buChar char="•"/>
+            </a:pPr>
+            <a:endParaRPr lang="en-US" dirty="0">
+              <a:solidFill>
+                <a:srgbClr val="2B2B2B"/>
+              </a:solidFill>
+              <a:latin typeface="Roboto" panose="02000000000000000000" pitchFamily="2" charset="0"/>
+            </a:endParaRPr>
+          </a:p>
+          <a:p>
+            <a:pPr marL="285750" indent="-285750">
+              <a:buFont typeface="Arial" panose="020B0604020202020204" pitchFamily="34" charset="0"/>
+              <a:buChar char="•"/>
+            </a:pPr>
+            <a:r>
+              <a:rPr lang="en-US" dirty="0" err="1">
+                <a:solidFill>
+                  <a:srgbClr val="2B2B2B"/>
+                </a:solidFill>
+                <a:latin typeface="Roboto" panose="02000000000000000000" pitchFamily="2" charset="0"/>
+              </a:rPr>
+              <a:t>Appplications</a:t>
+            </a:r>
+            <a:r>
+              <a:rPr lang="en-US" dirty="0">
+                <a:solidFill>
+                  <a:srgbClr val="2B2B2B"/>
+                </a:solidFill>
+                <a:latin typeface="Roboto" panose="02000000000000000000" pitchFamily="2" charset="0"/>
+              </a:rPr>
+              <a:t>  used:</a:t>
+            </a:r>
+          </a:p>
+          <a:p>
+            <a:pPr marL="285750" indent="-285750">
+              <a:buFont typeface="Arial" panose="020B0604020202020204" pitchFamily="34" charset="0"/>
+              <a:buChar char="•"/>
+            </a:pPr>
+            <a:r>
+              <a:rPr lang="en-US" dirty="0">
+                <a:solidFill>
+                  <a:srgbClr val="2B2B2B"/>
+                </a:solidFill>
+                <a:latin typeface="Roboto" panose="02000000000000000000" pitchFamily="2" charset="0"/>
+              </a:rPr>
+              <a:t>Excel </a:t>
+            </a:r>
+          </a:p>
+          <a:p>
+            <a:pPr marL="285750" indent="-285750">
+              <a:buFont typeface="Arial" panose="020B0604020202020204" pitchFamily="34" charset="0"/>
+              <a:buChar char="•"/>
+            </a:pPr>
+            <a:r>
+              <a:rPr lang="en-US" dirty="0">
+                <a:solidFill>
+                  <a:srgbClr val="2B2B2B"/>
+                </a:solidFill>
+                <a:latin typeface="Roboto" panose="02000000000000000000" pitchFamily="2" charset="0"/>
+              </a:rPr>
+              <a:t>Python</a:t>
+            </a:r>
+          </a:p>
+          <a:p>
+            <a:pPr marL="285750" indent="-285750">
+              <a:buFont typeface="Arial" panose="020B0604020202020204" pitchFamily="34" charset="0"/>
+              <a:buChar char="•"/>
+            </a:pPr>
+            <a:r>
+              <a:rPr lang="en-US" dirty="0">
+                <a:solidFill>
+                  <a:srgbClr val="2B2B2B"/>
+                </a:solidFill>
+                <a:latin typeface="Roboto" panose="02000000000000000000" pitchFamily="2" charset="0"/>
+              </a:rPr>
+              <a:t>Postgres SQL/</a:t>
+            </a:r>
+            <a:r>
+              <a:rPr lang="en-US" dirty="0" err="1">
+                <a:solidFill>
+                  <a:srgbClr val="2B2B2B"/>
+                </a:solidFill>
+                <a:latin typeface="Roboto" panose="02000000000000000000" pitchFamily="2" charset="0"/>
+              </a:rPr>
+              <a:t>Pgadmin</a:t>
+            </a:r>
+            <a:endParaRPr lang="en-US" dirty="0">
+              <a:solidFill>
+                <a:srgbClr val="2B2B2B"/>
+              </a:solidFill>
+              <a:latin typeface="Roboto" panose="02000000000000000000" pitchFamily="2" charset="0"/>
+            </a:endParaRPr>
+          </a:p>
+          <a:p>
+            <a:pPr marL="285750" indent="-285750">
+              <a:buFont typeface="Arial" panose="020B0604020202020204" pitchFamily="34" charset="0"/>
+              <a:buChar char="•"/>
+            </a:pPr>
+            <a:r>
+              <a:rPr lang="en-US" dirty="0">
+                <a:solidFill>
+                  <a:srgbClr val="2B2B2B"/>
+                </a:solidFill>
+                <a:latin typeface="Roboto" panose="02000000000000000000" pitchFamily="2" charset="0"/>
+              </a:rPr>
+              <a:t>AWS</a:t>
+            </a:r>
+          </a:p>
+          <a:p>
+            <a:pPr marL="285750" indent="-285750">
+              <a:buFont typeface="Arial" panose="020B0604020202020204" pitchFamily="34" charset="0"/>
+              <a:buChar char="•"/>
+            </a:pPr>
+            <a:endParaRPr lang="en-US" dirty="0">
+              <a:solidFill>
+                <a:srgbClr val="2B2B2B"/>
+              </a:solidFill>
+              <a:latin typeface="Roboto" panose="02000000000000000000" pitchFamily="2" charset="0"/>
+            </a:endParaRPr>
+          </a:p>
+          <a:p>
+            <a:pPr marL="285750" indent="-285750">
+              <a:buFont typeface="Arial" panose="020B0604020202020204" pitchFamily="34" charset="0"/>
+              <a:buChar char="•"/>
+            </a:pPr>
+            <a:r>
+              <a:rPr lang="en-US" dirty="0">
+                <a:solidFill>
+                  <a:srgbClr val="2B2B2B"/>
+                </a:solidFill>
+                <a:latin typeface="Roboto" panose="02000000000000000000" pitchFamily="2" charset="0"/>
+              </a:rPr>
+              <a:t>Tools:</a:t>
+            </a:r>
+          </a:p>
+          <a:p>
+            <a:pPr marL="285750" indent="-285750">
+              <a:buFont typeface="Arial" panose="020B0604020202020204" pitchFamily="34" charset="0"/>
+              <a:buChar char="•"/>
+            </a:pPr>
+            <a:r>
+              <a:rPr lang="en-US" dirty="0" err="1">
+                <a:solidFill>
+                  <a:srgbClr val="2B2B2B"/>
+                </a:solidFill>
+                <a:latin typeface="Roboto" panose="02000000000000000000" pitchFamily="2" charset="0"/>
+              </a:rPr>
+              <a:t>QuickDBD</a:t>
+            </a:r>
+            <a:r>
+              <a:rPr lang="en-US" dirty="0">
+                <a:solidFill>
+                  <a:srgbClr val="2B2B2B"/>
+                </a:solidFill>
+                <a:latin typeface="Roboto" panose="02000000000000000000" pitchFamily="2" charset="0"/>
+              </a:rPr>
+              <a:t>  for ERD Diagram</a:t>
+            </a:r>
+          </a:p>
+          <a:p>
+            <a:pPr marL="285750" indent="-285750">
+              <a:buFont typeface="Arial" panose="020B0604020202020204" pitchFamily="34" charset="0"/>
+              <a:buChar char="•"/>
+            </a:pPr>
+            <a:r>
+              <a:rPr lang="en-US" dirty="0">
+                <a:solidFill>
+                  <a:srgbClr val="2B2B2B"/>
+                </a:solidFill>
+                <a:latin typeface="Roboto" panose="02000000000000000000" pitchFamily="2" charset="0"/>
+              </a:rPr>
+              <a:t>Google Slides /</a:t>
+            </a:r>
+            <a:r>
+              <a:rPr lang="en-US" dirty="0" err="1">
+                <a:solidFill>
+                  <a:srgbClr val="2B2B2B"/>
+                </a:solidFill>
+                <a:latin typeface="Roboto" panose="02000000000000000000" pitchFamily="2" charset="0"/>
+              </a:rPr>
+              <a:t>Powerpoint</a:t>
+            </a:r>
+            <a:endParaRPr lang="en-US" dirty="0">
+              <a:solidFill>
+                <a:srgbClr val="2B2B2B"/>
+              </a:solidFill>
+              <a:latin typeface="Roboto" panose="02000000000000000000" pitchFamily="2" charset="0"/>
+            </a:endParaRPr>
+          </a:p>
+          <a:p>
+            <a:pPr marL="285750" indent="-285750">
+              <a:buFont typeface="Arial" panose="020B0604020202020204" pitchFamily="34" charset="0"/>
+              <a:buChar char="•"/>
+            </a:pPr>
+            <a:endParaRPr lang="en-US" dirty="0">
+              <a:solidFill>
+                <a:srgbClr val="2B2B2B"/>
+              </a:solidFill>
+              <a:latin typeface="Roboto" panose="02000000000000000000" pitchFamily="2" charset="0"/>
+            </a:endParaRPr>
+          </a:p>
+          <a:p>
+            <a:pPr marL="285750" indent="-285750">
+              <a:buFont typeface="Arial" panose="020B0604020202020204" pitchFamily="34" charset="0"/>
+              <a:buChar char="•"/>
+            </a:pPr>
+            <a:r>
+              <a:rPr lang="en-US" dirty="0">
+                <a:solidFill>
+                  <a:srgbClr val="2B2B2B"/>
+                </a:solidFill>
+                <a:latin typeface="Roboto" panose="02000000000000000000" pitchFamily="2" charset="0"/>
+              </a:rPr>
+              <a:t>Algorithms:</a:t>
+            </a:r>
+          </a:p>
+          <a:p>
+            <a:pPr marL="285750" indent="-285750">
+              <a:buFont typeface="Arial" panose="020B0604020202020204" pitchFamily="34" charset="0"/>
+              <a:buChar char="•"/>
+            </a:pPr>
+            <a:r>
+              <a:rPr lang="en-US" dirty="0">
+                <a:solidFill>
+                  <a:srgbClr val="2B2B2B"/>
+                </a:solidFill>
+                <a:latin typeface="Roboto" panose="02000000000000000000" pitchFamily="2" charset="0"/>
+              </a:rPr>
+              <a:t>Machine Learning – Random Forest</a:t>
+            </a:r>
+            <a:endParaRPr lang="en-US" sz="1800" dirty="0"/>
+          </a:p>
+        </p:txBody>
+      </p:sp>
+      <p:sp>
+        <p:nvSpPr>
+          <p:cNvPr id="10" name="TextBox 9">
+            <a:extLst>
+              <a:ext uri="{FF2B5EF4-FFF2-40B4-BE49-F238E27FC236}">
+                <a16:creationId xmlns:a16="http://schemas.microsoft.com/office/drawing/2014/main" id="{453E4B5D-E520-43B6-8C4A-E735E3A876C5}"/>
+              </a:ext>
+            </a:extLst>
+          </p:cNvPr>
+          <p:cNvSpPr txBox="1"/>
+          <p:nvPr/>
+        </p:nvSpPr>
+        <p:spPr>
+          <a:xfrm>
+            <a:off x="8457712" y="4949147"/>
+            <a:ext cx="825817" cy="246221"/>
+          </a:xfrm>
+          <a:prstGeom prst="rect">
+            <a:avLst/>
+          </a:prstGeom>
+          <a:noFill/>
+        </p:spPr>
+        <p:txBody>
+          <a:bodyPr wrap="square" rtlCol="0">
+            <a:spAutoFit/>
+          </a:bodyPr>
+          <a:lstStyle/>
+          <a:p>
+            <a:r>
+              <a:rPr lang="en-US" sz="1000" dirty="0">
+                <a:solidFill>
+                  <a:schemeClr val="bg1"/>
+                </a:solidFill>
+              </a:rPr>
+              <a:t>Group 1</a:t>
+            </a:r>
+            <a:endParaRPr lang="en-US" sz="1000" dirty="0">
+              <a:highlight>
+                <a:srgbClr val="FFFF00"/>
+              </a:highlight>
+            </a:endParaRPr>
+          </a:p>
+        </p:txBody>
+      </p:sp>
+    </p:spTree>
+    <p:extLst>
+      <p:ext uri="{BB962C8B-B14F-4D97-AF65-F5344CB8AC3E}">
+        <p14:creationId xmlns:p14="http://schemas.microsoft.com/office/powerpoint/2010/main" val="3884940733"/>
+      </p:ext>
+    </p:extLst>
+  </p:cSld>
+  <p:clrMapOvr>
+    <a:masterClrMapping/>
+  </p:clrMapOvr>
+</p:sld>
+</file>
+
+<file path=ppt/slides/slide9.xml><?xml version="1.0" encoding="utf-8"?>
+<p:sld xmlns:a="http://schemas.openxmlformats.org/drawingml/2006/main" xmlns:r="http://schemas.openxmlformats.org/officeDocument/2006/relationships" xmlns:p="http://schemas.openxmlformats.org/presentationml/2006/main">
+  <p:cSld>
+    <p:spTree>
+      <p:nvGrpSpPr>
+        <p:cNvPr id="1" name="Shape 53"/>
+        <p:cNvGrpSpPr/>
+        <p:nvPr/>
+      </p:nvGrpSpPr>
+      <p:grpSpPr>
+        <a:xfrm>
+          <a:off x="0" y="0"/>
+          <a:ext cx="0" cy="0"/>
+          <a:chOff x="0" y="0"/>
+          <a:chExt cx="0" cy="0"/>
+        </a:xfrm>
+      </p:grpSpPr>
+      <p:pic>
+        <p:nvPicPr>
+          <p:cNvPr id="4" name="Picture 3">
+            <a:extLst>
+              <a:ext uri="{FF2B5EF4-FFF2-40B4-BE49-F238E27FC236}">
+                <a16:creationId xmlns:a16="http://schemas.microsoft.com/office/drawing/2014/main" id="{988BEC99-851C-4203-85C9-4FF1779C0510}"/>
+              </a:ext>
+            </a:extLst>
+          </p:cNvPr>
+          <p:cNvPicPr>
+            <a:picLocks noChangeAspect="1"/>
+          </p:cNvPicPr>
+          <p:nvPr/>
+        </p:nvPicPr>
+        <p:blipFill>
+          <a:blip r:embed="rId3"/>
+          <a:stretch>
+            <a:fillRect/>
+          </a:stretch>
+        </p:blipFill>
+        <p:spPr>
+          <a:xfrm>
+            <a:off x="63805" y="251361"/>
+            <a:ext cx="9219724" cy="4818348"/>
+          </a:xfrm>
+          <a:prstGeom prst="rect">
+            <a:avLst/>
+          </a:prstGeom>
+          <a:solidFill>
+            <a:schemeClr val="bg1"/>
+          </a:solidFill>
+          <a:effectLst>
+            <a:glow rad="127000">
+              <a:schemeClr val="bg1">
+                <a:lumMod val="95000"/>
+                <a:alpha val="0"/>
+              </a:schemeClr>
+            </a:glow>
+          </a:effectLst>
+        </p:spPr>
+      </p:pic>
+      <p:sp>
+        <p:nvSpPr>
+          <p:cNvPr id="55" name="Google Shape;55;p13"/>
+          <p:cNvSpPr txBox="1">
+            <a:spLocks noGrp="1"/>
+          </p:cNvSpPr>
+          <p:nvPr>
+            <p:ph type="subTitle" idx="1"/>
+          </p:nvPr>
+        </p:nvSpPr>
+        <p:spPr>
+          <a:xfrm>
+            <a:off x="45720" y="71242"/>
+            <a:ext cx="9219724" cy="477397"/>
+          </a:xfrm>
+          <a:prstGeom prst="rect">
+            <a:avLst/>
+          </a:prstGeom>
+          <a:blipFill dpi="0" rotWithShape="1">
+            <a:blip r:embed="rId4">
+              <a:alphaModFix amt="74000"/>
+            </a:blip>
+            <a:srcRect/>
+            <a:tile tx="0" ty="0" sx="100000" sy="100000" flip="none" algn="tl"/>
+          </a:blipFill>
+          <a:effectLst>
+            <a:glow rad="127000">
+              <a:schemeClr val="accent1">
+                <a:lumMod val="75000"/>
+              </a:schemeClr>
+            </a:glow>
+          </a:effectLst>
+        </p:spPr>
+        <p:txBody>
+          <a:bodyPr spcFirstLastPara="1" wrap="square" lIns="91425" tIns="91425" rIns="91425" bIns="91425" anchor="t" anchorCtr="0">
+            <a:normAutofit/>
+          </a:bodyPr>
+          <a:lstStyle/>
+          <a:p>
+            <a:pPr marL="0" lvl="0" indent="0" algn="ctr" rtl="0">
+              <a:spcBef>
+                <a:spcPts val="0"/>
+              </a:spcBef>
+              <a:spcAft>
+                <a:spcPts val="0"/>
+              </a:spcAft>
+              <a:buNone/>
+            </a:pPr>
+            <a:r>
+              <a:rPr lang="en" sz="1800" dirty="0">
+                <a:solidFill>
+                  <a:srgbClr val="000000"/>
+                </a:solidFill>
+              </a:rPr>
+              <a:t>Market Volatility During International Conflicts</a:t>
+            </a:r>
+            <a:endParaRPr sz="1800" dirty="0">
+              <a:solidFill>
+                <a:srgbClr val="000000"/>
+              </a:solidFill>
+            </a:endParaRPr>
+          </a:p>
+        </p:txBody>
+      </p:sp>
+      <p:sp>
+        <p:nvSpPr>
+          <p:cNvPr id="2" name="TextBox 1">
+            <a:extLst>
+              <a:ext uri="{FF2B5EF4-FFF2-40B4-BE49-F238E27FC236}">
+                <a16:creationId xmlns:a16="http://schemas.microsoft.com/office/drawing/2014/main" id="{48BF80AB-9619-49C8-9D40-FF1028787918}"/>
+              </a:ext>
+            </a:extLst>
+          </p:cNvPr>
+          <p:cNvSpPr txBox="1"/>
+          <p:nvPr/>
+        </p:nvSpPr>
+        <p:spPr>
+          <a:xfrm>
+            <a:off x="512207" y="808626"/>
+            <a:ext cx="8286750" cy="3785652"/>
+          </a:xfrm>
+          <a:prstGeom prst="rect">
+            <a:avLst/>
+          </a:prstGeom>
+          <a:solidFill>
+            <a:schemeClr val="lt1">
+              <a:alpha val="80000"/>
+            </a:schemeClr>
+          </a:solidFill>
+        </p:spPr>
+        <p:txBody>
+          <a:bodyPr wrap="square" rtlCol="0">
+            <a:spAutoFit/>
+          </a:bodyPr>
+          <a:lstStyle/>
+          <a:p>
+            <a:r>
+              <a:rPr lang="en-US" b="0" i="0" dirty="0">
+                <a:solidFill>
+                  <a:srgbClr val="2B2B2B"/>
+                </a:solidFill>
+                <a:effectLst/>
+                <a:latin typeface="Roboto" panose="02000000000000000000" pitchFamily="2" charset="0"/>
+              </a:rPr>
+              <a:t>Description of the analysis phase of the project:</a:t>
+            </a:r>
+          </a:p>
+          <a:p>
+            <a:r>
+              <a:rPr lang="en-US" sz="1200" b="0" i="0" dirty="0">
+                <a:solidFill>
+                  <a:srgbClr val="24292F"/>
+                </a:solidFill>
+                <a:effectLst/>
+                <a:latin typeface="-apple-system"/>
+              </a:rPr>
+              <a:t>	Using </a:t>
+            </a:r>
+            <a:r>
+              <a:rPr lang="en-US" sz="1200" b="0" i="0" dirty="0" err="1">
+                <a:solidFill>
+                  <a:srgbClr val="24292F"/>
+                </a:solidFill>
+                <a:effectLst/>
+                <a:latin typeface="-apple-system"/>
+              </a:rPr>
+              <a:t>Jupyter</a:t>
+            </a:r>
+            <a:r>
+              <a:rPr lang="en-US" sz="1200" b="0" i="0" dirty="0">
+                <a:solidFill>
+                  <a:srgbClr val="24292F"/>
+                </a:solidFill>
+                <a:effectLst/>
+                <a:latin typeface="-apple-system"/>
+              </a:rPr>
+              <a:t> Notebooks the dataset were uploaded to Amazon Web Services. We use Python for cleaning up war 	dataset file was initiated and joining and cleaning up database for the 3 stock market file for </a:t>
+            </a:r>
+            <a:r>
+              <a:rPr lang="en-US" sz="1200" b="0" i="0" dirty="0" err="1">
+                <a:solidFill>
+                  <a:srgbClr val="24292F"/>
+                </a:solidFill>
+                <a:effectLst/>
+                <a:latin typeface="-apple-system"/>
+              </a:rPr>
+              <a:t>Dowjones</a:t>
+            </a:r>
+            <a:r>
+              <a:rPr lang="en-US" sz="1200" b="0" i="0" dirty="0">
+                <a:solidFill>
+                  <a:srgbClr val="24292F"/>
+                </a:solidFill>
+                <a:effectLst/>
+                <a:latin typeface="-apple-system"/>
+              </a:rPr>
+              <a:t>, Nasdaq and 	SP500.</a:t>
+            </a:r>
+          </a:p>
+          <a:p>
+            <a:endParaRPr lang="en-US" sz="1200" b="0" i="0" dirty="0">
+              <a:solidFill>
+                <a:srgbClr val="24292F"/>
+              </a:solidFill>
+              <a:effectLst/>
+              <a:latin typeface="-apple-system"/>
+            </a:endParaRPr>
+          </a:p>
+          <a:p>
+            <a:r>
+              <a:rPr lang="en-US" b="0" i="0" dirty="0">
+                <a:solidFill>
+                  <a:srgbClr val="24292F"/>
+                </a:solidFill>
+                <a:effectLst/>
+                <a:latin typeface="-apple-system"/>
+              </a:rPr>
+              <a:t>Description of preliminary feature engineering and preliminary feature selection, including the decision-making process:</a:t>
+            </a:r>
+          </a:p>
+          <a:p>
+            <a:endParaRPr lang="en-US" sz="1200" b="0" i="0" dirty="0">
+              <a:solidFill>
+                <a:srgbClr val="24292F"/>
+              </a:solidFill>
+              <a:effectLst/>
+              <a:latin typeface="-apple-system"/>
+            </a:endParaRPr>
+          </a:p>
+          <a:p>
+            <a:pPr marL="228600" lvl="5" indent="-228600">
+              <a:buFont typeface="+mj-lt"/>
+              <a:buAutoNum type="arabicPeriod"/>
+            </a:pPr>
+            <a:r>
+              <a:rPr lang="en-US" sz="1200" b="0" i="0" dirty="0">
+                <a:solidFill>
+                  <a:srgbClr val="24292F"/>
+                </a:solidFill>
+                <a:effectLst/>
+                <a:latin typeface="-apple-system"/>
+              </a:rPr>
+              <a:t>The feature engineering and preliminary feature selection was performed in the </a:t>
+            </a:r>
+            <a:r>
+              <a:rPr lang="en-US" sz="1200" b="0" i="0" dirty="0" err="1">
+                <a:solidFill>
+                  <a:srgbClr val="24292F"/>
+                </a:solidFill>
+                <a:effectLst/>
+                <a:latin typeface="-apple-system"/>
+              </a:rPr>
+              <a:t>ml_dev.ipynb</a:t>
+            </a:r>
+            <a:r>
+              <a:rPr lang="en-US" sz="1200" b="0" i="0" dirty="0">
+                <a:solidFill>
+                  <a:srgbClr val="24292F"/>
+                </a:solidFill>
+                <a:effectLst/>
+                <a:latin typeface="-apple-system"/>
+              </a:rPr>
+              <a:t> </a:t>
+            </a:r>
+            <a:r>
+              <a:rPr lang="en-US" sz="1200" b="0" i="0" dirty="0" err="1">
+                <a:solidFill>
+                  <a:srgbClr val="24292F"/>
+                </a:solidFill>
+                <a:effectLst/>
+                <a:latin typeface="-apple-system"/>
+              </a:rPr>
+              <a:t>Jupyter</a:t>
+            </a:r>
+            <a:r>
+              <a:rPr lang="en-US" sz="1200" b="0" i="0" dirty="0">
+                <a:solidFill>
+                  <a:srgbClr val="24292F"/>
+                </a:solidFill>
+                <a:effectLst/>
+                <a:latin typeface="-apple-system"/>
+              </a:rPr>
+              <a:t> notebook. The first restriction in the data was selecting only the conflict data where we had stock data available.</a:t>
+            </a:r>
+          </a:p>
+          <a:p>
+            <a:pPr marL="228600" lvl="5" indent="-228600">
+              <a:buFont typeface="+mj-lt"/>
+              <a:buAutoNum type="arabicPeriod"/>
+            </a:pPr>
+            <a:r>
+              <a:rPr lang="en-US" sz="1200" b="0" i="0" dirty="0">
+                <a:solidFill>
+                  <a:srgbClr val="24292F"/>
+                </a:solidFill>
+                <a:effectLst/>
+                <a:latin typeface="-apple-system"/>
+              </a:rPr>
+              <a:t>Next, a function called </a:t>
+            </a:r>
+            <a:r>
+              <a:rPr lang="en-US" sz="1200" b="0" i="0" dirty="0" err="1">
+                <a:solidFill>
+                  <a:srgbClr val="24292F"/>
+                </a:solidFill>
+                <a:effectLst/>
+                <a:latin typeface="-apple-system"/>
+              </a:rPr>
+              <a:t>find_nearest_date</a:t>
+            </a:r>
+            <a:r>
+              <a:rPr lang="en-US" sz="1200" b="0" i="0" dirty="0">
+                <a:solidFill>
+                  <a:srgbClr val="24292F"/>
+                </a:solidFill>
+                <a:effectLst/>
+                <a:latin typeface="-apple-system"/>
+              </a:rPr>
+              <a:t>() was created to find the nearest stock date given the conflict date, this would be used to merge the stock data to the conflict data in a new </a:t>
+            </a:r>
+            <a:r>
+              <a:rPr lang="en-US" sz="1200" b="0" i="0" dirty="0" err="1">
+                <a:solidFill>
+                  <a:srgbClr val="24292F"/>
+                </a:solidFill>
+                <a:effectLst/>
+                <a:latin typeface="-apple-system"/>
+              </a:rPr>
+              <a:t>dataframe</a:t>
+            </a:r>
+            <a:r>
+              <a:rPr lang="en-US" sz="1200" b="0" i="0" dirty="0">
+                <a:solidFill>
+                  <a:srgbClr val="24292F"/>
+                </a:solidFill>
+                <a:effectLst/>
+                <a:latin typeface="-apple-system"/>
+              </a:rPr>
+              <a:t>. A binning function, </a:t>
+            </a:r>
+            <a:r>
+              <a:rPr lang="en-US" sz="1200" b="0" i="0" dirty="0" err="1">
+                <a:solidFill>
+                  <a:srgbClr val="24292F"/>
+                </a:solidFill>
+                <a:effectLst/>
+                <a:latin typeface="-apple-system"/>
+              </a:rPr>
+              <a:t>create_bins</a:t>
+            </a:r>
+            <a:r>
+              <a:rPr lang="en-US" sz="1200" b="0" i="0" dirty="0">
+                <a:solidFill>
+                  <a:srgbClr val="24292F"/>
+                </a:solidFill>
+                <a:effectLst/>
+                <a:latin typeface="-apple-system"/>
+              </a:rPr>
+              <a:t>() was created to allow the easy generalization of binning as there are potentially hundreds of different countries/governments, so this would help to prevent the blowing up of the number of features, given the relatively small number of conflicts.</a:t>
+            </a:r>
+          </a:p>
+          <a:p>
+            <a:pPr marL="228600" lvl="5" indent="-228600">
+              <a:buFont typeface="+mj-lt"/>
+              <a:buAutoNum type="arabicPeriod"/>
+            </a:pPr>
+            <a:r>
+              <a:rPr lang="en-US" sz="1200" b="0" i="0" dirty="0">
+                <a:solidFill>
+                  <a:srgbClr val="24292F"/>
+                </a:solidFill>
+                <a:effectLst/>
+                <a:latin typeface="-apple-system"/>
+              </a:rPr>
+              <a:t>Binning was performed on all the object </a:t>
+            </a:r>
+            <a:r>
+              <a:rPr lang="en-US" sz="1200" b="0" i="0" dirty="0" err="1">
+                <a:solidFill>
+                  <a:srgbClr val="24292F"/>
+                </a:solidFill>
+                <a:effectLst/>
+                <a:latin typeface="-apple-system"/>
+              </a:rPr>
+              <a:t>dtype</a:t>
+            </a:r>
+            <a:r>
+              <a:rPr lang="en-US" sz="1200" b="0" i="0" dirty="0">
+                <a:solidFill>
+                  <a:srgbClr val="24292F"/>
+                </a:solidFill>
+                <a:effectLst/>
+                <a:latin typeface="-apple-system"/>
+              </a:rPr>
+              <a:t> columns using the aforementioned </a:t>
+            </a:r>
+            <a:r>
+              <a:rPr lang="en-US" sz="1200" b="0" i="0" dirty="0" err="1">
+                <a:solidFill>
+                  <a:srgbClr val="24292F"/>
+                </a:solidFill>
+                <a:effectLst/>
+                <a:latin typeface="-apple-system"/>
+              </a:rPr>
+              <a:t>create_bins</a:t>
+            </a:r>
+            <a:r>
+              <a:rPr lang="en-US" sz="1200" b="0" i="0" dirty="0">
+                <a:solidFill>
+                  <a:srgbClr val="24292F"/>
+                </a:solidFill>
+                <a:effectLst/>
+                <a:latin typeface="-apple-system"/>
+              </a:rPr>
+              <a:t>() function. The actual encoding was performed using </a:t>
+            </a:r>
+            <a:r>
+              <a:rPr lang="en-US" sz="1200" b="0" i="0" dirty="0" err="1">
+                <a:solidFill>
+                  <a:srgbClr val="24292F"/>
+                </a:solidFill>
+                <a:effectLst/>
+                <a:latin typeface="-apple-system"/>
+              </a:rPr>
+              <a:t>Pandas.get_dummies</a:t>
+            </a:r>
+            <a:r>
+              <a:rPr lang="en-US" sz="1200" b="0" i="0" dirty="0">
+                <a:solidFill>
+                  <a:srgbClr val="24292F"/>
+                </a:solidFill>
+                <a:effectLst/>
+                <a:latin typeface="-apple-system"/>
+              </a:rPr>
+              <a:t>() method.</a:t>
+            </a:r>
+          </a:p>
+          <a:p>
+            <a:pPr marL="228600" lvl="5" indent="-228600">
+              <a:buFont typeface="+mj-lt"/>
+              <a:buAutoNum type="arabicPeriod"/>
+            </a:pPr>
+            <a:r>
+              <a:rPr lang="en-US" sz="1200" b="0" i="0" dirty="0">
+                <a:solidFill>
+                  <a:srgbClr val="24292F"/>
+                </a:solidFill>
+                <a:effectLst/>
+                <a:latin typeface="-apple-system"/>
+              </a:rPr>
+              <a:t>A simple Pandas merge is then used to combine the conflict and stock data, where stock data that is missing any values are dropped, and then </a:t>
+            </a:r>
+            <a:r>
+              <a:rPr lang="en-US" sz="1200" b="0" i="0" dirty="0" err="1">
+                <a:solidFill>
+                  <a:srgbClr val="24292F"/>
+                </a:solidFill>
+                <a:effectLst/>
+                <a:latin typeface="-apple-system"/>
+              </a:rPr>
+              <a:t>NaNs</a:t>
+            </a:r>
+            <a:r>
+              <a:rPr lang="en-US" sz="1200" b="0" i="0" dirty="0">
+                <a:solidFill>
+                  <a:srgbClr val="24292F"/>
+                </a:solidFill>
+                <a:effectLst/>
+                <a:latin typeface="-apple-system"/>
+              </a:rPr>
+              <a:t> are filled with 0s</a:t>
+            </a:r>
+            <a:endParaRPr lang="en-US" sz="1200" dirty="0">
+              <a:solidFill>
+                <a:srgbClr val="2B2B2B"/>
+              </a:solidFill>
+              <a:latin typeface="Roboto" panose="02000000000000000000" pitchFamily="2" charset="0"/>
+            </a:endParaRPr>
+          </a:p>
+          <a:p>
+            <a:endParaRPr lang="en-US" sz="1800" dirty="0"/>
+          </a:p>
+        </p:txBody>
+      </p:sp>
+      <p:sp>
+        <p:nvSpPr>
+          <p:cNvPr id="10" name="TextBox 9">
+            <a:extLst>
+              <a:ext uri="{FF2B5EF4-FFF2-40B4-BE49-F238E27FC236}">
+                <a16:creationId xmlns:a16="http://schemas.microsoft.com/office/drawing/2014/main" id="{453E4B5D-E520-43B6-8C4A-E735E3A876C5}"/>
+              </a:ext>
+            </a:extLst>
+          </p:cNvPr>
+          <p:cNvSpPr txBox="1"/>
+          <p:nvPr/>
+        </p:nvSpPr>
+        <p:spPr>
+          <a:xfrm>
+            <a:off x="8457712" y="4949147"/>
+            <a:ext cx="825817" cy="246221"/>
+          </a:xfrm>
+          <a:prstGeom prst="rect">
+            <a:avLst/>
+          </a:prstGeom>
+          <a:noFill/>
+        </p:spPr>
+        <p:txBody>
+          <a:bodyPr wrap="square" rtlCol="0">
+            <a:spAutoFit/>
+          </a:bodyPr>
+          <a:lstStyle/>
+          <a:p>
+            <a:r>
+              <a:rPr lang="en-US" sz="1000" dirty="0">
+                <a:solidFill>
+                  <a:schemeClr val="bg1"/>
+                </a:solidFill>
+              </a:rPr>
+              <a:t>Group 1</a:t>
+            </a:r>
+            <a:endParaRPr lang="en-US" sz="1000" dirty="0">
+              <a:highlight>
+                <a:srgbClr val="FFFF00"/>
+              </a:highlight>
+            </a:endParaRPr>
+          </a:p>
+        </p:txBody>
+      </p:sp>
+    </p:spTree>
+    <p:extLst>
+      <p:ext uri="{BB962C8B-B14F-4D97-AF65-F5344CB8AC3E}">
+        <p14:creationId xmlns:p14="http://schemas.microsoft.com/office/powerpoint/2010/main" val="313516060"/>
       </p:ext>
     </p:extLst>
   </p:cSld>
